--- a/MySQL/binlog/后端与UI的webscoket事件机制.pptx
+++ b/MySQL/binlog/后端与UI的webscoket事件机制.pptx
@@ -5,10 +5,10 @@
     <p:sldMasterId id="2147483661" r:id="rId1"/>
   </p:sldMasterIdLst>
   <p:notesMasterIdLst>
-    <p:notesMasterId r:id="rId19"/>
+    <p:notesMasterId r:id="rId20"/>
   </p:notesMasterIdLst>
   <p:handoutMasterIdLst>
-    <p:handoutMasterId r:id="rId20"/>
+    <p:handoutMasterId r:id="rId21"/>
   </p:handoutMasterIdLst>
   <p:sldIdLst>
     <p:sldId id="344" r:id="rId2"/>
@@ -26,8 +26,9 @@
     <p:sldId id="402" r:id="rId14"/>
     <p:sldId id="409" r:id="rId15"/>
     <p:sldId id="410" r:id="rId16"/>
-    <p:sldId id="411" r:id="rId17"/>
-    <p:sldId id="282" r:id="rId18"/>
+    <p:sldId id="412" r:id="rId17"/>
+    <p:sldId id="411" r:id="rId18"/>
+    <p:sldId id="282" r:id="rId19"/>
   </p:sldIdLst>
   <p:sldSz cx="12192000" cy="6858000"/>
   <p:notesSz cx="6858000" cy="9144000"/>
@@ -146,6 +147,7 @@
             <p14:sldId id="402"/>
             <p14:sldId id="409"/>
             <p14:sldId id="410"/>
+            <p14:sldId id="412"/>
             <p14:sldId id="411"/>
             <p14:sldId id="282"/>
           </p14:sldIdLst>
@@ -273,7 +275,7 @@
                 <a:latin typeface="微软雅黑" panose="020B0503020204020204" charset="-122"/>
                 <a:ea typeface="微软雅黑" panose="020B0503020204020204" charset="-122"/>
               </a:rPr>
-              <a:t>2023/8/15</a:t>
+              <a:t>2023/8/18</a:t>
             </a:fld>
             <a:endParaRPr lang="zh-CN" altLang="en-US" smtClean="0">
               <a:latin typeface="微软雅黑" panose="020B0503020204020204" charset="-122"/>
@@ -456,7 +458,7 @@
           <a:p>
             <a:fld id="{1AC49D05-6128-4D0D-A32A-06A5E73B386C}" type="datetimeFigureOut">
               <a:rPr lang="zh-CN" altLang="en-US" smtClean="0"/>
-              <a:t>2023/8/15</a:t>
+              <a:t>2023/8/18</a:t>
             </a:fld>
             <a:endParaRPr lang="zh-CN" altLang="en-US"/>
           </a:p>
@@ -891,6 +893,102 @@
             <a:fld id="{5849F42C-2DAE-424C-A4B8-3140182C3E9F}" type="slidenum">
               <a:rPr lang="zh-CN" altLang="en-US" smtClean="0"/>
               <a:t>16</a:t>
+            </a:fld>
+            <a:endParaRPr lang="zh-CN" altLang="en-US"/>
+          </a:p>
+        </p:txBody>
+      </p:sp>
+    </p:spTree>
+    <p:extLst>
+      <p:ext uri="{BB962C8B-B14F-4D97-AF65-F5344CB8AC3E}">
+        <p14:creationId xmlns:p14="http://schemas.microsoft.com/office/powerpoint/2010/main" val="2839420241"/>
+      </p:ext>
+    </p:extLst>
+  </p:cSld>
+  <p:clrMapOvr>
+    <a:masterClrMapping/>
+  </p:clrMapOvr>
+</p:notes>
+</file>
+
+<file path=ppt/notesSlides/notesSlide11.xml><?xml version="1.0" encoding="utf-8"?>
+<p:notes xmlns:a="http://schemas.openxmlformats.org/drawingml/2006/main" xmlns:r="http://schemas.openxmlformats.org/officeDocument/2006/relationships" xmlns:p="http://schemas.openxmlformats.org/presentationml/2006/main">
+  <p:cSld>
+    <p:spTree>
+      <p:nvGrpSpPr>
+        <p:cNvPr id="1" name=""/>
+        <p:cNvGrpSpPr/>
+        <p:nvPr/>
+      </p:nvGrpSpPr>
+      <p:grpSpPr>
+        <a:xfrm>
+          <a:off x="0" y="0"/>
+          <a:ext cx="0" cy="0"/>
+          <a:chOff x="0" y="0"/>
+          <a:chExt cx="0" cy="0"/>
+        </a:xfrm>
+      </p:grpSpPr>
+      <p:sp>
+        <p:nvSpPr>
+          <p:cNvPr id="2" name="幻灯片图像占位符 1"/>
+          <p:cNvSpPr>
+            <a:spLocks noGrp="1" noRot="1" noChangeAspect="1"/>
+          </p:cNvSpPr>
+          <p:nvPr>
+            <p:ph type="sldImg"/>
+          </p:nvPr>
+        </p:nvSpPr>
+        <p:spPr/>
+      </p:sp>
+      <p:sp>
+        <p:nvSpPr>
+          <p:cNvPr id="3" name="备注占位符 2"/>
+          <p:cNvSpPr>
+            <a:spLocks noGrp="1"/>
+          </p:cNvSpPr>
+          <p:nvPr>
+            <p:ph type="body" idx="1"/>
+          </p:nvPr>
+        </p:nvSpPr>
+        <p:spPr/>
+        <p:txBody>
+          <a:bodyPr/>
+          <a:lstStyle/>
+          <a:p>
+            <a:pPr marL="0" algn="l" defTabSz="914400" rtl="0" eaLnBrk="1" latinLnBrk="0" hangingPunct="1">
+              <a:lnSpc>
+                <a:spcPct val="150000"/>
+              </a:lnSpc>
+            </a:pPr>
+            <a:endParaRPr lang="zh-CN" altLang="en-US" sz="1800" kern="1200" dirty="0">
+              <a:solidFill>
+                <a:schemeClr val="tx1"/>
+              </a:solidFill>
+              <a:latin typeface="微软雅黑" pitchFamily="34" charset="-122"/>
+              <a:ea typeface="微软雅黑" pitchFamily="34" charset="-122"/>
+              <a:cs typeface="+mn-cs"/>
+            </a:endParaRPr>
+          </a:p>
+        </p:txBody>
+      </p:sp>
+      <p:sp>
+        <p:nvSpPr>
+          <p:cNvPr id="4" name="灯片编号占位符 3"/>
+          <p:cNvSpPr>
+            <a:spLocks noGrp="1"/>
+          </p:cNvSpPr>
+          <p:nvPr>
+            <p:ph type="sldNum" sz="quarter" idx="10"/>
+          </p:nvPr>
+        </p:nvSpPr>
+        <p:spPr/>
+        <p:txBody>
+          <a:bodyPr/>
+          <a:lstStyle/>
+          <a:p>
+            <a:fld id="{5849F42C-2DAE-424C-A4B8-3140182C3E9F}" type="slidenum">
+              <a:rPr lang="zh-CN" altLang="en-US" smtClean="0"/>
+              <a:t>17</a:t>
             </a:fld>
             <a:endParaRPr lang="zh-CN" altLang="en-US"/>
           </a:p>
@@ -2361,7 +2459,7 @@
           <a:p>
             <a:fld id="{4AF1D963-E470-477F-9771-78FBCB781656}" type="datetimeFigureOut">
               <a:rPr lang="zh-CN" altLang="en-US" smtClean="0"/>
-              <a:t>2023/8/15</a:t>
+              <a:t>2023/8/18</a:t>
             </a:fld>
             <a:endParaRPr lang="zh-CN" altLang="en-US"/>
           </a:p>
@@ -10811,7 +10909,7 @@
           <p:nvPr>
             <p:extLst>
               <p:ext uri="{D42A27DB-BD31-4B8C-83A1-F6EECF244321}">
-                <p14:modId xmlns:p14="http://schemas.microsoft.com/office/powerpoint/2010/main" val="2456177521"/>
+                <p14:modId xmlns:p14="http://schemas.microsoft.com/office/powerpoint/2010/main" val="3006826649"/>
               </p:ext>
             </p:extLst>
           </p:nvPr>
@@ -11351,7 +11449,7 @@
                     <a:p>
                       <a:pPr algn="ctr" fontAlgn="t"/>
                       <a:r>
-                        <a:rPr lang="en-US" altLang="zh-CN" sz="1400">
+                        <a:rPr lang="en-US" altLang="zh-CN" sz="1400" dirty="0">
                           <a:effectLst/>
                           <a:latin typeface="微软雅黑" panose="020B0503020204020204" pitchFamily="34" charset="-122"/>
                           <a:ea typeface="微软雅黑" panose="020B0503020204020204" pitchFamily="34" charset="-122"/>
@@ -11387,7 +11485,7 @@
                     <a:p>
                       <a:pPr algn="ctr" fontAlgn="t"/>
                       <a:r>
-                        <a:rPr lang="en-US" altLang="zh-CN" sz="1400">
+                        <a:rPr lang="en-US" altLang="zh-CN" sz="1400" dirty="0">
                           <a:effectLst/>
                           <a:latin typeface="微软雅黑" panose="020B0503020204020204" pitchFamily="34" charset="-122"/>
                           <a:ea typeface="微软雅黑" panose="020B0503020204020204" pitchFamily="34" charset="-122"/>
@@ -11441,13 +11539,18 @@
                     <a:p>
                       <a:pPr algn="ctr" fontAlgn="t"/>
                       <a:r>
-                        <a:rPr lang="en-US" altLang="zh-CN" sz="1400" b="1" dirty="0">
+                        <a:rPr lang="en-US" altLang="zh-CN" sz="1400" b="1" dirty="0" smtClean="0">
                           <a:effectLst/>
                           <a:latin typeface="微软雅黑" panose="020B0503020204020204" pitchFamily="34" charset="-122"/>
                           <a:ea typeface="微软雅黑" panose="020B0503020204020204" pitchFamily="34" charset="-122"/>
                         </a:rPr>
-                        <a:t>656.4</a:t>
+                        <a:t>776.4</a:t>
                       </a:r>
+                      <a:endParaRPr lang="en-US" altLang="zh-CN" sz="1400" b="1" dirty="0">
+                        <a:effectLst/>
+                        <a:latin typeface="微软雅黑" panose="020B0503020204020204" pitchFamily="34" charset="-122"/>
+                        <a:ea typeface="微软雅黑" panose="020B0503020204020204" pitchFamily="34" charset="-122"/>
+                      </a:endParaRPr>
                     </a:p>
                   </a:txBody>
                   <a:tcPr marL="95250" marR="95250" marT="47625" marB="47625" anchor="ctr"/>
@@ -11697,19 +11800,8 @@
                 <a:latin typeface="微软雅黑" pitchFamily="34" charset="-122"/>
                 <a:ea typeface="微软雅黑" pitchFamily="34" charset="-122"/>
               </a:rPr>
-              <a:t>耗时</a:t>
-            </a:r>
-            <a:r>
-              <a:rPr lang="zh-CN" altLang="en-US" sz="1600" dirty="0">
-                <a:latin typeface="微软雅黑" pitchFamily="34" charset="-122"/>
-                <a:ea typeface="微软雅黑" pitchFamily="34" charset="-122"/>
-              </a:rPr>
-              <a:t>：</a:t>
-            </a:r>
-            <a:endParaRPr lang="zh-CN" altLang="en-US" sz="1600" dirty="0" smtClean="0">
-              <a:latin typeface="微软雅黑" pitchFamily="34" charset="-122"/>
-              <a:ea typeface="微软雅黑" pitchFamily="34" charset="-122"/>
-            </a:endParaRPr>
+              <a:t>耗时：</a:t>
+            </a:r>
           </a:p>
         </p:txBody>
       </p:sp>
@@ -16052,10 +16144,994 @@
           <a:lstStyle/>
           <a:p>
             <a:r>
+              <a:rPr lang="zh-CN" altLang="en-US" dirty="0" smtClean="0"/>
+              <a:t>其他 </a:t>
+            </a:r>
+            <a:r>
+              <a:rPr lang="en-US" altLang="zh-CN" dirty="0" smtClean="0"/>
+              <a:t>- </a:t>
+            </a:r>
+            <a:r>
+              <a:rPr lang="zh-CN" altLang="en-US" dirty="0" smtClean="0"/>
+              <a:t>服务</a:t>
+            </a:r>
+            <a:r>
+              <a:rPr lang="zh-CN" altLang="en-US" dirty="0"/>
+              <a:t>端实时推送消息技术</a:t>
+            </a:r>
+            <a:r>
+              <a:rPr lang="zh-CN" altLang="en-US" dirty="0" smtClean="0"/>
+              <a:t>对比</a:t>
+            </a:r>
+            <a:endParaRPr lang="zh-CN" altLang="en-US" dirty="0"/>
+          </a:p>
+        </p:txBody>
+      </p:sp>
+      <p:graphicFrame>
+        <p:nvGraphicFramePr>
+          <p:cNvPr id="6" name="表格 5"/>
+          <p:cNvGraphicFramePr>
+            <a:graphicFrameLocks noGrp="1"/>
+          </p:cNvGraphicFramePr>
+          <p:nvPr>
+            <p:extLst>
+              <p:ext uri="{D42A27DB-BD31-4B8C-83A1-F6EECF244321}">
+                <p14:modId xmlns:p14="http://schemas.microsoft.com/office/powerpoint/2010/main" val="915803945"/>
+              </p:ext>
+            </p:extLst>
+          </p:nvPr>
+        </p:nvGraphicFramePr>
+        <p:xfrm>
+          <a:off x="425908" y="787406"/>
+          <a:ext cx="11413421" cy="5727313"/>
+        </p:xfrm>
+        <a:graphic>
+          <a:graphicData uri="http://schemas.openxmlformats.org/drawingml/2006/table">
+            <a:tbl>
+              <a:tblPr firstRow="1" bandRow="1">
+                <a:tableStyleId>{5C22544A-7EE6-4342-B048-85BDC9FD1C3A}</a:tableStyleId>
+              </a:tblPr>
+              <a:tblGrid>
+                <a:gridCol w="1597615"/>
+                <a:gridCol w="7968202"/>
+                <a:gridCol w="1847604"/>
+              </a:tblGrid>
+              <a:tr h="463268">
+                <a:tc>
+                  <a:txBody>
+                    <a:bodyPr/>
+                    <a:lstStyle/>
+                    <a:p>
+                      <a:pPr algn="ctr"/>
+                      <a:r>
+                        <a:rPr lang="zh-CN" altLang="en-US" sz="1600" dirty="0" smtClean="0">
+                          <a:latin typeface="微软雅黑" panose="020B0503020204020204" pitchFamily="34" charset="-122"/>
+                          <a:ea typeface="微软雅黑" panose="020B0503020204020204" pitchFamily="34" charset="-122"/>
+                        </a:rPr>
+                        <a:t>技术</a:t>
+                      </a:r>
+                      <a:endParaRPr lang="zh-CN" altLang="en-US" sz="1600" dirty="0">
+                        <a:latin typeface="微软雅黑" panose="020B0503020204020204" pitchFamily="34" charset="-122"/>
+                        <a:ea typeface="微软雅黑" panose="020B0503020204020204" pitchFamily="34" charset="-122"/>
+                      </a:endParaRPr>
+                    </a:p>
+                  </a:txBody>
+                  <a:tcPr anchor="ctr"/>
+                </a:tc>
+                <a:tc>
+                  <a:txBody>
+                    <a:bodyPr/>
+                    <a:lstStyle/>
+                    <a:p>
+                      <a:pPr algn="ctr"/>
+                      <a:r>
+                        <a:rPr lang="zh-CN" altLang="en-US" sz="1600" dirty="0" smtClean="0">
+                          <a:latin typeface="微软雅黑" panose="020B0503020204020204" pitchFamily="34" charset="-122"/>
+                          <a:ea typeface="微软雅黑" panose="020B0503020204020204" pitchFamily="34" charset="-122"/>
+                        </a:rPr>
+                        <a:t>概述</a:t>
+                      </a:r>
+                      <a:endParaRPr lang="zh-CN" altLang="en-US" sz="1600" dirty="0">
+                        <a:latin typeface="微软雅黑" panose="020B0503020204020204" pitchFamily="34" charset="-122"/>
+                        <a:ea typeface="微软雅黑" panose="020B0503020204020204" pitchFamily="34" charset="-122"/>
+                      </a:endParaRPr>
+                    </a:p>
+                  </a:txBody>
+                  <a:tcPr anchor="ctr"/>
+                </a:tc>
+                <a:tc>
+                  <a:txBody>
+                    <a:bodyPr/>
+                    <a:lstStyle/>
+                    <a:p>
+                      <a:pPr algn="ctr"/>
+                      <a:r>
+                        <a:rPr lang="zh-CN" altLang="en-US" sz="1600" dirty="0" smtClean="0">
+                          <a:latin typeface="微软雅黑" panose="020B0503020204020204" pitchFamily="34" charset="-122"/>
+                          <a:ea typeface="微软雅黑" panose="020B0503020204020204" pitchFamily="34" charset="-122"/>
+                        </a:rPr>
+                        <a:t>通信方向</a:t>
+                      </a:r>
+                      <a:endParaRPr lang="zh-CN" altLang="en-US" sz="1600" dirty="0">
+                        <a:latin typeface="微软雅黑" panose="020B0503020204020204" pitchFamily="34" charset="-122"/>
+                        <a:ea typeface="微软雅黑" panose="020B0503020204020204" pitchFamily="34" charset="-122"/>
+                      </a:endParaRPr>
+                    </a:p>
+                  </a:txBody>
+                  <a:tcPr anchor="ctr"/>
+                </a:tc>
+              </a:tr>
+              <a:tr h="511451">
+                <a:tc>
+                  <a:txBody>
+                    <a:bodyPr/>
+                    <a:lstStyle/>
+                    <a:p>
+                      <a:pPr algn="ctr"/>
+                      <a:r>
+                        <a:rPr lang="zh-CN" altLang="en-US" sz="1400" kern="1200" dirty="0" smtClean="0">
+                          <a:solidFill>
+                            <a:schemeClr val="tx1"/>
+                          </a:solidFill>
+                          <a:latin typeface="微软雅黑" pitchFamily="34" charset="-122"/>
+                          <a:ea typeface="微软雅黑" pitchFamily="34" charset="-122"/>
+                          <a:cs typeface="+mn-cs"/>
+                        </a:rPr>
+                        <a:t>短轮询</a:t>
+                      </a:r>
+                      <a:endParaRPr lang="zh-CN" altLang="en-US" sz="1400" kern="1200" dirty="0">
+                        <a:solidFill>
+                          <a:schemeClr val="tx1"/>
+                        </a:solidFill>
+                        <a:latin typeface="微软雅黑" pitchFamily="34" charset="-122"/>
+                        <a:ea typeface="微软雅黑" pitchFamily="34" charset="-122"/>
+                        <a:cs typeface="+mn-cs"/>
+                      </a:endParaRPr>
+                    </a:p>
+                  </a:txBody>
+                  <a:tcPr anchor="ctr"/>
+                </a:tc>
+                <a:tc>
+                  <a:txBody>
+                    <a:bodyPr/>
+                    <a:lstStyle/>
+                    <a:p>
+                      <a:pPr algn="l"/>
+                      <a:r>
+                        <a:rPr lang="zh-CN" altLang="en-US" sz="1400" kern="1200" dirty="0" smtClean="0">
+                          <a:solidFill>
+                            <a:schemeClr val="tx1"/>
+                          </a:solidFill>
+                          <a:latin typeface="微软雅黑" pitchFamily="34" charset="-122"/>
+                          <a:ea typeface="微软雅黑" pitchFamily="34" charset="-122"/>
+                          <a:cs typeface="+mn-cs"/>
+                        </a:rPr>
+                        <a:t>客户端定时轮询服务器</a:t>
+                      </a:r>
+                      <a:endParaRPr lang="zh-CN" altLang="en-US" sz="1400" kern="1200" dirty="0">
+                        <a:solidFill>
+                          <a:schemeClr val="tx1"/>
+                        </a:solidFill>
+                        <a:latin typeface="微软雅黑" pitchFamily="34" charset="-122"/>
+                        <a:ea typeface="微软雅黑" pitchFamily="34" charset="-122"/>
+                        <a:cs typeface="+mn-cs"/>
+                      </a:endParaRPr>
+                    </a:p>
+                  </a:txBody>
+                  <a:tcPr anchor="ctr"/>
+                </a:tc>
+                <a:tc>
+                  <a:txBody>
+                    <a:bodyPr/>
+                    <a:lstStyle/>
+                    <a:p>
+                      <a:pPr algn="ctr"/>
+                      <a:r>
+                        <a:rPr lang="zh-CN" altLang="en-US" sz="1400" dirty="0" smtClean="0">
+                          <a:latin typeface="微软雅黑" panose="020B0503020204020204" pitchFamily="34" charset="-122"/>
+                          <a:ea typeface="微软雅黑" panose="020B0503020204020204" pitchFamily="34" charset="-122"/>
+                        </a:rPr>
+                        <a:t>客户端 </a:t>
+                      </a:r>
+                      <a:r>
+                        <a:rPr lang="en-US" altLang="zh-CN" sz="1400" dirty="0" smtClean="0">
+                          <a:latin typeface="微软雅黑" panose="020B0503020204020204" pitchFamily="34" charset="-122"/>
+                          <a:ea typeface="微软雅黑" panose="020B0503020204020204" pitchFamily="34" charset="-122"/>
+                        </a:rPr>
+                        <a:t>-&gt;</a:t>
+                      </a:r>
+                      <a:r>
+                        <a:rPr lang="en-US" altLang="zh-CN" sz="1400" baseline="0" dirty="0" smtClean="0">
+                          <a:latin typeface="微软雅黑" panose="020B0503020204020204" pitchFamily="34" charset="-122"/>
+                          <a:ea typeface="微软雅黑" panose="020B0503020204020204" pitchFamily="34" charset="-122"/>
+                        </a:rPr>
+                        <a:t> </a:t>
+                      </a:r>
+                      <a:r>
+                        <a:rPr lang="zh-CN" altLang="en-US" sz="1400" baseline="0" dirty="0" smtClean="0">
+                          <a:latin typeface="微软雅黑" panose="020B0503020204020204" pitchFamily="34" charset="-122"/>
+                          <a:ea typeface="微软雅黑" panose="020B0503020204020204" pitchFamily="34" charset="-122"/>
+                        </a:rPr>
+                        <a:t>服务端</a:t>
+                      </a:r>
+                      <a:endParaRPr lang="zh-CN" altLang="en-US" sz="1400" dirty="0">
+                        <a:latin typeface="微软雅黑" panose="020B0503020204020204" pitchFamily="34" charset="-122"/>
+                        <a:ea typeface="微软雅黑" panose="020B0503020204020204" pitchFamily="34" charset="-122"/>
+                      </a:endParaRPr>
+                    </a:p>
+                  </a:txBody>
+                  <a:tcPr anchor="ctr"/>
+                </a:tc>
+              </a:tr>
+              <a:tr h="876300">
+                <a:tc>
+                  <a:txBody>
+                    <a:bodyPr/>
+                    <a:lstStyle/>
+                    <a:p>
+                      <a:pPr algn="ctr"/>
+                      <a:r>
+                        <a:rPr lang="zh-CN" altLang="en-US" sz="1400" kern="1200" dirty="0" smtClean="0">
+                          <a:solidFill>
+                            <a:schemeClr val="tx1"/>
+                          </a:solidFill>
+                          <a:latin typeface="微软雅黑" pitchFamily="34" charset="-122"/>
+                          <a:ea typeface="微软雅黑" pitchFamily="34" charset="-122"/>
+                          <a:cs typeface="+mn-cs"/>
+                        </a:rPr>
+                        <a:t>长轮询</a:t>
+                      </a:r>
+                      <a:endParaRPr lang="zh-CN" altLang="en-US" sz="1400" kern="1200" dirty="0">
+                        <a:solidFill>
+                          <a:schemeClr val="tx1"/>
+                        </a:solidFill>
+                        <a:latin typeface="微软雅黑" pitchFamily="34" charset="-122"/>
+                        <a:ea typeface="微软雅黑" pitchFamily="34" charset="-122"/>
+                        <a:cs typeface="+mn-cs"/>
+                      </a:endParaRPr>
+                    </a:p>
+                  </a:txBody>
+                  <a:tcPr anchor="ctr"/>
+                </a:tc>
+                <a:tc>
+                  <a:txBody>
+                    <a:bodyPr/>
+                    <a:lstStyle/>
+                    <a:p>
+                      <a:pPr algn="l">
+                        <a:lnSpc>
+                          <a:spcPct val="150000"/>
+                        </a:lnSpc>
+                      </a:pPr>
+                      <a:r>
+                        <a:rPr lang="zh-CN" altLang="en-US" sz="1400" kern="1200" dirty="0" smtClean="0">
+                          <a:solidFill>
+                            <a:schemeClr val="tx1"/>
+                          </a:solidFill>
+                          <a:latin typeface="微软雅黑" pitchFamily="34" charset="-122"/>
+                          <a:ea typeface="微软雅黑" pitchFamily="34" charset="-122"/>
+                          <a:cs typeface="+mn-cs"/>
+                        </a:rPr>
+                        <a:t>客户端发送一个请求到服务器，服务器查看客户端请求的数据是否发生了变化（是否有最新数据），如果发生变化则立即响应返回，否则保持这个连接并定期检查最新数据，直到发生了数据更新或连接超时。同时客户端连接一旦断开，则再次发出请求。</a:t>
+                      </a:r>
+                      <a:endParaRPr lang="zh-CN" altLang="en-US" sz="1400" kern="1200" dirty="0">
+                        <a:solidFill>
+                          <a:schemeClr val="tx1"/>
+                        </a:solidFill>
+                        <a:latin typeface="微软雅黑" pitchFamily="34" charset="-122"/>
+                        <a:ea typeface="微软雅黑" pitchFamily="34" charset="-122"/>
+                        <a:cs typeface="+mn-cs"/>
+                      </a:endParaRPr>
+                    </a:p>
+                  </a:txBody>
+                  <a:tcPr marL="108000" marR="108000" marT="72000" marB="72000" anchor="ctr"/>
+                </a:tc>
+                <a:tc>
+                  <a:txBody>
+                    <a:bodyPr/>
+                    <a:lstStyle/>
+                    <a:p>
+                      <a:pPr marL="0" marR="0" lvl="0" indent="0" algn="ctr" defTabSz="914400" rtl="0" eaLnBrk="1" fontAlgn="auto" latinLnBrk="0" hangingPunct="1">
+                        <a:lnSpc>
+                          <a:spcPct val="100000"/>
+                        </a:lnSpc>
+                        <a:spcBef>
+                          <a:spcPts val="0"/>
+                        </a:spcBef>
+                        <a:spcAft>
+                          <a:spcPts val="0"/>
+                        </a:spcAft>
+                        <a:buClrTx/>
+                        <a:buSzTx/>
+                        <a:buFontTx/>
+                        <a:buNone/>
+                        <a:tabLst/>
+                        <a:defRPr/>
+                      </a:pPr>
+                      <a:r>
+                        <a:rPr lang="zh-CN" altLang="en-US" sz="1400" dirty="0" smtClean="0">
+                          <a:latin typeface="微软雅黑" panose="020B0503020204020204" pitchFamily="34" charset="-122"/>
+                          <a:ea typeface="微软雅黑" panose="020B0503020204020204" pitchFamily="34" charset="-122"/>
+                        </a:rPr>
+                        <a:t>客户端 </a:t>
+                      </a:r>
+                      <a:r>
+                        <a:rPr lang="en-US" altLang="zh-CN" sz="1400" dirty="0" smtClean="0">
+                          <a:latin typeface="微软雅黑" panose="020B0503020204020204" pitchFamily="34" charset="-122"/>
+                          <a:ea typeface="微软雅黑" panose="020B0503020204020204" pitchFamily="34" charset="-122"/>
+                        </a:rPr>
+                        <a:t>-&gt;</a:t>
+                      </a:r>
+                      <a:r>
+                        <a:rPr lang="en-US" altLang="zh-CN" sz="1400" baseline="0" dirty="0" smtClean="0">
+                          <a:latin typeface="微软雅黑" panose="020B0503020204020204" pitchFamily="34" charset="-122"/>
+                          <a:ea typeface="微软雅黑" panose="020B0503020204020204" pitchFamily="34" charset="-122"/>
+                        </a:rPr>
+                        <a:t> </a:t>
+                      </a:r>
+                      <a:r>
+                        <a:rPr lang="zh-CN" altLang="en-US" sz="1400" baseline="0" dirty="0" smtClean="0">
+                          <a:latin typeface="微软雅黑" panose="020B0503020204020204" pitchFamily="34" charset="-122"/>
+                          <a:ea typeface="微软雅黑" panose="020B0503020204020204" pitchFamily="34" charset="-122"/>
+                        </a:rPr>
+                        <a:t>服务端</a:t>
+                      </a:r>
+                      <a:endParaRPr lang="zh-CN" altLang="en-US" sz="1400" dirty="0">
+                        <a:latin typeface="微软雅黑" panose="020B0503020204020204" pitchFamily="34" charset="-122"/>
+                        <a:ea typeface="微软雅黑" panose="020B0503020204020204" pitchFamily="34" charset="-122"/>
+                      </a:endParaRPr>
+                    </a:p>
+                  </a:txBody>
+                  <a:tcPr anchor="ctr"/>
+                </a:tc>
+              </a:tr>
+              <a:tr h="1495824">
+                <a:tc>
+                  <a:txBody>
+                    <a:bodyPr/>
+                    <a:lstStyle/>
+                    <a:p>
+                      <a:pPr algn="ctr"/>
+                      <a:r>
+                        <a:rPr lang="en-US" altLang="zh-CN" sz="1400" kern="1200" dirty="0" smtClean="0">
+                          <a:solidFill>
+                            <a:schemeClr val="tx1"/>
+                          </a:solidFill>
+                          <a:latin typeface="微软雅黑" pitchFamily="34" charset="-122"/>
+                          <a:ea typeface="微软雅黑" pitchFamily="34" charset="-122"/>
+                          <a:cs typeface="+mn-cs"/>
+                        </a:rPr>
+                        <a:t>http-stream</a:t>
+                      </a:r>
+                      <a:endParaRPr lang="zh-CN" altLang="en-US" sz="1400" kern="1200" dirty="0">
+                        <a:solidFill>
+                          <a:schemeClr val="tx1"/>
+                        </a:solidFill>
+                        <a:latin typeface="微软雅黑" pitchFamily="34" charset="-122"/>
+                        <a:ea typeface="微软雅黑" pitchFamily="34" charset="-122"/>
+                        <a:cs typeface="+mn-cs"/>
+                      </a:endParaRPr>
+                    </a:p>
+                  </a:txBody>
+                  <a:tcPr anchor="ctr"/>
+                </a:tc>
+                <a:tc>
+                  <a:txBody>
+                    <a:bodyPr/>
+                    <a:lstStyle/>
+                    <a:p>
+                      <a:pPr marL="0" algn="l" defTabSz="914400" rtl="0" eaLnBrk="1" latinLnBrk="0" hangingPunct="1">
+                        <a:lnSpc>
+                          <a:spcPct val="150000"/>
+                        </a:lnSpc>
+                      </a:pPr>
+                      <a:r>
+                        <a:rPr lang="zh-CN" altLang="en-US" sz="1400" kern="1200" dirty="0" smtClean="0">
+                          <a:solidFill>
+                            <a:schemeClr val="tx1"/>
+                          </a:solidFill>
+                          <a:latin typeface="微软雅黑" pitchFamily="34" charset="-122"/>
+                          <a:ea typeface="微软雅黑" pitchFamily="34" charset="-122"/>
+                          <a:cs typeface="+mn-cs"/>
+                        </a:rPr>
+                        <a:t>一种基于</a:t>
+                      </a:r>
+                      <a:r>
+                        <a:rPr lang="en-US" altLang="zh-CN" sz="1400" kern="1200" dirty="0" smtClean="0">
+                          <a:solidFill>
+                            <a:schemeClr val="tx1"/>
+                          </a:solidFill>
+                          <a:latin typeface="微软雅黑" pitchFamily="34" charset="-122"/>
+                          <a:ea typeface="微软雅黑" pitchFamily="34" charset="-122"/>
+                          <a:cs typeface="+mn-cs"/>
+                        </a:rPr>
+                        <a:t>http-stream</a:t>
+                      </a:r>
+                      <a:r>
+                        <a:rPr lang="zh-CN" altLang="en-US" sz="1400" kern="1200" dirty="0" smtClean="0">
+                          <a:solidFill>
+                            <a:schemeClr val="tx1"/>
+                          </a:solidFill>
+                          <a:latin typeface="微软雅黑" pitchFamily="34" charset="-122"/>
+                          <a:ea typeface="微软雅黑" pitchFamily="34" charset="-122"/>
+                          <a:cs typeface="+mn-cs"/>
+                        </a:rPr>
+                        <a:t>流的通信方式。其原理是让客户端在一次请求中保持和服务端连接不断开，然后服务端源源不断传送数据给客户端，就好比数据流一样，并不是一次性将数据全部发给客户端。它与</a:t>
+                      </a:r>
+                      <a:r>
+                        <a:rPr lang="en-US" altLang="zh-CN" sz="1400" kern="1200" dirty="0" smtClean="0">
+                          <a:solidFill>
+                            <a:schemeClr val="tx1"/>
+                          </a:solidFill>
+                          <a:latin typeface="微软雅黑" pitchFamily="34" charset="-122"/>
+                          <a:ea typeface="微软雅黑" pitchFamily="34" charset="-122"/>
+                          <a:cs typeface="+mn-cs"/>
+                        </a:rPr>
+                        <a:t>polling</a:t>
+                      </a:r>
+                      <a:r>
+                        <a:rPr lang="zh-CN" altLang="en-US" sz="1400" kern="1200" dirty="0" smtClean="0">
+                          <a:solidFill>
+                            <a:schemeClr val="tx1"/>
+                          </a:solidFill>
+                          <a:latin typeface="微软雅黑" pitchFamily="34" charset="-122"/>
+                          <a:ea typeface="微软雅黑" pitchFamily="34" charset="-122"/>
+                          <a:cs typeface="+mn-cs"/>
+                        </a:rPr>
+                        <a:t>方式的区别在于整个通信过程客户端只发送一次请求，然后服务端保持与客户端的长连接，并利用这个连接在回送数据给客户端。</a:t>
+                      </a:r>
+                      <a:endParaRPr lang="zh-CN" altLang="en-US" sz="1400" kern="1200" dirty="0">
+                        <a:solidFill>
+                          <a:schemeClr val="tx1"/>
+                        </a:solidFill>
+                        <a:latin typeface="微软雅黑" pitchFamily="34" charset="-122"/>
+                        <a:ea typeface="微软雅黑" pitchFamily="34" charset="-122"/>
+                        <a:cs typeface="+mn-cs"/>
+                      </a:endParaRPr>
+                    </a:p>
+                  </a:txBody>
+                  <a:tcPr anchor="ctr"/>
+                </a:tc>
+                <a:tc>
+                  <a:txBody>
+                    <a:bodyPr/>
+                    <a:lstStyle/>
+                    <a:p>
+                      <a:pPr marL="0" marR="0" lvl="0" indent="0" algn="ctr" defTabSz="914400" rtl="0" eaLnBrk="1" fontAlgn="auto" latinLnBrk="0" hangingPunct="1">
+                        <a:lnSpc>
+                          <a:spcPct val="100000"/>
+                        </a:lnSpc>
+                        <a:spcBef>
+                          <a:spcPts val="0"/>
+                        </a:spcBef>
+                        <a:spcAft>
+                          <a:spcPts val="0"/>
+                        </a:spcAft>
+                        <a:buClrTx/>
+                        <a:buSzTx/>
+                        <a:buFontTx/>
+                        <a:buNone/>
+                        <a:tabLst/>
+                        <a:defRPr/>
+                      </a:pPr>
+                      <a:r>
+                        <a:rPr lang="zh-CN" altLang="en-US" sz="1400" dirty="0" smtClean="0">
+                          <a:latin typeface="微软雅黑" panose="020B0503020204020204" pitchFamily="34" charset="-122"/>
+                          <a:ea typeface="微软雅黑" panose="020B0503020204020204" pitchFamily="34" charset="-122"/>
+                        </a:rPr>
+                        <a:t>客户端 </a:t>
+                      </a:r>
+                      <a:r>
+                        <a:rPr lang="en-US" altLang="zh-CN" sz="1400" dirty="0" smtClean="0">
+                          <a:latin typeface="微软雅黑" panose="020B0503020204020204" pitchFamily="34" charset="-122"/>
+                          <a:ea typeface="微软雅黑" panose="020B0503020204020204" pitchFamily="34" charset="-122"/>
+                        </a:rPr>
+                        <a:t>-&gt;</a:t>
+                      </a:r>
+                      <a:r>
+                        <a:rPr lang="en-US" altLang="zh-CN" sz="1400" baseline="0" dirty="0" smtClean="0">
+                          <a:latin typeface="微软雅黑" panose="020B0503020204020204" pitchFamily="34" charset="-122"/>
+                          <a:ea typeface="微软雅黑" panose="020B0503020204020204" pitchFamily="34" charset="-122"/>
+                        </a:rPr>
+                        <a:t> </a:t>
+                      </a:r>
+                      <a:r>
+                        <a:rPr lang="zh-CN" altLang="en-US" sz="1400" baseline="0" dirty="0" smtClean="0">
+                          <a:latin typeface="微软雅黑" panose="020B0503020204020204" pitchFamily="34" charset="-122"/>
+                          <a:ea typeface="微软雅黑" panose="020B0503020204020204" pitchFamily="34" charset="-122"/>
+                        </a:rPr>
+                        <a:t>服务端</a:t>
+                      </a:r>
+                      <a:endParaRPr lang="zh-CN" altLang="en-US" sz="1400" dirty="0" smtClean="0">
+                        <a:latin typeface="微软雅黑" panose="020B0503020204020204" pitchFamily="34" charset="-122"/>
+                        <a:ea typeface="微软雅黑" panose="020B0503020204020204" pitchFamily="34" charset="-122"/>
+                      </a:endParaRPr>
+                    </a:p>
+                  </a:txBody>
+                  <a:tcPr anchor="ctr"/>
+                </a:tc>
+              </a:tr>
+              <a:tr h="745405">
+                <a:tc>
+                  <a:txBody>
+                    <a:bodyPr/>
+                    <a:lstStyle/>
+                    <a:p>
+                      <a:pPr algn="ctr"/>
+                      <a:r>
+                        <a:rPr lang="zh-CN" altLang="en-US" sz="1400" kern="1200" dirty="0" smtClean="0">
+                          <a:solidFill>
+                            <a:schemeClr val="tx1"/>
+                          </a:solidFill>
+                          <a:latin typeface="微软雅黑" pitchFamily="34" charset="-122"/>
+                          <a:ea typeface="微软雅黑" pitchFamily="34" charset="-122"/>
+                          <a:cs typeface="+mn-cs"/>
+                        </a:rPr>
+                        <a:t>服务器推送事件（</a:t>
+                      </a:r>
+                      <a:r>
+                        <a:rPr lang="en-US" altLang="zh-CN" sz="1400" kern="1200" dirty="0" smtClean="0">
+                          <a:solidFill>
+                            <a:schemeClr val="tx1"/>
+                          </a:solidFill>
+                          <a:latin typeface="微软雅黑" pitchFamily="34" charset="-122"/>
+                          <a:ea typeface="微软雅黑" pitchFamily="34" charset="-122"/>
+                          <a:cs typeface="+mn-cs"/>
+                        </a:rPr>
+                        <a:t>SSE</a:t>
+                      </a:r>
+                      <a:r>
+                        <a:rPr lang="zh-CN" altLang="en-US" sz="1400" kern="1200" dirty="0" smtClean="0">
+                          <a:solidFill>
+                            <a:schemeClr val="tx1"/>
+                          </a:solidFill>
+                          <a:latin typeface="微软雅黑" pitchFamily="34" charset="-122"/>
+                          <a:ea typeface="微软雅黑" pitchFamily="34" charset="-122"/>
+                          <a:cs typeface="+mn-cs"/>
+                        </a:rPr>
+                        <a:t>）</a:t>
+                      </a:r>
+                      <a:endParaRPr lang="zh-CN" altLang="en-US" sz="1400" kern="1200" dirty="0">
+                        <a:solidFill>
+                          <a:schemeClr val="tx1"/>
+                        </a:solidFill>
+                        <a:latin typeface="微软雅黑" pitchFamily="34" charset="-122"/>
+                        <a:ea typeface="微软雅黑" pitchFamily="34" charset="-122"/>
+                        <a:cs typeface="+mn-cs"/>
+                      </a:endParaRPr>
+                    </a:p>
+                  </a:txBody>
+                  <a:tcPr anchor="ctr"/>
+                </a:tc>
+                <a:tc>
+                  <a:txBody>
+                    <a:bodyPr/>
+                    <a:lstStyle/>
+                    <a:p>
+                      <a:pPr marL="0" algn="l" defTabSz="914400" rtl="0" eaLnBrk="1" latinLnBrk="0" hangingPunct="1">
+                        <a:lnSpc>
+                          <a:spcPct val="150000"/>
+                        </a:lnSpc>
+                      </a:pPr>
+                      <a:r>
+                        <a:rPr lang="zh-CN" altLang="en-US" sz="1400" kern="1200" dirty="0" smtClean="0">
+                          <a:solidFill>
+                            <a:schemeClr val="tx1"/>
+                          </a:solidFill>
+                          <a:latin typeface="微软雅黑" pitchFamily="34" charset="-122"/>
+                          <a:ea typeface="微软雅黑" pitchFamily="34" charset="-122"/>
+                          <a:cs typeface="+mn-cs"/>
+                        </a:rPr>
+                        <a:t>一种</a:t>
+                      </a:r>
+                      <a:r>
+                        <a:rPr lang="en-US" altLang="zh-CN" sz="1400" kern="1200" dirty="0" smtClean="0">
+                          <a:solidFill>
+                            <a:schemeClr val="tx1"/>
+                          </a:solidFill>
+                          <a:latin typeface="微软雅黑" pitchFamily="34" charset="-122"/>
+                          <a:ea typeface="微软雅黑" pitchFamily="34" charset="-122"/>
+                          <a:cs typeface="+mn-cs"/>
+                        </a:rPr>
+                        <a:t>HTML5</a:t>
+                      </a:r>
+                      <a:r>
+                        <a:rPr lang="zh-CN" altLang="en-US" sz="1400" kern="1200" dirty="0" smtClean="0">
+                          <a:solidFill>
+                            <a:schemeClr val="tx1"/>
+                          </a:solidFill>
+                          <a:latin typeface="微软雅黑" pitchFamily="34" charset="-122"/>
+                          <a:ea typeface="微软雅黑" pitchFamily="34" charset="-122"/>
+                          <a:cs typeface="+mn-cs"/>
+                        </a:rPr>
+                        <a:t>技术，半双工，仅支持服务端推送数据给客户端，不支持反向。可以配合客户端请求服务端，实现双向通信。</a:t>
+                      </a:r>
+                      <a:endParaRPr lang="en-US" altLang="zh-CN" sz="1400" kern="1200" dirty="0" smtClean="0">
+                        <a:solidFill>
+                          <a:schemeClr val="tx1"/>
+                        </a:solidFill>
+                        <a:latin typeface="微软雅黑" pitchFamily="34" charset="-122"/>
+                        <a:ea typeface="微软雅黑" pitchFamily="34" charset="-122"/>
+                        <a:cs typeface="+mn-cs"/>
+                      </a:endParaRPr>
+                    </a:p>
+                  </a:txBody>
+                  <a:tcPr anchor="ctr"/>
+                </a:tc>
+                <a:tc>
+                  <a:txBody>
+                    <a:bodyPr/>
+                    <a:lstStyle/>
+                    <a:p>
+                      <a:pPr marL="0" marR="0" lvl="0" indent="0" algn="ctr" defTabSz="914400" rtl="0" eaLnBrk="1" fontAlgn="auto" latinLnBrk="0" hangingPunct="1">
+                        <a:lnSpc>
+                          <a:spcPct val="100000"/>
+                        </a:lnSpc>
+                        <a:spcBef>
+                          <a:spcPts val="0"/>
+                        </a:spcBef>
+                        <a:spcAft>
+                          <a:spcPts val="0"/>
+                        </a:spcAft>
+                        <a:buClrTx/>
+                        <a:buSzTx/>
+                        <a:buFontTx/>
+                        <a:buNone/>
+                        <a:tabLst/>
+                        <a:defRPr/>
+                      </a:pPr>
+                      <a:r>
+                        <a:rPr lang="zh-CN" altLang="en-US" sz="1400" dirty="0" smtClean="0">
+                          <a:latin typeface="微软雅黑" panose="020B0503020204020204" pitchFamily="34" charset="-122"/>
+                          <a:ea typeface="微软雅黑" panose="020B0503020204020204" pitchFamily="34" charset="-122"/>
+                        </a:rPr>
+                        <a:t>服务端 </a:t>
+                      </a:r>
+                      <a:r>
+                        <a:rPr lang="en-US" altLang="zh-CN" sz="1400" dirty="0" smtClean="0">
+                          <a:latin typeface="微软雅黑" panose="020B0503020204020204" pitchFamily="34" charset="-122"/>
+                          <a:ea typeface="微软雅黑" panose="020B0503020204020204" pitchFamily="34" charset="-122"/>
+                        </a:rPr>
+                        <a:t>-&gt;</a:t>
+                      </a:r>
+                      <a:r>
+                        <a:rPr lang="en-US" altLang="zh-CN" sz="1400" baseline="0" dirty="0" smtClean="0">
+                          <a:latin typeface="微软雅黑" panose="020B0503020204020204" pitchFamily="34" charset="-122"/>
+                          <a:ea typeface="微软雅黑" panose="020B0503020204020204" pitchFamily="34" charset="-122"/>
+                        </a:rPr>
+                        <a:t> </a:t>
+                      </a:r>
+                      <a:r>
+                        <a:rPr lang="zh-CN" altLang="en-US" sz="1400" baseline="0" dirty="0" smtClean="0">
+                          <a:latin typeface="微软雅黑" panose="020B0503020204020204" pitchFamily="34" charset="-122"/>
+                          <a:ea typeface="微软雅黑" panose="020B0503020204020204" pitchFamily="34" charset="-122"/>
+                        </a:rPr>
+                        <a:t>客户端</a:t>
+                      </a:r>
+                      <a:endParaRPr lang="zh-CN" altLang="en-US" sz="1400" dirty="0" smtClean="0">
+                        <a:latin typeface="微软雅黑" panose="020B0503020204020204" pitchFamily="34" charset="-122"/>
+                        <a:ea typeface="微软雅黑" panose="020B0503020204020204" pitchFamily="34" charset="-122"/>
+                      </a:endParaRPr>
+                    </a:p>
+                  </a:txBody>
+                  <a:tcPr anchor="ctr"/>
+                </a:tc>
+              </a:tr>
+              <a:tr h="1407245">
+                <a:tc>
+                  <a:txBody>
+                    <a:bodyPr/>
+                    <a:lstStyle/>
+                    <a:p>
+                      <a:pPr algn="ctr"/>
+                      <a:r>
+                        <a:rPr lang="en-US" altLang="zh-CN" sz="1400" kern="1200" dirty="0" smtClean="0">
+                          <a:solidFill>
+                            <a:schemeClr val="tx1"/>
+                          </a:solidFill>
+                          <a:latin typeface="微软雅黑" pitchFamily="34" charset="-122"/>
+                          <a:ea typeface="微软雅黑" pitchFamily="34" charset="-122"/>
+                          <a:cs typeface="+mn-cs"/>
+                        </a:rPr>
+                        <a:t>WebSocket</a:t>
+                      </a:r>
+                      <a:endParaRPr lang="zh-CN" altLang="en-US" sz="1400" kern="1200" dirty="0">
+                        <a:solidFill>
+                          <a:schemeClr val="tx1"/>
+                        </a:solidFill>
+                        <a:latin typeface="微软雅黑" pitchFamily="34" charset="-122"/>
+                        <a:ea typeface="微软雅黑" pitchFamily="34" charset="-122"/>
+                        <a:cs typeface="+mn-cs"/>
+                      </a:endParaRPr>
+                    </a:p>
+                  </a:txBody>
+                  <a:tcPr anchor="ctr"/>
+                </a:tc>
+                <a:tc>
+                  <a:txBody>
+                    <a:bodyPr/>
+                    <a:lstStyle/>
+                    <a:p>
+                      <a:pPr marL="0" algn="l" defTabSz="914400" rtl="0" eaLnBrk="1" latinLnBrk="0" hangingPunct="1">
+                        <a:lnSpc>
+                          <a:spcPct val="150000"/>
+                        </a:lnSpc>
+                      </a:pPr>
+                      <a:r>
+                        <a:rPr lang="zh-CN" altLang="en-US" sz="1400" kern="1200" dirty="0" smtClean="0">
+                          <a:solidFill>
+                            <a:schemeClr val="tx1"/>
+                          </a:solidFill>
+                          <a:latin typeface="微软雅黑" pitchFamily="34" charset="-122"/>
+                          <a:ea typeface="微软雅黑" pitchFamily="34" charset="-122"/>
+                          <a:cs typeface="+mn-cs"/>
+                        </a:rPr>
+                        <a:t>在</a:t>
+                      </a:r>
+                      <a:r>
+                        <a:rPr lang="en-US" altLang="zh-CN" sz="1400" kern="1200" dirty="0" smtClean="0">
+                          <a:solidFill>
+                            <a:schemeClr val="tx1"/>
+                          </a:solidFill>
+                          <a:latin typeface="微软雅黑" pitchFamily="34" charset="-122"/>
+                          <a:ea typeface="微软雅黑" pitchFamily="34" charset="-122"/>
+                          <a:cs typeface="+mn-cs"/>
+                        </a:rPr>
+                        <a:t>HTML5</a:t>
+                      </a:r>
+                      <a:r>
+                        <a:rPr lang="zh-CN" altLang="en-US" sz="1400" kern="1200" dirty="0" smtClean="0">
+                          <a:solidFill>
+                            <a:schemeClr val="tx1"/>
+                          </a:solidFill>
+                          <a:latin typeface="微软雅黑" pitchFamily="34" charset="-122"/>
+                          <a:ea typeface="微软雅黑" pitchFamily="34" charset="-122"/>
+                          <a:cs typeface="+mn-cs"/>
+                        </a:rPr>
+                        <a:t>中，为了加强</a:t>
+                      </a:r>
+                      <a:r>
+                        <a:rPr lang="en-US" altLang="zh-CN" sz="1400" kern="1200" dirty="0" smtClean="0">
+                          <a:solidFill>
+                            <a:schemeClr val="tx1"/>
+                          </a:solidFill>
+                          <a:latin typeface="微软雅黑" pitchFamily="34" charset="-122"/>
+                          <a:ea typeface="微软雅黑" pitchFamily="34" charset="-122"/>
+                          <a:cs typeface="+mn-cs"/>
+                        </a:rPr>
+                        <a:t>web</a:t>
+                      </a:r>
+                      <a:r>
+                        <a:rPr lang="zh-CN" altLang="en-US" sz="1400" kern="1200" dirty="0" smtClean="0">
+                          <a:solidFill>
+                            <a:schemeClr val="tx1"/>
+                          </a:solidFill>
+                          <a:latin typeface="微软雅黑" pitchFamily="34" charset="-122"/>
+                          <a:ea typeface="微软雅黑" pitchFamily="34" charset="-122"/>
+                          <a:cs typeface="+mn-cs"/>
+                        </a:rPr>
+                        <a:t>的功能，提供了</a:t>
+                      </a:r>
+                      <a:r>
+                        <a:rPr lang="en-US" altLang="zh-CN" sz="1400" kern="1200" dirty="0" smtClean="0">
+                          <a:solidFill>
+                            <a:schemeClr val="tx1"/>
+                          </a:solidFill>
+                          <a:latin typeface="微软雅黑" pitchFamily="34" charset="-122"/>
+                          <a:ea typeface="微软雅黑" pitchFamily="34" charset="-122"/>
+                          <a:cs typeface="+mn-cs"/>
+                        </a:rPr>
+                        <a:t>websocket</a:t>
+                      </a:r>
+                      <a:r>
+                        <a:rPr lang="zh-CN" altLang="en-US" sz="1400" kern="1200" dirty="0" smtClean="0">
+                          <a:solidFill>
+                            <a:schemeClr val="tx1"/>
+                          </a:solidFill>
+                          <a:latin typeface="微软雅黑" pitchFamily="34" charset="-122"/>
+                          <a:ea typeface="微软雅黑" pitchFamily="34" charset="-122"/>
+                          <a:cs typeface="+mn-cs"/>
+                        </a:rPr>
+                        <a:t>技术，它不仅是一种</a:t>
+                      </a:r>
+                      <a:r>
+                        <a:rPr lang="en-US" altLang="zh-CN" sz="1400" kern="1200" dirty="0" smtClean="0">
+                          <a:solidFill>
+                            <a:schemeClr val="tx1"/>
+                          </a:solidFill>
+                          <a:latin typeface="微软雅黑" pitchFamily="34" charset="-122"/>
+                          <a:ea typeface="微软雅黑" pitchFamily="34" charset="-122"/>
+                          <a:cs typeface="+mn-cs"/>
+                        </a:rPr>
+                        <a:t>web</a:t>
+                      </a:r>
+                      <a:r>
+                        <a:rPr lang="zh-CN" altLang="en-US" sz="1400" kern="1200" dirty="0" smtClean="0">
+                          <a:solidFill>
+                            <a:schemeClr val="tx1"/>
+                          </a:solidFill>
+                          <a:latin typeface="微软雅黑" pitchFamily="34" charset="-122"/>
+                          <a:ea typeface="微软雅黑" pitchFamily="34" charset="-122"/>
+                          <a:cs typeface="+mn-cs"/>
+                        </a:rPr>
+                        <a:t>通信方式，也是一种应用层协议。它提供了浏览器和服务器之间原生的全双工跨域通信，通过浏览器和服务器之间建立</a:t>
+                      </a:r>
+                      <a:r>
+                        <a:rPr lang="en-US" altLang="zh-CN" sz="1400" kern="1200" dirty="0" smtClean="0">
+                          <a:solidFill>
+                            <a:schemeClr val="tx1"/>
+                          </a:solidFill>
+                          <a:latin typeface="微软雅黑" pitchFamily="34" charset="-122"/>
+                          <a:ea typeface="微软雅黑" pitchFamily="34" charset="-122"/>
+                          <a:cs typeface="+mn-cs"/>
+                        </a:rPr>
+                        <a:t>websocket</a:t>
+                      </a:r>
+                      <a:r>
+                        <a:rPr lang="zh-CN" altLang="en-US" sz="1400" kern="1200" dirty="0" smtClean="0">
+                          <a:solidFill>
+                            <a:schemeClr val="tx1"/>
+                          </a:solidFill>
+                          <a:latin typeface="微软雅黑" pitchFamily="34" charset="-122"/>
+                          <a:ea typeface="微软雅黑" pitchFamily="34" charset="-122"/>
+                          <a:cs typeface="+mn-cs"/>
+                        </a:rPr>
+                        <a:t>连接（实际上是</a:t>
+                      </a:r>
+                      <a:r>
+                        <a:rPr lang="en-US" altLang="zh-CN" sz="1400" kern="1200" dirty="0" smtClean="0">
+                          <a:solidFill>
+                            <a:schemeClr val="tx1"/>
+                          </a:solidFill>
+                          <a:latin typeface="微软雅黑" pitchFamily="34" charset="-122"/>
+                          <a:ea typeface="微软雅黑" pitchFamily="34" charset="-122"/>
+                          <a:cs typeface="+mn-cs"/>
+                        </a:rPr>
+                        <a:t>TCP</a:t>
+                      </a:r>
+                      <a:r>
+                        <a:rPr lang="zh-CN" altLang="en-US" sz="1400" kern="1200" dirty="0" smtClean="0">
+                          <a:solidFill>
+                            <a:schemeClr val="tx1"/>
+                          </a:solidFill>
+                          <a:latin typeface="微软雅黑" pitchFamily="34" charset="-122"/>
+                          <a:ea typeface="微软雅黑" pitchFamily="34" charset="-122"/>
+                          <a:cs typeface="+mn-cs"/>
+                        </a:rPr>
+                        <a:t>连接）</a:t>
+                      </a:r>
+                      <a:r>
+                        <a:rPr lang="en-US" altLang="zh-CN" sz="1400" kern="1200" dirty="0" smtClean="0">
+                          <a:solidFill>
+                            <a:schemeClr val="tx1"/>
+                          </a:solidFill>
+                          <a:latin typeface="微软雅黑" pitchFamily="34" charset="-122"/>
+                          <a:ea typeface="微软雅黑" pitchFamily="34" charset="-122"/>
+                          <a:cs typeface="+mn-cs"/>
+                        </a:rPr>
+                        <a:t>,</a:t>
+                      </a:r>
+                      <a:r>
+                        <a:rPr lang="zh-CN" altLang="en-US" sz="1400" kern="1200" dirty="0" smtClean="0">
+                          <a:solidFill>
+                            <a:schemeClr val="tx1"/>
+                          </a:solidFill>
+                          <a:latin typeface="微软雅黑" pitchFamily="34" charset="-122"/>
+                          <a:ea typeface="微软雅黑" pitchFamily="34" charset="-122"/>
+                          <a:cs typeface="+mn-cs"/>
+                        </a:rPr>
+                        <a:t>在同一时刻能够实现客户端到服务器和服务器到客户端的数据发送。</a:t>
+                      </a:r>
+                      <a:endParaRPr lang="zh-CN" altLang="en-US" sz="1400" kern="1200" dirty="0">
+                        <a:solidFill>
+                          <a:schemeClr val="tx1"/>
+                        </a:solidFill>
+                        <a:latin typeface="微软雅黑" pitchFamily="34" charset="-122"/>
+                        <a:ea typeface="微软雅黑" pitchFamily="34" charset="-122"/>
+                        <a:cs typeface="+mn-cs"/>
+                      </a:endParaRPr>
+                    </a:p>
+                  </a:txBody>
+                  <a:tcPr anchor="ctr"/>
+                </a:tc>
+                <a:tc>
+                  <a:txBody>
+                    <a:bodyPr/>
+                    <a:lstStyle/>
+                    <a:p>
+                      <a:pPr algn="ctr"/>
+                      <a:r>
+                        <a:rPr lang="zh-CN" altLang="en-US" sz="1400" dirty="0" smtClean="0">
+                          <a:latin typeface="微软雅黑" panose="020B0503020204020204" pitchFamily="34" charset="-122"/>
+                          <a:ea typeface="微软雅黑" panose="020B0503020204020204" pitchFamily="34" charset="-122"/>
+                        </a:rPr>
+                        <a:t>客户端 </a:t>
+                      </a:r>
+                      <a:r>
+                        <a:rPr lang="en-US" altLang="zh-CN" sz="1400" dirty="0" smtClean="0">
+                          <a:latin typeface="微软雅黑" panose="020B0503020204020204" pitchFamily="34" charset="-122"/>
+                          <a:ea typeface="微软雅黑" panose="020B0503020204020204" pitchFamily="34" charset="-122"/>
+                        </a:rPr>
+                        <a:t>&lt;-&gt; </a:t>
+                      </a:r>
+                      <a:r>
+                        <a:rPr lang="zh-CN" altLang="en-US" sz="1400" dirty="0" smtClean="0">
+                          <a:latin typeface="微软雅黑" panose="020B0503020204020204" pitchFamily="34" charset="-122"/>
+                          <a:ea typeface="微软雅黑" panose="020B0503020204020204" pitchFamily="34" charset="-122"/>
+                        </a:rPr>
+                        <a:t>服务端</a:t>
+                      </a:r>
+                      <a:endParaRPr lang="zh-CN" altLang="en-US" sz="1400" dirty="0">
+                        <a:latin typeface="微软雅黑" panose="020B0503020204020204" pitchFamily="34" charset="-122"/>
+                        <a:ea typeface="微软雅黑" panose="020B0503020204020204" pitchFamily="34" charset="-122"/>
+                      </a:endParaRPr>
+                    </a:p>
+                  </a:txBody>
+                  <a:tcPr anchor="ctr"/>
+                </a:tc>
+              </a:tr>
+            </a:tbl>
+          </a:graphicData>
+        </a:graphic>
+      </p:graphicFrame>
+    </p:spTree>
+    <p:extLst>
+      <p:ext uri="{BB962C8B-B14F-4D97-AF65-F5344CB8AC3E}">
+        <p14:creationId xmlns:p14="http://schemas.microsoft.com/office/powerpoint/2010/main" val="678736499"/>
+      </p:ext>
+    </p:extLst>
+  </p:cSld>
+  <p:clrMapOvr>
+    <a:masterClrMapping/>
+  </p:clrMapOvr>
+  <p:timing>
+    <p:tnLst>
+      <p:par>
+        <p:cTn id="1" dur="indefinite" restart="never" nodeType="tmRoot"/>
+      </p:par>
+    </p:tnLst>
+  </p:timing>
+</p:sld>
+</file>
+
+<file path=ppt/slides/slide17.xml><?xml version="1.0" encoding="utf-8"?>
+<p:sld xmlns:a="http://schemas.openxmlformats.org/drawingml/2006/main" xmlns:r="http://schemas.openxmlformats.org/officeDocument/2006/relationships" xmlns:p="http://schemas.openxmlformats.org/presentationml/2006/main">
+  <p:cSld>
+    <p:spTree>
+      <p:nvGrpSpPr>
+        <p:cNvPr id="1" name=""/>
+        <p:cNvGrpSpPr/>
+        <p:nvPr/>
+      </p:nvGrpSpPr>
+      <p:grpSpPr>
+        <a:xfrm>
+          <a:off x="0" y="0"/>
+          <a:ext cx="0" cy="0"/>
+          <a:chOff x="0" y="0"/>
+          <a:chExt cx="0" cy="0"/>
+        </a:xfrm>
+      </p:grpSpPr>
+      <p:sp>
+        <p:nvSpPr>
+          <p:cNvPr id="2" name="标题 1"/>
+          <p:cNvSpPr>
+            <a:spLocks noGrp="1"/>
+          </p:cNvSpPr>
+          <p:nvPr>
+            <p:ph type="title"/>
+          </p:nvPr>
+        </p:nvSpPr>
+        <p:spPr/>
+        <p:txBody>
+          <a:bodyPr>
+            <a:normAutofit/>
+          </a:bodyPr>
+          <a:lstStyle/>
+          <a:p>
+            <a:r>
               <a:rPr lang="zh-CN" altLang="en-US" dirty="0"/>
               <a:t>其他</a:t>
             </a:r>
-            <a:endParaRPr lang="zh-CN" altLang="en-US" dirty="0"/>
           </a:p>
         </p:txBody>
       </p:sp>
@@ -16131,7 +17207,7 @@
           <a:graphicData uri="http://schemas.openxmlformats.org/presentationml/2006/ole">
             <mc:AlternateContent xmlns:mc="http://schemas.openxmlformats.org/markup-compatibility/2006">
               <mc:Choice xmlns:v="urn:schemas-microsoft-com:vml" Requires="v">
-                <p:oleObj spid="_x0000_s2085" name="包装程序外壳对象" showAsIcon="1" r:id="rId4" imgW="732960" imgH="453960" progId="Package">
+                <p:oleObj spid="_x0000_s2209" name="包装程序外壳对象" showAsIcon="1" r:id="rId4" imgW="732960" imgH="453960" progId="Package">
                   <p:embed/>
                 </p:oleObj>
               </mc:Choice>
@@ -16186,7 +17262,7 @@
 </p:sld>
 </file>
 
-<file path=ppt/slides/slide17.xml><?xml version="1.0" encoding="utf-8"?>
+<file path=ppt/slides/slide18.xml><?xml version="1.0" encoding="utf-8"?>
 <p:sld xmlns:a="http://schemas.openxmlformats.org/drawingml/2006/main" xmlns:r="http://schemas.openxmlformats.org/officeDocument/2006/relationships" xmlns:p="http://schemas.openxmlformats.org/presentationml/2006/main">
   <p:cSld>
     <p:spTree>
@@ -26100,14 +27176,7 @@
                 <a:latin typeface="微软雅黑" pitchFamily="34" charset="-122"/>
                 <a:ea typeface="微软雅黑" pitchFamily="34" charset="-122"/>
               </a:rPr>
-              <a:t>更新</a:t>
-            </a:r>
-            <a:r>
-              <a:rPr lang="zh-CN" altLang="en-US" sz="1600" dirty="0" smtClean="0">
-                <a:latin typeface="微软雅黑" pitchFamily="34" charset="-122"/>
-                <a:ea typeface="微软雅黑" pitchFamily="34" charset="-122"/>
-              </a:rPr>
-              <a:t>。</a:t>
+              <a:t>更新。</a:t>
             </a:r>
             <a:endParaRPr lang="en-US" altLang="zh-CN" sz="1600" dirty="0" smtClean="0">
               <a:latin typeface="微软雅黑" pitchFamily="34" charset="-122"/>
@@ -27724,8 +28793,8 @@
         </p:nvSpPr>
         <p:spPr>
           <a:xfrm>
-            <a:off x="522922" y="5696042"/>
-            <a:ext cx="10249231" cy="830997"/>
+            <a:off x="522922" y="5758386"/>
+            <a:ext cx="10249231" cy="787523"/>
           </a:xfrm>
           <a:prstGeom prst="rect">
             <a:avLst/>
@@ -27751,11 +28820,25 @@
               <a:t>解决方案</a:t>
             </a:r>
             <a:r>
+              <a:rPr lang="zh-CN" altLang="en-US" sz="1600" dirty="0">
+                <a:latin typeface="微软雅黑" pitchFamily="34" charset="-122"/>
+                <a:ea typeface="微软雅黑" pitchFamily="34" charset="-122"/>
+              </a:rPr>
+              <a:t>：将容器的</a:t>
+            </a:r>
+            <a:r>
+              <a:rPr lang="en-US" altLang="zh-CN" sz="1600" dirty="0" smtClean="0">
+                <a:latin typeface="微软雅黑" pitchFamily="34" charset="-122"/>
+                <a:ea typeface="微软雅黑" pitchFamily="34" charset="-122"/>
+              </a:rPr>
+              <a:t>IP</a:t>
+            </a:r>
+            <a:r>
               <a:rPr lang="zh-CN" altLang="en-US" sz="1600" dirty="0" smtClean="0">
                 <a:latin typeface="微软雅黑" pitchFamily="34" charset="-122"/>
                 <a:ea typeface="微软雅黑" pitchFamily="34" charset="-122"/>
               </a:rPr>
-              <a:t>：目前采用如下算法保证</a:t>
+              <a:t>设置为</a:t>
             </a:r>
             <a:r>
               <a:rPr lang="en-US" altLang="zh-CN" sz="1600" dirty="0" smtClean="0">
@@ -27764,17 +28847,6 @@
               </a:rPr>
               <a:t>server-id</a:t>
             </a:r>
-            <a:r>
-              <a:rPr lang="zh-CN" altLang="en-US" sz="1600" dirty="0" smtClean="0">
-                <a:latin typeface="微软雅黑" pitchFamily="34" charset="-122"/>
-                <a:ea typeface="微软雅黑" pitchFamily="34" charset="-122"/>
-              </a:rPr>
-              <a:t>唯一性</a:t>
-            </a:r>
-            <a:endParaRPr lang="en-US" altLang="zh-CN" sz="1600" dirty="0" smtClean="0">
-              <a:latin typeface="微软雅黑" pitchFamily="34" charset="-122"/>
-              <a:ea typeface="微软雅黑" pitchFamily="34" charset="-122"/>
-            </a:endParaRPr>
           </a:p>
           <a:p>
             <a:pPr>
@@ -27787,14 +28859,7 @@
                 <a:latin typeface="微软雅黑" pitchFamily="34" charset="-122"/>
                 <a:ea typeface="微软雅黑" pitchFamily="34" charset="-122"/>
               </a:rPr>
-              <a:t>Long.parseLong(String.valueOf(System.nanoTime</a:t>
-            </a:r>
-            <a:r>
-              <a:rPr lang="en-US" altLang="zh-CN" sz="1600" dirty="0">
-                <a:latin typeface="微软雅黑" pitchFamily="34" charset="-122"/>
-                <a:ea typeface="微软雅黑" pitchFamily="34" charset="-122"/>
-              </a:rPr>
-              <a:t>()).substring(5) + "" + new Random().nextInt(99999))</a:t>
+              <a:t>IpUtil.ipToLong(InetAddress.getLocalHost().getHostAddress()</a:t>
             </a:r>
           </a:p>
         </p:txBody>

--- a/MySQL/binlog/后端与UI的webscoket事件机制.pptx
+++ b/MySQL/binlog/后端与UI的webscoket事件机制.pptx
@@ -275,7 +275,7 @@
                 <a:latin typeface="微软雅黑" panose="020B0503020204020204" charset="-122"/>
                 <a:ea typeface="微软雅黑" panose="020B0503020204020204" charset="-122"/>
               </a:rPr>
-              <a:t>2023/8/18</a:t>
+              <a:t>2023/8/22</a:t>
             </a:fld>
             <a:endParaRPr lang="zh-CN" altLang="en-US" smtClean="0">
               <a:latin typeface="微软雅黑" panose="020B0503020204020204" charset="-122"/>
@@ -458,7 +458,7 @@
           <a:p>
             <a:fld id="{1AC49D05-6128-4D0D-A32A-06A5E73B386C}" type="datetimeFigureOut">
               <a:rPr lang="zh-CN" altLang="en-US" smtClean="0"/>
-              <a:t>2023/8/18</a:t>
+              <a:t>2023/8/22</a:t>
             </a:fld>
             <a:endParaRPr lang="zh-CN" altLang="en-US"/>
           </a:p>
@@ -2459,7 +2459,7 @@
           <a:p>
             <a:fld id="{4AF1D963-E470-477F-9771-78FBCB781656}" type="datetimeFigureOut">
               <a:rPr lang="zh-CN" altLang="en-US" smtClean="0"/>
-              <a:t>2023/8/18</a:t>
+              <a:t>2023/8/22</a:t>
             </a:fld>
             <a:endParaRPr lang="zh-CN" altLang="en-US"/>
           </a:p>
@@ -17121,7 +17121,12 @@
             <p:ph type="title"/>
           </p:nvPr>
         </p:nvSpPr>
-        <p:spPr/>
+        <p:spPr>
+          <a:xfrm>
+            <a:off x="697846" y="-81495"/>
+            <a:ext cx="10869546" cy="857419"/>
+          </a:xfrm>
+        </p:spPr>
         <p:txBody>
           <a:bodyPr>
             <a:normAutofit/>
@@ -17144,7 +17149,7 @@
         <p:spPr>
           <a:xfrm>
             <a:off x="715264" y="993860"/>
-            <a:ext cx="4661404" cy="338554"/>
+            <a:ext cx="6908943" cy="1077218"/>
           </a:xfrm>
           <a:prstGeom prst="rect">
             <a:avLst/>
@@ -17178,6 +17183,73 @@
               </a:rPr>
               <a:t>代码：</a:t>
             </a:r>
+            <a:endParaRPr lang="en-US" altLang="zh-CN" sz="1600" dirty="0" smtClean="0">
+              <a:latin typeface="微软雅黑" pitchFamily="34" charset="-122"/>
+              <a:ea typeface="微软雅黑" pitchFamily="34" charset="-122"/>
+            </a:endParaRPr>
+          </a:p>
+          <a:p>
+            <a:endParaRPr lang="en-US" altLang="zh-CN" sz="1600" dirty="0">
+              <a:latin typeface="微软雅黑" pitchFamily="34" charset="-122"/>
+              <a:ea typeface="微软雅黑" pitchFamily="34" charset="-122"/>
+            </a:endParaRPr>
+          </a:p>
+          <a:p>
+            <a:endParaRPr lang="en-US" altLang="zh-CN" sz="1600" dirty="0" smtClean="0">
+              <a:latin typeface="微软雅黑" pitchFamily="34" charset="-122"/>
+              <a:ea typeface="微软雅黑" pitchFamily="34" charset="-122"/>
+            </a:endParaRPr>
+          </a:p>
+          <a:p>
+            <a:r>
+              <a:rPr lang="zh-CN" altLang="en-US" sz="1600" dirty="0" smtClean="0">
+                <a:latin typeface="微软雅黑" pitchFamily="34" charset="-122"/>
+                <a:ea typeface="微软雅黑" pitchFamily="34" charset="-122"/>
+              </a:rPr>
+              <a:t>需要给</a:t>
+            </a:r>
+            <a:r>
+              <a:rPr lang="en-US" altLang="zh-CN" sz="1600" dirty="0" smtClean="0">
+                <a:latin typeface="微软雅黑" pitchFamily="34" charset="-122"/>
+                <a:ea typeface="微软雅黑" pitchFamily="34" charset="-122"/>
+              </a:rPr>
+              <a:t>iresource_common</a:t>
+            </a:r>
+            <a:r>
+              <a:rPr lang="zh-CN" altLang="en-US" sz="1600" dirty="0" smtClean="0">
+                <a:latin typeface="微软雅黑" pitchFamily="34" charset="-122"/>
+                <a:ea typeface="微软雅黑" pitchFamily="34" charset="-122"/>
+              </a:rPr>
+              <a:t>用户赋予 读取</a:t>
+            </a:r>
+            <a:r>
+              <a:rPr lang="en-US" altLang="zh-CN" sz="1600" dirty="0" smtClean="0">
+                <a:latin typeface="微软雅黑" pitchFamily="34" charset="-122"/>
+                <a:ea typeface="微软雅黑" pitchFamily="34" charset="-122"/>
+              </a:rPr>
+              <a:t>binlog</a:t>
+            </a:r>
+            <a:r>
+              <a:rPr lang="zh-CN" altLang="en-US" sz="1600" dirty="0" smtClean="0">
+                <a:latin typeface="微软雅黑" pitchFamily="34" charset="-122"/>
+                <a:ea typeface="微软雅黑" pitchFamily="34" charset="-122"/>
+              </a:rPr>
+              <a:t>权限、</a:t>
+            </a:r>
+            <a:r>
+              <a:rPr lang="en-US" altLang="zh-CN" sz="1600" dirty="0" smtClean="0">
+                <a:latin typeface="微软雅黑" pitchFamily="34" charset="-122"/>
+                <a:ea typeface="微软雅黑" pitchFamily="34" charset="-122"/>
+              </a:rPr>
+              <a:t>iresource</a:t>
+            </a:r>
+            <a:r>
+              <a:rPr lang="zh-CN" altLang="en-US" sz="1600" dirty="0" smtClean="0">
+                <a:latin typeface="微软雅黑" pitchFamily="34" charset="-122"/>
+                <a:ea typeface="微软雅黑" pitchFamily="34" charset="-122"/>
+              </a:rPr>
+              <a:t>库读权限</a:t>
+            </a:r>
             <a:endParaRPr lang="zh-CN" altLang="en-US" sz="1600" dirty="0">
               <a:latin typeface="微软雅黑" pitchFamily="34" charset="-122"/>
               <a:ea typeface="微软雅黑" pitchFamily="34" charset="-122"/>
@@ -17187,27 +17259,27 @@
       </p:sp>
       <p:graphicFrame>
         <p:nvGraphicFramePr>
-          <p:cNvPr id="5" name="对象 4"/>
+          <p:cNvPr id="3" name="对象 2"/>
           <p:cNvGraphicFramePr>
             <a:graphicFrameLocks noChangeAspect="1"/>
           </p:cNvGraphicFramePr>
           <p:nvPr>
             <p:extLst>
               <p:ext uri="{D42A27DB-BD31-4B8C-83A1-F6EECF244321}">
-                <p14:modId xmlns:p14="http://schemas.microsoft.com/office/powerpoint/2010/main" val="56268902"/>
+                <p14:modId xmlns:p14="http://schemas.microsoft.com/office/powerpoint/2010/main" val="1457421783"/>
               </p:ext>
             </p:extLst>
           </p:nvPr>
         </p:nvGraphicFramePr>
         <p:xfrm>
-          <a:off x="5138059" y="930723"/>
-          <a:ext cx="750876" cy="464828"/>
+          <a:off x="5146091" y="993860"/>
+          <a:ext cx="733425" cy="454025"/>
         </p:xfrm>
         <a:graphic>
           <a:graphicData uri="http://schemas.openxmlformats.org/presentationml/2006/ole">
             <mc:AlternateContent xmlns:mc="http://schemas.openxmlformats.org/markup-compatibility/2006">
               <mc:Choice xmlns:v="urn:schemas-microsoft-com:vml" Requires="v">
-                <p:oleObj spid="_x0000_s2209" name="包装程序外壳对象" showAsIcon="1" r:id="rId4" imgW="732960" imgH="453960" progId="Package">
+                <p:oleObj spid="_x0000_s2213" name="包装程序外壳对象" showAsIcon="1" r:id="rId4" imgW="732960" imgH="453960" progId="Package">
                   <p:embed/>
                 </p:oleObj>
               </mc:Choice>
@@ -17228,8 +17300,8 @@
                     </p:blipFill>
                     <p:spPr>
                       <a:xfrm>
-                        <a:off x="5138059" y="930723"/>
-                        <a:ext cx="750876" cy="464828"/>
+                        <a:off x="5146091" y="993860"/>
+                        <a:ext cx="733425" cy="454025"/>
                       </a:xfrm>
                       <a:prstGeom prst="rect">
                         <a:avLst/>

--- a/MySQL/binlog/后端与UI的webscoket事件机制.pptx
+++ b/MySQL/binlog/后端与UI的webscoket事件机制.pptx
@@ -5,10 +5,10 @@
     <p:sldMasterId id="2147483661" r:id="rId1"/>
   </p:sldMasterIdLst>
   <p:notesMasterIdLst>
-    <p:notesMasterId r:id="rId20"/>
+    <p:notesMasterId r:id="rId21"/>
   </p:notesMasterIdLst>
   <p:handoutMasterIdLst>
-    <p:handoutMasterId r:id="rId21"/>
+    <p:handoutMasterId r:id="rId22"/>
   </p:handoutMasterIdLst>
   <p:sldIdLst>
     <p:sldId id="344" r:id="rId2"/>
@@ -16,19 +16,20 @@
     <p:sldId id="406" r:id="rId4"/>
     <p:sldId id="365" r:id="rId5"/>
     <p:sldId id="368" r:id="rId6"/>
-    <p:sldId id="407" r:id="rId7"/>
-    <p:sldId id="363" r:id="rId8"/>
-    <p:sldId id="400" r:id="rId9"/>
-    <p:sldId id="401" r:id="rId10"/>
-    <p:sldId id="408" r:id="rId11"/>
-    <p:sldId id="405" r:id="rId12"/>
-    <p:sldId id="403" r:id="rId13"/>
-    <p:sldId id="402" r:id="rId14"/>
-    <p:sldId id="409" r:id="rId15"/>
-    <p:sldId id="410" r:id="rId16"/>
-    <p:sldId id="412" r:id="rId17"/>
-    <p:sldId id="411" r:id="rId18"/>
-    <p:sldId id="282" r:id="rId19"/>
+    <p:sldId id="413" r:id="rId7"/>
+    <p:sldId id="407" r:id="rId8"/>
+    <p:sldId id="363" r:id="rId9"/>
+    <p:sldId id="417" r:id="rId10"/>
+    <p:sldId id="418" r:id="rId11"/>
+    <p:sldId id="400" r:id="rId12"/>
+    <p:sldId id="401" r:id="rId13"/>
+    <p:sldId id="408" r:id="rId14"/>
+    <p:sldId id="405" r:id="rId15"/>
+    <p:sldId id="403" r:id="rId16"/>
+    <p:sldId id="409" r:id="rId17"/>
+    <p:sldId id="412" r:id="rId18"/>
+    <p:sldId id="411" r:id="rId19"/>
+    <p:sldId id="282" r:id="rId20"/>
   </p:sldIdLst>
   <p:sldSz cx="12192000" cy="6858000"/>
   <p:notesSz cx="6858000" cy="9144000"/>
@@ -137,16 +138,17 @@
             <p14:sldId id="406"/>
             <p14:sldId id="365"/>
             <p14:sldId id="368"/>
+            <p14:sldId id="413"/>
             <p14:sldId id="407"/>
             <p14:sldId id="363"/>
+            <p14:sldId id="417"/>
+            <p14:sldId id="418"/>
             <p14:sldId id="400"/>
             <p14:sldId id="401"/>
             <p14:sldId id="408"/>
             <p14:sldId id="405"/>
             <p14:sldId id="403"/>
-            <p14:sldId id="402"/>
             <p14:sldId id="409"/>
-            <p14:sldId id="410"/>
             <p14:sldId id="412"/>
             <p14:sldId id="411"/>
             <p14:sldId id="282"/>
@@ -275,7 +277,7 @@
                 <a:latin typeface="微软雅黑" panose="020B0503020204020204" charset="-122"/>
                 <a:ea typeface="微软雅黑" panose="020B0503020204020204" charset="-122"/>
               </a:rPr>
-              <a:t>2023/8/22</a:t>
+              <a:t>2023/8/28</a:t>
             </a:fld>
             <a:endParaRPr lang="zh-CN" altLang="en-US" smtClean="0">
               <a:latin typeface="微软雅黑" panose="020B0503020204020204" charset="-122"/>
@@ -458,7 +460,7 @@
           <a:p>
             <a:fld id="{1AC49D05-6128-4D0D-A32A-06A5E73B386C}" type="datetimeFigureOut">
               <a:rPr lang="zh-CN" altLang="en-US" smtClean="0"/>
-              <a:t>2023/8/22</a:t>
+              <a:t>2023/8/28</a:t>
             </a:fld>
             <a:endParaRPr lang="zh-CN" altLang="en-US"/>
           </a:p>
@@ -892,103 +894,7 @@
           <a:p>
             <a:fld id="{5849F42C-2DAE-424C-A4B8-3140182C3E9F}" type="slidenum">
               <a:rPr lang="zh-CN" altLang="en-US" smtClean="0"/>
-              <a:t>16</a:t>
-            </a:fld>
-            <a:endParaRPr lang="zh-CN" altLang="en-US"/>
-          </a:p>
-        </p:txBody>
-      </p:sp>
-    </p:spTree>
-    <p:extLst>
-      <p:ext uri="{BB962C8B-B14F-4D97-AF65-F5344CB8AC3E}">
-        <p14:creationId xmlns:p14="http://schemas.microsoft.com/office/powerpoint/2010/main" val="2839420241"/>
-      </p:ext>
-    </p:extLst>
-  </p:cSld>
-  <p:clrMapOvr>
-    <a:masterClrMapping/>
-  </p:clrMapOvr>
-</p:notes>
-</file>
-
-<file path=ppt/notesSlides/notesSlide11.xml><?xml version="1.0" encoding="utf-8"?>
-<p:notes xmlns:a="http://schemas.openxmlformats.org/drawingml/2006/main" xmlns:r="http://schemas.openxmlformats.org/officeDocument/2006/relationships" xmlns:p="http://schemas.openxmlformats.org/presentationml/2006/main">
-  <p:cSld>
-    <p:spTree>
-      <p:nvGrpSpPr>
-        <p:cNvPr id="1" name=""/>
-        <p:cNvGrpSpPr/>
-        <p:nvPr/>
-      </p:nvGrpSpPr>
-      <p:grpSpPr>
-        <a:xfrm>
-          <a:off x="0" y="0"/>
-          <a:ext cx="0" cy="0"/>
-          <a:chOff x="0" y="0"/>
-          <a:chExt cx="0" cy="0"/>
-        </a:xfrm>
-      </p:grpSpPr>
-      <p:sp>
-        <p:nvSpPr>
-          <p:cNvPr id="2" name="幻灯片图像占位符 1"/>
-          <p:cNvSpPr>
-            <a:spLocks noGrp="1" noRot="1" noChangeAspect="1"/>
-          </p:cNvSpPr>
-          <p:nvPr>
-            <p:ph type="sldImg"/>
-          </p:nvPr>
-        </p:nvSpPr>
-        <p:spPr/>
-      </p:sp>
-      <p:sp>
-        <p:nvSpPr>
-          <p:cNvPr id="3" name="备注占位符 2"/>
-          <p:cNvSpPr>
-            <a:spLocks noGrp="1"/>
-          </p:cNvSpPr>
-          <p:nvPr>
-            <p:ph type="body" idx="1"/>
-          </p:nvPr>
-        </p:nvSpPr>
-        <p:spPr/>
-        <p:txBody>
-          <a:bodyPr/>
-          <a:lstStyle/>
-          <a:p>
-            <a:pPr marL="0" algn="l" defTabSz="914400" rtl="0" eaLnBrk="1" latinLnBrk="0" hangingPunct="1">
-              <a:lnSpc>
-                <a:spcPct val="150000"/>
-              </a:lnSpc>
-            </a:pPr>
-            <a:endParaRPr lang="zh-CN" altLang="en-US" sz="1800" kern="1200" dirty="0">
-              <a:solidFill>
-                <a:schemeClr val="tx1"/>
-              </a:solidFill>
-              <a:latin typeface="微软雅黑" pitchFamily="34" charset="-122"/>
-              <a:ea typeface="微软雅黑" pitchFamily="34" charset="-122"/>
-              <a:cs typeface="+mn-cs"/>
-            </a:endParaRPr>
-          </a:p>
-        </p:txBody>
-      </p:sp>
-      <p:sp>
-        <p:nvSpPr>
-          <p:cNvPr id="4" name="灯片编号占位符 3"/>
-          <p:cNvSpPr>
-            <a:spLocks noGrp="1"/>
-          </p:cNvSpPr>
-          <p:nvPr>
-            <p:ph type="sldNum" sz="quarter" idx="10"/>
-          </p:nvPr>
-        </p:nvSpPr>
-        <p:spPr/>
-        <p:txBody>
-          <a:bodyPr/>
-          <a:lstStyle/>
-          <a:p>
-            <a:fld id="{5849F42C-2DAE-424C-A4B8-3140182C3E9F}" type="slidenum">
-              <a:rPr lang="zh-CN" altLang="en-US" smtClean="0"/>
-              <a:t>17</a:t>
+              <a:t>18</a:t>
             </a:fld>
             <a:endParaRPr lang="zh-CN" altLang="en-US"/>
           </a:p>
@@ -1159,12 +1065,24 @@
           <a:bodyPr/>
           <a:lstStyle/>
           <a:p>
-            <a:pPr marL="0" algn="l" defTabSz="914400" rtl="0" eaLnBrk="1" latinLnBrk="0" hangingPunct="1">
+            <a:pPr marL="0" marR="0" lvl="0" indent="0" algn="l" defTabSz="914400" rtl="0" eaLnBrk="1" fontAlgn="auto" latinLnBrk="0" hangingPunct="1">
               <a:lnSpc>
-                <a:spcPct val="150000"/>
+                <a:spcPct val="100000"/>
               </a:lnSpc>
+              <a:spcBef>
+                <a:spcPts val="0"/>
+              </a:spcBef>
+              <a:spcAft>
+                <a:spcPts val="0"/>
+              </a:spcAft>
+              <a:buClrTx/>
+              <a:buSzTx/>
+              <a:buFontTx/>
+              <a:buNone/>
+              <a:tabLst/>
+              <a:defRPr/>
             </a:pPr>
-            <a:endParaRPr lang="zh-CN" altLang="en-US" sz="1800" kern="1200" dirty="0">
+            <a:endParaRPr lang="zh-CN" altLang="en-US" sz="1600" kern="1200" dirty="0" smtClean="0">
               <a:solidFill>
                 <a:schemeClr val="tx1"/>
               </a:solidFill>
@@ -1192,7 +1110,7 @@
           <a:p>
             <a:fld id="{5849F42C-2DAE-424C-A4B8-3140182C3E9F}" type="slidenum">
               <a:rPr lang="zh-CN" altLang="en-US" smtClean="0"/>
-              <a:t>7</a:t>
+              <a:t>6</a:t>
             </a:fld>
             <a:endParaRPr lang="zh-CN" altLang="en-US"/>
           </a:p>
@@ -1201,7 +1119,7 @@
     </p:spTree>
     <p:extLst>
       <p:ext uri="{BB962C8B-B14F-4D97-AF65-F5344CB8AC3E}">
-        <p14:creationId xmlns:p14="http://schemas.microsoft.com/office/powerpoint/2010/main" val="3361936456"/>
+        <p14:creationId xmlns:p14="http://schemas.microsoft.com/office/powerpoint/2010/main" val="18272785"/>
       </p:ext>
     </p:extLst>
   </p:cSld>
@@ -1297,7 +1215,7 @@
     </p:spTree>
     <p:extLst>
       <p:ext uri="{BB962C8B-B14F-4D97-AF65-F5344CB8AC3E}">
-        <p14:creationId xmlns:p14="http://schemas.microsoft.com/office/powerpoint/2010/main" val="3936155969"/>
+        <p14:creationId xmlns:p14="http://schemas.microsoft.com/office/powerpoint/2010/main" val="3361936456"/>
       </p:ext>
     </p:extLst>
   </p:cSld>
@@ -1384,7 +1302,7 @@
           <a:p>
             <a:fld id="{5849F42C-2DAE-424C-A4B8-3140182C3E9F}" type="slidenum">
               <a:rPr lang="zh-CN" altLang="en-US" smtClean="0"/>
-              <a:t>9</a:t>
+              <a:t>11</a:t>
             </a:fld>
             <a:endParaRPr lang="zh-CN" altLang="en-US"/>
           </a:p>
@@ -1393,7 +1311,7 @@
     </p:spTree>
     <p:extLst>
       <p:ext uri="{BB962C8B-B14F-4D97-AF65-F5344CB8AC3E}">
-        <p14:creationId xmlns:p14="http://schemas.microsoft.com/office/powerpoint/2010/main" val="2386817211"/>
+        <p14:creationId xmlns:p14="http://schemas.microsoft.com/office/powerpoint/2010/main" val="3936155969"/>
       </p:ext>
     </p:extLst>
   </p:cSld>
@@ -1480,7 +1398,7 @@
           <a:p>
             <a:fld id="{5849F42C-2DAE-424C-A4B8-3140182C3E9F}" type="slidenum">
               <a:rPr lang="zh-CN" altLang="en-US" smtClean="0"/>
-              <a:t>11</a:t>
+              <a:t>12</a:t>
             </a:fld>
             <a:endParaRPr lang="zh-CN" altLang="en-US"/>
           </a:p>
@@ -1489,7 +1407,7 @@
     </p:spTree>
     <p:extLst>
       <p:ext uri="{BB962C8B-B14F-4D97-AF65-F5344CB8AC3E}">
-        <p14:creationId xmlns:p14="http://schemas.microsoft.com/office/powerpoint/2010/main" val="4226000645"/>
+        <p14:creationId xmlns:p14="http://schemas.microsoft.com/office/powerpoint/2010/main" val="2386817211"/>
       </p:ext>
     </p:extLst>
   </p:cSld>
@@ -1576,7 +1494,7 @@
           <a:p>
             <a:fld id="{5849F42C-2DAE-424C-A4B8-3140182C3E9F}" type="slidenum">
               <a:rPr lang="zh-CN" altLang="en-US" smtClean="0"/>
-              <a:t>12</a:t>
+              <a:t>14</a:t>
             </a:fld>
             <a:endParaRPr lang="zh-CN" altLang="en-US"/>
           </a:p>
@@ -1585,7 +1503,7 @@
     </p:spTree>
     <p:extLst>
       <p:ext uri="{BB962C8B-B14F-4D97-AF65-F5344CB8AC3E}">
-        <p14:creationId xmlns:p14="http://schemas.microsoft.com/office/powerpoint/2010/main" val="1307816936"/>
+        <p14:creationId xmlns:p14="http://schemas.microsoft.com/office/powerpoint/2010/main" val="4226000645"/>
       </p:ext>
     </p:extLst>
   </p:cSld>
@@ -1672,7 +1590,7 @@
           <a:p>
             <a:fld id="{5849F42C-2DAE-424C-A4B8-3140182C3E9F}" type="slidenum">
               <a:rPr lang="zh-CN" altLang="en-US" smtClean="0"/>
-              <a:t>13</a:t>
+              <a:t>15</a:t>
             </a:fld>
             <a:endParaRPr lang="zh-CN" altLang="en-US"/>
           </a:p>
@@ -1681,7 +1599,7 @@
     </p:spTree>
     <p:extLst>
       <p:ext uri="{BB962C8B-B14F-4D97-AF65-F5344CB8AC3E}">
-        <p14:creationId xmlns:p14="http://schemas.microsoft.com/office/powerpoint/2010/main" val="2793930300"/>
+        <p14:creationId xmlns:p14="http://schemas.microsoft.com/office/powerpoint/2010/main" val="1307816936"/>
       </p:ext>
     </p:extLst>
   </p:cSld>
@@ -1768,7 +1686,7 @@
           <a:p>
             <a:fld id="{5849F42C-2DAE-424C-A4B8-3140182C3E9F}" type="slidenum">
               <a:rPr lang="zh-CN" altLang="en-US" smtClean="0"/>
-              <a:t>15</a:t>
+              <a:t>17</a:t>
             </a:fld>
             <a:endParaRPr lang="zh-CN" altLang="en-US"/>
           </a:p>
@@ -1777,7 +1695,7 @@
     </p:spTree>
     <p:extLst>
       <p:ext uri="{BB962C8B-B14F-4D97-AF65-F5344CB8AC3E}">
-        <p14:creationId xmlns:p14="http://schemas.microsoft.com/office/powerpoint/2010/main" val="812935885"/>
+        <p14:creationId xmlns:p14="http://schemas.microsoft.com/office/powerpoint/2010/main" val="2839420241"/>
       </p:ext>
     </p:extLst>
   </p:cSld>
@@ -2459,7 +2377,7 @@
           <a:p>
             <a:fld id="{4AF1D963-E470-477F-9771-78FBCB781656}" type="datetimeFigureOut">
               <a:rPr lang="zh-CN" altLang="en-US" smtClean="0"/>
-              <a:t>2023/8/22</a:t>
+              <a:t>2023/8/28</a:t>
             </a:fld>
             <a:endParaRPr lang="zh-CN" altLang="en-US"/>
           </a:p>
@@ -7493,6 +7411,3106 @@
             <p:ph type="title"/>
           </p:nvPr>
         </p:nvSpPr>
+        <p:spPr/>
+        <p:txBody>
+          <a:bodyPr>
+            <a:normAutofit/>
+          </a:bodyPr>
+          <a:lstStyle/>
+          <a:p>
+            <a:r>
+              <a:rPr lang="en-US" altLang="zh-CN" dirty="0"/>
+              <a:t>mysql-binlog-connector-java </a:t>
+            </a:r>
+            <a:r>
+              <a:rPr lang="zh-CN" altLang="en-US" dirty="0"/>
+              <a:t>原理</a:t>
+            </a:r>
+            <a:endParaRPr lang="zh-CN" altLang="en-US" dirty="0"/>
+          </a:p>
+        </p:txBody>
+      </p:sp>
+      <p:grpSp>
+        <p:nvGrpSpPr>
+          <p:cNvPr id="11" name="组合 10"/>
+          <p:cNvGrpSpPr/>
+          <p:nvPr/>
+        </p:nvGrpSpPr>
+        <p:grpSpPr>
+          <a:xfrm>
+            <a:off x="1306800" y="756000"/>
+            <a:ext cx="9416370" cy="4193828"/>
+            <a:chOff x="456190" y="937734"/>
+            <a:chExt cx="7111902" cy="4193828"/>
+          </a:xfrm>
+        </p:grpSpPr>
+        <p:grpSp>
+          <p:nvGrpSpPr>
+            <p:cNvPr id="30" name="组合 29"/>
+            <p:cNvGrpSpPr/>
+            <p:nvPr/>
+          </p:nvGrpSpPr>
+          <p:grpSpPr>
+            <a:xfrm>
+              <a:off x="456190" y="937734"/>
+              <a:ext cx="7111902" cy="4193828"/>
+              <a:chOff x="405001" y="1217727"/>
+              <a:chExt cx="7330675" cy="4712537"/>
+            </a:xfrm>
+          </p:grpSpPr>
+          <p:sp>
+            <p:nvSpPr>
+              <p:cNvPr id="5" name="圆角矩形 4"/>
+              <p:cNvSpPr/>
+              <p:nvPr/>
+            </p:nvSpPr>
+            <p:spPr>
+              <a:xfrm>
+                <a:off x="481263" y="1742173"/>
+                <a:ext cx="2194560" cy="4188091"/>
+              </a:xfrm>
+              <a:prstGeom prst="roundRect">
+                <a:avLst/>
+              </a:prstGeom>
+              <a:noFill/>
+            </p:spPr>
+            <p:style>
+              <a:lnRef idx="2">
+                <a:schemeClr val="accent1">
+                  <a:shade val="50000"/>
+                </a:schemeClr>
+              </a:lnRef>
+              <a:fillRef idx="1">
+                <a:schemeClr val="accent1"/>
+              </a:fillRef>
+              <a:effectRef idx="0">
+                <a:schemeClr val="accent1"/>
+              </a:effectRef>
+              <a:fontRef idx="minor">
+                <a:schemeClr val="lt1"/>
+              </a:fontRef>
+            </p:style>
+            <p:txBody>
+              <a:bodyPr rtlCol="0" anchor="ctr"/>
+              <a:lstStyle/>
+              <a:p>
+                <a:pPr algn="ctr"/>
+                <a:endParaRPr lang="zh-CN" altLang="en-US"/>
+              </a:p>
+            </p:txBody>
+          </p:sp>
+          <p:sp>
+            <p:nvSpPr>
+              <p:cNvPr id="6" name="圆柱形 5"/>
+              <p:cNvSpPr/>
+              <p:nvPr/>
+            </p:nvSpPr>
+            <p:spPr>
+              <a:xfrm>
+                <a:off x="1126156" y="2175510"/>
+                <a:ext cx="827772" cy="866074"/>
+              </a:xfrm>
+              <a:prstGeom prst="can">
+                <a:avLst/>
+              </a:prstGeom>
+            </p:spPr>
+            <p:style>
+              <a:lnRef idx="2">
+                <a:schemeClr val="accent1">
+                  <a:shade val="50000"/>
+                </a:schemeClr>
+              </a:lnRef>
+              <a:fillRef idx="1">
+                <a:schemeClr val="accent1"/>
+              </a:fillRef>
+              <a:effectRef idx="0">
+                <a:schemeClr val="accent1"/>
+              </a:effectRef>
+              <a:fontRef idx="minor">
+                <a:schemeClr val="lt1"/>
+              </a:fontRef>
+            </p:style>
+            <p:txBody>
+              <a:bodyPr rtlCol="0" anchor="ctr"/>
+              <a:lstStyle/>
+              <a:p>
+                <a:pPr algn="ctr"/>
+                <a:r>
+                  <a:rPr lang="en-US" altLang="zh-CN" sz="1400" dirty="0" smtClean="0"/>
+                  <a:t>mysql</a:t>
+                </a:r>
+                <a:endParaRPr lang="zh-CN" altLang="en-US" sz="1400" dirty="0"/>
+              </a:p>
+            </p:txBody>
+          </p:sp>
+          <p:sp>
+            <p:nvSpPr>
+              <p:cNvPr id="7" name="流程图: 文档 6"/>
+              <p:cNvSpPr/>
+              <p:nvPr/>
+            </p:nvSpPr>
+            <p:spPr>
+              <a:xfrm>
+                <a:off x="1158741" y="3480008"/>
+                <a:ext cx="760395" cy="750771"/>
+              </a:xfrm>
+              <a:prstGeom prst="flowChartDocument">
+                <a:avLst/>
+              </a:prstGeom>
+            </p:spPr>
+            <p:style>
+              <a:lnRef idx="2">
+                <a:schemeClr val="accent1">
+                  <a:shade val="50000"/>
+                </a:schemeClr>
+              </a:lnRef>
+              <a:fillRef idx="1">
+                <a:schemeClr val="accent1"/>
+              </a:fillRef>
+              <a:effectRef idx="0">
+                <a:schemeClr val="accent1"/>
+              </a:effectRef>
+              <a:fontRef idx="minor">
+                <a:schemeClr val="lt1"/>
+              </a:fontRef>
+            </p:style>
+            <p:txBody>
+              <a:bodyPr rtlCol="0" anchor="ctr"/>
+              <a:lstStyle/>
+              <a:p>
+                <a:pPr algn="ctr"/>
+                <a:endParaRPr lang="zh-CN" altLang="en-US"/>
+              </a:p>
+            </p:txBody>
+          </p:sp>
+          <p:sp>
+            <p:nvSpPr>
+              <p:cNvPr id="10" name="文本框 9"/>
+              <p:cNvSpPr txBox="1"/>
+              <p:nvPr/>
+            </p:nvSpPr>
+            <p:spPr>
+              <a:xfrm>
+                <a:off x="1193533" y="1217727"/>
+                <a:ext cx="813877" cy="307777"/>
+              </a:xfrm>
+              <a:prstGeom prst="rect">
+                <a:avLst/>
+              </a:prstGeom>
+              <a:noFill/>
+            </p:spPr>
+            <p:txBody>
+              <a:bodyPr wrap="none" rtlCol="0">
+                <a:spAutoFit/>
+              </a:bodyPr>
+              <a:lstStyle/>
+              <a:p>
+                <a:r>
+                  <a:rPr lang="en-US" altLang="zh-CN" sz="1400" b="1" dirty="0" smtClean="0">
+                    <a:latin typeface="微软雅黑" pitchFamily="34" charset="-122"/>
+                    <a:ea typeface="微软雅黑" pitchFamily="34" charset="-122"/>
+                  </a:rPr>
+                  <a:t>Master</a:t>
+                </a:r>
+                <a:endParaRPr lang="zh-CN" altLang="en-US" sz="1400" b="1" dirty="0">
+                  <a:latin typeface="微软雅黑" pitchFamily="34" charset="-122"/>
+                  <a:ea typeface="微软雅黑" pitchFamily="34" charset="-122"/>
+                </a:endParaRPr>
+              </a:p>
+            </p:txBody>
+          </p:sp>
+          <p:cxnSp>
+            <p:nvCxnSpPr>
+              <p:cNvPr id="12" name="直接箭头连接符 11"/>
+              <p:cNvCxnSpPr/>
+              <p:nvPr/>
+            </p:nvCxnSpPr>
+            <p:spPr>
+              <a:xfrm>
+                <a:off x="1540042" y="3107650"/>
+                <a:ext cx="0" cy="305506"/>
+              </a:xfrm>
+              <a:prstGeom prst="straightConnector1">
+                <a:avLst/>
+              </a:prstGeom>
+              <a:ln w="25400">
+                <a:solidFill>
+                  <a:schemeClr val="bg1">
+                    <a:lumMod val="50000"/>
+                  </a:schemeClr>
+                </a:solidFill>
+                <a:tailEnd type="triangle"/>
+              </a:ln>
+            </p:spPr>
+            <p:style>
+              <a:lnRef idx="1">
+                <a:schemeClr val="accent1"/>
+              </a:lnRef>
+              <a:fillRef idx="0">
+                <a:schemeClr val="accent1"/>
+              </a:fillRef>
+              <a:effectRef idx="0">
+                <a:schemeClr val="accent1"/>
+              </a:effectRef>
+              <a:fontRef idx="minor">
+                <a:schemeClr val="tx1"/>
+              </a:fontRef>
+            </p:style>
+          </p:cxnSp>
+          <p:sp>
+            <p:nvSpPr>
+              <p:cNvPr id="14" name="文本框 13"/>
+              <p:cNvSpPr txBox="1"/>
+              <p:nvPr/>
+            </p:nvSpPr>
+            <p:spPr>
+              <a:xfrm>
+                <a:off x="405001" y="3073120"/>
+                <a:ext cx="1363767" cy="311259"/>
+              </a:xfrm>
+              <a:prstGeom prst="rect">
+                <a:avLst/>
+              </a:prstGeom>
+              <a:noFill/>
+            </p:spPr>
+            <p:txBody>
+              <a:bodyPr wrap="square" rtlCol="0">
+                <a:spAutoFit/>
+              </a:bodyPr>
+              <a:lstStyle/>
+              <a:p>
+                <a:r>
+                  <a:rPr lang="en-US" altLang="zh-CN" sz="1200" dirty="0" smtClean="0">
+                    <a:latin typeface="微软雅黑" pitchFamily="34" charset="-122"/>
+                    <a:ea typeface="微软雅黑" pitchFamily="34" charset="-122"/>
+                  </a:rPr>
+                  <a:t>   </a:t>
+                </a:r>
+                <a:r>
+                  <a:rPr lang="en-US" altLang="zh-CN" sz="1200" dirty="0" smtClean="0">
+                    <a:latin typeface="微软雅黑" pitchFamily="34" charset="-122"/>
+                    <a:ea typeface="微软雅黑" pitchFamily="34" charset="-122"/>
+                  </a:rPr>
+                  <a:t>data changes</a:t>
+                </a:r>
+                <a:endParaRPr lang="zh-CN" altLang="en-US" sz="1200" dirty="0">
+                  <a:latin typeface="微软雅黑" pitchFamily="34" charset="-122"/>
+                  <a:ea typeface="微软雅黑" pitchFamily="34" charset="-122"/>
+                </a:endParaRPr>
+              </a:p>
+            </p:txBody>
+          </p:sp>
+          <p:sp>
+            <p:nvSpPr>
+              <p:cNvPr id="15" name="文本框 14"/>
+              <p:cNvSpPr txBox="1"/>
+              <p:nvPr/>
+            </p:nvSpPr>
+            <p:spPr>
+              <a:xfrm>
+                <a:off x="1189445" y="3655647"/>
+                <a:ext cx="890927" cy="293967"/>
+              </a:xfrm>
+              <a:prstGeom prst="rect">
+                <a:avLst/>
+              </a:prstGeom>
+              <a:noFill/>
+            </p:spPr>
+            <p:txBody>
+              <a:bodyPr wrap="none" rtlCol="0">
+                <a:spAutoFit/>
+              </a:bodyPr>
+              <a:lstStyle/>
+              <a:p>
+                <a:r>
+                  <a:rPr lang="en-US" altLang="zh-CN" sz="1100" dirty="0">
+                    <a:solidFill>
+                      <a:schemeClr val="bg1"/>
+                    </a:solidFill>
+                    <a:latin typeface="微软雅黑" pitchFamily="34" charset="-122"/>
+                    <a:ea typeface="微软雅黑" pitchFamily="34" charset="-122"/>
+                  </a:rPr>
+                  <a:t>b</a:t>
+                </a:r>
+                <a:r>
+                  <a:rPr lang="en-US" altLang="zh-CN" sz="1100" dirty="0" smtClean="0">
+                    <a:solidFill>
+                      <a:schemeClr val="bg1"/>
+                    </a:solidFill>
+                    <a:latin typeface="微软雅黑" pitchFamily="34" charset="-122"/>
+                    <a:ea typeface="微软雅黑" pitchFamily="34" charset="-122"/>
+                  </a:rPr>
+                  <a:t>inary log</a:t>
+                </a:r>
+                <a:endParaRPr lang="zh-CN" altLang="en-US" sz="1100" dirty="0">
+                  <a:solidFill>
+                    <a:schemeClr val="bg1"/>
+                  </a:solidFill>
+                  <a:latin typeface="微软雅黑" pitchFamily="34" charset="-122"/>
+                  <a:ea typeface="微软雅黑" pitchFamily="34" charset="-122"/>
+                </a:endParaRPr>
+              </a:p>
+            </p:txBody>
+          </p:sp>
+          <p:sp>
+            <p:nvSpPr>
+              <p:cNvPr id="16" name="圆角矩形 15"/>
+              <p:cNvSpPr/>
+              <p:nvPr/>
+            </p:nvSpPr>
+            <p:spPr>
+              <a:xfrm>
+                <a:off x="3702691" y="1742173"/>
+                <a:ext cx="4032985" cy="4188091"/>
+              </a:xfrm>
+              <a:prstGeom prst="roundRect">
+                <a:avLst/>
+              </a:prstGeom>
+              <a:noFill/>
+            </p:spPr>
+            <p:style>
+              <a:lnRef idx="2">
+                <a:schemeClr val="accent1">
+                  <a:shade val="50000"/>
+                </a:schemeClr>
+              </a:lnRef>
+              <a:fillRef idx="1">
+                <a:schemeClr val="accent1"/>
+              </a:fillRef>
+              <a:effectRef idx="0">
+                <a:schemeClr val="accent1"/>
+              </a:effectRef>
+              <a:fontRef idx="minor">
+                <a:schemeClr val="lt1"/>
+              </a:fontRef>
+            </p:style>
+            <p:txBody>
+              <a:bodyPr rtlCol="0" anchor="ctr"/>
+              <a:lstStyle/>
+              <a:p>
+                <a:pPr algn="ctr"/>
+                <a:endParaRPr lang="zh-CN" altLang="en-US"/>
+              </a:p>
+            </p:txBody>
+          </p:sp>
+          <p:pic>
+            <p:nvPicPr>
+              <p:cNvPr id="17" name="图片 16"/>
+              <p:cNvPicPr>
+                <a:picLocks noChangeAspect="1"/>
+              </p:cNvPicPr>
+              <p:nvPr/>
+            </p:nvPicPr>
+            <p:blipFill>
+              <a:blip r:embed="rId2"/>
+              <a:stretch>
+                <a:fillRect/>
+              </a:stretch>
+            </p:blipFill>
+            <p:spPr>
+              <a:xfrm>
+                <a:off x="4285523" y="2270409"/>
+                <a:ext cx="666750" cy="676275"/>
+              </a:xfrm>
+              <a:prstGeom prst="rect">
+                <a:avLst/>
+              </a:prstGeom>
+            </p:spPr>
+          </p:pic>
+          <p:sp>
+            <p:nvSpPr>
+              <p:cNvPr id="20" name="流程图: 文档 19"/>
+              <p:cNvSpPr/>
+              <p:nvPr/>
+            </p:nvSpPr>
+            <p:spPr>
+              <a:xfrm>
+                <a:off x="4873777" y="4514309"/>
+                <a:ext cx="760395" cy="750771"/>
+              </a:xfrm>
+              <a:prstGeom prst="flowChartDocument">
+                <a:avLst/>
+              </a:prstGeom>
+            </p:spPr>
+            <p:style>
+              <a:lnRef idx="2">
+                <a:schemeClr val="accent1">
+                  <a:shade val="50000"/>
+                </a:schemeClr>
+              </a:lnRef>
+              <a:fillRef idx="1">
+                <a:schemeClr val="accent1"/>
+              </a:fillRef>
+              <a:effectRef idx="0">
+                <a:schemeClr val="accent1"/>
+              </a:effectRef>
+              <a:fontRef idx="minor">
+                <a:schemeClr val="lt1"/>
+              </a:fontRef>
+            </p:style>
+            <p:txBody>
+              <a:bodyPr rtlCol="0" anchor="ctr"/>
+              <a:lstStyle/>
+              <a:p>
+                <a:pPr algn="ctr"/>
+                <a:endParaRPr lang="zh-CN" altLang="en-US"/>
+              </a:p>
+            </p:txBody>
+          </p:sp>
+          <p:sp>
+            <p:nvSpPr>
+              <p:cNvPr id="23" name="文本框 22"/>
+              <p:cNvSpPr txBox="1"/>
+              <p:nvPr/>
+            </p:nvSpPr>
+            <p:spPr>
+              <a:xfrm>
+                <a:off x="5391368" y="1266720"/>
+                <a:ext cx="655629" cy="307777"/>
+              </a:xfrm>
+              <a:prstGeom prst="rect">
+                <a:avLst/>
+              </a:prstGeom>
+              <a:noFill/>
+            </p:spPr>
+            <p:txBody>
+              <a:bodyPr wrap="none" rtlCol="0">
+                <a:spAutoFit/>
+              </a:bodyPr>
+              <a:lstStyle/>
+              <a:p>
+                <a:r>
+                  <a:rPr lang="en-US" altLang="zh-CN" sz="1400" b="1" dirty="0" smtClean="0">
+                    <a:latin typeface="微软雅黑" pitchFamily="34" charset="-122"/>
+                    <a:ea typeface="微软雅黑" pitchFamily="34" charset="-122"/>
+                  </a:rPr>
+                  <a:t>Slave</a:t>
+                </a:r>
+                <a:endParaRPr lang="zh-CN" altLang="en-US" sz="1400" b="1" dirty="0">
+                  <a:latin typeface="微软雅黑" pitchFamily="34" charset="-122"/>
+                  <a:ea typeface="微软雅黑" pitchFamily="34" charset="-122"/>
+                </a:endParaRPr>
+              </a:p>
+            </p:txBody>
+          </p:sp>
+          <p:sp>
+            <p:nvSpPr>
+              <p:cNvPr id="28" name="文本框 27"/>
+              <p:cNvSpPr txBox="1"/>
+              <p:nvPr/>
+            </p:nvSpPr>
+            <p:spPr>
+              <a:xfrm>
+                <a:off x="4290470" y="1979961"/>
+                <a:ext cx="750481" cy="311259"/>
+              </a:xfrm>
+              <a:prstGeom prst="rect">
+                <a:avLst/>
+              </a:prstGeom>
+              <a:noFill/>
+            </p:spPr>
+            <p:txBody>
+              <a:bodyPr wrap="none" rtlCol="0">
+                <a:spAutoFit/>
+              </a:bodyPr>
+              <a:lstStyle/>
+              <a:p>
+                <a:r>
+                  <a:rPr lang="en-US" altLang="zh-CN" sz="1200" dirty="0" smtClean="0">
+                    <a:latin typeface="微软雅黑" pitchFamily="34" charset="-122"/>
+                    <a:ea typeface="微软雅黑" pitchFamily="34" charset="-122"/>
+                  </a:rPr>
+                  <a:t>I/O</a:t>
+                </a:r>
+                <a:r>
+                  <a:rPr lang="zh-CN" altLang="en-US" sz="1200" dirty="0" smtClean="0">
+                    <a:latin typeface="微软雅黑" pitchFamily="34" charset="-122"/>
+                    <a:ea typeface="微软雅黑" pitchFamily="34" charset="-122"/>
+                  </a:rPr>
+                  <a:t>线程</a:t>
+                </a:r>
+                <a:endParaRPr lang="zh-CN" altLang="en-US" sz="1200" dirty="0">
+                  <a:latin typeface="微软雅黑" pitchFamily="34" charset="-122"/>
+                  <a:ea typeface="微软雅黑" pitchFamily="34" charset="-122"/>
+                </a:endParaRPr>
+              </a:p>
+            </p:txBody>
+          </p:sp>
+          <p:sp>
+            <p:nvSpPr>
+              <p:cNvPr id="32" name="文本框 31"/>
+              <p:cNvSpPr txBox="1"/>
+              <p:nvPr/>
+            </p:nvSpPr>
+            <p:spPr>
+              <a:xfrm>
+                <a:off x="2735304" y="3293782"/>
+                <a:ext cx="427994" cy="311259"/>
+              </a:xfrm>
+              <a:prstGeom prst="rect">
+                <a:avLst/>
+              </a:prstGeom>
+              <a:noFill/>
+            </p:spPr>
+            <p:txBody>
+              <a:bodyPr wrap="none" rtlCol="0">
+                <a:spAutoFit/>
+              </a:bodyPr>
+              <a:lstStyle/>
+              <a:p>
+                <a:r>
+                  <a:rPr lang="en-US" altLang="zh-CN" sz="1200" dirty="0" smtClean="0">
+                    <a:latin typeface="微软雅黑" pitchFamily="34" charset="-122"/>
+                    <a:ea typeface="微软雅黑" pitchFamily="34" charset="-122"/>
+                  </a:rPr>
+                  <a:t>Read</a:t>
+                </a:r>
+                <a:endParaRPr lang="zh-CN" altLang="en-US" sz="1400" dirty="0">
+                  <a:latin typeface="微软雅黑" pitchFamily="34" charset="-122"/>
+                  <a:ea typeface="微软雅黑" pitchFamily="34" charset="-122"/>
+                </a:endParaRPr>
+              </a:p>
+            </p:txBody>
+          </p:sp>
+          <p:sp>
+            <p:nvSpPr>
+              <p:cNvPr id="29" name="任意多边形 28"/>
+              <p:cNvSpPr/>
+              <p:nvPr/>
+            </p:nvSpPr>
+            <p:spPr>
+              <a:xfrm>
+                <a:off x="4760929" y="3080084"/>
+                <a:ext cx="301959" cy="1222409"/>
+              </a:xfrm>
+              <a:custGeom>
+                <a:avLst/>
+                <a:gdLst>
+                  <a:gd name="connsiteX0" fmla="*/ 3576 w 301959"/>
+                  <a:gd name="connsiteY0" fmla="*/ 0 h 1222409"/>
+                  <a:gd name="connsiteX1" fmla="*/ 42077 w 301959"/>
+                  <a:gd name="connsiteY1" fmla="*/ 539015 h 1222409"/>
+                  <a:gd name="connsiteX2" fmla="*/ 301959 w 301959"/>
+                  <a:gd name="connsiteY2" fmla="*/ 1222409 h 1222409"/>
+                </a:gdLst>
+                <a:ahLst/>
+                <a:cxnLst>
+                  <a:cxn ang="0">
+                    <a:pos x="connsiteX0" y="connsiteY0"/>
+                  </a:cxn>
+                  <a:cxn ang="0">
+                    <a:pos x="connsiteX1" y="connsiteY1"/>
+                  </a:cxn>
+                  <a:cxn ang="0">
+                    <a:pos x="connsiteX2" y="connsiteY2"/>
+                  </a:cxn>
+                </a:cxnLst>
+                <a:rect l="l" t="t" r="r" b="b"/>
+                <a:pathLst>
+                  <a:path w="301959" h="1222409">
+                    <a:moveTo>
+                      <a:pt x="3576" y="0"/>
+                    </a:moveTo>
+                    <a:cubicBezTo>
+                      <a:pt x="-2039" y="167640"/>
+                      <a:pt x="-7653" y="335280"/>
+                      <a:pt x="42077" y="539015"/>
+                    </a:cubicBezTo>
+                    <a:cubicBezTo>
+                      <a:pt x="91807" y="742750"/>
+                      <a:pt x="196883" y="982579"/>
+                      <a:pt x="301959" y="1222409"/>
+                    </a:cubicBezTo>
+                  </a:path>
+                </a:pathLst>
+              </a:custGeom>
+              <a:noFill/>
+              <a:ln w="3175">
+                <a:solidFill>
+                  <a:schemeClr val="tx1"/>
+                </a:solidFill>
+                <a:headEnd type="none" w="med" len="med"/>
+                <a:tailEnd type="arrow" w="med" len="med"/>
+              </a:ln>
+            </p:spPr>
+            <p:style>
+              <a:lnRef idx="2">
+                <a:schemeClr val="accent1">
+                  <a:shade val="50000"/>
+                </a:schemeClr>
+              </a:lnRef>
+              <a:fillRef idx="1">
+                <a:schemeClr val="accent1"/>
+              </a:fillRef>
+              <a:effectRef idx="0">
+                <a:schemeClr val="accent1"/>
+              </a:effectRef>
+              <a:fontRef idx="minor">
+                <a:schemeClr val="lt1"/>
+              </a:fontRef>
+            </p:style>
+            <p:txBody>
+              <a:bodyPr rtlCol="0" anchor="ctr"/>
+              <a:lstStyle/>
+              <a:p>
+                <a:pPr algn="ctr"/>
+                <a:endParaRPr lang="zh-CN" altLang="en-US"/>
+              </a:p>
+            </p:txBody>
+          </p:sp>
+          <p:sp>
+            <p:nvSpPr>
+              <p:cNvPr id="37" name="文本框 36"/>
+              <p:cNvSpPr txBox="1"/>
+              <p:nvPr/>
+            </p:nvSpPr>
+            <p:spPr>
+              <a:xfrm>
+                <a:off x="4911909" y="4665107"/>
+                <a:ext cx="696602" cy="293967"/>
+              </a:xfrm>
+              <a:prstGeom prst="rect">
+                <a:avLst/>
+              </a:prstGeom>
+              <a:noFill/>
+            </p:spPr>
+            <p:txBody>
+              <a:bodyPr wrap="none" rtlCol="0">
+                <a:spAutoFit/>
+              </a:bodyPr>
+              <a:lstStyle/>
+              <a:p>
+                <a:r>
+                  <a:rPr lang="en-US" altLang="zh-CN" sz="1100" dirty="0" smtClean="0">
+                    <a:solidFill>
+                      <a:schemeClr val="bg1"/>
+                    </a:solidFill>
+                    <a:latin typeface="微软雅黑" pitchFamily="34" charset="-122"/>
+                    <a:ea typeface="微软雅黑" pitchFamily="34" charset="-122"/>
+                  </a:rPr>
+                  <a:t>Binlog</a:t>
+                </a:r>
+                <a:r>
+                  <a:rPr lang="zh-CN" altLang="en-US" sz="1100" dirty="0">
+                    <a:solidFill>
+                      <a:schemeClr val="bg1"/>
+                    </a:solidFill>
+                    <a:latin typeface="微软雅黑" pitchFamily="34" charset="-122"/>
+                    <a:ea typeface="微软雅黑" pitchFamily="34" charset="-122"/>
+                  </a:rPr>
+                  <a:t>事件</a:t>
+                </a:r>
+                <a:endParaRPr lang="zh-CN" altLang="en-US" sz="1100" dirty="0">
+                  <a:solidFill>
+                    <a:schemeClr val="bg1"/>
+                  </a:solidFill>
+                  <a:latin typeface="微软雅黑" pitchFamily="34" charset="-122"/>
+                  <a:ea typeface="微软雅黑" pitchFamily="34" charset="-122"/>
+                </a:endParaRPr>
+              </a:p>
+            </p:txBody>
+          </p:sp>
+        </p:grpSp>
+        <p:pic>
+          <p:nvPicPr>
+            <p:cNvPr id="39" name="图片 38"/>
+            <p:cNvPicPr>
+              <a:picLocks noChangeAspect="1"/>
+            </p:cNvPicPr>
+            <p:nvPr/>
+          </p:nvPicPr>
+          <p:blipFill>
+            <a:blip r:embed="rId2"/>
+            <a:stretch>
+              <a:fillRect/>
+            </a:stretch>
+          </p:blipFill>
+          <p:spPr>
+            <a:xfrm>
+              <a:off x="1217223" y="3972680"/>
+              <a:ext cx="646852" cy="601837"/>
+            </a:xfrm>
+            <a:prstGeom prst="rect">
+              <a:avLst/>
+            </a:prstGeom>
+          </p:spPr>
+        </p:pic>
+        <p:sp>
+          <p:nvSpPr>
+            <p:cNvPr id="40" name="文本框 39"/>
+            <p:cNvSpPr txBox="1"/>
+            <p:nvPr/>
+          </p:nvSpPr>
+          <p:spPr>
+            <a:xfrm>
+              <a:off x="1014978" y="4583599"/>
+              <a:ext cx="1123772" cy="276999"/>
+            </a:xfrm>
+            <a:prstGeom prst="rect">
+              <a:avLst/>
+            </a:prstGeom>
+            <a:noFill/>
+          </p:spPr>
+          <p:txBody>
+            <a:bodyPr wrap="none" rtlCol="0">
+              <a:spAutoFit/>
+            </a:bodyPr>
+            <a:lstStyle/>
+            <a:p>
+              <a:r>
+                <a:rPr lang="en-US" altLang="zh-CN" sz="1200" dirty="0" smtClean="0">
+                  <a:latin typeface="微软雅黑" pitchFamily="34" charset="-122"/>
+                  <a:ea typeface="微软雅黑" pitchFamily="34" charset="-122"/>
+                </a:rPr>
+                <a:t>binlog dump </a:t>
+              </a:r>
+              <a:r>
+                <a:rPr lang="zh-CN" altLang="en-US" sz="1200" dirty="0" smtClean="0">
+                  <a:latin typeface="微软雅黑" pitchFamily="34" charset="-122"/>
+                  <a:ea typeface="微软雅黑" pitchFamily="34" charset="-122"/>
+                </a:rPr>
+                <a:t>线程</a:t>
+              </a:r>
+              <a:endParaRPr lang="zh-CN" altLang="en-US" sz="1200" dirty="0">
+                <a:latin typeface="微软雅黑" pitchFamily="34" charset="-122"/>
+                <a:ea typeface="微软雅黑" pitchFamily="34" charset="-122"/>
+              </a:endParaRPr>
+            </a:p>
+          </p:txBody>
+        </p:sp>
+        <p:cxnSp>
+          <p:nvCxnSpPr>
+            <p:cNvPr id="69" name="直接箭头连接符 68"/>
+            <p:cNvCxnSpPr/>
+            <p:nvPr/>
+          </p:nvCxnSpPr>
+          <p:spPr>
+            <a:xfrm>
+              <a:off x="1551201" y="3657261"/>
+              <a:ext cx="0" cy="271879"/>
+            </a:xfrm>
+            <a:prstGeom prst="straightConnector1">
+              <a:avLst/>
+            </a:prstGeom>
+            <a:ln w="25400">
+              <a:solidFill>
+                <a:schemeClr val="bg1">
+                  <a:lumMod val="50000"/>
+                </a:schemeClr>
+              </a:solidFill>
+              <a:tailEnd type="triangle"/>
+            </a:ln>
+          </p:spPr>
+          <p:style>
+            <a:lnRef idx="1">
+              <a:schemeClr val="accent1"/>
+            </a:lnRef>
+            <a:fillRef idx="0">
+              <a:schemeClr val="accent1"/>
+            </a:fillRef>
+            <a:effectRef idx="0">
+              <a:schemeClr val="accent1"/>
+            </a:effectRef>
+            <a:fontRef idx="minor">
+              <a:schemeClr val="tx1"/>
+            </a:fontRef>
+          </p:style>
+        </p:cxnSp>
+        <p:cxnSp>
+          <p:nvCxnSpPr>
+            <p:cNvPr id="9" name="直接箭头连接符 8"/>
+            <p:cNvCxnSpPr/>
+            <p:nvPr/>
+          </p:nvCxnSpPr>
+          <p:spPr>
+            <a:xfrm flipV="1">
+              <a:off x="1925137" y="2271288"/>
+              <a:ext cx="2209735" cy="1989241"/>
+            </a:xfrm>
+            <a:prstGeom prst="straightConnector1">
+              <a:avLst/>
+            </a:prstGeom>
+            <a:ln w="6350">
+              <a:solidFill>
+                <a:schemeClr val="tx1"/>
+              </a:solidFill>
+              <a:headEnd type="triangle"/>
+              <a:tailEnd type="triangle"/>
+            </a:ln>
+          </p:spPr>
+          <p:style>
+            <a:lnRef idx="1">
+              <a:schemeClr val="accent1"/>
+            </a:lnRef>
+            <a:fillRef idx="0">
+              <a:schemeClr val="accent1"/>
+            </a:fillRef>
+            <a:effectRef idx="0">
+              <a:schemeClr val="accent1"/>
+            </a:effectRef>
+            <a:fontRef idx="minor">
+              <a:schemeClr val="tx1"/>
+            </a:fontRef>
+          </p:style>
+        </p:cxnSp>
+      </p:grpSp>
+      <p:sp>
+        <p:nvSpPr>
+          <p:cNvPr id="70" name="文本框 69"/>
+          <p:cNvSpPr txBox="1"/>
+          <p:nvPr/>
+        </p:nvSpPr>
+        <p:spPr>
+          <a:xfrm>
+            <a:off x="1335336" y="5034931"/>
+            <a:ext cx="11999407" cy="1569660"/>
+          </a:xfrm>
+          <a:prstGeom prst="rect">
+            <a:avLst/>
+          </a:prstGeom>
+          <a:noFill/>
+        </p:spPr>
+        <p:txBody>
+          <a:bodyPr wrap="square" rtlCol="0">
+            <a:spAutoFit/>
+          </a:bodyPr>
+          <a:lstStyle/>
+          <a:p>
+            <a:pPr>
+              <a:lnSpc>
+                <a:spcPct val="150000"/>
+              </a:lnSpc>
+            </a:pPr>
+            <a:r>
+              <a:rPr lang="en-US" altLang="zh-CN" sz="1600" dirty="0" smtClean="0">
+                <a:latin typeface="微软雅黑" pitchFamily="34" charset="-122"/>
+                <a:ea typeface="微软雅黑" pitchFamily="34" charset="-122"/>
+              </a:rPr>
+              <a:t>mysql-binlog-connector-java</a:t>
+            </a:r>
+            <a:r>
+              <a:rPr lang="zh-CN" altLang="en-US" sz="1600" dirty="0">
+                <a:latin typeface="微软雅黑" pitchFamily="34" charset="-122"/>
+                <a:ea typeface="微软雅黑" pitchFamily="34" charset="-122"/>
+              </a:rPr>
+              <a:t>和</a:t>
+            </a:r>
+            <a:r>
+              <a:rPr lang="en-US" altLang="zh-CN" sz="1600" dirty="0" smtClean="0">
+                <a:latin typeface="微软雅黑" pitchFamily="34" charset="-122"/>
+                <a:ea typeface="微软雅黑" pitchFamily="34" charset="-122"/>
+              </a:rPr>
+              <a:t>mysql</a:t>
+            </a:r>
+            <a:r>
+              <a:rPr lang="zh-CN" altLang="en-US" sz="1600" dirty="0" smtClean="0">
+                <a:latin typeface="微软雅黑" pitchFamily="34" charset="-122"/>
+                <a:ea typeface="微软雅黑" pitchFamily="34" charset="-122"/>
+              </a:rPr>
+              <a:t>主从复制原理基本相同：</a:t>
+            </a:r>
+            <a:endParaRPr lang="en-US" altLang="zh-CN" sz="1600" dirty="0" smtClean="0">
+              <a:latin typeface="微软雅黑" pitchFamily="34" charset="-122"/>
+              <a:ea typeface="微软雅黑" pitchFamily="34" charset="-122"/>
+            </a:endParaRPr>
+          </a:p>
+          <a:p>
+            <a:pPr marL="285750" indent="-285750">
+              <a:lnSpc>
+                <a:spcPct val="150000"/>
+              </a:lnSpc>
+              <a:buFont typeface="Wingdings" panose="05000000000000000000" pitchFamily="2" charset="2"/>
+              <a:buChar char="Ø"/>
+            </a:pPr>
+            <a:r>
+              <a:rPr lang="zh-CN" altLang="en-US" sz="1600" dirty="0" smtClean="0">
+                <a:latin typeface="微软雅黑" pitchFamily="34" charset="-122"/>
+                <a:ea typeface="微软雅黑" pitchFamily="34" charset="-122"/>
+              </a:rPr>
+              <a:t>它</a:t>
+            </a:r>
+            <a:r>
+              <a:rPr lang="zh-CN" altLang="en-US" sz="1600" dirty="0" smtClean="0">
+                <a:latin typeface="微软雅黑" pitchFamily="34" charset="-122"/>
+                <a:ea typeface="微软雅黑" pitchFamily="34" charset="-122"/>
+              </a:rPr>
+              <a:t>将自己伪装成</a:t>
+            </a:r>
+            <a:r>
+              <a:rPr lang="en-US" altLang="zh-CN" sz="1600" dirty="0">
+                <a:latin typeface="微软雅黑" pitchFamily="34" charset="-122"/>
+                <a:ea typeface="微软雅黑" pitchFamily="34" charset="-122"/>
+              </a:rPr>
+              <a:t>S</a:t>
+            </a:r>
+            <a:r>
+              <a:rPr lang="en-US" altLang="zh-CN" sz="1600" dirty="0" smtClean="0">
+                <a:latin typeface="微软雅黑" pitchFamily="34" charset="-122"/>
+                <a:ea typeface="微软雅黑" pitchFamily="34" charset="-122"/>
+              </a:rPr>
+              <a:t>lave</a:t>
+            </a:r>
+            <a:r>
+              <a:rPr lang="zh-CN" altLang="en-US" sz="1600" dirty="0" smtClean="0">
+                <a:latin typeface="微软雅黑" pitchFamily="34" charset="-122"/>
+                <a:ea typeface="微软雅黑" pitchFamily="34" charset="-122"/>
+              </a:rPr>
+              <a:t>，开启</a:t>
+            </a:r>
+            <a:r>
+              <a:rPr lang="en-US" altLang="zh-CN" sz="1600" dirty="0" smtClean="0">
+                <a:latin typeface="微软雅黑" pitchFamily="34" charset="-122"/>
+                <a:ea typeface="微软雅黑" pitchFamily="34" charset="-122"/>
+              </a:rPr>
+              <a:t>I</a:t>
+            </a:r>
+            <a:r>
+              <a:rPr lang="en-US" altLang="zh-CN" sz="1600" dirty="0" smtClean="0">
+                <a:latin typeface="微软雅黑" pitchFamily="34" charset="-122"/>
+                <a:ea typeface="微软雅黑" pitchFamily="34" charset="-122"/>
+              </a:rPr>
+              <a:t>/O</a:t>
+            </a:r>
+            <a:r>
+              <a:rPr lang="zh-CN" altLang="en-US" sz="1600" dirty="0" smtClean="0">
+                <a:latin typeface="微软雅黑" pitchFamily="34" charset="-122"/>
+                <a:ea typeface="微软雅黑" pitchFamily="34" charset="-122"/>
+              </a:rPr>
+              <a:t>线程，向</a:t>
+            </a:r>
+            <a:r>
+              <a:rPr lang="en-US" altLang="zh-CN" sz="1600" dirty="0" smtClean="0">
+                <a:latin typeface="微软雅黑" pitchFamily="34" charset="-122"/>
+                <a:ea typeface="微软雅黑" pitchFamily="34" charset="-122"/>
+              </a:rPr>
+              <a:t>Master</a:t>
+            </a:r>
+            <a:r>
+              <a:rPr lang="zh-CN" altLang="en-US" sz="1600" dirty="0" smtClean="0">
+                <a:latin typeface="微软雅黑" pitchFamily="34" charset="-122"/>
+                <a:ea typeface="微软雅黑" pitchFamily="34" charset="-122"/>
+              </a:rPr>
+              <a:t>发起</a:t>
+            </a:r>
+            <a:r>
+              <a:rPr lang="en-US" altLang="zh-CN" sz="1600" dirty="0" smtClean="0">
+                <a:latin typeface="微软雅黑" pitchFamily="34" charset="-122"/>
+                <a:ea typeface="微软雅黑" pitchFamily="34" charset="-122"/>
+              </a:rPr>
+              <a:t>dump</a:t>
+            </a:r>
+            <a:r>
+              <a:rPr lang="zh-CN" altLang="en-US" sz="1600" dirty="0" smtClean="0">
+                <a:latin typeface="微软雅黑" pitchFamily="34" charset="-122"/>
+                <a:ea typeface="微软雅黑" pitchFamily="34" charset="-122"/>
+              </a:rPr>
+              <a:t>请求。</a:t>
+            </a:r>
+            <a:endParaRPr lang="en-US" altLang="zh-CN" sz="1600" dirty="0" smtClean="0">
+              <a:latin typeface="微软雅黑" pitchFamily="34" charset="-122"/>
+              <a:ea typeface="微软雅黑" pitchFamily="34" charset="-122"/>
+            </a:endParaRPr>
+          </a:p>
+          <a:p>
+            <a:pPr marL="285750" indent="-285750">
+              <a:lnSpc>
+                <a:spcPct val="150000"/>
+              </a:lnSpc>
+              <a:buFont typeface="Wingdings" panose="05000000000000000000" pitchFamily="2" charset="2"/>
+              <a:buChar char="Ø"/>
+            </a:pPr>
+            <a:r>
+              <a:rPr lang="en-US" altLang="zh-CN" sz="1600" dirty="0" smtClean="0">
+                <a:latin typeface="微软雅黑" pitchFamily="34" charset="-122"/>
+                <a:ea typeface="微软雅黑" pitchFamily="34" charset="-122"/>
+              </a:rPr>
+              <a:t>Master</a:t>
+            </a:r>
+            <a:r>
+              <a:rPr lang="zh-CN" altLang="en-US" sz="1600" dirty="0" smtClean="0">
+                <a:latin typeface="微软雅黑" pitchFamily="34" charset="-122"/>
+                <a:ea typeface="微软雅黑" pitchFamily="34" charset="-122"/>
+              </a:rPr>
+              <a:t>开启</a:t>
+            </a:r>
+            <a:r>
+              <a:rPr lang="en-US" altLang="zh-CN" sz="1600" dirty="0" smtClean="0">
+                <a:latin typeface="微软雅黑" pitchFamily="34" charset="-122"/>
+                <a:ea typeface="微软雅黑" pitchFamily="34" charset="-122"/>
+              </a:rPr>
+              <a:t>binlog dump</a:t>
+            </a:r>
+            <a:r>
+              <a:rPr lang="zh-CN" altLang="en-US" sz="1600" dirty="0" smtClean="0">
+                <a:latin typeface="微软雅黑" pitchFamily="34" charset="-122"/>
+                <a:ea typeface="微软雅黑" pitchFamily="34" charset="-122"/>
+              </a:rPr>
+              <a:t>线程，将</a:t>
+            </a:r>
+            <a:r>
+              <a:rPr lang="en-US" altLang="zh-CN" sz="1600" dirty="0">
+                <a:latin typeface="微软雅黑" pitchFamily="34" charset="-122"/>
+                <a:ea typeface="微软雅黑" pitchFamily="34" charset="-122"/>
+              </a:rPr>
+              <a:t>B</a:t>
+            </a:r>
+            <a:r>
+              <a:rPr lang="en-US" altLang="zh-CN" sz="1600" dirty="0" smtClean="0">
+                <a:latin typeface="微软雅黑" pitchFamily="34" charset="-122"/>
+                <a:ea typeface="微软雅黑" pitchFamily="34" charset="-122"/>
+              </a:rPr>
+              <a:t>inlog</a:t>
+            </a:r>
+            <a:r>
+              <a:rPr lang="zh-CN" altLang="en-US" sz="1600" dirty="0" smtClean="0">
+                <a:latin typeface="微软雅黑" pitchFamily="34" charset="-122"/>
+                <a:ea typeface="微软雅黑" pitchFamily="34" charset="-122"/>
+              </a:rPr>
+              <a:t>日志推送给</a:t>
+            </a:r>
+            <a:r>
+              <a:rPr lang="en-US" altLang="zh-CN" sz="1600" dirty="0">
+                <a:latin typeface="微软雅黑" pitchFamily="34" charset="-122"/>
+                <a:ea typeface="微软雅黑" pitchFamily="34" charset="-122"/>
+              </a:rPr>
+              <a:t>S</a:t>
+            </a:r>
+            <a:r>
+              <a:rPr lang="en-US" altLang="zh-CN" sz="1600" dirty="0" smtClean="0">
+                <a:latin typeface="微软雅黑" pitchFamily="34" charset="-122"/>
+                <a:ea typeface="微软雅黑" pitchFamily="34" charset="-122"/>
+              </a:rPr>
+              <a:t>lave</a:t>
+            </a:r>
+            <a:r>
+              <a:rPr lang="zh-CN" altLang="en-US" sz="1600" dirty="0" smtClean="0">
+                <a:latin typeface="微软雅黑" pitchFamily="34" charset="-122"/>
+                <a:ea typeface="微软雅黑" pitchFamily="34" charset="-122"/>
+              </a:rPr>
+              <a:t>的</a:t>
+            </a:r>
+            <a:r>
+              <a:rPr lang="en-US" altLang="zh-CN" sz="1600" dirty="0" smtClean="0">
+                <a:latin typeface="微软雅黑" pitchFamily="34" charset="-122"/>
+                <a:ea typeface="微软雅黑" pitchFamily="34" charset="-122"/>
+              </a:rPr>
+              <a:t>I</a:t>
+            </a:r>
+            <a:r>
+              <a:rPr lang="en-US" altLang="zh-CN" sz="1600" dirty="0" smtClean="0">
+                <a:latin typeface="微软雅黑" pitchFamily="34" charset="-122"/>
+                <a:ea typeface="微软雅黑" pitchFamily="34" charset="-122"/>
+              </a:rPr>
+              <a:t>/O</a:t>
+            </a:r>
+            <a:r>
+              <a:rPr lang="zh-CN" altLang="en-US" sz="1600" dirty="0" smtClean="0">
+                <a:latin typeface="微软雅黑" pitchFamily="34" charset="-122"/>
+                <a:ea typeface="微软雅黑" pitchFamily="34" charset="-122"/>
+              </a:rPr>
+              <a:t>线程。</a:t>
+            </a:r>
+            <a:endParaRPr lang="en-US" altLang="zh-CN" sz="1600" dirty="0" smtClean="0">
+              <a:latin typeface="微软雅黑" pitchFamily="34" charset="-122"/>
+              <a:ea typeface="微软雅黑" pitchFamily="34" charset="-122"/>
+            </a:endParaRPr>
+          </a:p>
+          <a:p>
+            <a:pPr marL="285750" indent="-285750">
+              <a:lnSpc>
+                <a:spcPct val="150000"/>
+              </a:lnSpc>
+              <a:buFont typeface="Wingdings" panose="05000000000000000000" pitchFamily="2" charset="2"/>
+              <a:buChar char="Ø"/>
+            </a:pPr>
+            <a:r>
+              <a:rPr lang="en-US" altLang="zh-CN" sz="1600" dirty="0" smtClean="0">
+                <a:latin typeface="微软雅黑" pitchFamily="34" charset="-122"/>
+                <a:ea typeface="微软雅黑" pitchFamily="34" charset="-122"/>
+              </a:rPr>
+              <a:t>Slave</a:t>
+            </a:r>
+            <a:r>
+              <a:rPr lang="zh-CN" altLang="en-US" sz="1600" dirty="0" smtClean="0">
+                <a:latin typeface="微软雅黑" pitchFamily="34" charset="-122"/>
+                <a:ea typeface="微软雅黑" pitchFamily="34" charset="-122"/>
+              </a:rPr>
+              <a:t>的</a:t>
+            </a:r>
+            <a:r>
+              <a:rPr lang="en-US" altLang="zh-CN" sz="1600" dirty="0" smtClean="0">
+                <a:latin typeface="微软雅黑" pitchFamily="34" charset="-122"/>
+                <a:ea typeface="微软雅黑" pitchFamily="34" charset="-122"/>
+              </a:rPr>
+              <a:t>I/O</a:t>
+            </a:r>
+            <a:r>
+              <a:rPr lang="zh-CN" altLang="en-US" sz="1600" dirty="0" smtClean="0">
+                <a:latin typeface="微软雅黑" pitchFamily="34" charset="-122"/>
+                <a:ea typeface="微软雅黑" pitchFamily="34" charset="-122"/>
+              </a:rPr>
+              <a:t>线程，读取到</a:t>
+            </a:r>
+            <a:r>
+              <a:rPr lang="en-US" altLang="zh-CN" sz="1600" dirty="0">
+                <a:latin typeface="微软雅黑" pitchFamily="34" charset="-122"/>
+                <a:ea typeface="微软雅黑" pitchFamily="34" charset="-122"/>
+              </a:rPr>
+              <a:t>B</a:t>
+            </a:r>
+            <a:r>
+              <a:rPr lang="en-US" altLang="zh-CN" sz="1600" dirty="0" smtClean="0">
+                <a:latin typeface="微软雅黑" pitchFamily="34" charset="-122"/>
+                <a:ea typeface="微软雅黑" pitchFamily="34" charset="-122"/>
+              </a:rPr>
+              <a:t>inlog</a:t>
+            </a:r>
+            <a:r>
+              <a:rPr lang="zh-CN" altLang="en-US" sz="1600" dirty="0" smtClean="0">
+                <a:latin typeface="微软雅黑" pitchFamily="34" charset="-122"/>
+                <a:ea typeface="微软雅黑" pitchFamily="34" charset="-122"/>
+              </a:rPr>
+              <a:t>日志并解析出</a:t>
+            </a:r>
+            <a:r>
+              <a:rPr lang="en-US" altLang="zh-CN" sz="1600" dirty="0" smtClean="0">
+                <a:latin typeface="微软雅黑" pitchFamily="34" charset="-122"/>
+                <a:ea typeface="微软雅黑" pitchFamily="34" charset="-122"/>
+              </a:rPr>
+              <a:t>Binlog</a:t>
+            </a:r>
+            <a:r>
+              <a:rPr lang="zh-CN" altLang="en-US" sz="1600" dirty="0" smtClean="0">
+                <a:latin typeface="微软雅黑" pitchFamily="34" charset="-122"/>
+                <a:ea typeface="微软雅黑" pitchFamily="34" charset="-122"/>
+              </a:rPr>
+              <a:t>事件，接着通知给事件监听器，具体业务逻辑在监听器中实现。</a:t>
+            </a:r>
+          </a:p>
+        </p:txBody>
+      </p:sp>
+      <p:sp>
+        <p:nvSpPr>
+          <p:cNvPr id="33" name="文本框 32"/>
+          <p:cNvSpPr txBox="1"/>
+          <p:nvPr/>
+        </p:nvSpPr>
+        <p:spPr>
+          <a:xfrm>
+            <a:off x="7088819" y="2652886"/>
+            <a:ext cx="492443" cy="276999"/>
+          </a:xfrm>
+          <a:prstGeom prst="rect">
+            <a:avLst/>
+          </a:prstGeom>
+          <a:noFill/>
+        </p:spPr>
+        <p:txBody>
+          <a:bodyPr wrap="none" rtlCol="0">
+            <a:spAutoFit/>
+          </a:bodyPr>
+          <a:lstStyle/>
+          <a:p>
+            <a:r>
+              <a:rPr lang="zh-CN" altLang="en-US" sz="1200" dirty="0" smtClean="0">
+                <a:latin typeface="微软雅黑" pitchFamily="34" charset="-122"/>
+                <a:ea typeface="微软雅黑" pitchFamily="34" charset="-122"/>
+              </a:rPr>
+              <a:t>解析</a:t>
+            </a:r>
+            <a:endParaRPr lang="zh-CN" altLang="en-US" sz="1400" dirty="0">
+              <a:latin typeface="微软雅黑" pitchFamily="34" charset="-122"/>
+              <a:ea typeface="微软雅黑" pitchFamily="34" charset="-122"/>
+            </a:endParaRPr>
+          </a:p>
+        </p:txBody>
+      </p:sp>
+      <p:cxnSp>
+        <p:nvCxnSpPr>
+          <p:cNvPr id="4" name="直接箭头连接符 3"/>
+          <p:cNvCxnSpPr/>
+          <p:nvPr/>
+        </p:nvCxnSpPr>
+        <p:spPr>
+          <a:xfrm flipV="1">
+            <a:off x="8238385" y="2961681"/>
+            <a:ext cx="1179925" cy="875622"/>
+          </a:xfrm>
+          <a:prstGeom prst="curvedConnector3">
+            <a:avLst>
+              <a:gd name="adj1" fmla="val 45963"/>
+            </a:avLst>
+          </a:prstGeom>
+          <a:ln w="12700" cap="rnd">
+            <a:solidFill>
+              <a:schemeClr val="tx1"/>
+            </a:solidFill>
+            <a:tailEnd type="triangle"/>
+          </a:ln>
+        </p:spPr>
+        <p:style>
+          <a:lnRef idx="1">
+            <a:schemeClr val="accent1"/>
+          </a:lnRef>
+          <a:fillRef idx="0">
+            <a:schemeClr val="accent1"/>
+          </a:fillRef>
+          <a:effectRef idx="0">
+            <a:schemeClr val="accent1"/>
+          </a:effectRef>
+          <a:fontRef idx="minor">
+            <a:schemeClr val="tx1"/>
+          </a:fontRef>
+        </p:style>
+      </p:cxnSp>
+      <p:sp>
+        <p:nvSpPr>
+          <p:cNvPr id="41" name="文本框 40"/>
+          <p:cNvSpPr txBox="1"/>
+          <p:nvPr/>
+        </p:nvSpPr>
+        <p:spPr>
+          <a:xfrm>
+            <a:off x="8267970" y="3006774"/>
+            <a:ext cx="492443" cy="276999"/>
+          </a:xfrm>
+          <a:prstGeom prst="rect">
+            <a:avLst/>
+          </a:prstGeom>
+          <a:noFill/>
+        </p:spPr>
+        <p:txBody>
+          <a:bodyPr wrap="none" rtlCol="0">
+            <a:spAutoFit/>
+          </a:bodyPr>
+          <a:lstStyle/>
+          <a:p>
+            <a:r>
+              <a:rPr lang="zh-CN" altLang="en-US" sz="1200" dirty="0" smtClean="0">
+                <a:latin typeface="微软雅黑" pitchFamily="34" charset="-122"/>
+                <a:ea typeface="微软雅黑" pitchFamily="34" charset="-122"/>
+              </a:rPr>
+              <a:t>通知</a:t>
+            </a:r>
+            <a:endParaRPr lang="zh-CN" altLang="en-US" sz="1400" dirty="0">
+              <a:latin typeface="微软雅黑" pitchFamily="34" charset="-122"/>
+              <a:ea typeface="微软雅黑" pitchFamily="34" charset="-122"/>
+            </a:endParaRPr>
+          </a:p>
+        </p:txBody>
+      </p:sp>
+      <p:sp>
+        <p:nvSpPr>
+          <p:cNvPr id="26" name="六边形 25"/>
+          <p:cNvSpPr/>
+          <p:nvPr/>
+        </p:nvSpPr>
+        <p:spPr>
+          <a:xfrm>
+            <a:off x="9530771" y="2692106"/>
+            <a:ext cx="1078239" cy="529501"/>
+          </a:xfrm>
+          <a:prstGeom prst="hexagon">
+            <a:avLst/>
+          </a:prstGeom>
+        </p:spPr>
+        <p:style>
+          <a:lnRef idx="2">
+            <a:schemeClr val="accent1">
+              <a:shade val="50000"/>
+            </a:schemeClr>
+          </a:lnRef>
+          <a:fillRef idx="1">
+            <a:schemeClr val="accent1"/>
+          </a:fillRef>
+          <a:effectRef idx="0">
+            <a:schemeClr val="accent1"/>
+          </a:effectRef>
+          <a:fontRef idx="minor">
+            <a:schemeClr val="lt1"/>
+          </a:fontRef>
+        </p:style>
+        <p:txBody>
+          <a:bodyPr rtlCol="0" anchor="ctr"/>
+          <a:lstStyle/>
+          <a:p>
+            <a:pPr algn="ctr"/>
+            <a:r>
+              <a:rPr lang="en-US" altLang="zh-CN" sz="1100" dirty="0" smtClean="0"/>
+              <a:t>listeners</a:t>
+            </a:r>
+            <a:endParaRPr lang="zh-CN" altLang="en-US" sz="1100" dirty="0"/>
+          </a:p>
+        </p:txBody>
+      </p:sp>
+    </p:spTree>
+    <p:extLst>
+      <p:ext uri="{BB962C8B-B14F-4D97-AF65-F5344CB8AC3E}">
+        <p14:creationId xmlns:p14="http://schemas.microsoft.com/office/powerpoint/2010/main" val="1755341306"/>
+      </p:ext>
+    </p:extLst>
+  </p:cSld>
+  <p:clrMapOvr>
+    <a:masterClrMapping/>
+  </p:clrMapOvr>
+  <p:timing>
+    <p:tnLst>
+      <p:par>
+        <p:cTn id="1" dur="indefinite" restart="never" nodeType="tmRoot"/>
+      </p:par>
+    </p:tnLst>
+  </p:timing>
+</p:sld>
+</file>
+
+<file path=ppt/slides/slide11.xml><?xml version="1.0" encoding="utf-8"?>
+<p:sld xmlns:a="http://schemas.openxmlformats.org/drawingml/2006/main" xmlns:r="http://schemas.openxmlformats.org/officeDocument/2006/relationships" xmlns:p="http://schemas.openxmlformats.org/presentationml/2006/main">
+  <p:cSld>
+    <p:spTree>
+      <p:nvGrpSpPr>
+        <p:cNvPr id="1" name=""/>
+        <p:cNvGrpSpPr/>
+        <p:nvPr/>
+      </p:nvGrpSpPr>
+      <p:grpSpPr>
+        <a:xfrm>
+          <a:off x="0" y="0"/>
+          <a:ext cx="0" cy="0"/>
+          <a:chOff x="0" y="0"/>
+          <a:chExt cx="0" cy="0"/>
+        </a:xfrm>
+      </p:grpSpPr>
+      <p:sp>
+        <p:nvSpPr>
+          <p:cNvPr id="2" name="标题 1"/>
+          <p:cNvSpPr>
+            <a:spLocks noGrp="1"/>
+          </p:cNvSpPr>
+          <p:nvPr>
+            <p:ph type="title"/>
+          </p:nvPr>
+        </p:nvSpPr>
+        <p:spPr/>
+        <p:txBody>
+          <a:bodyPr>
+            <a:normAutofit/>
+          </a:bodyPr>
+          <a:lstStyle/>
+          <a:p>
+            <a:r>
+              <a:rPr lang="zh-CN" altLang="en-US" dirty="0" smtClean="0"/>
+              <a:t>三</a:t>
+            </a:r>
+            <a:r>
+              <a:rPr lang="zh-CN" altLang="en-US" dirty="0"/>
+              <a:t>副</a:t>
+            </a:r>
+            <a:r>
+              <a:rPr lang="zh-CN" altLang="en-US" dirty="0" smtClean="0"/>
+              <a:t>本</a:t>
+            </a:r>
+            <a:r>
+              <a:rPr lang="zh-CN" altLang="en-US" dirty="0"/>
+              <a:t>场景</a:t>
+            </a:r>
+          </a:p>
+        </p:txBody>
+      </p:sp>
+      <p:sp>
+        <p:nvSpPr>
+          <p:cNvPr id="3" name="文本框 2"/>
+          <p:cNvSpPr txBox="1"/>
+          <p:nvPr/>
+        </p:nvSpPr>
+        <p:spPr>
+          <a:xfrm>
+            <a:off x="522922" y="951712"/>
+            <a:ext cx="4334431" cy="4524315"/>
+          </a:xfrm>
+          <a:prstGeom prst="rect">
+            <a:avLst/>
+          </a:prstGeom>
+          <a:noFill/>
+        </p:spPr>
+        <p:txBody>
+          <a:bodyPr wrap="square" rtlCol="0">
+            <a:spAutoFit/>
+          </a:bodyPr>
+          <a:lstStyle/>
+          <a:p>
+            <a:pPr>
+              <a:lnSpc>
+                <a:spcPct val="150000"/>
+              </a:lnSpc>
+            </a:pPr>
+            <a:r>
+              <a:rPr lang="zh-CN" altLang="en-US" sz="1600" b="1" dirty="0" smtClean="0">
+                <a:latin typeface="微软雅黑" pitchFamily="34" charset="-122"/>
+                <a:ea typeface="微软雅黑" pitchFamily="34" charset="-122"/>
+              </a:rPr>
+              <a:t>问题</a:t>
+            </a:r>
+            <a:r>
+              <a:rPr lang="en-US" altLang="zh-CN" sz="1600" b="1" dirty="0">
+                <a:latin typeface="微软雅黑" pitchFamily="34" charset="-122"/>
+                <a:ea typeface="微软雅黑" pitchFamily="34" charset="-122"/>
+              </a:rPr>
+              <a:t>1</a:t>
+            </a:r>
+            <a:r>
+              <a:rPr lang="zh-CN" altLang="en-US" sz="1600" dirty="0" smtClean="0">
+                <a:latin typeface="微软雅黑" pitchFamily="34" charset="-122"/>
+                <a:ea typeface="微软雅黑" pitchFamily="34" charset="-122"/>
+              </a:rPr>
+              <a:t>：三个</a:t>
+            </a:r>
+            <a:r>
+              <a:rPr lang="en-US" altLang="zh-CN" sz="1600" dirty="0" smtClean="0">
+                <a:latin typeface="微软雅黑" pitchFamily="34" charset="-122"/>
+                <a:ea typeface="微软雅黑" pitchFamily="34" charset="-122"/>
+              </a:rPr>
+              <a:t>iresource-common</a:t>
+            </a:r>
+            <a:r>
+              <a:rPr lang="zh-CN" altLang="en-US" sz="1600" dirty="0" smtClean="0">
+                <a:latin typeface="微软雅黑" pitchFamily="34" charset="-122"/>
+                <a:ea typeface="微软雅黑" pitchFamily="34" charset="-122"/>
+              </a:rPr>
+              <a:t>副本会注册三个</a:t>
+            </a:r>
+            <a:r>
+              <a:rPr lang="en-US" altLang="zh-CN" sz="1600" dirty="0" smtClean="0">
+                <a:latin typeface="微软雅黑" pitchFamily="34" charset="-122"/>
+                <a:ea typeface="微软雅黑" pitchFamily="34" charset="-122"/>
+              </a:rPr>
+              <a:t>slave</a:t>
+            </a:r>
+            <a:r>
+              <a:rPr lang="zh-CN" altLang="en-US" sz="1600" dirty="0" smtClean="0">
+                <a:latin typeface="微软雅黑" pitchFamily="34" charset="-122"/>
+                <a:ea typeface="微软雅黑" pitchFamily="34" charset="-122"/>
+              </a:rPr>
+              <a:t>，每个</a:t>
+            </a:r>
+            <a:r>
+              <a:rPr lang="en-US" altLang="zh-CN" sz="1600" dirty="0" smtClean="0">
+                <a:latin typeface="微软雅黑" pitchFamily="34" charset="-122"/>
+                <a:ea typeface="微软雅黑" pitchFamily="34" charset="-122"/>
+              </a:rPr>
+              <a:t>slave</a:t>
+            </a:r>
+            <a:r>
+              <a:rPr lang="zh-CN" altLang="en-US" sz="1600" dirty="0" smtClean="0">
+                <a:latin typeface="微软雅黑" pitchFamily="34" charset="-122"/>
+                <a:ea typeface="微软雅黑" pitchFamily="34" charset="-122"/>
+              </a:rPr>
+              <a:t>订阅并解析同一份</a:t>
+            </a:r>
+            <a:r>
+              <a:rPr lang="en-US" altLang="zh-CN" sz="1600" dirty="0" smtClean="0">
+                <a:latin typeface="微软雅黑" pitchFamily="34" charset="-122"/>
+                <a:ea typeface="微软雅黑" pitchFamily="34" charset="-122"/>
+              </a:rPr>
+              <a:t>binlog</a:t>
+            </a:r>
+            <a:r>
+              <a:rPr lang="zh-CN" altLang="en-US" sz="1600" dirty="0" smtClean="0">
+                <a:latin typeface="微软雅黑" pitchFamily="34" charset="-122"/>
+                <a:ea typeface="微软雅黑" pitchFamily="34" charset="-122"/>
+              </a:rPr>
+              <a:t>，会不会产生问题？</a:t>
+            </a:r>
+            <a:endParaRPr lang="en-US" altLang="zh-CN" sz="1600" dirty="0" smtClean="0">
+              <a:latin typeface="微软雅黑" pitchFamily="34" charset="-122"/>
+              <a:ea typeface="微软雅黑" pitchFamily="34" charset="-122"/>
+            </a:endParaRPr>
+          </a:p>
+          <a:p>
+            <a:pPr>
+              <a:lnSpc>
+                <a:spcPct val="150000"/>
+              </a:lnSpc>
+            </a:pPr>
+            <a:endParaRPr lang="en-US" altLang="zh-CN" sz="1600" dirty="0">
+              <a:latin typeface="微软雅黑" pitchFamily="34" charset="-122"/>
+              <a:ea typeface="微软雅黑" pitchFamily="34" charset="-122"/>
+            </a:endParaRPr>
+          </a:p>
+          <a:p>
+            <a:pPr>
+              <a:lnSpc>
+                <a:spcPct val="150000"/>
+              </a:lnSpc>
+            </a:pPr>
+            <a:r>
+              <a:rPr lang="zh-CN" altLang="en-US" sz="1600" b="1" dirty="0" smtClean="0">
+                <a:latin typeface="微软雅黑" pitchFamily="34" charset="-122"/>
+                <a:ea typeface="微软雅黑" pitchFamily="34" charset="-122"/>
+              </a:rPr>
+              <a:t>分析</a:t>
+            </a:r>
+            <a:r>
+              <a:rPr lang="zh-CN" altLang="en-US" sz="1600" dirty="0" smtClean="0">
+                <a:latin typeface="微软雅黑" pitchFamily="34" charset="-122"/>
+                <a:ea typeface="微软雅黑" pitchFamily="34" charset="-122"/>
+              </a:rPr>
+              <a:t>：</a:t>
+            </a:r>
+            <a:r>
+              <a:rPr lang="en-US" altLang="zh-CN" sz="1600" dirty="0" smtClean="0">
+                <a:latin typeface="微软雅黑" pitchFamily="34" charset="-122"/>
+                <a:ea typeface="微软雅黑" pitchFamily="34" charset="-122"/>
+              </a:rPr>
+              <a:t>websocket</a:t>
+            </a:r>
+            <a:r>
+              <a:rPr lang="zh-CN" altLang="en-US" sz="1600" dirty="0" smtClean="0">
+                <a:latin typeface="微软雅黑" pitchFamily="34" charset="-122"/>
+                <a:ea typeface="微软雅黑" pitchFamily="34" charset="-122"/>
+              </a:rPr>
+              <a:t>每个</a:t>
+            </a:r>
+            <a:r>
+              <a:rPr lang="en-US" altLang="zh-CN" sz="1600" dirty="0" smtClean="0">
+                <a:latin typeface="微软雅黑" pitchFamily="34" charset="-122"/>
+                <a:ea typeface="微软雅黑" pitchFamily="34" charset="-122"/>
+              </a:rPr>
+              <a:t>client</a:t>
+            </a:r>
+            <a:r>
+              <a:rPr lang="zh-CN" altLang="en-US" sz="1600" dirty="0" smtClean="0">
+                <a:latin typeface="微软雅黑" pitchFamily="34" charset="-122"/>
+                <a:ea typeface="微软雅黑" pitchFamily="34" charset="-122"/>
+              </a:rPr>
+              <a:t>只能连接到一个</a:t>
+            </a:r>
+            <a:r>
+              <a:rPr lang="en-US" altLang="zh-CN" sz="1600" dirty="0" smtClean="0">
+                <a:latin typeface="微软雅黑" pitchFamily="34" charset="-122"/>
+                <a:ea typeface="微软雅黑" pitchFamily="34" charset="-122"/>
+              </a:rPr>
+              <a:t>server</a:t>
+            </a:r>
+            <a:r>
+              <a:rPr lang="zh-CN" altLang="en-US" sz="1600" dirty="0" smtClean="0">
+                <a:latin typeface="微软雅黑" pitchFamily="34" charset="-122"/>
+                <a:ea typeface="微软雅黑" pitchFamily="34" charset="-122"/>
+              </a:rPr>
+              <a:t>，因此，每个</a:t>
+            </a:r>
+            <a:r>
+              <a:rPr lang="en-US" altLang="zh-CN" sz="1600" dirty="0" smtClean="0">
+                <a:latin typeface="微软雅黑" pitchFamily="34" charset="-122"/>
+                <a:ea typeface="微软雅黑" pitchFamily="34" charset="-122"/>
+              </a:rPr>
+              <a:t>server</a:t>
+            </a:r>
+            <a:r>
+              <a:rPr lang="zh-CN" altLang="en-US" sz="1600" dirty="0" smtClean="0">
+                <a:latin typeface="微软雅黑" pitchFamily="34" charset="-122"/>
+                <a:ea typeface="微软雅黑" pitchFamily="34" charset="-122"/>
+              </a:rPr>
+              <a:t>会连接各自不同的</a:t>
+            </a:r>
+            <a:r>
+              <a:rPr lang="en-US" altLang="zh-CN" sz="1600" dirty="0" smtClean="0">
+                <a:latin typeface="微软雅黑" pitchFamily="34" charset="-122"/>
+                <a:ea typeface="微软雅黑" pitchFamily="34" charset="-122"/>
+              </a:rPr>
+              <a:t>client</a:t>
+            </a:r>
+            <a:r>
+              <a:rPr lang="zh-CN" altLang="en-US" sz="1600" dirty="0" smtClean="0">
+                <a:latin typeface="微软雅黑" pitchFamily="34" charset="-122"/>
+                <a:ea typeface="微软雅黑" pitchFamily="34" charset="-122"/>
+              </a:rPr>
+              <a:t>。所以，多副本解析同一份</a:t>
+            </a:r>
+            <a:r>
+              <a:rPr lang="en-US" altLang="zh-CN" sz="1600" dirty="0" smtClean="0">
+                <a:latin typeface="微软雅黑" pitchFamily="34" charset="-122"/>
+                <a:ea typeface="微软雅黑" pitchFamily="34" charset="-122"/>
+              </a:rPr>
+              <a:t>binlog</a:t>
+            </a:r>
+            <a:r>
+              <a:rPr lang="zh-CN" altLang="en-US" sz="1600" dirty="0" smtClean="0">
+                <a:latin typeface="微软雅黑" pitchFamily="34" charset="-122"/>
+                <a:ea typeface="微软雅黑" pitchFamily="34" charset="-122"/>
+              </a:rPr>
+              <a:t>，每个</a:t>
+            </a:r>
+            <a:r>
+              <a:rPr lang="en-US" altLang="zh-CN" sz="1600" dirty="0" smtClean="0">
+                <a:latin typeface="微软雅黑" pitchFamily="34" charset="-122"/>
+                <a:ea typeface="微软雅黑" pitchFamily="34" charset="-122"/>
+              </a:rPr>
+              <a:t>server</a:t>
+            </a:r>
+            <a:r>
+              <a:rPr lang="zh-CN" altLang="en-US" sz="1600" dirty="0" smtClean="0">
+                <a:latin typeface="微软雅黑" pitchFamily="34" charset="-122"/>
+                <a:ea typeface="微软雅黑" pitchFamily="34" charset="-122"/>
+              </a:rPr>
+              <a:t>推送给不同的客户端，并没有问题。</a:t>
+            </a:r>
+            <a:endParaRPr lang="en-US" altLang="zh-CN" sz="1600" dirty="0" smtClean="0">
+              <a:latin typeface="微软雅黑" pitchFamily="34" charset="-122"/>
+              <a:ea typeface="微软雅黑" pitchFamily="34" charset="-122"/>
+            </a:endParaRPr>
+          </a:p>
+          <a:p>
+            <a:pPr>
+              <a:lnSpc>
+                <a:spcPct val="150000"/>
+              </a:lnSpc>
+            </a:pPr>
+            <a:endParaRPr lang="en-US" altLang="zh-CN" sz="1600" dirty="0">
+              <a:latin typeface="微软雅黑" pitchFamily="34" charset="-122"/>
+              <a:ea typeface="微软雅黑" pitchFamily="34" charset="-122"/>
+            </a:endParaRPr>
+          </a:p>
+          <a:p>
+            <a:pPr>
+              <a:lnSpc>
+                <a:spcPct val="150000"/>
+              </a:lnSpc>
+            </a:pPr>
+            <a:r>
+              <a:rPr lang="zh-CN" altLang="en-US" sz="1600" b="1" dirty="0" smtClean="0">
+                <a:latin typeface="微软雅黑" pitchFamily="34" charset="-122"/>
+                <a:ea typeface="微软雅黑" pitchFamily="34" charset="-122"/>
+              </a:rPr>
+              <a:t>问题</a:t>
+            </a:r>
+            <a:r>
+              <a:rPr lang="en-US" altLang="zh-CN" sz="1600" b="1" dirty="0" smtClean="0">
+                <a:latin typeface="微软雅黑" pitchFamily="34" charset="-122"/>
+                <a:ea typeface="微软雅黑" pitchFamily="34" charset="-122"/>
+              </a:rPr>
+              <a:t>2</a:t>
+            </a:r>
+            <a:r>
+              <a:rPr lang="zh-CN" altLang="en-US" sz="1600" dirty="0" smtClean="0">
+                <a:latin typeface="微软雅黑" pitchFamily="34" charset="-122"/>
+                <a:ea typeface="微软雅黑" pitchFamily="34" charset="-122"/>
+              </a:rPr>
+              <a:t>：</a:t>
+            </a:r>
+            <a:r>
+              <a:rPr lang="en-US" altLang="zh-CN" sz="1600" dirty="0" smtClean="0">
+                <a:latin typeface="微软雅黑" pitchFamily="34" charset="-122"/>
+                <a:ea typeface="微软雅黑" pitchFamily="34" charset="-122"/>
+              </a:rPr>
+              <a:t>slave</a:t>
+            </a:r>
+            <a:r>
+              <a:rPr lang="zh-CN" altLang="en-US" sz="1600" dirty="0" smtClean="0">
+                <a:latin typeface="微软雅黑" pitchFamily="34" charset="-122"/>
+                <a:ea typeface="微软雅黑" pitchFamily="34" charset="-122"/>
+              </a:rPr>
+              <a:t>连接到</a:t>
+            </a:r>
+            <a:r>
+              <a:rPr lang="en-US" altLang="zh-CN" sz="1600" dirty="0" smtClean="0">
+                <a:latin typeface="微软雅黑" pitchFamily="34" charset="-122"/>
+                <a:ea typeface="微软雅黑" pitchFamily="34" charset="-122"/>
+              </a:rPr>
+              <a:t>master</a:t>
+            </a:r>
+            <a:r>
+              <a:rPr lang="zh-CN" altLang="en-US" sz="1600" dirty="0" smtClean="0">
+                <a:latin typeface="微软雅黑" pitchFamily="34" charset="-122"/>
+                <a:ea typeface="微软雅黑" pitchFamily="34" charset="-122"/>
+              </a:rPr>
+              <a:t>时，需要为每个</a:t>
+            </a:r>
+            <a:r>
+              <a:rPr lang="en-US" altLang="zh-CN" sz="1600" dirty="0" smtClean="0">
+                <a:latin typeface="微软雅黑" pitchFamily="34" charset="-122"/>
+                <a:ea typeface="微软雅黑" pitchFamily="34" charset="-122"/>
+              </a:rPr>
+              <a:t>slave</a:t>
+            </a:r>
+            <a:r>
+              <a:rPr lang="zh-CN" altLang="en-US" sz="1600" dirty="0" smtClean="0">
+                <a:latin typeface="微软雅黑" pitchFamily="34" charset="-122"/>
+                <a:ea typeface="微软雅黑" pitchFamily="34" charset="-122"/>
+              </a:rPr>
+              <a:t>声明唯一</a:t>
+            </a:r>
+            <a:r>
+              <a:rPr lang="en-US" altLang="zh-CN" sz="1600" dirty="0" smtClean="0">
+                <a:latin typeface="微软雅黑" pitchFamily="34" charset="-122"/>
+                <a:ea typeface="微软雅黑" pitchFamily="34" charset="-122"/>
+              </a:rPr>
+              <a:t>server-id</a:t>
+            </a:r>
+            <a:r>
+              <a:rPr lang="zh-CN" altLang="en-US" sz="1600" dirty="0" smtClean="0">
+                <a:latin typeface="微软雅黑" pitchFamily="34" charset="-122"/>
+                <a:ea typeface="微软雅黑" pitchFamily="34" charset="-122"/>
+              </a:rPr>
+              <a:t>，三副本部署时，每个</a:t>
+            </a:r>
+            <a:r>
+              <a:rPr lang="en-US" altLang="zh-CN" sz="1600" dirty="0" smtClean="0">
+                <a:latin typeface="微软雅黑" pitchFamily="34" charset="-122"/>
+                <a:ea typeface="微软雅黑" pitchFamily="34" charset="-122"/>
+              </a:rPr>
+              <a:t>slave</a:t>
+            </a:r>
+            <a:r>
+              <a:rPr lang="zh-CN" altLang="en-US" sz="1600" dirty="0" smtClean="0">
+                <a:latin typeface="微软雅黑" pitchFamily="34" charset="-122"/>
+                <a:ea typeface="微软雅黑" pitchFamily="34" charset="-122"/>
+              </a:rPr>
+              <a:t>要声明一个唯一的</a:t>
+            </a:r>
+            <a:r>
+              <a:rPr lang="en-US" altLang="zh-CN" sz="1600" dirty="0" smtClean="0">
+                <a:latin typeface="微软雅黑" pitchFamily="34" charset="-122"/>
+                <a:ea typeface="微软雅黑" pitchFamily="34" charset="-122"/>
+              </a:rPr>
+              <a:t>server-id</a:t>
+            </a:r>
+            <a:r>
+              <a:rPr lang="zh-CN" altLang="en-US" sz="1600" dirty="0" smtClean="0">
+                <a:latin typeface="微软雅黑" pitchFamily="34" charset="-122"/>
+                <a:ea typeface="微软雅黑" pitchFamily="34" charset="-122"/>
+              </a:rPr>
+              <a:t>。</a:t>
+            </a:r>
+            <a:endParaRPr lang="en-US" altLang="zh-CN" sz="1600" dirty="0" smtClean="0">
+              <a:latin typeface="微软雅黑" pitchFamily="34" charset="-122"/>
+              <a:ea typeface="微软雅黑" pitchFamily="34" charset="-122"/>
+            </a:endParaRPr>
+          </a:p>
+        </p:txBody>
+      </p:sp>
+      <p:sp>
+        <p:nvSpPr>
+          <p:cNvPr id="4" name="流程图: 磁盘 3"/>
+          <p:cNvSpPr/>
+          <p:nvPr/>
+        </p:nvSpPr>
+        <p:spPr>
+          <a:xfrm>
+            <a:off x="7638992" y="4343967"/>
+            <a:ext cx="1464845" cy="902369"/>
+          </a:xfrm>
+          <a:prstGeom prst="flowChartMagneticDisk">
+            <a:avLst/>
+          </a:prstGeom>
+          <a:solidFill>
+            <a:schemeClr val="bg2">
+              <a:lumMod val="25000"/>
+            </a:schemeClr>
+          </a:solidFill>
+        </p:spPr>
+        <p:style>
+          <a:lnRef idx="2">
+            <a:schemeClr val="accent1">
+              <a:shade val="50000"/>
+            </a:schemeClr>
+          </a:lnRef>
+          <a:fillRef idx="1">
+            <a:schemeClr val="accent1"/>
+          </a:fillRef>
+          <a:effectRef idx="0">
+            <a:schemeClr val="accent1"/>
+          </a:effectRef>
+          <a:fontRef idx="minor">
+            <a:schemeClr val="lt1"/>
+          </a:fontRef>
+        </p:style>
+        <p:txBody>
+          <a:bodyPr rtlCol="0" anchor="ctr"/>
+          <a:lstStyle/>
+          <a:p>
+            <a:pPr algn="ctr"/>
+            <a:r>
+              <a:rPr lang="en-US" altLang="zh-CN" sz="1100" dirty="0" smtClean="0"/>
+              <a:t>DB</a:t>
+            </a:r>
+          </a:p>
+          <a:p>
+            <a:pPr algn="ctr"/>
+            <a:r>
+              <a:rPr lang="en-US" altLang="zh-CN" sz="1100" dirty="0" smtClean="0"/>
+              <a:t>(master)</a:t>
+            </a:r>
+            <a:endParaRPr lang="zh-CN" altLang="en-US" sz="1100" dirty="0"/>
+          </a:p>
+        </p:txBody>
+      </p:sp>
+      <p:sp>
+        <p:nvSpPr>
+          <p:cNvPr id="5" name="流程图: 可选过程 4"/>
+          <p:cNvSpPr/>
+          <p:nvPr/>
+        </p:nvSpPr>
+        <p:spPr>
+          <a:xfrm>
+            <a:off x="5331514" y="2462212"/>
+            <a:ext cx="1534026" cy="744433"/>
+          </a:xfrm>
+          <a:prstGeom prst="flowChartAlternateProcess">
+            <a:avLst/>
+          </a:prstGeom>
+        </p:spPr>
+        <p:style>
+          <a:lnRef idx="2">
+            <a:schemeClr val="accent1">
+              <a:shade val="50000"/>
+            </a:schemeClr>
+          </a:lnRef>
+          <a:fillRef idx="1">
+            <a:schemeClr val="accent1"/>
+          </a:fillRef>
+          <a:effectRef idx="0">
+            <a:schemeClr val="accent1"/>
+          </a:effectRef>
+          <a:fontRef idx="minor">
+            <a:schemeClr val="lt1"/>
+          </a:fontRef>
+        </p:style>
+        <p:txBody>
+          <a:bodyPr rtlCol="0" anchor="ctr"/>
+          <a:lstStyle/>
+          <a:p>
+            <a:pPr algn="ctr"/>
+            <a:r>
+              <a:rPr lang="en-US" altLang="zh-CN" sz="1100" dirty="0" smtClean="0"/>
+              <a:t>Iresource-common</a:t>
+            </a:r>
+          </a:p>
+          <a:p>
+            <a:pPr algn="ctr"/>
+            <a:r>
+              <a:rPr lang="en-US" altLang="zh-CN" sz="1100" dirty="0" smtClean="0"/>
+              <a:t>(slave)</a:t>
+            </a:r>
+            <a:endParaRPr lang="zh-CN" altLang="en-US" sz="1100" dirty="0"/>
+          </a:p>
+        </p:txBody>
+      </p:sp>
+      <p:sp>
+        <p:nvSpPr>
+          <p:cNvPr id="6" name="流程图: 可选过程 5"/>
+          <p:cNvSpPr/>
+          <p:nvPr/>
+        </p:nvSpPr>
+        <p:spPr>
+          <a:xfrm>
+            <a:off x="7638992" y="2462212"/>
+            <a:ext cx="1534026" cy="744433"/>
+          </a:xfrm>
+          <a:prstGeom prst="flowChartAlternateProcess">
+            <a:avLst/>
+          </a:prstGeom>
+        </p:spPr>
+        <p:style>
+          <a:lnRef idx="2">
+            <a:schemeClr val="accent1">
+              <a:shade val="50000"/>
+            </a:schemeClr>
+          </a:lnRef>
+          <a:fillRef idx="1">
+            <a:schemeClr val="accent1"/>
+          </a:fillRef>
+          <a:effectRef idx="0">
+            <a:schemeClr val="accent1"/>
+          </a:effectRef>
+          <a:fontRef idx="minor">
+            <a:schemeClr val="lt1"/>
+          </a:fontRef>
+        </p:style>
+        <p:txBody>
+          <a:bodyPr rtlCol="0" anchor="ctr"/>
+          <a:lstStyle/>
+          <a:p>
+            <a:pPr algn="ctr"/>
+            <a:r>
+              <a:rPr lang="en-US" altLang="zh-CN" sz="1100" dirty="0" smtClean="0"/>
+              <a:t>Iresource-common</a:t>
+            </a:r>
+          </a:p>
+          <a:p>
+            <a:pPr algn="ctr"/>
+            <a:r>
+              <a:rPr lang="en-US" altLang="zh-CN" sz="1100" dirty="0" smtClean="0"/>
+              <a:t>(slave)</a:t>
+            </a:r>
+            <a:endParaRPr lang="zh-CN" altLang="en-US" sz="1100" dirty="0"/>
+          </a:p>
+        </p:txBody>
+      </p:sp>
+      <p:sp>
+        <p:nvSpPr>
+          <p:cNvPr id="7" name="流程图: 可选过程 6"/>
+          <p:cNvSpPr/>
+          <p:nvPr/>
+        </p:nvSpPr>
+        <p:spPr>
+          <a:xfrm>
+            <a:off x="9946470" y="2462212"/>
+            <a:ext cx="1534026" cy="744433"/>
+          </a:xfrm>
+          <a:prstGeom prst="flowChartAlternateProcess">
+            <a:avLst/>
+          </a:prstGeom>
+        </p:spPr>
+        <p:style>
+          <a:lnRef idx="2">
+            <a:schemeClr val="accent1">
+              <a:shade val="50000"/>
+            </a:schemeClr>
+          </a:lnRef>
+          <a:fillRef idx="1">
+            <a:schemeClr val="accent1"/>
+          </a:fillRef>
+          <a:effectRef idx="0">
+            <a:schemeClr val="accent1"/>
+          </a:effectRef>
+          <a:fontRef idx="minor">
+            <a:schemeClr val="lt1"/>
+          </a:fontRef>
+        </p:style>
+        <p:txBody>
+          <a:bodyPr rtlCol="0" anchor="ctr"/>
+          <a:lstStyle/>
+          <a:p>
+            <a:pPr algn="ctr"/>
+            <a:r>
+              <a:rPr lang="en-US" altLang="zh-CN" sz="1100" dirty="0" smtClean="0"/>
+              <a:t>Iresource-common</a:t>
+            </a:r>
+          </a:p>
+          <a:p>
+            <a:pPr algn="ctr"/>
+            <a:r>
+              <a:rPr lang="en-US" altLang="zh-CN" sz="1100" dirty="0" smtClean="0"/>
+              <a:t>(slave)</a:t>
+            </a:r>
+            <a:endParaRPr lang="zh-CN" altLang="en-US" sz="1100" dirty="0"/>
+          </a:p>
+        </p:txBody>
+      </p:sp>
+      <p:sp>
+        <p:nvSpPr>
+          <p:cNvPr id="8" name="直角双向箭头 7"/>
+          <p:cNvSpPr/>
+          <p:nvPr/>
+        </p:nvSpPr>
+        <p:spPr>
+          <a:xfrm>
+            <a:off x="9173017" y="3260702"/>
+            <a:ext cx="1657181" cy="1656000"/>
+          </a:xfrm>
+          <a:prstGeom prst="leftUpArrow">
+            <a:avLst>
+              <a:gd name="adj1" fmla="val 5165"/>
+              <a:gd name="adj2" fmla="val 8472"/>
+              <a:gd name="adj3" fmla="val 13528"/>
+            </a:avLst>
+          </a:prstGeom>
+          <a:ln w="22225"/>
+        </p:spPr>
+        <p:style>
+          <a:lnRef idx="2">
+            <a:schemeClr val="dk1"/>
+          </a:lnRef>
+          <a:fillRef idx="1">
+            <a:schemeClr val="lt1"/>
+          </a:fillRef>
+          <a:effectRef idx="0">
+            <a:schemeClr val="dk1"/>
+          </a:effectRef>
+          <a:fontRef idx="minor">
+            <a:schemeClr val="dk1"/>
+          </a:fontRef>
+        </p:style>
+        <p:txBody>
+          <a:bodyPr rtlCol="0" anchor="ctr"/>
+          <a:lstStyle/>
+          <a:p>
+            <a:pPr algn="ctr"/>
+            <a:endParaRPr lang="zh-CN" altLang="en-US"/>
+          </a:p>
+        </p:txBody>
+      </p:sp>
+      <p:sp>
+        <p:nvSpPr>
+          <p:cNvPr id="11" name="直角双向箭头 10"/>
+          <p:cNvSpPr/>
+          <p:nvPr/>
+        </p:nvSpPr>
+        <p:spPr>
+          <a:xfrm rot="5400000">
+            <a:off x="5913221" y="3309871"/>
+            <a:ext cx="1657181" cy="1656000"/>
+          </a:xfrm>
+          <a:prstGeom prst="leftUpArrow">
+            <a:avLst>
+              <a:gd name="adj1" fmla="val 5165"/>
+              <a:gd name="adj2" fmla="val 8472"/>
+              <a:gd name="adj3" fmla="val 13528"/>
+            </a:avLst>
+          </a:prstGeom>
+          <a:ln w="22225"/>
+        </p:spPr>
+        <p:style>
+          <a:lnRef idx="2">
+            <a:schemeClr val="dk1"/>
+          </a:lnRef>
+          <a:fillRef idx="1">
+            <a:schemeClr val="lt1"/>
+          </a:fillRef>
+          <a:effectRef idx="0">
+            <a:schemeClr val="dk1"/>
+          </a:effectRef>
+          <a:fontRef idx="minor">
+            <a:schemeClr val="dk1"/>
+          </a:fontRef>
+        </p:style>
+        <p:txBody>
+          <a:bodyPr rtlCol="0" anchor="ctr"/>
+          <a:lstStyle/>
+          <a:p>
+            <a:pPr algn="ctr"/>
+            <a:endParaRPr lang="zh-CN" altLang="en-US"/>
+          </a:p>
+        </p:txBody>
+      </p:sp>
+      <p:sp>
+        <p:nvSpPr>
+          <p:cNvPr id="12" name="上下箭头 11"/>
+          <p:cNvSpPr/>
+          <p:nvPr/>
+        </p:nvSpPr>
+        <p:spPr>
+          <a:xfrm>
+            <a:off x="8286071" y="3260151"/>
+            <a:ext cx="174415" cy="1030310"/>
+          </a:xfrm>
+          <a:prstGeom prst="upDownArrow">
+            <a:avLst>
+              <a:gd name="adj1" fmla="val 50000"/>
+              <a:gd name="adj2" fmla="val 103659"/>
+            </a:avLst>
+          </a:prstGeom>
+          <a:ln w="22225"/>
+        </p:spPr>
+        <p:style>
+          <a:lnRef idx="2">
+            <a:schemeClr val="dk1"/>
+          </a:lnRef>
+          <a:fillRef idx="1">
+            <a:schemeClr val="lt1"/>
+          </a:fillRef>
+          <a:effectRef idx="0">
+            <a:schemeClr val="dk1"/>
+          </a:effectRef>
+          <a:fontRef idx="minor">
+            <a:schemeClr val="dk1"/>
+          </a:fontRef>
+        </p:style>
+        <p:txBody>
+          <a:bodyPr rtlCol="0" anchor="ctr"/>
+          <a:lstStyle/>
+          <a:p>
+            <a:pPr algn="ctr"/>
+            <a:endParaRPr lang="zh-CN" altLang="en-US"/>
+          </a:p>
+        </p:txBody>
+      </p:sp>
+      <p:sp>
+        <p:nvSpPr>
+          <p:cNvPr id="13" name="椭圆 12"/>
+          <p:cNvSpPr/>
+          <p:nvPr/>
+        </p:nvSpPr>
+        <p:spPr>
+          <a:xfrm>
+            <a:off x="5160577" y="1262711"/>
+            <a:ext cx="826070" cy="476518"/>
+          </a:xfrm>
+          <a:prstGeom prst="ellipse">
+            <a:avLst/>
+          </a:prstGeom>
+          <a:solidFill>
+            <a:schemeClr val="bg2">
+              <a:lumMod val="25000"/>
+            </a:schemeClr>
+          </a:solidFill>
+        </p:spPr>
+        <p:style>
+          <a:lnRef idx="2">
+            <a:schemeClr val="accent1">
+              <a:shade val="50000"/>
+            </a:schemeClr>
+          </a:lnRef>
+          <a:fillRef idx="1">
+            <a:schemeClr val="accent1"/>
+          </a:fillRef>
+          <a:effectRef idx="0">
+            <a:schemeClr val="accent1"/>
+          </a:effectRef>
+          <a:fontRef idx="minor">
+            <a:schemeClr val="lt1"/>
+          </a:fontRef>
+        </p:style>
+        <p:txBody>
+          <a:bodyPr rtlCol="0" anchor="ctr"/>
+          <a:lstStyle/>
+          <a:p>
+            <a:pPr algn="ctr"/>
+            <a:r>
+              <a:rPr lang="en-US" altLang="zh-CN" sz="1100" dirty="0" smtClean="0"/>
+              <a:t>client</a:t>
+            </a:r>
+            <a:endParaRPr lang="zh-CN" altLang="en-US" sz="1100" dirty="0"/>
+          </a:p>
+        </p:txBody>
+      </p:sp>
+      <p:sp>
+        <p:nvSpPr>
+          <p:cNvPr id="14" name="椭圆 13"/>
+          <p:cNvSpPr/>
+          <p:nvPr/>
+        </p:nvSpPr>
+        <p:spPr>
+          <a:xfrm>
+            <a:off x="6322287" y="1241627"/>
+            <a:ext cx="826070" cy="476518"/>
+          </a:xfrm>
+          <a:prstGeom prst="ellipse">
+            <a:avLst/>
+          </a:prstGeom>
+          <a:solidFill>
+            <a:schemeClr val="bg2">
+              <a:lumMod val="25000"/>
+            </a:schemeClr>
+          </a:solidFill>
+        </p:spPr>
+        <p:style>
+          <a:lnRef idx="2">
+            <a:schemeClr val="accent1">
+              <a:shade val="50000"/>
+            </a:schemeClr>
+          </a:lnRef>
+          <a:fillRef idx="1">
+            <a:schemeClr val="accent1"/>
+          </a:fillRef>
+          <a:effectRef idx="0">
+            <a:schemeClr val="accent1"/>
+          </a:effectRef>
+          <a:fontRef idx="minor">
+            <a:schemeClr val="lt1"/>
+          </a:fontRef>
+        </p:style>
+        <p:txBody>
+          <a:bodyPr rtlCol="0" anchor="ctr"/>
+          <a:lstStyle/>
+          <a:p>
+            <a:pPr algn="ctr"/>
+            <a:r>
+              <a:rPr lang="en-US" altLang="zh-CN" sz="1100" dirty="0" smtClean="0"/>
+              <a:t>client</a:t>
+            </a:r>
+            <a:endParaRPr lang="zh-CN" altLang="en-US" sz="1100" dirty="0"/>
+          </a:p>
+        </p:txBody>
+      </p:sp>
+      <p:sp>
+        <p:nvSpPr>
+          <p:cNvPr id="15" name="椭圆 14"/>
+          <p:cNvSpPr/>
+          <p:nvPr/>
+        </p:nvSpPr>
+        <p:spPr>
+          <a:xfrm>
+            <a:off x="7992970" y="1223545"/>
+            <a:ext cx="826070" cy="476518"/>
+          </a:xfrm>
+          <a:prstGeom prst="ellipse">
+            <a:avLst/>
+          </a:prstGeom>
+          <a:solidFill>
+            <a:schemeClr val="bg2">
+              <a:lumMod val="25000"/>
+            </a:schemeClr>
+          </a:solidFill>
+        </p:spPr>
+        <p:style>
+          <a:lnRef idx="2">
+            <a:schemeClr val="accent1">
+              <a:shade val="50000"/>
+            </a:schemeClr>
+          </a:lnRef>
+          <a:fillRef idx="1">
+            <a:schemeClr val="accent1"/>
+          </a:fillRef>
+          <a:effectRef idx="0">
+            <a:schemeClr val="accent1"/>
+          </a:effectRef>
+          <a:fontRef idx="minor">
+            <a:schemeClr val="lt1"/>
+          </a:fontRef>
+        </p:style>
+        <p:txBody>
+          <a:bodyPr rtlCol="0" anchor="ctr"/>
+          <a:lstStyle/>
+          <a:p>
+            <a:pPr algn="ctr"/>
+            <a:r>
+              <a:rPr lang="en-US" altLang="zh-CN" sz="1100" dirty="0" smtClean="0"/>
+              <a:t>client</a:t>
+            </a:r>
+            <a:endParaRPr lang="zh-CN" altLang="en-US" sz="1100" dirty="0"/>
+          </a:p>
+        </p:txBody>
+      </p:sp>
+      <p:sp>
+        <p:nvSpPr>
+          <p:cNvPr id="16" name="椭圆 15"/>
+          <p:cNvSpPr/>
+          <p:nvPr/>
+        </p:nvSpPr>
+        <p:spPr>
+          <a:xfrm>
+            <a:off x="9533435" y="1202407"/>
+            <a:ext cx="826070" cy="476518"/>
+          </a:xfrm>
+          <a:prstGeom prst="ellipse">
+            <a:avLst/>
+          </a:prstGeom>
+          <a:solidFill>
+            <a:schemeClr val="bg2">
+              <a:lumMod val="25000"/>
+            </a:schemeClr>
+          </a:solidFill>
+        </p:spPr>
+        <p:style>
+          <a:lnRef idx="2">
+            <a:schemeClr val="accent1">
+              <a:shade val="50000"/>
+            </a:schemeClr>
+          </a:lnRef>
+          <a:fillRef idx="1">
+            <a:schemeClr val="accent1"/>
+          </a:fillRef>
+          <a:effectRef idx="0">
+            <a:schemeClr val="accent1"/>
+          </a:effectRef>
+          <a:fontRef idx="minor">
+            <a:schemeClr val="lt1"/>
+          </a:fontRef>
+        </p:style>
+        <p:txBody>
+          <a:bodyPr rtlCol="0" anchor="ctr"/>
+          <a:lstStyle/>
+          <a:p>
+            <a:pPr algn="ctr"/>
+            <a:r>
+              <a:rPr lang="en-US" altLang="zh-CN" sz="1100" dirty="0" smtClean="0"/>
+              <a:t>client</a:t>
+            </a:r>
+            <a:endParaRPr lang="zh-CN" altLang="en-US" sz="1100" dirty="0"/>
+          </a:p>
+        </p:txBody>
+      </p:sp>
+      <p:sp>
+        <p:nvSpPr>
+          <p:cNvPr id="17" name="椭圆 16"/>
+          <p:cNvSpPr/>
+          <p:nvPr/>
+        </p:nvSpPr>
+        <p:spPr>
+          <a:xfrm>
+            <a:off x="10858381" y="1202407"/>
+            <a:ext cx="826070" cy="476518"/>
+          </a:xfrm>
+          <a:prstGeom prst="ellipse">
+            <a:avLst/>
+          </a:prstGeom>
+          <a:solidFill>
+            <a:schemeClr val="bg2">
+              <a:lumMod val="25000"/>
+            </a:schemeClr>
+          </a:solidFill>
+        </p:spPr>
+        <p:style>
+          <a:lnRef idx="2">
+            <a:schemeClr val="accent1">
+              <a:shade val="50000"/>
+            </a:schemeClr>
+          </a:lnRef>
+          <a:fillRef idx="1">
+            <a:schemeClr val="accent1"/>
+          </a:fillRef>
+          <a:effectRef idx="0">
+            <a:schemeClr val="accent1"/>
+          </a:effectRef>
+          <a:fontRef idx="minor">
+            <a:schemeClr val="lt1"/>
+          </a:fontRef>
+        </p:style>
+        <p:txBody>
+          <a:bodyPr rtlCol="0" anchor="ctr"/>
+          <a:lstStyle/>
+          <a:p>
+            <a:pPr algn="ctr"/>
+            <a:r>
+              <a:rPr lang="en-US" altLang="zh-CN" sz="1100" dirty="0" smtClean="0"/>
+              <a:t>client</a:t>
+            </a:r>
+            <a:endParaRPr lang="zh-CN" altLang="en-US" sz="1100" dirty="0"/>
+          </a:p>
+        </p:txBody>
+      </p:sp>
+      <p:cxnSp>
+        <p:nvCxnSpPr>
+          <p:cNvPr id="19" name="直接箭头连接符 18"/>
+          <p:cNvCxnSpPr>
+            <a:stCxn id="13" idx="4"/>
+            <a:endCxn id="5" idx="0"/>
+          </p:cNvCxnSpPr>
+          <p:nvPr/>
+        </p:nvCxnSpPr>
+        <p:spPr>
+          <a:xfrm>
+            <a:off x="5573612" y="1739229"/>
+            <a:ext cx="524915" cy="722983"/>
+          </a:xfrm>
+          <a:prstGeom prst="straightConnector1">
+            <a:avLst/>
+          </a:prstGeom>
+          <a:ln w="22225">
+            <a:solidFill>
+              <a:schemeClr val="tx1">
+                <a:lumMod val="75000"/>
+                <a:lumOff val="25000"/>
+              </a:schemeClr>
+            </a:solidFill>
+            <a:headEnd type="triangle"/>
+            <a:tailEnd type="triangle"/>
+          </a:ln>
+        </p:spPr>
+        <p:style>
+          <a:lnRef idx="2">
+            <a:schemeClr val="dk1"/>
+          </a:lnRef>
+          <a:fillRef idx="0">
+            <a:schemeClr val="dk1"/>
+          </a:fillRef>
+          <a:effectRef idx="1">
+            <a:schemeClr val="dk1"/>
+          </a:effectRef>
+          <a:fontRef idx="minor">
+            <a:schemeClr val="tx1"/>
+          </a:fontRef>
+        </p:style>
+      </p:cxnSp>
+      <p:cxnSp>
+        <p:nvCxnSpPr>
+          <p:cNvPr id="21" name="直接箭头连接符 20"/>
+          <p:cNvCxnSpPr>
+            <a:stCxn id="5" idx="0"/>
+            <a:endCxn id="14" idx="4"/>
+          </p:cNvCxnSpPr>
+          <p:nvPr/>
+        </p:nvCxnSpPr>
+        <p:spPr>
+          <a:xfrm flipV="1">
+            <a:off x="6098527" y="1718145"/>
+            <a:ext cx="636795" cy="744067"/>
+          </a:xfrm>
+          <a:prstGeom prst="straightConnector1">
+            <a:avLst/>
+          </a:prstGeom>
+          <a:ln w="22225">
+            <a:solidFill>
+              <a:schemeClr val="tx1">
+                <a:lumMod val="75000"/>
+                <a:lumOff val="25000"/>
+              </a:schemeClr>
+            </a:solidFill>
+            <a:headEnd type="triangle"/>
+            <a:tailEnd type="triangle"/>
+          </a:ln>
+        </p:spPr>
+        <p:style>
+          <a:lnRef idx="2">
+            <a:schemeClr val="dk1"/>
+          </a:lnRef>
+          <a:fillRef idx="0">
+            <a:schemeClr val="dk1"/>
+          </a:fillRef>
+          <a:effectRef idx="1">
+            <a:schemeClr val="dk1"/>
+          </a:effectRef>
+          <a:fontRef idx="minor">
+            <a:schemeClr val="tx1"/>
+          </a:fontRef>
+        </p:style>
+      </p:cxnSp>
+      <p:cxnSp>
+        <p:nvCxnSpPr>
+          <p:cNvPr id="23" name="直接箭头连接符 22"/>
+          <p:cNvCxnSpPr>
+            <a:stCxn id="15" idx="4"/>
+            <a:endCxn id="6" idx="0"/>
+          </p:cNvCxnSpPr>
+          <p:nvPr/>
+        </p:nvCxnSpPr>
+        <p:spPr>
+          <a:xfrm>
+            <a:off x="8406005" y="1700063"/>
+            <a:ext cx="0" cy="762149"/>
+          </a:xfrm>
+          <a:prstGeom prst="straightConnector1">
+            <a:avLst/>
+          </a:prstGeom>
+          <a:ln w="22225">
+            <a:solidFill>
+              <a:schemeClr val="tx1">
+                <a:lumMod val="75000"/>
+                <a:lumOff val="25000"/>
+              </a:schemeClr>
+            </a:solidFill>
+            <a:headEnd type="triangle"/>
+            <a:tailEnd type="triangle"/>
+          </a:ln>
+        </p:spPr>
+        <p:style>
+          <a:lnRef idx="2">
+            <a:schemeClr val="dk1"/>
+          </a:lnRef>
+          <a:fillRef idx="0">
+            <a:schemeClr val="dk1"/>
+          </a:fillRef>
+          <a:effectRef idx="1">
+            <a:schemeClr val="dk1"/>
+          </a:effectRef>
+          <a:fontRef idx="minor">
+            <a:schemeClr val="tx1"/>
+          </a:fontRef>
+        </p:style>
+      </p:cxnSp>
+      <p:cxnSp>
+        <p:nvCxnSpPr>
+          <p:cNvPr id="25" name="直接箭头连接符 24"/>
+          <p:cNvCxnSpPr>
+            <a:stCxn id="16" idx="4"/>
+            <a:endCxn id="7" idx="0"/>
+          </p:cNvCxnSpPr>
+          <p:nvPr/>
+        </p:nvCxnSpPr>
+        <p:spPr>
+          <a:xfrm>
+            <a:off x="9946470" y="1678925"/>
+            <a:ext cx="767013" cy="783287"/>
+          </a:xfrm>
+          <a:prstGeom prst="straightConnector1">
+            <a:avLst/>
+          </a:prstGeom>
+          <a:ln w="22225">
+            <a:solidFill>
+              <a:schemeClr val="tx1">
+                <a:lumMod val="75000"/>
+                <a:lumOff val="25000"/>
+              </a:schemeClr>
+            </a:solidFill>
+            <a:headEnd type="triangle"/>
+            <a:tailEnd type="triangle"/>
+          </a:ln>
+        </p:spPr>
+        <p:style>
+          <a:lnRef idx="2">
+            <a:schemeClr val="dk1"/>
+          </a:lnRef>
+          <a:fillRef idx="0">
+            <a:schemeClr val="dk1"/>
+          </a:fillRef>
+          <a:effectRef idx="1">
+            <a:schemeClr val="dk1"/>
+          </a:effectRef>
+          <a:fontRef idx="minor">
+            <a:schemeClr val="tx1"/>
+          </a:fontRef>
+        </p:style>
+      </p:cxnSp>
+      <p:cxnSp>
+        <p:nvCxnSpPr>
+          <p:cNvPr id="27" name="直接箭头连接符 26"/>
+          <p:cNvCxnSpPr>
+            <a:stCxn id="17" idx="4"/>
+            <a:endCxn id="7" idx="0"/>
+          </p:cNvCxnSpPr>
+          <p:nvPr/>
+        </p:nvCxnSpPr>
+        <p:spPr>
+          <a:xfrm flipH="1">
+            <a:off x="10713483" y="1678925"/>
+            <a:ext cx="557933" cy="783287"/>
+          </a:xfrm>
+          <a:prstGeom prst="straightConnector1">
+            <a:avLst/>
+          </a:prstGeom>
+          <a:ln w="22225">
+            <a:solidFill>
+              <a:schemeClr val="tx1">
+                <a:lumMod val="75000"/>
+                <a:lumOff val="25000"/>
+              </a:schemeClr>
+            </a:solidFill>
+            <a:headEnd type="triangle"/>
+            <a:tailEnd type="triangle"/>
+          </a:ln>
+        </p:spPr>
+        <p:style>
+          <a:lnRef idx="2">
+            <a:schemeClr val="dk1"/>
+          </a:lnRef>
+          <a:fillRef idx="0">
+            <a:schemeClr val="dk1"/>
+          </a:fillRef>
+          <a:effectRef idx="1">
+            <a:schemeClr val="dk1"/>
+          </a:effectRef>
+          <a:fontRef idx="minor">
+            <a:schemeClr val="tx1"/>
+          </a:fontRef>
+        </p:style>
+      </p:cxnSp>
+      <p:sp>
+        <p:nvSpPr>
+          <p:cNvPr id="32" name="文本框 31"/>
+          <p:cNvSpPr txBox="1"/>
+          <p:nvPr/>
+        </p:nvSpPr>
+        <p:spPr>
+          <a:xfrm>
+            <a:off x="522922" y="5758386"/>
+            <a:ext cx="10249231" cy="787523"/>
+          </a:xfrm>
+          <a:prstGeom prst="rect">
+            <a:avLst/>
+          </a:prstGeom>
+          <a:noFill/>
+        </p:spPr>
+        <p:txBody>
+          <a:bodyPr wrap="square" rtlCol="0">
+            <a:spAutoFit/>
+          </a:bodyPr>
+          <a:lstStyle/>
+          <a:p>
+            <a:pPr>
+              <a:lnSpc>
+                <a:spcPct val="150000"/>
+              </a:lnSpc>
+            </a:pPr>
+            <a:r>
+              <a:rPr lang="zh-CN" altLang="en-US" sz="1600" b="1" dirty="0" smtClean="0">
+                <a:latin typeface="微软雅黑" pitchFamily="34" charset="-122"/>
+                <a:ea typeface="微软雅黑" pitchFamily="34" charset="-122"/>
+              </a:rPr>
+              <a:t>解决方案</a:t>
+            </a:r>
+            <a:r>
+              <a:rPr lang="zh-CN" altLang="en-US" sz="1600" dirty="0">
+                <a:latin typeface="微软雅黑" pitchFamily="34" charset="-122"/>
+                <a:ea typeface="微软雅黑" pitchFamily="34" charset="-122"/>
+              </a:rPr>
+              <a:t>：将容器的</a:t>
+            </a:r>
+            <a:r>
+              <a:rPr lang="en-US" altLang="zh-CN" sz="1600" dirty="0" smtClean="0">
+                <a:latin typeface="微软雅黑" pitchFamily="34" charset="-122"/>
+                <a:ea typeface="微软雅黑" pitchFamily="34" charset="-122"/>
+              </a:rPr>
+              <a:t>IP</a:t>
+            </a:r>
+            <a:r>
+              <a:rPr lang="zh-CN" altLang="en-US" sz="1600" dirty="0" smtClean="0">
+                <a:latin typeface="微软雅黑" pitchFamily="34" charset="-122"/>
+                <a:ea typeface="微软雅黑" pitchFamily="34" charset="-122"/>
+              </a:rPr>
+              <a:t>设置为</a:t>
+            </a:r>
+            <a:r>
+              <a:rPr lang="en-US" altLang="zh-CN" sz="1600" dirty="0" smtClean="0">
+                <a:latin typeface="微软雅黑" pitchFamily="34" charset="-122"/>
+                <a:ea typeface="微软雅黑" pitchFamily="34" charset="-122"/>
+              </a:rPr>
+              <a:t>server-id</a:t>
+            </a:r>
+          </a:p>
+          <a:p>
+            <a:pPr>
+              <a:lnSpc>
+                <a:spcPct val="150000"/>
+              </a:lnSpc>
+            </a:pPr>
+            <a:r>
+              <a:rPr lang="en-US" altLang="zh-CN" sz="1600" dirty="0" smtClean="0">
+                <a:latin typeface="微软雅黑" pitchFamily="34" charset="-122"/>
+                <a:ea typeface="微软雅黑" pitchFamily="34" charset="-122"/>
+              </a:rPr>
+              <a:t>IpUtil.ipToLong(InetAddress.getLocalHost().getHostAddress()</a:t>
+            </a:r>
+          </a:p>
+        </p:txBody>
+      </p:sp>
+      <p:sp>
+        <p:nvSpPr>
+          <p:cNvPr id="36" name="文本框 35"/>
+          <p:cNvSpPr txBox="1"/>
+          <p:nvPr/>
+        </p:nvSpPr>
+        <p:spPr>
+          <a:xfrm>
+            <a:off x="4980887" y="989755"/>
+            <a:ext cx="496787" cy="307777"/>
+          </a:xfrm>
+          <a:prstGeom prst="rect">
+            <a:avLst/>
+          </a:prstGeom>
+          <a:noFill/>
+        </p:spPr>
+        <p:txBody>
+          <a:bodyPr wrap="square" rtlCol="0">
+            <a:spAutoFit/>
+          </a:bodyPr>
+          <a:lstStyle/>
+          <a:p>
+            <a:r>
+              <a:rPr lang="en-US" altLang="zh-CN" sz="1400" dirty="0" smtClean="0">
+                <a:solidFill>
+                  <a:schemeClr val="bg1"/>
+                </a:solidFill>
+                <a:latin typeface="微软雅黑" pitchFamily="34" charset="-122"/>
+                <a:ea typeface="微软雅黑" pitchFamily="34" charset="-122"/>
+              </a:rPr>
+              <a:t>UI</a:t>
+            </a:r>
+            <a:endParaRPr lang="zh-CN" altLang="en-US" sz="1400" dirty="0">
+              <a:solidFill>
+                <a:schemeClr val="bg1"/>
+              </a:solidFill>
+              <a:latin typeface="微软雅黑" pitchFamily="34" charset="-122"/>
+              <a:ea typeface="微软雅黑" pitchFamily="34" charset="-122"/>
+            </a:endParaRPr>
+          </a:p>
+        </p:txBody>
+      </p:sp>
+    </p:spTree>
+    <p:extLst>
+      <p:ext uri="{BB962C8B-B14F-4D97-AF65-F5344CB8AC3E}">
+        <p14:creationId xmlns:p14="http://schemas.microsoft.com/office/powerpoint/2010/main" val="1275540507"/>
+      </p:ext>
+    </p:extLst>
+  </p:cSld>
+  <p:clrMapOvr>
+    <a:masterClrMapping/>
+  </p:clrMapOvr>
+  <p:timing>
+    <p:tnLst>
+      <p:par>
+        <p:cTn id="1" dur="indefinite" restart="never" nodeType="tmRoot"/>
+      </p:par>
+    </p:tnLst>
+  </p:timing>
+</p:sld>
+</file>
+
+<file path=ppt/slides/slide12.xml><?xml version="1.0" encoding="utf-8"?>
+<p:sld xmlns:a="http://schemas.openxmlformats.org/drawingml/2006/main" xmlns:r="http://schemas.openxmlformats.org/officeDocument/2006/relationships" xmlns:p="http://schemas.openxmlformats.org/presentationml/2006/main">
+  <p:cSld>
+    <p:spTree>
+      <p:nvGrpSpPr>
+        <p:cNvPr id="1" name=""/>
+        <p:cNvGrpSpPr/>
+        <p:nvPr/>
+      </p:nvGrpSpPr>
+      <p:grpSpPr>
+        <a:xfrm>
+          <a:off x="0" y="0"/>
+          <a:ext cx="0" cy="0"/>
+          <a:chOff x="0" y="0"/>
+          <a:chExt cx="0" cy="0"/>
+        </a:xfrm>
+      </p:grpSpPr>
+      <p:sp>
+        <p:nvSpPr>
+          <p:cNvPr id="2" name="标题 1"/>
+          <p:cNvSpPr>
+            <a:spLocks noGrp="1"/>
+          </p:cNvSpPr>
+          <p:nvPr>
+            <p:ph type="title"/>
+          </p:nvPr>
+        </p:nvSpPr>
+        <p:spPr/>
+        <p:txBody>
+          <a:bodyPr>
+            <a:normAutofit/>
+          </a:bodyPr>
+          <a:lstStyle/>
+          <a:p>
+            <a:r>
+              <a:rPr lang="zh-CN" altLang="en-US" dirty="0" smtClean="0"/>
+              <a:t>性能优化</a:t>
+            </a:r>
+            <a:endParaRPr lang="zh-CN" altLang="en-US" dirty="0"/>
+          </a:p>
+        </p:txBody>
+      </p:sp>
+      <p:sp>
+        <p:nvSpPr>
+          <p:cNvPr id="3" name="文本框 2"/>
+          <p:cNvSpPr txBox="1"/>
+          <p:nvPr/>
+        </p:nvSpPr>
+        <p:spPr>
+          <a:xfrm>
+            <a:off x="1129256" y="925353"/>
+            <a:ext cx="10316418" cy="3416320"/>
+          </a:xfrm>
+          <a:prstGeom prst="rect">
+            <a:avLst/>
+          </a:prstGeom>
+          <a:noFill/>
+        </p:spPr>
+        <p:txBody>
+          <a:bodyPr wrap="square" rtlCol="0">
+            <a:spAutoFit/>
+          </a:bodyPr>
+          <a:lstStyle/>
+          <a:p>
+            <a:pPr>
+              <a:lnSpc>
+                <a:spcPct val="150000"/>
+              </a:lnSpc>
+            </a:pPr>
+            <a:r>
+              <a:rPr lang="zh-CN" altLang="en-US" sz="1600" dirty="0">
+                <a:latin typeface="微软雅黑" pitchFamily="34" charset="-122"/>
+                <a:ea typeface="微软雅黑" pitchFamily="34" charset="-122"/>
+              </a:rPr>
+              <a:t>虽然</a:t>
+            </a:r>
+            <a:r>
+              <a:rPr lang="en-US" altLang="zh-CN" sz="1600" dirty="0" smtClean="0">
+                <a:latin typeface="微软雅黑" pitchFamily="34" charset="-122"/>
+                <a:ea typeface="微软雅黑" pitchFamily="34" charset="-122"/>
+              </a:rPr>
+              <a:t>mysql-binlog-connector-java</a:t>
+            </a:r>
+            <a:r>
+              <a:rPr lang="zh-CN" altLang="en-US" sz="1600" dirty="0" smtClean="0">
+                <a:latin typeface="微软雅黑" pitchFamily="34" charset="-122"/>
+                <a:ea typeface="微软雅黑" pitchFamily="34" charset="-122"/>
+              </a:rPr>
+              <a:t>不支持订阅部分表，但是仍然有性能优化的空间。</a:t>
+            </a:r>
+            <a:endParaRPr lang="en-US" altLang="zh-CN" sz="1600" dirty="0">
+              <a:latin typeface="微软雅黑" pitchFamily="34" charset="-122"/>
+              <a:ea typeface="微软雅黑" pitchFamily="34" charset="-122"/>
+            </a:endParaRPr>
+          </a:p>
+          <a:p>
+            <a:pPr>
+              <a:lnSpc>
+                <a:spcPct val="150000"/>
+              </a:lnSpc>
+            </a:pPr>
+            <a:r>
+              <a:rPr lang="zh-CN" altLang="en-US" sz="1600" dirty="0" smtClean="0">
+                <a:latin typeface="微软雅黑" pitchFamily="34" charset="-122"/>
+                <a:ea typeface="微软雅黑" pitchFamily="34" charset="-122"/>
+              </a:rPr>
+              <a:t>基于社区</a:t>
+            </a:r>
+            <a:r>
+              <a:rPr lang="en-US" altLang="zh-CN" sz="1600" dirty="0" smtClean="0">
+                <a:latin typeface="微软雅黑" pitchFamily="34" charset="-122"/>
+                <a:ea typeface="微软雅黑" pitchFamily="34" charset="-122"/>
+              </a:rPr>
+              <a:t>issues</a:t>
+            </a:r>
+            <a:r>
+              <a:rPr lang="zh-CN" altLang="en-US" sz="1600" dirty="0" smtClean="0">
+                <a:latin typeface="微软雅黑" pitchFamily="34" charset="-122"/>
+                <a:ea typeface="微软雅黑" pitchFamily="34" charset="-122"/>
+              </a:rPr>
+              <a:t>，可以采用如下两个配置，降低</a:t>
+            </a:r>
+            <a:r>
+              <a:rPr lang="en-US" altLang="zh-CN" sz="1600" dirty="0" smtClean="0">
+                <a:latin typeface="微软雅黑" pitchFamily="34" charset="-122"/>
+                <a:ea typeface="微软雅黑" pitchFamily="34" charset="-122"/>
+              </a:rPr>
+              <a:t>binlog</a:t>
+            </a:r>
+            <a:r>
+              <a:rPr lang="zh-CN" altLang="en-US" sz="1600" dirty="0" smtClean="0">
+                <a:latin typeface="微软雅黑" pitchFamily="34" charset="-122"/>
+                <a:ea typeface="微软雅黑" pitchFamily="34" charset="-122"/>
+              </a:rPr>
+              <a:t>事件解析的性能损耗：</a:t>
+            </a:r>
+            <a:endParaRPr lang="en-US" altLang="zh-CN" sz="1600" dirty="0" smtClean="0">
+              <a:latin typeface="微软雅黑" pitchFamily="34" charset="-122"/>
+              <a:ea typeface="微软雅黑" pitchFamily="34" charset="-122"/>
+            </a:endParaRPr>
+          </a:p>
+          <a:p>
+            <a:pPr>
+              <a:lnSpc>
+                <a:spcPct val="150000"/>
+              </a:lnSpc>
+            </a:pPr>
+            <a:r>
+              <a:rPr lang="en-US" altLang="zh-CN" sz="1600" dirty="0" smtClean="0">
+                <a:latin typeface="微软雅黑" pitchFamily="34" charset="-122"/>
+                <a:ea typeface="微软雅黑" pitchFamily="34" charset="-122"/>
+              </a:rPr>
+              <a:t>1. </a:t>
+            </a:r>
+            <a:r>
+              <a:rPr lang="zh-CN" altLang="en-US" sz="1600" dirty="0" smtClean="0">
+                <a:latin typeface="微软雅黑" pitchFamily="34" charset="-122"/>
+                <a:ea typeface="微软雅黑" pitchFamily="34" charset="-122"/>
+              </a:rPr>
+              <a:t>面对当前业务场景，可以仅反序列化更新相关的</a:t>
+            </a:r>
+            <a:r>
+              <a:rPr lang="en-US" altLang="zh-CN" sz="1600" dirty="0" smtClean="0">
+                <a:latin typeface="微软雅黑" pitchFamily="34" charset="-122"/>
+                <a:ea typeface="微软雅黑" pitchFamily="34" charset="-122"/>
+              </a:rPr>
+              <a:t>4</a:t>
+            </a:r>
+            <a:r>
+              <a:rPr lang="zh-CN" altLang="en-US" sz="1600" dirty="0" smtClean="0">
+                <a:latin typeface="微软雅黑" pitchFamily="34" charset="-122"/>
+                <a:ea typeface="微软雅黑" pitchFamily="34" charset="-122"/>
+              </a:rPr>
+              <a:t>个事件，不反序列化其他</a:t>
+            </a:r>
+            <a:r>
+              <a:rPr lang="en-US" altLang="zh-CN" sz="1600" dirty="0" smtClean="0">
+                <a:latin typeface="微软雅黑" pitchFamily="34" charset="-122"/>
+                <a:ea typeface="微软雅黑" pitchFamily="34" charset="-122"/>
+              </a:rPr>
+              <a:t>36</a:t>
+            </a:r>
+            <a:r>
+              <a:rPr lang="zh-CN" altLang="en-US" sz="1600" dirty="0" smtClean="0">
+                <a:latin typeface="微软雅黑" pitchFamily="34" charset="-122"/>
+                <a:ea typeface="微软雅黑" pitchFamily="34" charset="-122"/>
+              </a:rPr>
+              <a:t>个事件。</a:t>
+            </a:r>
+            <a:endParaRPr lang="en-US" altLang="zh-CN" sz="1600" dirty="0" smtClean="0">
+              <a:latin typeface="微软雅黑" pitchFamily="34" charset="-122"/>
+              <a:ea typeface="微软雅黑" pitchFamily="34" charset="-122"/>
+            </a:endParaRPr>
+          </a:p>
+          <a:p>
+            <a:pPr>
+              <a:lnSpc>
+                <a:spcPct val="150000"/>
+              </a:lnSpc>
+            </a:pPr>
+            <a:endParaRPr lang="en-US" altLang="zh-CN" sz="1600" dirty="0" smtClean="0">
+              <a:latin typeface="微软雅黑" pitchFamily="34" charset="-122"/>
+              <a:ea typeface="微软雅黑" pitchFamily="34" charset="-122"/>
+            </a:endParaRPr>
+          </a:p>
+          <a:p>
+            <a:pPr>
+              <a:lnSpc>
+                <a:spcPct val="150000"/>
+              </a:lnSpc>
+            </a:pPr>
+            <a:endParaRPr lang="en-US" altLang="zh-CN" sz="1600" dirty="0" smtClean="0">
+              <a:latin typeface="微软雅黑" pitchFamily="34" charset="-122"/>
+              <a:ea typeface="微软雅黑" pitchFamily="34" charset="-122"/>
+            </a:endParaRPr>
+          </a:p>
+          <a:p>
+            <a:pPr>
+              <a:lnSpc>
+                <a:spcPct val="150000"/>
+              </a:lnSpc>
+            </a:pPr>
+            <a:endParaRPr lang="en-US" altLang="zh-CN" sz="1600" dirty="0">
+              <a:latin typeface="微软雅黑" pitchFamily="34" charset="-122"/>
+              <a:ea typeface="微软雅黑" pitchFamily="34" charset="-122"/>
+            </a:endParaRPr>
+          </a:p>
+          <a:p>
+            <a:pPr>
+              <a:lnSpc>
+                <a:spcPct val="150000"/>
+              </a:lnSpc>
+            </a:pPr>
+            <a:endParaRPr lang="en-US" altLang="zh-CN" sz="1600" dirty="0" smtClean="0">
+              <a:latin typeface="微软雅黑" pitchFamily="34" charset="-122"/>
+              <a:ea typeface="微软雅黑" pitchFamily="34" charset="-122"/>
+            </a:endParaRPr>
+          </a:p>
+          <a:p>
+            <a:pPr>
+              <a:lnSpc>
+                <a:spcPct val="150000"/>
+              </a:lnSpc>
+            </a:pPr>
+            <a:endParaRPr lang="en-US" altLang="zh-CN" sz="1600" dirty="0">
+              <a:latin typeface="微软雅黑" pitchFamily="34" charset="-122"/>
+              <a:ea typeface="微软雅黑" pitchFamily="34" charset="-122"/>
+            </a:endParaRPr>
+          </a:p>
+          <a:p>
+            <a:pPr>
+              <a:lnSpc>
+                <a:spcPct val="150000"/>
+              </a:lnSpc>
+            </a:pPr>
+            <a:r>
+              <a:rPr lang="en-US" altLang="zh-CN" sz="1600" dirty="0" smtClean="0">
+                <a:latin typeface="微软雅黑" pitchFamily="34" charset="-122"/>
+                <a:ea typeface="微软雅黑" pitchFamily="34" charset="-122"/>
+              </a:rPr>
+              <a:t>2. </a:t>
+            </a:r>
+            <a:r>
+              <a:rPr lang="zh-CN" altLang="en-US" sz="1600" dirty="0" smtClean="0">
+                <a:latin typeface="微软雅黑" pitchFamily="34" charset="-122"/>
+                <a:ea typeface="微软雅黑" pitchFamily="34" charset="-122"/>
+              </a:rPr>
+              <a:t>不去反序列化日期时间和字符串，按作者所述，当数据中包含大量时间及字符串时，会有</a:t>
+            </a:r>
+            <a:r>
+              <a:rPr lang="en-US" altLang="zh-CN" sz="1600" dirty="0" smtClean="0">
+                <a:latin typeface="微软雅黑" pitchFamily="34" charset="-122"/>
+                <a:ea typeface="微软雅黑" pitchFamily="34" charset="-122"/>
+              </a:rPr>
+              <a:t>10</a:t>
+            </a:r>
+            <a:r>
+              <a:rPr lang="zh-CN" altLang="en-US" sz="1600" dirty="0" smtClean="0">
+                <a:latin typeface="微软雅黑" pitchFamily="34" charset="-122"/>
+                <a:ea typeface="微软雅黑" pitchFamily="34" charset="-122"/>
+              </a:rPr>
+              <a:t>倍性能差。</a:t>
+            </a:r>
+            <a:endParaRPr lang="en-US" altLang="zh-CN" sz="1600" dirty="0" smtClean="0">
+              <a:latin typeface="微软雅黑" pitchFamily="34" charset="-122"/>
+              <a:ea typeface="微软雅黑" pitchFamily="34" charset="-122"/>
+            </a:endParaRPr>
+          </a:p>
+        </p:txBody>
+      </p:sp>
+      <p:pic>
+        <p:nvPicPr>
+          <p:cNvPr id="4" name="图片 3"/>
+          <p:cNvPicPr>
+            <a:picLocks noChangeAspect="1"/>
+          </p:cNvPicPr>
+          <p:nvPr/>
+        </p:nvPicPr>
+        <p:blipFill>
+          <a:blip r:embed="rId3"/>
+          <a:stretch>
+            <a:fillRect/>
+          </a:stretch>
+        </p:blipFill>
+        <p:spPr>
+          <a:xfrm>
+            <a:off x="1442765" y="2239781"/>
+            <a:ext cx="6467475" cy="1476375"/>
+          </a:xfrm>
+          <a:prstGeom prst="rect">
+            <a:avLst/>
+          </a:prstGeom>
+        </p:spPr>
+      </p:pic>
+      <p:pic>
+        <p:nvPicPr>
+          <p:cNvPr id="5" name="图片 4"/>
+          <p:cNvPicPr>
+            <a:picLocks noChangeAspect="1"/>
+          </p:cNvPicPr>
+          <p:nvPr/>
+        </p:nvPicPr>
+        <p:blipFill>
+          <a:blip r:embed="rId4"/>
+          <a:stretch>
+            <a:fillRect/>
+          </a:stretch>
+        </p:blipFill>
+        <p:spPr>
+          <a:xfrm>
+            <a:off x="1433240" y="4497346"/>
+            <a:ext cx="6477000" cy="1371600"/>
+          </a:xfrm>
+          <a:prstGeom prst="rect">
+            <a:avLst/>
+          </a:prstGeom>
+        </p:spPr>
+      </p:pic>
+    </p:spTree>
+    <p:extLst>
+      <p:ext uri="{BB962C8B-B14F-4D97-AF65-F5344CB8AC3E}">
+        <p14:creationId xmlns:p14="http://schemas.microsoft.com/office/powerpoint/2010/main" val="976805978"/>
+      </p:ext>
+    </p:extLst>
+  </p:cSld>
+  <p:clrMapOvr>
+    <a:masterClrMapping/>
+  </p:clrMapOvr>
+  <p:timing>
+    <p:tnLst>
+      <p:par>
+        <p:cTn id="1" dur="indefinite" restart="never" nodeType="tmRoot"/>
+      </p:par>
+    </p:tnLst>
+  </p:timing>
+</p:sld>
+</file>
+
+<file path=ppt/slides/slide13.xml><?xml version="1.0" encoding="utf-8"?>
+<p:sld xmlns:a="http://schemas.openxmlformats.org/drawingml/2006/main" xmlns:r="http://schemas.openxmlformats.org/officeDocument/2006/relationships" xmlns:p="http://schemas.openxmlformats.org/presentationml/2006/main">
+  <p:cSld>
+    <p:spTree>
+      <p:nvGrpSpPr>
+        <p:cNvPr id="1" name=""/>
+        <p:cNvGrpSpPr/>
+        <p:nvPr/>
+      </p:nvGrpSpPr>
+      <p:grpSpPr>
+        <a:xfrm>
+          <a:off x="0" y="0"/>
+          <a:ext cx="0" cy="0"/>
+          <a:chOff x="0" y="0"/>
+          <a:chExt cx="0" cy="0"/>
+        </a:xfrm>
+      </p:grpSpPr>
+      <p:sp>
+        <p:nvSpPr>
+          <p:cNvPr id="2" name="标题 1"/>
+          <p:cNvSpPr>
+            <a:spLocks noGrp="1"/>
+          </p:cNvSpPr>
+          <p:nvPr>
+            <p:ph type="title"/>
+          </p:nvPr>
+        </p:nvSpPr>
         <p:spPr>
           <a:xfrm>
             <a:off x="520426" y="-75633"/>
@@ -10846,7 +13864,7 @@
 </p:sld>
 </file>
 
-<file path=ppt/slides/slide11.xml><?xml version="1.0" encoding="utf-8"?>
+<file path=ppt/slides/slide14.xml><?xml version="1.0" encoding="utf-8"?>
 <p:sld xmlns:a="http://schemas.openxmlformats.org/drawingml/2006/main" xmlns:r="http://schemas.openxmlformats.org/officeDocument/2006/relationships" xmlns:p="http://schemas.openxmlformats.org/presentationml/2006/main">
   <p:cSld>
     <p:spTree>
@@ -11467,7 +14485,7 @@
                     <a:p>
                       <a:pPr algn="ctr" fontAlgn="t"/>
                       <a:r>
-                        <a:rPr lang="en-US" altLang="zh-CN" sz="1400">
+                        <a:rPr lang="en-US" altLang="zh-CN" sz="1400" dirty="0">
                           <a:effectLst/>
                           <a:latin typeface="微软雅黑" panose="020B0503020204020204" pitchFamily="34" charset="-122"/>
                           <a:ea typeface="微软雅黑" panose="020B0503020204020204" pitchFamily="34" charset="-122"/>
@@ -11825,7 +14843,7 @@
 </p:sld>
 </file>
 
-<file path=ppt/slides/slide12.xml><?xml version="1.0" encoding="utf-8"?>
+<file path=ppt/slides/slide15.xml><?xml version="1.0" encoding="utf-8"?>
 <p:sld xmlns:a="http://schemas.openxmlformats.org/drawingml/2006/main" xmlns:r="http://schemas.openxmlformats.org/officeDocument/2006/relationships" xmlns:p="http://schemas.openxmlformats.org/presentationml/2006/main">
   <p:cSld>
     <p:spTree>
@@ -12137,320 +15155,7 @@
 </p:sld>
 </file>
 
-<file path=ppt/slides/slide13.xml><?xml version="1.0" encoding="utf-8"?>
-<p:sld xmlns:a="http://schemas.openxmlformats.org/drawingml/2006/main" xmlns:r="http://schemas.openxmlformats.org/officeDocument/2006/relationships" xmlns:p="http://schemas.openxmlformats.org/presentationml/2006/main">
-  <p:cSld>
-    <p:spTree>
-      <p:nvGrpSpPr>
-        <p:cNvPr id="1" name=""/>
-        <p:cNvGrpSpPr/>
-        <p:nvPr/>
-      </p:nvGrpSpPr>
-      <p:grpSpPr>
-        <a:xfrm>
-          <a:off x="0" y="0"/>
-          <a:ext cx="0" cy="0"/>
-          <a:chOff x="0" y="0"/>
-          <a:chExt cx="0" cy="0"/>
-        </a:xfrm>
-      </p:grpSpPr>
-      <p:sp>
-        <p:nvSpPr>
-          <p:cNvPr id="2" name="标题 1"/>
-          <p:cNvSpPr>
-            <a:spLocks noGrp="1"/>
-          </p:cNvSpPr>
-          <p:nvPr>
-            <p:ph type="title"/>
-          </p:nvPr>
-        </p:nvSpPr>
-        <p:spPr/>
-        <p:txBody>
-          <a:bodyPr>
-            <a:normAutofit/>
-          </a:bodyPr>
-          <a:lstStyle/>
-          <a:p>
-            <a:r>
-              <a:rPr lang="zh-CN" altLang="en-US" dirty="0" smtClean="0"/>
-              <a:t>性能测试</a:t>
-            </a:r>
-            <a:r>
-              <a:rPr lang="en-US" altLang="zh-CN" dirty="0" smtClean="0"/>
-              <a:t>-</a:t>
-            </a:r>
-            <a:r>
-              <a:rPr lang="zh-CN" altLang="en-US" dirty="0" smtClean="0"/>
-              <a:t>集成前后负载对比</a:t>
-            </a:r>
-            <a:endParaRPr lang="zh-CN" altLang="en-US" dirty="0"/>
-          </a:p>
-        </p:txBody>
-      </p:sp>
-      <p:pic>
-        <p:nvPicPr>
-          <p:cNvPr id="5" name="图片 4"/>
-          <p:cNvPicPr>
-            <a:picLocks noChangeAspect="1"/>
-          </p:cNvPicPr>
-          <p:nvPr/>
-        </p:nvPicPr>
-        <p:blipFill>
-          <a:blip r:embed="rId3">
-            <a:extLst>
-              <a:ext uri="{28A0092B-C50C-407E-A947-70E740481C1C}">
-                <a14:useLocalDpi xmlns:a14="http://schemas.microsoft.com/office/drawing/2010/main" val="0"/>
-              </a:ext>
-            </a:extLst>
-          </a:blip>
-          <a:stretch>
-            <a:fillRect/>
-          </a:stretch>
-        </p:blipFill>
-        <p:spPr>
-          <a:xfrm>
-            <a:off x="313343" y="1803784"/>
-            <a:ext cx="5524699" cy="4438650"/>
-          </a:xfrm>
-          <a:prstGeom prst="rect">
-            <a:avLst/>
-          </a:prstGeom>
-        </p:spPr>
-      </p:pic>
-      <p:sp>
-        <p:nvSpPr>
-          <p:cNvPr id="6" name="文本框 5"/>
-          <p:cNvSpPr txBox="1"/>
-          <p:nvPr/>
-        </p:nvSpPr>
-        <p:spPr>
-          <a:xfrm>
-            <a:off x="2429361" y="6236882"/>
-            <a:ext cx="646331" cy="276999"/>
-          </a:xfrm>
-          <a:prstGeom prst="rect">
-            <a:avLst/>
-          </a:prstGeom>
-          <a:noFill/>
-        </p:spPr>
-        <p:txBody>
-          <a:bodyPr wrap="none" rtlCol="0">
-            <a:spAutoFit/>
-          </a:bodyPr>
-          <a:lstStyle/>
-          <a:p>
-            <a:r>
-              <a:rPr lang="zh-CN" altLang="en-US" sz="1200" dirty="0" smtClean="0">
-                <a:latin typeface="微软雅黑" pitchFamily="34" charset="-122"/>
-                <a:ea typeface="微软雅黑" pitchFamily="34" charset="-122"/>
-              </a:rPr>
-              <a:t>集成前</a:t>
-            </a:r>
-            <a:endParaRPr lang="zh-CN" altLang="en-US" sz="1200" dirty="0">
-              <a:latin typeface="微软雅黑" pitchFamily="34" charset="-122"/>
-              <a:ea typeface="微软雅黑" pitchFamily="34" charset="-122"/>
-            </a:endParaRPr>
-          </a:p>
-        </p:txBody>
-      </p:sp>
-      <p:pic>
-        <p:nvPicPr>
-          <p:cNvPr id="7" name="图片 6"/>
-          <p:cNvPicPr>
-            <a:picLocks noChangeAspect="1"/>
-          </p:cNvPicPr>
-          <p:nvPr/>
-        </p:nvPicPr>
-        <p:blipFill>
-          <a:blip r:embed="rId4">
-            <a:extLst>
-              <a:ext uri="{28A0092B-C50C-407E-A947-70E740481C1C}">
-                <a14:useLocalDpi xmlns:a14="http://schemas.microsoft.com/office/drawing/2010/main" val="0"/>
-              </a:ext>
-            </a:extLst>
-          </a:blip>
-          <a:stretch>
-            <a:fillRect/>
-          </a:stretch>
-        </p:blipFill>
-        <p:spPr>
-          <a:xfrm>
-            <a:off x="6132619" y="1803784"/>
-            <a:ext cx="5684399" cy="4438650"/>
-          </a:xfrm>
-          <a:prstGeom prst="rect">
-            <a:avLst/>
-          </a:prstGeom>
-        </p:spPr>
-      </p:pic>
-      <p:sp>
-        <p:nvSpPr>
-          <p:cNvPr id="8" name="文本框 7"/>
-          <p:cNvSpPr txBox="1"/>
-          <p:nvPr/>
-        </p:nvSpPr>
-        <p:spPr>
-          <a:xfrm>
-            <a:off x="8888781" y="6236881"/>
-            <a:ext cx="646331" cy="276999"/>
-          </a:xfrm>
-          <a:prstGeom prst="rect">
-            <a:avLst/>
-          </a:prstGeom>
-          <a:noFill/>
-        </p:spPr>
-        <p:txBody>
-          <a:bodyPr wrap="none" rtlCol="0">
-            <a:spAutoFit/>
-          </a:bodyPr>
-          <a:lstStyle/>
-          <a:p>
-            <a:r>
-              <a:rPr lang="zh-CN" altLang="en-US" sz="1200" dirty="0" smtClean="0">
-                <a:latin typeface="微软雅黑" pitchFamily="34" charset="-122"/>
-                <a:ea typeface="微软雅黑" pitchFamily="34" charset="-122"/>
-              </a:rPr>
-              <a:t>集成后</a:t>
-            </a:r>
-            <a:endParaRPr lang="zh-CN" altLang="en-US" sz="1200" dirty="0">
-              <a:latin typeface="微软雅黑" pitchFamily="34" charset="-122"/>
-              <a:ea typeface="微软雅黑" pitchFamily="34" charset="-122"/>
-            </a:endParaRPr>
-          </a:p>
-        </p:txBody>
-      </p:sp>
-      <p:sp>
-        <p:nvSpPr>
-          <p:cNvPr id="10" name="文本框 9"/>
-          <p:cNvSpPr txBox="1"/>
-          <p:nvPr/>
-        </p:nvSpPr>
-        <p:spPr>
-          <a:xfrm>
-            <a:off x="208840" y="785848"/>
-            <a:ext cx="9458810" cy="787523"/>
-          </a:xfrm>
-          <a:prstGeom prst="rect">
-            <a:avLst/>
-          </a:prstGeom>
-          <a:noFill/>
-        </p:spPr>
-        <p:txBody>
-          <a:bodyPr wrap="square" rtlCol="0">
-            <a:spAutoFit/>
-          </a:bodyPr>
-          <a:lstStyle/>
-          <a:p>
-            <a:pPr>
-              <a:lnSpc>
-                <a:spcPct val="150000"/>
-              </a:lnSpc>
-            </a:pPr>
-            <a:r>
-              <a:rPr lang="zh-CN" altLang="en-US" sz="1600" dirty="0">
-                <a:latin typeface="微软雅黑" pitchFamily="34" charset="-122"/>
-                <a:ea typeface="微软雅黑" pitchFamily="34" charset="-122"/>
-              </a:rPr>
-              <a:t>测试非压测场景下，集成</a:t>
-            </a:r>
-            <a:r>
-              <a:rPr lang="en-US" altLang="zh-CN" sz="1600" dirty="0">
-                <a:latin typeface="微软雅黑" pitchFamily="34" charset="-122"/>
-                <a:ea typeface="微软雅黑" pitchFamily="34" charset="-122"/>
-              </a:rPr>
-              <a:t>mysql-binlog-connector-java</a:t>
-            </a:r>
-            <a:r>
-              <a:rPr lang="zh-CN" altLang="en-US" sz="1600" dirty="0">
-                <a:latin typeface="微软雅黑" pitchFamily="34" charset="-122"/>
-                <a:ea typeface="微软雅黑" pitchFamily="34" charset="-122"/>
-              </a:rPr>
-              <a:t>前后，系统的</a:t>
-            </a:r>
-            <a:r>
-              <a:rPr lang="en-US" altLang="zh-CN" sz="1600" dirty="0">
-                <a:latin typeface="微软雅黑" pitchFamily="34" charset="-122"/>
-                <a:ea typeface="微软雅黑" pitchFamily="34" charset="-122"/>
-              </a:rPr>
-              <a:t>CPU</a:t>
-            </a:r>
-            <a:r>
-              <a:rPr lang="zh-CN" altLang="en-US" sz="1600" dirty="0">
-                <a:latin typeface="微软雅黑" pitchFamily="34" charset="-122"/>
-                <a:ea typeface="微软雅黑" pitchFamily="34" charset="-122"/>
-              </a:rPr>
-              <a:t>负载变化。</a:t>
-            </a:r>
-            <a:endParaRPr lang="en-US" altLang="zh-CN" sz="1600" dirty="0">
-              <a:latin typeface="微软雅黑" pitchFamily="34" charset="-122"/>
-              <a:ea typeface="微软雅黑" pitchFamily="34" charset="-122"/>
-            </a:endParaRPr>
-          </a:p>
-          <a:p>
-            <a:pPr>
-              <a:lnSpc>
-                <a:spcPct val="150000"/>
-              </a:lnSpc>
-            </a:pPr>
-            <a:r>
-              <a:rPr lang="zh-CN" altLang="en-US" sz="1600" dirty="0">
-                <a:latin typeface="微软雅黑" pitchFamily="34" charset="-122"/>
-                <a:ea typeface="微软雅黑" pitchFamily="34" charset="-122"/>
-              </a:rPr>
-              <a:t>从两个图的对比可以看出，在常规场景下，全量解析</a:t>
-            </a:r>
-            <a:r>
-              <a:rPr lang="en-US" altLang="zh-CN" sz="1600" dirty="0">
-                <a:latin typeface="微软雅黑" pitchFamily="34" charset="-122"/>
-                <a:ea typeface="微软雅黑" pitchFamily="34" charset="-122"/>
-              </a:rPr>
-              <a:t>binlog</a:t>
-            </a:r>
-            <a:r>
-              <a:rPr lang="zh-CN" altLang="en-US" sz="1600" dirty="0">
-                <a:latin typeface="微软雅黑" pitchFamily="34" charset="-122"/>
-                <a:ea typeface="微软雅黑" pitchFamily="34" charset="-122"/>
-              </a:rPr>
-              <a:t>，并未给系统带来</a:t>
-            </a:r>
-            <a:r>
-              <a:rPr lang="en-US" altLang="zh-CN" sz="1600" dirty="0">
-                <a:latin typeface="微软雅黑" pitchFamily="34" charset="-122"/>
-                <a:ea typeface="微软雅黑" pitchFamily="34" charset="-122"/>
-              </a:rPr>
-              <a:t>CPU</a:t>
-            </a:r>
-            <a:r>
-              <a:rPr lang="zh-CN" altLang="en-US" sz="1600" dirty="0">
-                <a:latin typeface="微软雅黑" pitchFamily="34" charset="-122"/>
-                <a:ea typeface="微软雅黑" pitchFamily="34" charset="-122"/>
-              </a:rPr>
-              <a:t>负载的显著升高。</a:t>
-            </a:r>
-          </a:p>
-        </p:txBody>
-      </p:sp>
-    </p:spTree>
-    <p:extLst>
-      <p:ext uri="{BB962C8B-B14F-4D97-AF65-F5344CB8AC3E}">
-        <p14:creationId xmlns:p14="http://schemas.microsoft.com/office/powerpoint/2010/main" val="1214793972"/>
-      </p:ext>
-    </p:extLst>
-  </p:cSld>
-  <p:clrMapOvr>
-    <a:masterClrMapping/>
-  </p:clrMapOvr>
-  <p:timing>
-    <p:tnLst>
-      <p:par>
-        <p:cTn id="1" dur="indefinite" restart="never" nodeType="tmRoot"/>
-      </p:par>
-    </p:tnLst>
-  </p:timing>
-</p:sld>
-</file>
-
-<file path=ppt/slides/slide14.xml><?xml version="1.0" encoding="utf-8"?>
+<file path=ppt/slides/slide16.xml><?xml version="1.0" encoding="utf-8"?>
 <p:sld xmlns:a="http://schemas.openxmlformats.org/drawingml/2006/main" xmlns:r="http://schemas.openxmlformats.org/officeDocument/2006/relationships" xmlns:p="http://schemas.openxmlformats.org/presentationml/2006/main">
   <p:cSld>
     <p:spTree>
@@ -15830,286 +18535,7 @@
 </p:sld>
 </file>
 
-<file path=ppt/slides/slide15.xml><?xml version="1.0" encoding="utf-8"?>
-<p:sld xmlns:a="http://schemas.openxmlformats.org/drawingml/2006/main" xmlns:r="http://schemas.openxmlformats.org/officeDocument/2006/relationships" xmlns:p="http://schemas.openxmlformats.org/presentationml/2006/main">
-  <p:cSld>
-    <p:spTree>
-      <p:nvGrpSpPr>
-        <p:cNvPr id="1" name=""/>
-        <p:cNvGrpSpPr/>
-        <p:nvPr/>
-      </p:nvGrpSpPr>
-      <p:grpSpPr>
-        <a:xfrm>
-          <a:off x="0" y="0"/>
-          <a:ext cx="0" cy="0"/>
-          <a:chOff x="0" y="0"/>
-          <a:chExt cx="0" cy="0"/>
-        </a:xfrm>
-      </p:grpSpPr>
-      <p:sp>
-        <p:nvSpPr>
-          <p:cNvPr id="2" name="标题 1"/>
-          <p:cNvSpPr>
-            <a:spLocks noGrp="1"/>
-          </p:cNvSpPr>
-          <p:nvPr>
-            <p:ph type="title"/>
-          </p:nvPr>
-        </p:nvSpPr>
-        <p:spPr/>
-        <p:txBody>
-          <a:bodyPr>
-            <a:normAutofit/>
-          </a:bodyPr>
-          <a:lstStyle/>
-          <a:p>
-            <a:r>
-              <a:rPr lang="en-US" altLang="zh-CN" dirty="0" smtClean="0"/>
-              <a:t>UI</a:t>
-            </a:r>
-            <a:r>
-              <a:rPr lang="zh-CN" altLang="en-US" dirty="0" smtClean="0"/>
-              <a:t>设计</a:t>
-            </a:r>
-            <a:endParaRPr lang="zh-CN" altLang="en-US" dirty="0"/>
-          </a:p>
-        </p:txBody>
-      </p:sp>
-      <p:sp>
-        <p:nvSpPr>
-          <p:cNvPr id="4" name="文本框 3"/>
-          <p:cNvSpPr txBox="1"/>
-          <p:nvPr/>
-        </p:nvSpPr>
-        <p:spPr>
-          <a:xfrm>
-            <a:off x="697846" y="1105647"/>
-            <a:ext cx="8993552" cy="1323439"/>
-          </a:xfrm>
-          <a:prstGeom prst="rect">
-            <a:avLst/>
-          </a:prstGeom>
-          <a:noFill/>
-        </p:spPr>
-        <p:txBody>
-          <a:bodyPr wrap="none" rtlCol="0">
-            <a:spAutoFit/>
-          </a:bodyPr>
-          <a:lstStyle/>
-          <a:p>
-            <a:r>
-              <a:rPr lang="zh-CN" altLang="en-US" sz="1600" dirty="0" smtClean="0">
-                <a:latin typeface="微软雅黑" pitchFamily="34" charset="-122"/>
-                <a:ea typeface="微软雅黑" pitchFamily="34" charset="-122"/>
-              </a:rPr>
-              <a:t>刷新逻辑：收到</a:t>
-            </a:r>
-            <a:r>
-              <a:rPr lang="en-US" altLang="zh-CN" sz="1600" dirty="0" smtClean="0">
-                <a:latin typeface="微软雅黑" pitchFamily="34" charset="-122"/>
-                <a:ea typeface="微软雅黑" pitchFamily="34" charset="-122"/>
-              </a:rPr>
-              <a:t>WebSocket</a:t>
-            </a:r>
-            <a:r>
-              <a:rPr lang="zh-CN" altLang="en-US" sz="1600" dirty="0" smtClean="0">
-                <a:latin typeface="微软雅黑" pitchFamily="34" charset="-122"/>
-                <a:ea typeface="微软雅黑" pitchFamily="34" charset="-122"/>
-              </a:rPr>
-              <a:t>消息</a:t>
-            </a:r>
-            <a:r>
-              <a:rPr lang="zh-CN" altLang="en-US" sz="1600" dirty="0">
-                <a:latin typeface="微软雅黑" pitchFamily="34" charset="-122"/>
-                <a:ea typeface="微软雅黑" pitchFamily="34" charset="-122"/>
-              </a:rPr>
-              <a:t>后，</a:t>
-            </a:r>
-            <a:r>
-              <a:rPr lang="en-US" altLang="zh-CN" sz="1600" dirty="0">
-                <a:latin typeface="微软雅黑" pitchFamily="34" charset="-122"/>
-                <a:ea typeface="微软雅黑" pitchFamily="34" charset="-122"/>
-              </a:rPr>
-              <a:t>UI</a:t>
-            </a:r>
-            <a:r>
-              <a:rPr lang="zh-CN" altLang="en-US" sz="1600" dirty="0">
-                <a:latin typeface="微软雅黑" pitchFamily="34" charset="-122"/>
-                <a:ea typeface="微软雅黑" pitchFamily="34" charset="-122"/>
-              </a:rPr>
-              <a:t>刷新相应资源列表，可以实现勾选保持。</a:t>
-            </a:r>
-          </a:p>
-          <a:p>
-            <a:endParaRPr lang="en-US" altLang="zh-CN" sz="1600" dirty="0" smtClean="0">
-              <a:latin typeface="微软雅黑" pitchFamily="34" charset="-122"/>
-              <a:ea typeface="微软雅黑" pitchFamily="34" charset="-122"/>
-            </a:endParaRPr>
-          </a:p>
-          <a:p>
-            <a:r>
-              <a:rPr lang="zh-CN" altLang="en-US" sz="1600" dirty="0" smtClean="0">
-                <a:latin typeface="微软雅黑" pitchFamily="34" charset="-122"/>
-                <a:ea typeface="微软雅黑" pitchFamily="34" charset="-122"/>
-              </a:rPr>
-              <a:t>重</a:t>
-            </a:r>
-            <a:r>
-              <a:rPr lang="zh-CN" altLang="en-US" sz="1600" dirty="0">
-                <a:latin typeface="微软雅黑" pitchFamily="34" charset="-122"/>
-                <a:ea typeface="微软雅黑" pitchFamily="34" charset="-122"/>
-              </a:rPr>
-              <a:t>连机制：后端推送心跳消息给</a:t>
-            </a:r>
-            <a:r>
-              <a:rPr lang="en-US" altLang="zh-CN" sz="1600" dirty="0">
-                <a:latin typeface="微软雅黑" pitchFamily="34" charset="-122"/>
-                <a:ea typeface="微软雅黑" pitchFamily="34" charset="-122"/>
-              </a:rPr>
-              <a:t>UI</a:t>
-            </a:r>
-            <a:r>
-              <a:rPr lang="zh-CN" altLang="en-US" sz="1600" dirty="0">
-                <a:latin typeface="微软雅黑" pitchFamily="34" charset="-122"/>
-                <a:ea typeface="微软雅黑" pitchFamily="34" charset="-122"/>
-              </a:rPr>
-              <a:t>，</a:t>
-            </a:r>
-            <a:r>
-              <a:rPr lang="en-US" altLang="zh-CN" sz="1600" dirty="0" smtClean="0">
-                <a:latin typeface="微软雅黑" pitchFamily="34" charset="-122"/>
-                <a:ea typeface="微软雅黑" pitchFamily="34" charset="-122"/>
-              </a:rPr>
-              <a:t>UI</a:t>
-            </a:r>
-            <a:r>
-              <a:rPr lang="zh-CN" altLang="en-US" sz="1600" smtClean="0">
-                <a:latin typeface="微软雅黑" pitchFamily="34" charset="-122"/>
-                <a:ea typeface="微软雅黑" pitchFamily="34" charset="-122"/>
-              </a:rPr>
-              <a:t>如果收不到</a:t>
-            </a:r>
-            <a:r>
-              <a:rPr lang="zh-CN" altLang="en-US" sz="1600" dirty="0">
-                <a:latin typeface="微软雅黑" pitchFamily="34" charset="-122"/>
-                <a:ea typeface="微软雅黑" pitchFamily="34" charset="-122"/>
-              </a:rPr>
-              <a:t>不</a:t>
-            </a:r>
-            <a:r>
-              <a:rPr lang="zh-CN" altLang="en-US" sz="1600">
-                <a:latin typeface="微软雅黑" pitchFamily="34" charset="-122"/>
-                <a:ea typeface="微软雅黑" pitchFamily="34" charset="-122"/>
-              </a:rPr>
-              <a:t>到</a:t>
-            </a:r>
-            <a:r>
-              <a:rPr lang="zh-CN" altLang="en-US" sz="1600" smtClean="0">
-                <a:latin typeface="微软雅黑" pitchFamily="34" charset="-122"/>
-                <a:ea typeface="微软雅黑" pitchFamily="34" charset="-122"/>
-              </a:rPr>
-              <a:t>心跳，则尝试</a:t>
-            </a:r>
-            <a:r>
-              <a:rPr lang="zh-CN" altLang="en-US" sz="1600" dirty="0" smtClean="0">
-                <a:latin typeface="微软雅黑" pitchFamily="34" charset="-122"/>
-                <a:ea typeface="微软雅黑" pitchFamily="34" charset="-122"/>
-              </a:rPr>
-              <a:t>与</a:t>
-            </a:r>
-            <a:r>
-              <a:rPr lang="en-US" altLang="zh-CN" sz="1600" dirty="0" smtClean="0">
-                <a:latin typeface="微软雅黑" pitchFamily="34" charset="-122"/>
-                <a:ea typeface="微软雅黑" pitchFamily="34" charset="-122"/>
-              </a:rPr>
-              <a:t>WebSocket Server</a:t>
-            </a:r>
-            <a:r>
-              <a:rPr lang="zh-CN" altLang="en-US" sz="1600" dirty="0">
-                <a:latin typeface="微软雅黑" pitchFamily="34" charset="-122"/>
-                <a:ea typeface="微软雅黑" pitchFamily="34" charset="-122"/>
-              </a:rPr>
-              <a:t>重连。</a:t>
-            </a:r>
-          </a:p>
-          <a:p>
-            <a:endParaRPr lang="en-US" altLang="zh-CN" sz="1600" dirty="0" smtClean="0">
-              <a:latin typeface="微软雅黑" pitchFamily="34" charset="-122"/>
-              <a:ea typeface="微软雅黑" pitchFamily="34" charset="-122"/>
-            </a:endParaRPr>
-          </a:p>
-          <a:p>
-            <a:r>
-              <a:rPr lang="zh-CN" altLang="en-US" sz="1600" dirty="0" smtClean="0">
-                <a:latin typeface="微软雅黑" pitchFamily="34" charset="-122"/>
-                <a:ea typeface="微软雅黑" pitchFamily="34" charset="-122"/>
-              </a:rPr>
-              <a:t>消息格式：目前仅需体现</a:t>
-            </a:r>
-            <a:r>
-              <a:rPr lang="zh-CN" altLang="en-US" sz="1600" dirty="0">
-                <a:latin typeface="微软雅黑" pitchFamily="34" charset="-122"/>
-                <a:ea typeface="微软雅黑" pitchFamily="34" charset="-122"/>
-              </a:rPr>
-              <a:t>资源类型，如</a:t>
-            </a:r>
-            <a:r>
-              <a:rPr lang="en-US" altLang="zh-CN" sz="1600" dirty="0" smtClean="0">
-                <a:latin typeface="微软雅黑" pitchFamily="34" charset="-122"/>
-                <a:ea typeface="微软雅黑" pitchFamily="34" charset="-122"/>
-              </a:rPr>
-              <a:t>VM</a:t>
-            </a:r>
-            <a:r>
-              <a:rPr lang="zh-CN" altLang="en-US" sz="1600" dirty="0" smtClean="0">
-                <a:latin typeface="微软雅黑" pitchFamily="34" charset="-122"/>
-                <a:ea typeface="微软雅黑" pitchFamily="34" charset="-122"/>
-              </a:rPr>
-              <a:t>代表虚拟机、</a:t>
-            </a:r>
-            <a:r>
-              <a:rPr lang="en-US" altLang="zh-CN" sz="1600" dirty="0" smtClean="0">
-                <a:latin typeface="微软雅黑" pitchFamily="34" charset="-122"/>
-                <a:ea typeface="微软雅黑" pitchFamily="34" charset="-122"/>
-              </a:rPr>
-              <a:t>NET</a:t>
-            </a:r>
-            <a:r>
-              <a:rPr lang="zh-CN" altLang="en-US" sz="1600" dirty="0" smtClean="0">
-                <a:latin typeface="微软雅黑" pitchFamily="34" charset="-122"/>
-                <a:ea typeface="微软雅黑" pitchFamily="34" charset="-122"/>
-              </a:rPr>
-              <a:t>代表子网。</a:t>
-            </a:r>
-            <a:endParaRPr lang="zh-CN" altLang="en-US" sz="1600" dirty="0">
-              <a:latin typeface="微软雅黑" pitchFamily="34" charset="-122"/>
-              <a:ea typeface="微软雅黑" pitchFamily="34" charset="-122"/>
-            </a:endParaRPr>
-          </a:p>
-        </p:txBody>
-      </p:sp>
-    </p:spTree>
-    <p:extLst>
-      <p:ext uri="{BB962C8B-B14F-4D97-AF65-F5344CB8AC3E}">
-        <p14:creationId xmlns:p14="http://schemas.microsoft.com/office/powerpoint/2010/main" val="3324053491"/>
-      </p:ext>
-    </p:extLst>
-  </p:cSld>
-  <p:clrMapOvr>
-    <a:masterClrMapping/>
-  </p:clrMapOvr>
-  <p:timing>
-    <p:tnLst>
-      <p:par>
-        <p:cTn id="1" dur="indefinite" restart="never" nodeType="tmRoot"/>
-      </p:par>
-    </p:tnLst>
-  </p:timing>
-</p:sld>
-</file>
-
-<file path=ppt/slides/slide16.xml><?xml version="1.0" encoding="utf-8"?>
+<file path=ppt/slides/slide17.xml><?xml version="1.0" encoding="utf-8"?>
 <p:sld xmlns:a="http://schemas.openxmlformats.org/drawingml/2006/main" xmlns:r="http://schemas.openxmlformats.org/officeDocument/2006/relationships" xmlns:p="http://schemas.openxmlformats.org/presentationml/2006/main">
   <p:cSld>
     <p:spTree>
@@ -17094,7 +19520,7 @@
 </p:sld>
 </file>
 
-<file path=ppt/slides/slide17.xml><?xml version="1.0" encoding="utf-8"?>
+<file path=ppt/slides/slide18.xml><?xml version="1.0" encoding="utf-8"?>
 <p:sld xmlns:a="http://schemas.openxmlformats.org/drawingml/2006/main" xmlns:r="http://schemas.openxmlformats.org/officeDocument/2006/relationships" xmlns:p="http://schemas.openxmlformats.org/presentationml/2006/main">
   <p:cSld>
     <p:spTree>
@@ -17149,7 +19575,7 @@
         <p:spPr>
           <a:xfrm>
             <a:off x="715264" y="993860"/>
-            <a:ext cx="6908943" cy="1077218"/>
+            <a:ext cx="5734262" cy="1077218"/>
           </a:xfrm>
           <a:prstGeom prst="rect">
             <a:avLst/>
@@ -17206,49 +19632,21 @@
                 <a:latin typeface="微软雅黑" pitchFamily="34" charset="-122"/>
                 <a:ea typeface="微软雅黑" pitchFamily="34" charset="-122"/>
               </a:rPr>
-              <a:t>需要给</a:t>
+              <a:t>该技术方案，适用于其他数据库更新后，需实时通知</a:t>
             </a:r>
             <a:r>
               <a:rPr lang="en-US" altLang="zh-CN" sz="1600" dirty="0" smtClean="0">
                 <a:latin typeface="微软雅黑" pitchFamily="34" charset="-122"/>
                 <a:ea typeface="微软雅黑" pitchFamily="34" charset="-122"/>
               </a:rPr>
-              <a:t>iresource_common</a:t>
+              <a:t>UI</a:t>
             </a:r>
             <a:r>
               <a:rPr lang="zh-CN" altLang="en-US" sz="1600" dirty="0" smtClean="0">
                 <a:latin typeface="微软雅黑" pitchFamily="34" charset="-122"/>
                 <a:ea typeface="微软雅黑" pitchFamily="34" charset="-122"/>
               </a:rPr>
-              <a:t>用户赋予 读取</a:t>
-            </a:r>
-            <a:r>
-              <a:rPr lang="en-US" altLang="zh-CN" sz="1600" dirty="0" smtClean="0">
-                <a:latin typeface="微软雅黑" pitchFamily="34" charset="-122"/>
-                <a:ea typeface="微软雅黑" pitchFamily="34" charset="-122"/>
-              </a:rPr>
-              <a:t>binlog</a:t>
-            </a:r>
-            <a:r>
-              <a:rPr lang="zh-CN" altLang="en-US" sz="1600" dirty="0" smtClean="0">
-                <a:latin typeface="微软雅黑" pitchFamily="34" charset="-122"/>
-                <a:ea typeface="微软雅黑" pitchFamily="34" charset="-122"/>
-              </a:rPr>
-              <a:t>权限、</a:t>
-            </a:r>
-            <a:r>
-              <a:rPr lang="en-US" altLang="zh-CN" sz="1600" dirty="0" smtClean="0">
-                <a:latin typeface="微软雅黑" pitchFamily="34" charset="-122"/>
-                <a:ea typeface="微软雅黑" pitchFamily="34" charset="-122"/>
-              </a:rPr>
-              <a:t>iresource</a:t>
-            </a:r>
-            <a:r>
-              <a:rPr lang="zh-CN" altLang="en-US" sz="1600" dirty="0" smtClean="0">
-                <a:latin typeface="微软雅黑" pitchFamily="34" charset="-122"/>
-                <a:ea typeface="微软雅黑" pitchFamily="34" charset="-122"/>
-              </a:rPr>
-              <a:t>库读权限</a:t>
+              <a:t>的场景</a:t>
             </a:r>
             <a:endParaRPr lang="zh-CN" altLang="en-US" sz="1600" dirty="0">
               <a:latin typeface="微软雅黑" pitchFamily="34" charset="-122"/>
@@ -17266,7 +19664,7 @@
           <p:nvPr>
             <p:extLst>
               <p:ext uri="{D42A27DB-BD31-4B8C-83A1-F6EECF244321}">
-                <p14:modId xmlns:p14="http://schemas.microsoft.com/office/powerpoint/2010/main" val="1457421783"/>
+                <p14:modId xmlns:p14="http://schemas.microsoft.com/office/powerpoint/2010/main" val="346905435"/>
               </p:ext>
             </p:extLst>
           </p:nvPr>
@@ -17279,7 +19677,7 @@
           <a:graphicData uri="http://schemas.openxmlformats.org/presentationml/2006/ole">
             <mc:AlternateContent xmlns:mc="http://schemas.openxmlformats.org/markup-compatibility/2006">
               <mc:Choice xmlns:v="urn:schemas-microsoft-com:vml" Requires="v">
-                <p:oleObj spid="_x0000_s2213" name="包装程序外壳对象" showAsIcon="1" r:id="rId4" imgW="732960" imgH="453960" progId="Package">
+                <p:oleObj spid="_x0000_s2464" name="包装程序外壳对象" showAsIcon="1" r:id="rId4" imgW="732960" imgH="453960" progId="Package">
                   <p:embed/>
                 </p:oleObj>
               </mc:Choice>
@@ -17334,7 +19732,7 @@
 </p:sld>
 </file>
 
-<file path=ppt/slides/slide18.xml><?xml version="1.0" encoding="utf-8"?>
+<file path=ppt/slides/slide19.xml><?xml version="1.0" encoding="utf-8"?>
 <p:sld xmlns:a="http://schemas.openxmlformats.org/drawingml/2006/main" xmlns:r="http://schemas.openxmlformats.org/officeDocument/2006/relationships" xmlns:p="http://schemas.openxmlformats.org/presentationml/2006/main">
   <p:cSld>
     <p:spTree>
@@ -22632,14 +25030,14 @@
           <p:nvPr>
             <p:extLst>
               <p:ext uri="{D42A27DB-BD31-4B8C-83A1-F6EECF244321}">
-                <p14:modId xmlns:p14="http://schemas.microsoft.com/office/powerpoint/2010/main" val="3338767425"/>
+                <p14:modId xmlns:p14="http://schemas.microsoft.com/office/powerpoint/2010/main" val="3468605192"/>
               </p:ext>
             </p:extLst>
           </p:nvPr>
         </p:nvGraphicFramePr>
         <p:xfrm>
-          <a:off x="543228" y="1410452"/>
-          <a:ext cx="11012445" cy="4611120"/>
+          <a:off x="554947" y="1471412"/>
+          <a:ext cx="11012445" cy="4035120"/>
         </p:xfrm>
         <a:graphic>
           <a:graphicData uri="http://schemas.openxmlformats.org/drawingml/2006/table">
@@ -22918,6 +25316,28 @@
                           <a:ea typeface="微软雅黑" panose="020B0503020204020204" pitchFamily="34" charset="-122"/>
                           <a:cs typeface="+mn-cs"/>
                         </a:rPr>
+                        <a:t>mysql</a:t>
+                      </a:r>
+                      <a:r>
+                        <a:rPr lang="zh-CN" altLang="en-US" sz="1400" kern="1200" dirty="0" smtClean="0">
+                          <a:solidFill>
+                            <a:schemeClr val="dk1"/>
+                          </a:solidFill>
+                          <a:latin typeface="微软雅黑" panose="020B0503020204020204" pitchFamily="34" charset="-122"/>
+                          <a:ea typeface="微软雅黑" panose="020B0503020204020204" pitchFamily="34" charset="-122"/>
+                          <a:cs typeface="+mn-cs"/>
+                        </a:rPr>
+                        <a:t>集群的</a:t>
+                      </a:r>
+                      <a:r>
+                        <a:rPr lang="en-US" altLang="zh-CN" sz="1400" kern="1200" dirty="0" smtClean="0">
+                          <a:solidFill>
+                            <a:schemeClr val="dk1"/>
+                          </a:solidFill>
+                          <a:latin typeface="微软雅黑" panose="020B0503020204020204" pitchFamily="34" charset="-122"/>
+                          <a:ea typeface="微软雅黑" panose="020B0503020204020204" pitchFamily="34" charset="-122"/>
+                          <a:cs typeface="+mn-cs"/>
+                        </a:rPr>
                         <a:t>slave</a:t>
                       </a:r>
                       <a:r>
@@ -22929,7 +25349,45 @@
                           <a:ea typeface="微软雅黑" panose="020B0503020204020204" pitchFamily="34" charset="-122"/>
                           <a:cs typeface="+mn-cs"/>
                         </a:rPr>
-                        <a:t>，从</a:t>
+                        <a:t>节点，</a:t>
+                      </a:r>
+                      <a:endParaRPr lang="en-US" altLang="zh-CN" sz="1400" kern="1200" dirty="0" smtClean="0">
+                        <a:solidFill>
+                          <a:schemeClr val="dk1"/>
+                        </a:solidFill>
+                        <a:latin typeface="微软雅黑" panose="020B0503020204020204" pitchFamily="34" charset="-122"/>
+                        <a:ea typeface="微软雅黑" panose="020B0503020204020204" pitchFamily="34" charset="-122"/>
+                        <a:cs typeface="+mn-cs"/>
+                      </a:endParaRPr>
+                    </a:p>
+                    <a:p>
+                      <a:pPr marL="0" marR="0" lvl="0" indent="0" algn="ctr" defTabSz="914400" rtl="0" eaLnBrk="1" fontAlgn="auto" latinLnBrk="0" hangingPunct="1">
+                        <a:lnSpc>
+                          <a:spcPct val="100000"/>
+                        </a:lnSpc>
+                        <a:spcBef>
+                          <a:spcPts val="0"/>
+                        </a:spcBef>
+                        <a:spcAft>
+                          <a:spcPts val="0"/>
+                        </a:spcAft>
+                        <a:buClrTx/>
+                        <a:buSzTx/>
+                        <a:buFontTx/>
+                        <a:buNone/>
+                        <a:tabLst/>
+                        <a:defRPr/>
+                      </a:pPr>
+                      <a:r>
+                        <a:rPr lang="zh-CN" altLang="en-US" sz="1400" kern="1200" dirty="0" smtClean="0">
+                          <a:solidFill>
+                            <a:schemeClr val="dk1"/>
+                          </a:solidFill>
+                          <a:latin typeface="微软雅黑" panose="020B0503020204020204" pitchFamily="34" charset="-122"/>
+                          <a:ea typeface="微软雅黑" panose="020B0503020204020204" pitchFamily="34" charset="-122"/>
+                          <a:cs typeface="+mn-cs"/>
+                        </a:rPr>
+                        <a:t>从</a:t>
                       </a:r>
                       <a:r>
                         <a:rPr lang="en-US" altLang="zh-CN" sz="1400" kern="1200" dirty="0" smtClean="0">
@@ -23022,104 +25480,6 @@
                 <a:extLst>
                   <a:ext uri="{0D108BD9-81ED-4DB2-BD59-A6C34878D82A}">
                     <a16:rowId xmlns:a16="http://schemas.microsoft.com/office/drawing/2014/main" xmlns="" val="1268473121"/>
-                  </a:ext>
-                </a:extLst>
-              </a:tr>
-              <a:tr h="576000">
-                <a:tc>
-                  <a:txBody>
-                    <a:bodyPr/>
-                    <a:lstStyle/>
-                    <a:p>
-                      <a:pPr algn="ctr"/>
-                      <a:r>
-                        <a:rPr lang="en-US" altLang="zh-CN" sz="1400" dirty="0" smtClean="0">
-                          <a:latin typeface="微软雅黑" panose="020B0503020204020204" pitchFamily="34" charset="-122"/>
-                          <a:ea typeface="微软雅黑" panose="020B0503020204020204" pitchFamily="34" charset="-122"/>
-                        </a:rPr>
-                        <a:t>Slave</a:t>
-                      </a:r>
-                      <a:r>
-                        <a:rPr lang="zh-CN" altLang="en-US" sz="1400" dirty="0" smtClean="0">
-                          <a:latin typeface="微软雅黑" panose="020B0503020204020204" pitchFamily="34" charset="-122"/>
-                          <a:ea typeface="微软雅黑" panose="020B0503020204020204" pitchFamily="34" charset="-122"/>
-                        </a:rPr>
-                        <a:t>数目</a:t>
-                      </a:r>
-                      <a:endParaRPr lang="zh-CN" altLang="en-US" sz="1400" dirty="0">
-                        <a:latin typeface="微软雅黑" panose="020B0503020204020204" pitchFamily="34" charset="-122"/>
-                        <a:ea typeface="微软雅黑" panose="020B0503020204020204" pitchFamily="34" charset="-122"/>
-                      </a:endParaRPr>
-                    </a:p>
-                  </a:txBody>
-                  <a:tcPr anchor="ctr"/>
-                </a:tc>
-                <a:tc>
-                  <a:txBody>
-                    <a:bodyPr/>
-                    <a:lstStyle/>
-                    <a:p>
-                      <a:pPr algn="ctr"/>
-                      <a:r>
-                        <a:rPr lang="zh-CN" altLang="en-US" sz="1400" dirty="0" smtClean="0">
-                          <a:latin typeface="微软雅黑" panose="020B0503020204020204" pitchFamily="34" charset="-122"/>
-                          <a:ea typeface="微软雅黑" panose="020B0503020204020204" pitchFamily="34" charset="-122"/>
-                        </a:rPr>
-                        <a:t>和</a:t>
-                      </a:r>
-                      <a:r>
-                        <a:rPr lang="en-US" altLang="zh-CN" sz="1400" dirty="0" smtClean="0">
-                          <a:latin typeface="微软雅黑" panose="020B0503020204020204" pitchFamily="34" charset="-122"/>
-                          <a:ea typeface="微软雅黑" panose="020B0503020204020204" pitchFamily="34" charset="-122"/>
-                        </a:rPr>
-                        <a:t>canal</a:t>
-                      </a:r>
-                      <a:r>
-                        <a:rPr lang="zh-CN" altLang="en-US" sz="1400" dirty="0" smtClean="0">
-                          <a:latin typeface="微软雅黑" panose="020B0503020204020204" pitchFamily="34" charset="-122"/>
-                          <a:ea typeface="微软雅黑" panose="020B0503020204020204" pitchFamily="34" charset="-122"/>
-                        </a:rPr>
-                        <a:t>副本数相同</a:t>
-                      </a:r>
-                      <a:endParaRPr lang="zh-CN" altLang="en-US" sz="1400" dirty="0">
-                        <a:latin typeface="微软雅黑" panose="020B0503020204020204" pitchFamily="34" charset="-122"/>
-                        <a:ea typeface="微软雅黑" panose="020B0503020204020204" pitchFamily="34" charset="-122"/>
-                      </a:endParaRPr>
-                    </a:p>
-                  </a:txBody>
-                  <a:tcPr anchor="ctr"/>
-                </a:tc>
-                <a:tc>
-                  <a:txBody>
-                    <a:bodyPr/>
-                    <a:lstStyle/>
-                    <a:p>
-                      <a:pPr algn="ctr"/>
-                      <a:r>
-                        <a:rPr lang="zh-CN" altLang="en-US" sz="1400" dirty="0" smtClean="0">
-                          <a:latin typeface="微软雅黑" panose="020B0503020204020204" pitchFamily="34" charset="-122"/>
-                          <a:ea typeface="微软雅黑" panose="020B0503020204020204" pitchFamily="34" charset="-122"/>
-                        </a:rPr>
-                        <a:t>组件每集成进一个项目，就会产生一个新的</a:t>
-                      </a:r>
-                      <a:r>
-                        <a:rPr lang="en-US" altLang="zh-CN" sz="1400" dirty="0" smtClean="0">
-                          <a:latin typeface="微软雅黑" panose="020B0503020204020204" pitchFamily="34" charset="-122"/>
-                          <a:ea typeface="微软雅黑" panose="020B0503020204020204" pitchFamily="34" charset="-122"/>
-                        </a:rPr>
-                        <a:t>slave</a:t>
-                      </a:r>
-                      <a:endParaRPr lang="zh-CN" altLang="en-US" sz="1400" dirty="0">
-                        <a:latin typeface="微软雅黑" panose="020B0503020204020204" pitchFamily="34" charset="-122"/>
-                        <a:ea typeface="微软雅黑" panose="020B0503020204020204" pitchFamily="34" charset="-122"/>
-                      </a:endParaRPr>
-                    </a:p>
-                  </a:txBody>
-                  <a:tcPr anchor="ctr"/>
-                </a:tc>
-                <a:extLst>
-                  <a:ext uri="{0D108BD9-81ED-4DB2-BD59-A6C34878D82A}">
-                    <a16:rowId xmlns:a16="http://schemas.microsoft.com/office/drawing/2014/main" xmlns="" val="2836396777"/>
                   </a:ext>
                 </a:extLst>
               </a:tr>
@@ -23417,18 +25777,30 @@
                     <a:bodyPr/>
                     <a:lstStyle/>
                     <a:p>
-                      <a:pPr algn="ctr"/>
+                      <a:pPr marL="0" marR="0" lvl="0" indent="0" algn="ctr" defTabSz="914400" rtl="0" eaLnBrk="1" fontAlgn="auto" latinLnBrk="0" hangingPunct="1">
+                        <a:lnSpc>
+                          <a:spcPct val="100000"/>
+                        </a:lnSpc>
+                        <a:spcBef>
+                          <a:spcPts val="0"/>
+                        </a:spcBef>
+                        <a:spcAft>
+                          <a:spcPts val="0"/>
+                        </a:spcAft>
+                        <a:buClrTx/>
+                        <a:buSzTx/>
+                        <a:buFontTx/>
+                        <a:buNone/>
+                        <a:tabLst/>
+                        <a:defRPr/>
+                      </a:pPr>
                       <a:r>
                         <a:rPr lang="zh-CN" altLang="en-US" sz="1400" dirty="0" smtClean="0">
                           <a:latin typeface="微软雅黑" panose="020B0503020204020204" pitchFamily="34" charset="-122"/>
                           <a:ea typeface="微软雅黑" panose="020B0503020204020204" pitchFamily="34" charset="-122"/>
                         </a:rPr>
-                        <a:t>国外开源</a:t>
+                        <a:t>阿里开源</a:t>
                       </a:r>
-                      <a:endParaRPr lang="zh-CN" altLang="en-US" sz="1400" dirty="0">
-                        <a:latin typeface="微软雅黑" panose="020B0503020204020204" pitchFamily="34" charset="-122"/>
-                        <a:ea typeface="微软雅黑" panose="020B0503020204020204" pitchFamily="34" charset="-122"/>
-                      </a:endParaRPr>
                     </a:p>
                   </a:txBody>
                   <a:tcPr anchor="ctr"/>
@@ -23444,7 +25816,7 @@
                           <a:latin typeface="微软雅黑" panose="020B0503020204020204" pitchFamily="34" charset="-122"/>
                           <a:ea typeface="微软雅黑" panose="020B0503020204020204" pitchFamily="34" charset="-122"/>
                         </a:rPr>
-                        <a:t>阿里开源</a:t>
+                        <a:t>国外开源</a:t>
                       </a:r>
                       <a:endParaRPr lang="zh-CN" altLang="en-US" sz="1400" dirty="0">
                         <a:latin typeface="微软雅黑" panose="020B0503020204020204" pitchFamily="34" charset="-122"/>
@@ -23472,7 +25844,7 @@
         </p:nvSpPr>
         <p:spPr>
           <a:xfrm>
-            <a:off x="543229" y="745860"/>
+            <a:off x="576946" y="840746"/>
             <a:ext cx="11111346" cy="461665"/>
           </a:xfrm>
           <a:prstGeom prst="rect">
@@ -23560,6 +25932,89 @@
                 <a:ea typeface="微软雅黑" pitchFamily="34" charset="-122"/>
               </a:rPr>
               <a:t>。</a:t>
+            </a:r>
+            <a:endParaRPr lang="en-US" altLang="zh-CN" sz="1600" dirty="0" smtClean="0">
+              <a:latin typeface="微软雅黑" pitchFamily="34" charset="-122"/>
+              <a:ea typeface="微软雅黑" pitchFamily="34" charset="-122"/>
+            </a:endParaRPr>
+          </a:p>
+        </p:txBody>
+      </p:sp>
+      <p:sp>
+        <p:nvSpPr>
+          <p:cNvPr id="8" name="文本框 7"/>
+          <p:cNvSpPr txBox="1"/>
+          <p:nvPr/>
+        </p:nvSpPr>
+        <p:spPr>
+          <a:xfrm>
+            <a:off x="576946" y="5750631"/>
+            <a:ext cx="11111346" cy="461665"/>
+          </a:xfrm>
+          <a:prstGeom prst="rect">
+            <a:avLst/>
+          </a:prstGeom>
+          <a:noFill/>
+        </p:spPr>
+        <p:txBody>
+          <a:bodyPr wrap="square" rtlCol="0">
+            <a:spAutoFit/>
+          </a:bodyPr>
+          <a:lstStyle/>
+          <a:p>
+            <a:pPr>
+              <a:lnSpc>
+                <a:spcPct val="150000"/>
+              </a:lnSpc>
+            </a:pPr>
+            <a:r>
+              <a:rPr lang="zh-CN" altLang="en-US" sz="1600" dirty="0" smtClean="0">
+                <a:latin typeface="微软雅黑" pitchFamily="34" charset="-122"/>
+                <a:ea typeface="微软雅黑" pitchFamily="34" charset="-122"/>
+              </a:rPr>
+              <a:t>基于以上对比，特别是</a:t>
+            </a:r>
+            <a:r>
+              <a:rPr lang="en-US" altLang="zh-CN" sz="1600" dirty="0" smtClean="0">
+                <a:latin typeface="微软雅黑" pitchFamily="34" charset="-122"/>
+                <a:ea typeface="微软雅黑" pitchFamily="34" charset="-122"/>
+              </a:rPr>
+              <a:t>canal</a:t>
+            </a:r>
+            <a:r>
+              <a:rPr lang="zh-CN" altLang="en-US" sz="1600" dirty="0" smtClean="0">
+                <a:latin typeface="微软雅黑" pitchFamily="34" charset="-122"/>
+                <a:ea typeface="微软雅黑" pitchFamily="34" charset="-122"/>
+              </a:rPr>
+              <a:t>需要单独部署，建议选择 </a:t>
+            </a:r>
+            <a:r>
+              <a:rPr lang="en-US" altLang="zh-CN" sz="1600" dirty="0" smtClean="0">
+                <a:latin typeface="微软雅黑" pitchFamily="34" charset="-122"/>
+                <a:ea typeface="微软雅黑" pitchFamily="34" charset="-122"/>
+              </a:rPr>
+              <a:t>mysql-binlog-connector-java </a:t>
+            </a:r>
+            <a:r>
+              <a:rPr lang="zh-CN" altLang="en-US" sz="1600" dirty="0" smtClean="0">
+                <a:latin typeface="微软雅黑" pitchFamily="34" charset="-122"/>
+                <a:ea typeface="微软雅黑" pitchFamily="34" charset="-122"/>
+              </a:rPr>
+              <a:t>作为</a:t>
+            </a:r>
+            <a:r>
+              <a:rPr lang="en-US" altLang="zh-CN" sz="1600" dirty="0" smtClean="0">
+                <a:latin typeface="微软雅黑" pitchFamily="34" charset="-122"/>
+                <a:ea typeface="微软雅黑" pitchFamily="34" charset="-122"/>
+              </a:rPr>
+              <a:t>binlog</a:t>
+            </a:r>
+            <a:r>
+              <a:rPr lang="zh-CN" altLang="en-US" sz="1600" dirty="0" smtClean="0">
+                <a:latin typeface="微软雅黑" pitchFamily="34" charset="-122"/>
+                <a:ea typeface="微软雅黑" pitchFamily="34" charset="-122"/>
+              </a:rPr>
+              <a:t>解析组件。</a:t>
             </a:r>
             <a:endParaRPr lang="en-US" altLang="zh-CN" sz="1600" dirty="0" smtClean="0">
               <a:latin typeface="微软雅黑" pitchFamily="34" charset="-122"/>
@@ -23589,6 +26044,301 @@
 </file>
 
 <file path=ppt/slides/slide6.xml><?xml version="1.0" encoding="utf-8"?>
+<p:sld xmlns:a="http://schemas.openxmlformats.org/drawingml/2006/main" xmlns:r="http://schemas.openxmlformats.org/officeDocument/2006/relationships" xmlns:p="http://schemas.openxmlformats.org/presentationml/2006/main">
+  <p:cSld>
+    <p:spTree>
+      <p:nvGrpSpPr>
+        <p:cNvPr id="1" name=""/>
+        <p:cNvGrpSpPr/>
+        <p:nvPr/>
+      </p:nvGrpSpPr>
+      <p:grpSpPr>
+        <a:xfrm>
+          <a:off x="0" y="0"/>
+          <a:ext cx="0" cy="0"/>
+          <a:chOff x="0" y="0"/>
+          <a:chExt cx="0" cy="0"/>
+        </a:xfrm>
+      </p:grpSpPr>
+      <p:sp>
+        <p:nvSpPr>
+          <p:cNvPr id="2" name="标题 1"/>
+          <p:cNvSpPr>
+            <a:spLocks noGrp="1"/>
+          </p:cNvSpPr>
+          <p:nvPr>
+            <p:ph type="title"/>
+          </p:nvPr>
+        </p:nvSpPr>
+        <p:spPr/>
+        <p:txBody>
+          <a:bodyPr/>
+          <a:lstStyle/>
+          <a:p>
+            <a:r>
+              <a:rPr lang="en-US" altLang="zh-CN" dirty="0" smtClean="0"/>
+              <a:t>Otter</a:t>
+            </a:r>
+            <a:r>
+              <a:rPr lang="zh-CN" altLang="en-US" dirty="0" smtClean="0"/>
+              <a:t>是否可以代替</a:t>
+            </a:r>
+            <a:r>
+              <a:rPr lang="en-US" altLang="zh-CN" dirty="0"/>
+              <a:t>C</a:t>
+            </a:r>
+            <a:r>
+              <a:rPr lang="en-US" altLang="zh-CN" dirty="0" smtClean="0"/>
+              <a:t>anal</a:t>
+            </a:r>
+            <a:endParaRPr lang="zh-CN" altLang="en-US" dirty="0"/>
+          </a:p>
+        </p:txBody>
+      </p:sp>
+      <p:sp>
+        <p:nvSpPr>
+          <p:cNvPr id="6" name="文本框 5"/>
+          <p:cNvSpPr txBox="1"/>
+          <p:nvPr/>
+        </p:nvSpPr>
+        <p:spPr>
+          <a:xfrm>
+            <a:off x="456046" y="5220964"/>
+            <a:ext cx="11111346" cy="1200329"/>
+          </a:xfrm>
+          <a:prstGeom prst="rect">
+            <a:avLst/>
+          </a:prstGeom>
+          <a:noFill/>
+        </p:spPr>
+        <p:txBody>
+          <a:bodyPr wrap="square" rtlCol="0">
+            <a:spAutoFit/>
+          </a:bodyPr>
+          <a:lstStyle/>
+          <a:p>
+            <a:pPr>
+              <a:lnSpc>
+                <a:spcPct val="150000"/>
+              </a:lnSpc>
+            </a:pPr>
+            <a:r>
+              <a:rPr lang="zh-CN" altLang="en-US" sz="1600" dirty="0">
+                <a:latin typeface="微软雅黑" pitchFamily="34" charset="-122"/>
+                <a:ea typeface="微软雅黑" pitchFamily="34" charset="-122"/>
+              </a:rPr>
+              <a:t>如</a:t>
+            </a:r>
+            <a:r>
+              <a:rPr lang="zh-CN" altLang="en-US" sz="1600" dirty="0" smtClean="0">
+                <a:latin typeface="微软雅黑" pitchFamily="34" charset="-122"/>
+                <a:ea typeface="微软雅黑" pitchFamily="34" charset="-122"/>
+              </a:rPr>
+              <a:t>图所示为</a:t>
+            </a:r>
+            <a:r>
+              <a:rPr lang="en-US" altLang="zh-CN" sz="1600" dirty="0">
+                <a:latin typeface="微软雅黑" pitchFamily="34" charset="-122"/>
+                <a:ea typeface="微软雅黑" pitchFamily="34" charset="-122"/>
+              </a:rPr>
+              <a:t>otter</a:t>
+            </a:r>
+            <a:r>
+              <a:rPr lang="zh-CN" altLang="en-US" sz="1600" dirty="0" smtClean="0">
+                <a:latin typeface="微软雅黑" pitchFamily="34" charset="-122"/>
+                <a:ea typeface="微软雅黑" pitchFamily="34" charset="-122"/>
+              </a:rPr>
+              <a:t>的工作原理图，基于集成过程中对它的</a:t>
+            </a:r>
+            <a:r>
+              <a:rPr lang="zh-CN" altLang="en-US" sz="1600" dirty="0">
+                <a:latin typeface="微软雅黑" pitchFamily="34" charset="-122"/>
+                <a:ea typeface="微软雅黑" pitchFamily="34" charset="-122"/>
+              </a:rPr>
+              <a:t>理解、官方社区的</a:t>
+            </a:r>
+            <a:r>
+              <a:rPr lang="zh-CN" altLang="en-US" sz="1600" dirty="0" smtClean="0">
+                <a:latin typeface="微软雅黑" pitchFamily="34" charset="-122"/>
+                <a:ea typeface="微软雅黑" pitchFamily="34" charset="-122"/>
+              </a:rPr>
+              <a:t>文档描述，以及搜索引擎的搜索结果。目前得出的结论是：</a:t>
+            </a:r>
+            <a:r>
+              <a:rPr lang="zh-CN" altLang="en-US" sz="1600" dirty="0" smtClean="0">
+                <a:solidFill>
+                  <a:srgbClr val="FF0000"/>
+                </a:solidFill>
+                <a:latin typeface="微软雅黑" pitchFamily="34" charset="-122"/>
+                <a:ea typeface="微软雅黑" pitchFamily="34" charset="-122"/>
+              </a:rPr>
+              <a:t>嵌入到</a:t>
+            </a:r>
+            <a:r>
+              <a:rPr lang="en-US" altLang="zh-CN" sz="1600" dirty="0" smtClean="0">
+                <a:solidFill>
+                  <a:srgbClr val="FF0000"/>
+                </a:solidFill>
+                <a:latin typeface="微软雅黑" pitchFamily="34" charset="-122"/>
+                <a:ea typeface="微软雅黑" pitchFamily="34" charset="-122"/>
+              </a:rPr>
+              <a:t>otter</a:t>
+            </a:r>
+            <a:r>
+              <a:rPr lang="zh-CN" altLang="en-US" sz="1600" dirty="0" smtClean="0">
+                <a:solidFill>
+                  <a:srgbClr val="FF0000"/>
+                </a:solidFill>
+                <a:latin typeface="微软雅黑" pitchFamily="34" charset="-122"/>
+                <a:ea typeface="微软雅黑" pitchFamily="34" charset="-122"/>
+              </a:rPr>
+              <a:t>内部的</a:t>
+            </a:r>
+            <a:r>
+              <a:rPr lang="en-US" altLang="zh-CN" sz="1600" dirty="0" smtClean="0">
+                <a:solidFill>
+                  <a:srgbClr val="FF0000"/>
+                </a:solidFill>
+                <a:latin typeface="微软雅黑" pitchFamily="34" charset="-122"/>
+                <a:ea typeface="微软雅黑" pitchFamily="34" charset="-122"/>
+              </a:rPr>
+              <a:t>canal</a:t>
+            </a:r>
+            <a:r>
+              <a:rPr lang="zh-CN" altLang="en-US" sz="1600" dirty="0" smtClean="0">
+                <a:solidFill>
+                  <a:srgbClr val="FF0000"/>
+                </a:solidFill>
+                <a:latin typeface="微软雅黑" pitchFamily="34" charset="-122"/>
+                <a:ea typeface="微软雅黑" pitchFamily="34" charset="-122"/>
+              </a:rPr>
+              <a:t>，无法单独对外提供服务。因此，</a:t>
+            </a:r>
+            <a:r>
+              <a:rPr lang="en-US" altLang="zh-CN" sz="1600" dirty="0" smtClean="0">
+                <a:solidFill>
+                  <a:srgbClr val="FF0000"/>
+                </a:solidFill>
+                <a:latin typeface="微软雅黑" pitchFamily="34" charset="-122"/>
+                <a:ea typeface="微软雅黑" pitchFamily="34" charset="-122"/>
+              </a:rPr>
+              <a:t>otter</a:t>
+            </a:r>
+            <a:r>
+              <a:rPr lang="zh-CN" altLang="en-US" sz="1600" dirty="0">
+                <a:solidFill>
+                  <a:srgbClr val="FF0000"/>
+                </a:solidFill>
+                <a:latin typeface="微软雅黑" pitchFamily="34" charset="-122"/>
+                <a:ea typeface="微软雅黑" pitchFamily="34" charset="-122"/>
+              </a:rPr>
+              <a:t>目前</a:t>
+            </a:r>
+            <a:r>
+              <a:rPr lang="zh-CN" altLang="en-US" sz="1600" dirty="0" smtClean="0">
+                <a:solidFill>
+                  <a:srgbClr val="FF0000"/>
+                </a:solidFill>
+                <a:latin typeface="微软雅黑" pitchFamily="34" charset="-122"/>
+                <a:ea typeface="微软雅黑" pitchFamily="34" charset="-122"/>
+              </a:rPr>
+              <a:t>并不具备代替</a:t>
+            </a:r>
+            <a:r>
+              <a:rPr lang="en-US" altLang="zh-CN" sz="1600" dirty="0" smtClean="0">
+                <a:solidFill>
+                  <a:srgbClr val="FF0000"/>
+                </a:solidFill>
+                <a:latin typeface="微软雅黑" pitchFamily="34" charset="-122"/>
+                <a:ea typeface="微软雅黑" pitchFamily="34" charset="-122"/>
+              </a:rPr>
+              <a:t>canal</a:t>
+            </a:r>
+            <a:r>
+              <a:rPr lang="zh-CN" altLang="en-US" sz="1600" dirty="0" smtClean="0">
+                <a:solidFill>
+                  <a:srgbClr val="FF0000"/>
+                </a:solidFill>
+                <a:latin typeface="微软雅黑" pitchFamily="34" charset="-122"/>
+                <a:ea typeface="微软雅黑" pitchFamily="34" charset="-122"/>
+              </a:rPr>
+              <a:t>，完成</a:t>
+            </a:r>
+            <a:r>
+              <a:rPr lang="en-US" altLang="zh-CN" sz="1600" dirty="0" smtClean="0">
+                <a:solidFill>
+                  <a:srgbClr val="FF0000"/>
+                </a:solidFill>
+                <a:latin typeface="微软雅黑" pitchFamily="34" charset="-122"/>
+                <a:ea typeface="微软雅黑" pitchFamily="34" charset="-122"/>
+              </a:rPr>
+              <a:t>binlog</a:t>
+            </a:r>
+            <a:r>
+              <a:rPr lang="zh-CN" altLang="en-US" sz="1600" dirty="0" smtClean="0">
+                <a:solidFill>
+                  <a:srgbClr val="FF0000"/>
+                </a:solidFill>
+                <a:latin typeface="微软雅黑" pitchFamily="34" charset="-122"/>
+                <a:ea typeface="微软雅黑" pitchFamily="34" charset="-122"/>
+              </a:rPr>
+              <a:t>解析工作的能力。</a:t>
+            </a:r>
+            <a:endParaRPr lang="en-US" altLang="zh-CN" sz="1600" dirty="0" smtClean="0">
+              <a:solidFill>
+                <a:srgbClr val="FF0000"/>
+              </a:solidFill>
+              <a:latin typeface="微软雅黑" pitchFamily="34" charset="-122"/>
+              <a:ea typeface="微软雅黑" pitchFamily="34" charset="-122"/>
+            </a:endParaRPr>
+          </a:p>
+        </p:txBody>
+      </p:sp>
+      <p:pic>
+        <p:nvPicPr>
+          <p:cNvPr id="7" name="图片 6"/>
+          <p:cNvPicPr>
+            <a:picLocks noChangeAspect="1"/>
+          </p:cNvPicPr>
+          <p:nvPr/>
+        </p:nvPicPr>
+        <p:blipFill>
+          <a:blip r:embed="rId3"/>
+          <a:stretch>
+            <a:fillRect/>
+          </a:stretch>
+        </p:blipFill>
+        <p:spPr>
+          <a:xfrm>
+            <a:off x="0" y="1211743"/>
+            <a:ext cx="12192000" cy="3470584"/>
+          </a:xfrm>
+          <a:prstGeom prst="rect">
+            <a:avLst/>
+          </a:prstGeom>
+        </p:spPr>
+      </p:pic>
+    </p:spTree>
+    <p:extLst>
+      <p:ext uri="{BB962C8B-B14F-4D97-AF65-F5344CB8AC3E}">
+        <p14:creationId xmlns:p14="http://schemas.microsoft.com/office/powerpoint/2010/main" val="1015751366"/>
+      </p:ext>
+    </p:extLst>
+  </p:cSld>
+  <p:clrMapOvr>
+    <a:masterClrMapping/>
+  </p:clrMapOvr>
+  <p:timing>
+    <p:tnLst>
+      <p:par>
+        <p:cTn id="1" dur="indefinite" restart="never" nodeType="tmRoot"/>
+      </p:par>
+    </p:tnLst>
+  </p:timing>
+</p:sld>
+</file>
+
+<file path=ppt/slides/slide7.xml><?xml version="1.0" encoding="utf-8"?>
 <p:sld xmlns:a="http://schemas.openxmlformats.org/drawingml/2006/main" xmlns:r="http://schemas.openxmlformats.org/officeDocument/2006/relationships" xmlns:p="http://schemas.openxmlformats.org/presentationml/2006/main">
   <p:cSld>
     <p:spTree>
@@ -26968,673 +29718,6 @@
 </p:sld>
 </file>
 
-<file path=ppt/slides/slide7.xml><?xml version="1.0" encoding="utf-8"?>
-<p:sld xmlns:a="http://schemas.openxmlformats.org/drawingml/2006/main" xmlns:r="http://schemas.openxmlformats.org/officeDocument/2006/relationships" xmlns:p="http://schemas.openxmlformats.org/presentationml/2006/main">
-  <p:cSld>
-    <p:spTree>
-      <p:nvGrpSpPr>
-        <p:cNvPr id="1" name=""/>
-        <p:cNvGrpSpPr/>
-        <p:nvPr/>
-      </p:nvGrpSpPr>
-      <p:grpSpPr>
-        <a:xfrm>
-          <a:off x="0" y="0"/>
-          <a:ext cx="0" cy="0"/>
-          <a:chOff x="0" y="0"/>
-          <a:chExt cx="0" cy="0"/>
-        </a:xfrm>
-      </p:grpSpPr>
-      <p:sp>
-        <p:nvSpPr>
-          <p:cNvPr id="2" name="标题 1"/>
-          <p:cNvSpPr>
-            <a:spLocks noGrp="1"/>
-          </p:cNvSpPr>
-          <p:nvPr>
-            <p:ph type="title"/>
-          </p:nvPr>
-        </p:nvSpPr>
-        <p:spPr/>
-        <p:txBody>
-          <a:bodyPr>
-            <a:normAutofit/>
-          </a:bodyPr>
-          <a:lstStyle/>
-          <a:p>
-            <a:r>
-              <a:rPr lang="en-US" altLang="zh-CN" dirty="0" smtClean="0"/>
-              <a:t>mysql-binlog-connector-java </a:t>
-            </a:r>
-            <a:r>
-              <a:rPr lang="zh-CN" altLang="en-US" dirty="0" smtClean="0"/>
-              <a:t>简介</a:t>
-            </a:r>
-            <a:endParaRPr lang="zh-CN" altLang="en-US" dirty="0"/>
-          </a:p>
-        </p:txBody>
-      </p:sp>
-      <p:sp>
-        <p:nvSpPr>
-          <p:cNvPr id="3" name="文本框 2"/>
-          <p:cNvSpPr txBox="1"/>
-          <p:nvPr/>
-        </p:nvSpPr>
-        <p:spPr>
-          <a:xfrm>
-            <a:off x="628672" y="1003727"/>
-            <a:ext cx="10938719" cy="5632311"/>
-          </a:xfrm>
-          <a:prstGeom prst="rect">
-            <a:avLst/>
-          </a:prstGeom>
-          <a:noFill/>
-        </p:spPr>
-        <p:txBody>
-          <a:bodyPr wrap="square" rtlCol="0">
-            <a:spAutoFit/>
-          </a:bodyPr>
-          <a:lstStyle/>
-          <a:p>
-            <a:pPr>
-              <a:lnSpc>
-                <a:spcPct val="150000"/>
-              </a:lnSpc>
-            </a:pPr>
-            <a:r>
-              <a:rPr lang="zh-CN" altLang="en-US" sz="1600" b="1" dirty="0">
-                <a:latin typeface="微软雅黑" pitchFamily="34" charset="-122"/>
-                <a:ea typeface="微软雅黑" pitchFamily="34" charset="-122"/>
-              </a:rPr>
-              <a:t>概述</a:t>
-            </a:r>
-            <a:r>
-              <a:rPr lang="zh-CN" altLang="en-US" sz="1600" b="1" dirty="0" smtClean="0">
-                <a:latin typeface="微软雅黑" pitchFamily="34" charset="-122"/>
-                <a:ea typeface="微软雅黑" pitchFamily="34" charset="-122"/>
-              </a:rPr>
-              <a:t>：</a:t>
-            </a:r>
-            <a:r>
-              <a:rPr lang="en-US" altLang="zh-CN" sz="1600" dirty="0" smtClean="0">
-                <a:latin typeface="微软雅黑" pitchFamily="34" charset="-122"/>
-                <a:ea typeface="微软雅黑" pitchFamily="34" charset="-122"/>
-              </a:rPr>
-              <a:t>mysql-binlog-connector-java </a:t>
-            </a:r>
-            <a:r>
-              <a:rPr lang="zh-CN" altLang="en-US" sz="1600" dirty="0" smtClean="0">
-                <a:latin typeface="微软雅黑" pitchFamily="34" charset="-122"/>
-                <a:ea typeface="微软雅黑" pitchFamily="34" charset="-122"/>
-              </a:rPr>
-              <a:t>是一个开源</a:t>
-            </a:r>
-            <a:r>
-              <a:rPr lang="en-US" altLang="zh-CN" sz="1600" dirty="0" smtClean="0">
-                <a:latin typeface="微软雅黑" pitchFamily="34" charset="-122"/>
-                <a:ea typeface="微软雅黑" pitchFamily="34" charset="-122"/>
-              </a:rPr>
-              <a:t>Java</a:t>
-            </a:r>
-            <a:r>
-              <a:rPr lang="zh-CN" altLang="en-US" sz="1600" dirty="0" smtClean="0">
-                <a:latin typeface="微软雅黑" pitchFamily="34" charset="-122"/>
-                <a:ea typeface="微软雅黑" pitchFamily="34" charset="-122"/>
-              </a:rPr>
-              <a:t>项目，作为一种</a:t>
-            </a:r>
-            <a:r>
-              <a:rPr lang="en-US" altLang="zh-CN" sz="1600" dirty="0" smtClean="0">
-                <a:latin typeface="微软雅黑" pitchFamily="34" charset="-122"/>
-                <a:ea typeface="微软雅黑" pitchFamily="34" charset="-122"/>
-              </a:rPr>
-              <a:t>MySQL Binlog</a:t>
-            </a:r>
-            <a:r>
-              <a:rPr lang="zh-CN" altLang="en-US" sz="1600" dirty="0" smtClean="0">
-                <a:latin typeface="微软雅黑" pitchFamily="34" charset="-122"/>
-                <a:ea typeface="微软雅黑" pitchFamily="34" charset="-122"/>
-              </a:rPr>
-              <a:t>连接器，其核心功能是接收并解析</a:t>
-            </a:r>
-            <a:r>
-              <a:rPr lang="en-US" altLang="zh-CN" sz="1600" dirty="0" smtClean="0">
-                <a:latin typeface="微软雅黑" pitchFamily="34" charset="-122"/>
-                <a:ea typeface="微软雅黑" pitchFamily="34" charset="-122"/>
-              </a:rPr>
-              <a:t>binlog</a:t>
-            </a:r>
-            <a:r>
-              <a:rPr lang="zh-CN" altLang="en-US" sz="1600" dirty="0" smtClean="0">
-                <a:latin typeface="微软雅黑" pitchFamily="34" charset="-122"/>
-                <a:ea typeface="微软雅黑" pitchFamily="34" charset="-122"/>
-              </a:rPr>
-              <a:t>事件，目前该项目在</a:t>
-            </a:r>
-            <a:r>
-              <a:rPr lang="en-US" altLang="zh-CN" sz="1600" dirty="0" smtClean="0">
-                <a:latin typeface="微软雅黑" pitchFamily="34" charset="-122"/>
-                <a:ea typeface="微软雅黑" pitchFamily="34" charset="-122"/>
-              </a:rPr>
-              <a:t>github</a:t>
-            </a:r>
-            <a:r>
-              <a:rPr lang="zh-CN" altLang="en-US" sz="1600" dirty="0" smtClean="0">
-                <a:latin typeface="微软雅黑" pitchFamily="34" charset="-122"/>
-                <a:ea typeface="微软雅黑" pitchFamily="34" charset="-122"/>
-              </a:rPr>
-              <a:t>上已收获</a:t>
-            </a:r>
-            <a:r>
-              <a:rPr lang="en-US" altLang="zh-CN" sz="1600" dirty="0" smtClean="0">
-                <a:latin typeface="微软雅黑" pitchFamily="34" charset="-122"/>
-                <a:ea typeface="微软雅黑" pitchFamily="34" charset="-122"/>
-              </a:rPr>
-              <a:t>2.1k</a:t>
-            </a:r>
-            <a:r>
-              <a:rPr lang="zh-CN" altLang="en-US" sz="1600" dirty="0">
-                <a:latin typeface="微软雅黑" pitchFamily="34" charset="-122"/>
-                <a:ea typeface="微软雅黑" pitchFamily="34" charset="-122"/>
-              </a:rPr>
-              <a:t> </a:t>
-            </a:r>
-            <a:r>
-              <a:rPr lang="en-US" altLang="zh-CN" sz="1600" dirty="0" smtClean="0">
-                <a:latin typeface="微软雅黑" pitchFamily="34" charset="-122"/>
-                <a:ea typeface="微软雅黑" pitchFamily="34" charset="-122"/>
-              </a:rPr>
-              <a:t>star</a:t>
-            </a:r>
-            <a:r>
-              <a:rPr lang="zh-CN" altLang="en-US" sz="1600" dirty="0" smtClean="0">
-                <a:latin typeface="微软雅黑" pitchFamily="34" charset="-122"/>
-                <a:ea typeface="微软雅黑" pitchFamily="34" charset="-122"/>
-              </a:rPr>
-              <a:t>。</a:t>
-            </a:r>
-            <a:endParaRPr lang="en-US" altLang="zh-CN" sz="1600" dirty="0" smtClean="0">
-              <a:latin typeface="微软雅黑" pitchFamily="34" charset="-122"/>
-              <a:ea typeface="微软雅黑" pitchFamily="34" charset="-122"/>
-            </a:endParaRPr>
-          </a:p>
-          <a:p>
-            <a:pPr>
-              <a:lnSpc>
-                <a:spcPct val="150000"/>
-              </a:lnSpc>
-            </a:pPr>
-            <a:endParaRPr lang="en-US" altLang="zh-CN" sz="1600" dirty="0" smtClean="0">
-              <a:latin typeface="微软雅黑" pitchFamily="34" charset="-122"/>
-              <a:ea typeface="微软雅黑" pitchFamily="34" charset="-122"/>
-            </a:endParaRPr>
-          </a:p>
-          <a:p>
-            <a:pPr>
-              <a:lnSpc>
-                <a:spcPct val="150000"/>
-              </a:lnSpc>
-            </a:pPr>
-            <a:r>
-              <a:rPr lang="zh-CN" altLang="en-US" sz="1600" b="1" dirty="0" smtClean="0">
-                <a:latin typeface="微软雅黑" pitchFamily="34" charset="-122"/>
-                <a:ea typeface="微软雅黑" pitchFamily="34" charset="-122"/>
-              </a:rPr>
-              <a:t>主要特征：</a:t>
-            </a:r>
-            <a:endParaRPr lang="en-US" altLang="zh-CN" sz="1600" b="1" dirty="0" smtClean="0">
-              <a:latin typeface="微软雅黑" pitchFamily="34" charset="-122"/>
-              <a:ea typeface="微软雅黑" pitchFamily="34" charset="-122"/>
-            </a:endParaRPr>
-          </a:p>
-          <a:p>
-            <a:pPr marL="742950" lvl="1" indent="-285750">
-              <a:lnSpc>
-                <a:spcPct val="150000"/>
-              </a:lnSpc>
-              <a:buFont typeface="Wingdings" panose="05000000000000000000" pitchFamily="2" charset="2"/>
-              <a:buChar char="Ø"/>
-            </a:pPr>
-            <a:r>
-              <a:rPr lang="zh-CN" altLang="en-US" sz="1600" dirty="0" smtClean="0">
-                <a:latin typeface="微软雅黑" pitchFamily="34" charset="-122"/>
-                <a:ea typeface="微软雅黑" pitchFamily="34" charset="-122"/>
-              </a:rPr>
-              <a:t>支持</a:t>
-            </a:r>
-            <a:r>
-              <a:rPr lang="en-US" altLang="zh-CN" sz="1600" dirty="0" smtClean="0">
-                <a:latin typeface="微软雅黑" pitchFamily="34" charset="-122"/>
-                <a:ea typeface="微软雅黑" pitchFamily="34" charset="-122"/>
-              </a:rPr>
-              <a:t>TLS</a:t>
-            </a:r>
-            <a:r>
-              <a:rPr lang="zh-CN" altLang="en-US" sz="1600" dirty="0" smtClean="0">
-                <a:latin typeface="微软雅黑" pitchFamily="34" charset="-122"/>
-                <a:ea typeface="微软雅黑" pitchFamily="34" charset="-122"/>
-              </a:rPr>
-              <a:t>安全通信。</a:t>
-            </a:r>
-            <a:endParaRPr lang="en-US" altLang="zh-CN" sz="1600" dirty="0" smtClean="0">
-              <a:latin typeface="微软雅黑" pitchFamily="34" charset="-122"/>
-              <a:ea typeface="微软雅黑" pitchFamily="34" charset="-122"/>
-            </a:endParaRPr>
-          </a:p>
-          <a:p>
-            <a:pPr marL="742950" lvl="1" indent="-285750">
-              <a:lnSpc>
-                <a:spcPct val="150000"/>
-              </a:lnSpc>
-              <a:buFont typeface="Wingdings" panose="05000000000000000000" pitchFamily="2" charset="2"/>
-              <a:buChar char="Ø"/>
-            </a:pPr>
-            <a:r>
-              <a:rPr lang="zh-CN" altLang="en-US" sz="1600" dirty="0" smtClean="0">
-                <a:latin typeface="微软雅黑" pitchFamily="34" charset="-122"/>
-                <a:ea typeface="微软雅黑" pitchFamily="34" charset="-122"/>
-              </a:rPr>
-              <a:t>实时感知</a:t>
-            </a:r>
-            <a:r>
-              <a:rPr lang="en-US" altLang="zh-CN" sz="1600" dirty="0" smtClean="0">
-                <a:latin typeface="微软雅黑" pitchFamily="34" charset="-122"/>
-                <a:ea typeface="微软雅黑" pitchFamily="34" charset="-122"/>
-              </a:rPr>
-              <a:t>binlog</a:t>
-            </a:r>
-            <a:r>
-              <a:rPr lang="zh-CN" altLang="en-US" sz="1600" dirty="0" smtClean="0">
-                <a:latin typeface="微软雅黑" pitchFamily="34" charset="-122"/>
-                <a:ea typeface="微软雅黑" pitchFamily="34" charset="-122"/>
-              </a:rPr>
-              <a:t>更新。</a:t>
-            </a:r>
-            <a:endParaRPr lang="en-US" altLang="zh-CN" sz="1600" dirty="0" smtClean="0">
-              <a:latin typeface="微软雅黑" pitchFamily="34" charset="-122"/>
-              <a:ea typeface="微软雅黑" pitchFamily="34" charset="-122"/>
-            </a:endParaRPr>
-          </a:p>
-          <a:p>
-            <a:pPr marL="742950" lvl="1" indent="-285750">
-              <a:lnSpc>
-                <a:spcPct val="150000"/>
-              </a:lnSpc>
-              <a:buFont typeface="Wingdings" panose="05000000000000000000" pitchFamily="2" charset="2"/>
-              <a:buChar char="Ø"/>
-            </a:pPr>
-            <a:r>
-              <a:rPr lang="zh-CN" altLang="en-US" sz="1600" dirty="0" smtClean="0">
-                <a:latin typeface="微软雅黑" pitchFamily="34" charset="-122"/>
-                <a:ea typeface="微软雅黑" pitchFamily="34" charset="-122"/>
-              </a:rPr>
-              <a:t>与数据库失</a:t>
-            </a:r>
-            <a:r>
-              <a:rPr lang="zh-CN" altLang="en-US" sz="1600" dirty="0">
-                <a:latin typeface="微软雅黑" pitchFamily="34" charset="-122"/>
-                <a:ea typeface="微软雅黑" pitchFamily="34" charset="-122"/>
-              </a:rPr>
-              <a:t>联后可自动恢复</a:t>
-            </a:r>
-            <a:r>
-              <a:rPr lang="zh-CN" altLang="en-US" sz="1600" dirty="0" smtClean="0">
-                <a:latin typeface="微软雅黑" pitchFamily="34" charset="-122"/>
-                <a:ea typeface="微软雅黑" pitchFamily="34" charset="-122"/>
-              </a:rPr>
-              <a:t>。</a:t>
-            </a:r>
-            <a:endParaRPr lang="en-US" altLang="zh-CN" sz="1600" dirty="0" smtClean="0">
-              <a:latin typeface="微软雅黑" pitchFamily="34" charset="-122"/>
-              <a:ea typeface="微软雅黑" pitchFamily="34" charset="-122"/>
-            </a:endParaRPr>
-          </a:p>
-          <a:p>
-            <a:pPr marL="742950" lvl="1" indent="-285750">
-              <a:lnSpc>
-                <a:spcPct val="150000"/>
-              </a:lnSpc>
-              <a:buFont typeface="Wingdings" panose="05000000000000000000" pitchFamily="2" charset="2"/>
-              <a:buChar char="Ø"/>
-            </a:pPr>
-            <a:r>
-              <a:rPr lang="zh-CN" altLang="en-US" sz="1600" dirty="0">
-                <a:latin typeface="微软雅黑" pitchFamily="34" charset="-122"/>
-                <a:ea typeface="微软雅黑" pitchFamily="34" charset="-122"/>
-              </a:rPr>
-              <a:t>可从中央仓库下载，且无第三方依赖</a:t>
-            </a:r>
-            <a:r>
-              <a:rPr lang="zh-CN" altLang="en-US" sz="1600" dirty="0" smtClean="0">
-                <a:latin typeface="微软雅黑" pitchFamily="34" charset="-122"/>
-                <a:ea typeface="微软雅黑" pitchFamily="34" charset="-122"/>
-              </a:rPr>
-              <a:t>。</a:t>
-            </a:r>
-            <a:endParaRPr lang="en-US" altLang="zh-CN" sz="1600" dirty="0" smtClean="0">
-              <a:latin typeface="微软雅黑" pitchFamily="34" charset="-122"/>
-              <a:ea typeface="微软雅黑" pitchFamily="34" charset="-122"/>
-            </a:endParaRPr>
-          </a:p>
-          <a:p>
-            <a:pPr marL="742950" lvl="1" indent="-285750">
-              <a:lnSpc>
-                <a:spcPct val="150000"/>
-              </a:lnSpc>
-              <a:buFont typeface="Wingdings" panose="05000000000000000000" pitchFamily="2" charset="2"/>
-              <a:buChar char="Ø"/>
-            </a:pPr>
-            <a:r>
-              <a:rPr lang="zh-CN" altLang="en-US" sz="1600" dirty="0" smtClean="0">
-                <a:latin typeface="微软雅黑" pitchFamily="34" charset="-122"/>
-                <a:ea typeface="微软雅黑" pitchFamily="34" charset="-122"/>
-              </a:rPr>
-              <a:t>连接时可指定</a:t>
-            </a:r>
-            <a:r>
-              <a:rPr lang="en-US" altLang="zh-CN" sz="1600" dirty="0">
-                <a:latin typeface="微软雅黑" pitchFamily="34" charset="-122"/>
-                <a:ea typeface="微软雅黑" pitchFamily="34" charset="-122"/>
-              </a:rPr>
-              <a:t>binlog</a:t>
-            </a:r>
-            <a:r>
-              <a:rPr lang="zh-CN" altLang="en-US" sz="1600" dirty="0">
-                <a:latin typeface="微软雅黑" pitchFamily="34" charset="-122"/>
-                <a:ea typeface="微软雅黑" pitchFamily="34" charset="-122"/>
-              </a:rPr>
-              <a:t>文件</a:t>
-            </a:r>
-            <a:r>
-              <a:rPr lang="zh-CN" altLang="en-US" sz="1600" dirty="0" smtClean="0">
-                <a:latin typeface="微软雅黑" pitchFamily="34" charset="-122"/>
-                <a:ea typeface="微软雅黑" pitchFamily="34" charset="-122"/>
-              </a:rPr>
-              <a:t>和位置，默认从最新的</a:t>
-            </a:r>
-            <a:r>
-              <a:rPr lang="en-US" altLang="zh-CN" sz="1600" dirty="0" smtClean="0">
-                <a:latin typeface="微软雅黑" pitchFamily="34" charset="-122"/>
-                <a:ea typeface="微软雅黑" pitchFamily="34" charset="-122"/>
-              </a:rPr>
-              <a:t>binlog</a:t>
-            </a:r>
-            <a:r>
-              <a:rPr lang="zh-CN" altLang="en-US" sz="1600" dirty="0" smtClean="0">
-                <a:latin typeface="微软雅黑" pitchFamily="34" charset="-122"/>
-                <a:ea typeface="微软雅黑" pitchFamily="34" charset="-122"/>
-              </a:rPr>
-              <a:t>文件末尾读取。</a:t>
-            </a:r>
-            <a:r>
-              <a:rPr lang="en-US" altLang="zh-CN" sz="1600" dirty="0" smtClean="0">
-                <a:latin typeface="微软雅黑" pitchFamily="34" charset="-122"/>
-                <a:ea typeface="微软雅黑" pitchFamily="34" charset="-122"/>
-              </a:rPr>
-              <a:t/>
-            </a:r>
-            <a:br>
-              <a:rPr lang="en-US" altLang="zh-CN" sz="1600" dirty="0" smtClean="0">
-                <a:latin typeface="微软雅黑" pitchFamily="34" charset="-122"/>
-                <a:ea typeface="微软雅黑" pitchFamily="34" charset="-122"/>
-              </a:rPr>
-            </a:br>
-            <a:endParaRPr lang="en-US" altLang="zh-CN" sz="1600" dirty="0" smtClean="0">
-              <a:latin typeface="微软雅黑" pitchFamily="34" charset="-122"/>
-              <a:ea typeface="微软雅黑" pitchFamily="34" charset="-122"/>
-            </a:endParaRPr>
-          </a:p>
-          <a:p>
-            <a:pPr>
-              <a:lnSpc>
-                <a:spcPct val="150000"/>
-              </a:lnSpc>
-            </a:pPr>
-            <a:r>
-              <a:rPr lang="zh-CN" altLang="en-US" sz="1600" b="1" dirty="0" smtClean="0">
-                <a:latin typeface="微软雅黑" pitchFamily="34" charset="-122"/>
-                <a:ea typeface="微软雅黑" pitchFamily="34" charset="-122"/>
-              </a:rPr>
-              <a:t>版本选择</a:t>
-            </a:r>
-            <a:r>
-              <a:rPr lang="zh-CN" altLang="en-US" sz="1600" dirty="0" smtClean="0">
-                <a:latin typeface="微软雅黑" pitchFamily="34" charset="-122"/>
-                <a:ea typeface="微软雅黑" pitchFamily="34" charset="-122"/>
-              </a:rPr>
-              <a:t>：最新版本为</a:t>
-            </a:r>
-            <a:r>
-              <a:rPr lang="en-US" altLang="zh-CN" sz="1600" dirty="0" smtClean="0">
-                <a:latin typeface="微软雅黑" pitchFamily="34" charset="-122"/>
-                <a:ea typeface="微软雅黑" pitchFamily="34" charset="-122"/>
-              </a:rPr>
-              <a:t>0.21.0</a:t>
-            </a:r>
-            <a:r>
-              <a:rPr lang="zh-CN" altLang="en-US" sz="1600" dirty="0" smtClean="0">
-                <a:latin typeface="微软雅黑" pitchFamily="34" charset="-122"/>
-                <a:ea typeface="微软雅黑" pitchFamily="34" charset="-122"/>
-              </a:rPr>
-              <a:t>。</a:t>
-            </a:r>
-            <a:r>
-              <a:rPr lang="en-US" altLang="zh-CN" sz="1600" dirty="0" smtClean="0">
-                <a:latin typeface="微软雅黑" pitchFamily="34" charset="-122"/>
-                <a:ea typeface="微软雅黑" pitchFamily="34" charset="-122"/>
-              </a:rPr>
-              <a:t>maven</a:t>
-            </a:r>
-            <a:r>
-              <a:rPr lang="zh-CN" altLang="en-US" sz="1600" dirty="0" smtClean="0">
-                <a:latin typeface="微软雅黑" pitchFamily="34" charset="-122"/>
-                <a:ea typeface="微软雅黑" pitchFamily="34" charset="-122"/>
-              </a:rPr>
-              <a:t>中央仓库中标记被使用数为</a:t>
-            </a:r>
-            <a:r>
-              <a:rPr lang="en-US" altLang="zh-CN" sz="1600" dirty="0" smtClean="0">
-                <a:latin typeface="微软雅黑" pitchFamily="34" charset="-122"/>
-                <a:ea typeface="微软雅黑" pitchFamily="34" charset="-122"/>
-              </a:rPr>
-              <a:t>8</a:t>
-            </a:r>
-            <a:r>
-              <a:rPr lang="zh-CN" altLang="en-US" sz="1600" dirty="0" smtClean="0">
-                <a:latin typeface="微软雅黑" pitchFamily="34" charset="-122"/>
-                <a:ea typeface="微软雅黑" pitchFamily="34" charset="-122"/>
-              </a:rPr>
-              <a:t>，在所有版本中排名第三多。</a:t>
-            </a:r>
-            <a:endParaRPr lang="en-US" altLang="zh-CN" sz="1600" dirty="0" smtClean="0">
-              <a:latin typeface="微软雅黑" pitchFamily="34" charset="-122"/>
-              <a:ea typeface="微软雅黑" pitchFamily="34" charset="-122"/>
-            </a:endParaRPr>
-          </a:p>
-          <a:p>
-            <a:pPr>
-              <a:lnSpc>
-                <a:spcPct val="150000"/>
-              </a:lnSpc>
-            </a:pPr>
-            <a:endParaRPr lang="en-US" altLang="zh-CN" sz="1600" dirty="0">
-              <a:latin typeface="微软雅黑" pitchFamily="34" charset="-122"/>
-              <a:ea typeface="微软雅黑" pitchFamily="34" charset="-122"/>
-            </a:endParaRPr>
-          </a:p>
-          <a:p>
-            <a:pPr>
-              <a:lnSpc>
-                <a:spcPct val="150000"/>
-              </a:lnSpc>
-            </a:pPr>
-            <a:r>
-              <a:rPr lang="zh-CN" altLang="en-US" sz="1600" b="1" dirty="0" smtClean="0">
-                <a:latin typeface="微软雅黑" pitchFamily="34" charset="-122"/>
-                <a:ea typeface="微软雅黑" pitchFamily="34" charset="-122"/>
-              </a:rPr>
-              <a:t>集成模块选择</a:t>
-            </a:r>
-            <a:r>
-              <a:rPr lang="zh-CN" altLang="en-US" sz="1600" dirty="0" smtClean="0">
-                <a:latin typeface="微软雅黑" pitchFamily="34" charset="-122"/>
-                <a:ea typeface="微软雅黑" pitchFamily="34" charset="-122"/>
-              </a:rPr>
-              <a:t>：由于</a:t>
-            </a:r>
-            <a:r>
-              <a:rPr lang="zh-CN" altLang="en-US" sz="1600" dirty="0">
-                <a:latin typeface="微软雅黑" pitchFamily="34" charset="-122"/>
-                <a:ea typeface="微软雅黑" pitchFamily="34" charset="-122"/>
-              </a:rPr>
-              <a:t>该组件每集成进一个模块，就会产生一个</a:t>
-            </a:r>
-            <a:r>
-              <a:rPr lang="en-US" altLang="zh-CN" sz="1600" dirty="0" smtClean="0">
-                <a:latin typeface="微软雅黑" pitchFamily="34" charset="-122"/>
-                <a:ea typeface="微软雅黑" pitchFamily="34" charset="-122"/>
-              </a:rPr>
-              <a:t>slave</a:t>
-            </a:r>
-            <a:r>
-              <a:rPr lang="zh-CN" altLang="en-US" sz="1600" dirty="0">
-                <a:latin typeface="微软雅黑" pitchFamily="34" charset="-122"/>
-                <a:ea typeface="微软雅黑" pitchFamily="34" charset="-122"/>
-              </a:rPr>
-              <a:t>。</a:t>
-            </a:r>
-            <a:r>
-              <a:rPr lang="zh-CN" altLang="en-US" sz="1600" dirty="0" smtClean="0">
-                <a:latin typeface="微软雅黑" pitchFamily="34" charset="-122"/>
-                <a:ea typeface="微软雅黑" pitchFamily="34" charset="-122"/>
-              </a:rPr>
-              <a:t>所以如果各模块单独集成，就会给数据库带来额外的管理负担和成倍的网络</a:t>
-            </a:r>
-            <a:r>
-              <a:rPr lang="en-US" altLang="zh-CN" sz="1600" dirty="0" smtClean="0">
-                <a:latin typeface="微软雅黑" pitchFamily="34" charset="-122"/>
-                <a:ea typeface="微软雅黑" pitchFamily="34" charset="-122"/>
-              </a:rPr>
-              <a:t>I/O</a:t>
-            </a:r>
-            <a:r>
-              <a:rPr lang="zh-CN" altLang="en-US" sz="1600" dirty="0" smtClean="0">
-                <a:latin typeface="微软雅黑" pitchFamily="34" charset="-122"/>
-                <a:ea typeface="微软雅黑" pitchFamily="34" charset="-122"/>
-              </a:rPr>
-              <a:t>负载。因此建议将</a:t>
-            </a:r>
-            <a:r>
-              <a:rPr lang="zh-CN" altLang="en-US" sz="1600" dirty="0">
-                <a:latin typeface="微软雅黑" pitchFamily="34" charset="-122"/>
-                <a:ea typeface="微软雅黑" pitchFamily="34" charset="-122"/>
-              </a:rPr>
-              <a:t>该组件集成</a:t>
-            </a:r>
-            <a:r>
-              <a:rPr lang="zh-CN" altLang="en-US" sz="1600" dirty="0" smtClean="0">
-                <a:latin typeface="微软雅黑" pitchFamily="34" charset="-122"/>
-                <a:ea typeface="微软雅黑" pitchFamily="34" charset="-122"/>
-              </a:rPr>
-              <a:t>到</a:t>
-            </a:r>
-            <a:r>
-              <a:rPr lang="en-US" altLang="zh-CN" sz="1600" dirty="0" smtClean="0">
-                <a:latin typeface="微软雅黑" pitchFamily="34" charset="-122"/>
-                <a:ea typeface="微软雅黑" pitchFamily="34" charset="-122"/>
-              </a:rPr>
-              <a:t>iresource-common</a:t>
-            </a:r>
-            <a:r>
-              <a:rPr lang="zh-CN" altLang="en-US" sz="1600" dirty="0" smtClean="0">
-                <a:latin typeface="微软雅黑" pitchFamily="34" charset="-122"/>
-                <a:ea typeface="微软雅黑" pitchFamily="34" charset="-122"/>
-              </a:rPr>
-              <a:t>，由</a:t>
-            </a:r>
-            <a:r>
-              <a:rPr lang="en-US" altLang="zh-CN" sz="1600" dirty="0" smtClean="0">
-                <a:latin typeface="微软雅黑" pitchFamily="34" charset="-122"/>
-                <a:ea typeface="微软雅黑" pitchFamily="34" charset="-122"/>
-              </a:rPr>
-              <a:t>iresource-common</a:t>
-            </a:r>
-            <a:r>
-              <a:rPr lang="zh-CN" altLang="en-US" sz="1600" dirty="0" smtClean="0">
-                <a:latin typeface="微软雅黑" pitchFamily="34" charset="-122"/>
-                <a:ea typeface="微软雅黑" pitchFamily="34" charset="-122"/>
-              </a:rPr>
-              <a:t>在</a:t>
-            </a:r>
-            <a:r>
-              <a:rPr lang="zh-CN" altLang="en-US" sz="1600" dirty="0">
-                <a:latin typeface="微软雅黑" pitchFamily="34" charset="-122"/>
-                <a:ea typeface="微软雅黑" pitchFamily="34" charset="-122"/>
-              </a:rPr>
-              <a:t>感知到</a:t>
-            </a:r>
-            <a:r>
-              <a:rPr lang="zh-CN" altLang="en-US" sz="1600" dirty="0" smtClean="0">
-                <a:latin typeface="微软雅黑" pitchFamily="34" charset="-122"/>
-                <a:ea typeface="微软雅黑" pitchFamily="34" charset="-122"/>
-              </a:rPr>
-              <a:t>符合条件</a:t>
-            </a:r>
-            <a:r>
-              <a:rPr lang="zh-CN" altLang="en-US" sz="1600" dirty="0">
-                <a:latin typeface="微软雅黑" pitchFamily="34" charset="-122"/>
-                <a:ea typeface="微软雅黑" pitchFamily="34" charset="-122"/>
-              </a:rPr>
-              <a:t>的数据库变化之后</a:t>
-            </a:r>
-            <a:r>
-              <a:rPr lang="zh-CN" altLang="en-US" sz="1600" dirty="0" smtClean="0">
-                <a:latin typeface="微软雅黑" pitchFamily="34" charset="-122"/>
-                <a:ea typeface="微软雅黑" pitchFamily="34" charset="-122"/>
-              </a:rPr>
-              <a:t>，统一进行</a:t>
-            </a:r>
-            <a:r>
-              <a:rPr lang="zh-CN" altLang="en-US" sz="1600" dirty="0">
-                <a:latin typeface="微软雅黑" pitchFamily="34" charset="-122"/>
-                <a:ea typeface="微软雅黑" pitchFamily="34" charset="-122"/>
-              </a:rPr>
-              <a:t>数据处理或业务分发</a:t>
-            </a:r>
-            <a:r>
-              <a:rPr lang="zh-CN" altLang="en-US" sz="1600" dirty="0" smtClean="0">
-                <a:latin typeface="微软雅黑" pitchFamily="34" charset="-122"/>
-                <a:ea typeface="微软雅黑" pitchFamily="34" charset="-122"/>
-              </a:rPr>
-              <a:t>。</a:t>
-            </a:r>
-            <a:endParaRPr lang="zh-CN" altLang="en-US" sz="1600" dirty="0">
-              <a:latin typeface="微软雅黑" pitchFamily="34" charset="-122"/>
-              <a:ea typeface="微软雅黑" pitchFamily="34" charset="-122"/>
-            </a:endParaRPr>
-          </a:p>
-        </p:txBody>
-      </p:sp>
-    </p:spTree>
-    <p:extLst>
-      <p:ext uri="{BB962C8B-B14F-4D97-AF65-F5344CB8AC3E}">
-        <p14:creationId xmlns:p14="http://schemas.microsoft.com/office/powerpoint/2010/main" val="963876378"/>
-      </p:ext>
-    </p:extLst>
-  </p:cSld>
-  <p:clrMapOvr>
-    <a:masterClrMapping/>
-  </p:clrMapOvr>
-  <p:timing>
-    <p:tnLst>
-      <p:par>
-        <p:cTn id="1" dur="indefinite" restart="never" nodeType="tmRoot"/>
-      </p:par>
-    </p:tnLst>
-  </p:timing>
-</p:sld>
-</file>
-
 <file path=ppt/slides/slide8.xml><?xml version="1.0" encoding="utf-8"?>
 <p:sld xmlns:a="http://schemas.openxmlformats.org/drawingml/2006/main" xmlns:r="http://schemas.openxmlformats.org/officeDocument/2006/relationships" xmlns:p="http://schemas.openxmlformats.org/presentationml/2006/main">
   <p:cSld>
@@ -27670,21 +29753,14 @@
           <a:lstStyle/>
           <a:p>
             <a:r>
+              <a:rPr lang="en-US" altLang="zh-CN" dirty="0" smtClean="0"/>
+              <a:t>mysql-binlog-connector-java </a:t>
+            </a:r>
+            <a:r>
               <a:rPr lang="zh-CN" altLang="en-US" dirty="0" smtClean="0"/>
-              <a:t>三</a:t>
-            </a:r>
-            <a:r>
-              <a:rPr lang="zh-CN" altLang="en-US" dirty="0"/>
-              <a:t>副</a:t>
-            </a:r>
-            <a:r>
-              <a:rPr lang="zh-CN" altLang="en-US" dirty="0" smtClean="0"/>
-              <a:t>本</a:t>
-            </a:r>
-            <a:r>
-              <a:rPr lang="zh-CN" altLang="en-US" dirty="0"/>
-              <a:t>场景</a:t>
-            </a:r>
+              <a:t>简介</a:t>
+            </a:r>
+            <a:endParaRPr lang="zh-CN" altLang="en-US" dirty="0"/>
           </a:p>
         </p:txBody>
       </p:sp>
@@ -27696,8 +29772,8 @@
         </p:nvSpPr>
         <p:spPr>
           <a:xfrm>
-            <a:off x="522922" y="951712"/>
-            <a:ext cx="4334431" cy="4524315"/>
+            <a:off x="628672" y="1003727"/>
+            <a:ext cx="10938719" cy="5632311"/>
           </a:xfrm>
           <a:prstGeom prst="rect">
             <a:avLst/>
@@ -27716,73 +29792,205 @@
               </a:lnSpc>
             </a:pPr>
             <a:r>
+              <a:rPr lang="zh-CN" altLang="en-US" sz="1600" b="1" dirty="0">
+                <a:latin typeface="微软雅黑" pitchFamily="34" charset="-122"/>
+                <a:ea typeface="微软雅黑" pitchFamily="34" charset="-122"/>
+              </a:rPr>
+              <a:t>概述</a:t>
+            </a:r>
+            <a:r>
               <a:rPr lang="zh-CN" altLang="en-US" sz="1600" b="1" dirty="0" smtClean="0">
                 <a:latin typeface="微软雅黑" pitchFamily="34" charset="-122"/>
                 <a:ea typeface="微软雅黑" pitchFamily="34" charset="-122"/>
               </a:rPr>
-              <a:t>问题</a:t>
-            </a:r>
-            <a:r>
-              <a:rPr lang="en-US" altLang="zh-CN" sz="1600" b="1" dirty="0">
-                <a:latin typeface="微软雅黑" pitchFamily="34" charset="-122"/>
-                <a:ea typeface="微软雅黑" pitchFamily="34" charset="-122"/>
-              </a:rPr>
-              <a:t>1</a:t>
+              <a:t>：</a:t>
+            </a:r>
+            <a:r>
+              <a:rPr lang="en-US" altLang="zh-CN" sz="1600" dirty="0" smtClean="0">
+                <a:latin typeface="微软雅黑" pitchFamily="34" charset="-122"/>
+                <a:ea typeface="微软雅黑" pitchFamily="34" charset="-122"/>
+              </a:rPr>
+              <a:t>mysql-binlog-connector-java </a:t>
             </a:r>
             <a:r>
               <a:rPr lang="zh-CN" altLang="en-US" sz="1600" dirty="0" smtClean="0">
                 <a:latin typeface="微软雅黑" pitchFamily="34" charset="-122"/>
                 <a:ea typeface="微软雅黑" pitchFamily="34" charset="-122"/>
               </a:rPr>
-              <a:t>：三个</a:t>
+              <a:t>是一个开源</a:t>
             </a:r>
             <a:r>
               <a:rPr lang="en-US" altLang="zh-CN" sz="1600" dirty="0" smtClean="0">
                 <a:latin typeface="微软雅黑" pitchFamily="34" charset="-122"/>
                 <a:ea typeface="微软雅黑" pitchFamily="34" charset="-122"/>
               </a:rPr>
-              <a:t>iresource-common</a:t>
+              <a:t>Java</a:t>
             </a:r>
             <a:r>
               <a:rPr lang="zh-CN" altLang="en-US" sz="1600" dirty="0" smtClean="0">
                 <a:latin typeface="微软雅黑" pitchFamily="34" charset="-122"/>
                 <a:ea typeface="微软雅黑" pitchFamily="34" charset="-122"/>
               </a:rPr>
-              <a:t>副本会注册三个</a:t>
+              <a:t>项目，作为一种</a:t>
             </a:r>
             <a:r>
               <a:rPr lang="en-US" altLang="zh-CN" sz="1600" dirty="0" smtClean="0">
                 <a:latin typeface="微软雅黑" pitchFamily="34" charset="-122"/>
                 <a:ea typeface="微软雅黑" pitchFamily="34" charset="-122"/>
               </a:rPr>
-              <a:t>slave</a:t>
+              <a:t>MySQL Binlog</a:t>
             </a:r>
             <a:r>
               <a:rPr lang="zh-CN" altLang="en-US" sz="1600" dirty="0" smtClean="0">
                 <a:latin typeface="微软雅黑" pitchFamily="34" charset="-122"/>
                 <a:ea typeface="微软雅黑" pitchFamily="34" charset="-122"/>
               </a:rPr>
-              <a:t>，每个</a:t>
+              <a:t>连接器，其核心功能是接收并解析</a:t>
             </a:r>
             <a:r>
               <a:rPr lang="en-US" altLang="zh-CN" sz="1600" dirty="0" smtClean="0">
                 <a:latin typeface="微软雅黑" pitchFamily="34" charset="-122"/>
                 <a:ea typeface="微软雅黑" pitchFamily="34" charset="-122"/>
               </a:rPr>
-              <a:t>slave</a:t>
+              <a:t>binlog</a:t>
             </a:r>
             <a:r>
               <a:rPr lang="zh-CN" altLang="en-US" sz="1600" dirty="0" smtClean="0">
                 <a:latin typeface="微软雅黑" pitchFamily="34" charset="-122"/>
                 <a:ea typeface="微软雅黑" pitchFamily="34" charset="-122"/>
               </a:rPr>
-              <a:t>订阅并解析同一份</a:t>
+              <a:t>事件，目前该项目在</a:t>
             </a:r>
             <a:r>
               <a:rPr lang="en-US" altLang="zh-CN" sz="1600" dirty="0" smtClean="0">
                 <a:latin typeface="微软雅黑" pitchFamily="34" charset="-122"/>
                 <a:ea typeface="微软雅黑" pitchFamily="34" charset="-122"/>
               </a:rPr>
+              <a:t>github</a:t>
+            </a:r>
+            <a:r>
+              <a:rPr lang="zh-CN" altLang="en-US" sz="1600" dirty="0" smtClean="0">
+                <a:latin typeface="微软雅黑" pitchFamily="34" charset="-122"/>
+                <a:ea typeface="微软雅黑" pitchFamily="34" charset="-122"/>
+              </a:rPr>
+              <a:t>上已收获</a:t>
+            </a:r>
+            <a:r>
+              <a:rPr lang="en-US" altLang="zh-CN" sz="1600" dirty="0" smtClean="0">
+                <a:latin typeface="微软雅黑" pitchFamily="34" charset="-122"/>
+                <a:ea typeface="微软雅黑" pitchFamily="34" charset="-122"/>
+              </a:rPr>
+              <a:t>2.1k</a:t>
+            </a:r>
+            <a:r>
+              <a:rPr lang="zh-CN" altLang="en-US" sz="1600" dirty="0">
+                <a:latin typeface="微软雅黑" pitchFamily="34" charset="-122"/>
+                <a:ea typeface="微软雅黑" pitchFamily="34" charset="-122"/>
+              </a:rPr>
+              <a:t> </a:t>
+            </a:r>
+            <a:r>
+              <a:rPr lang="en-US" altLang="zh-CN" sz="1600" dirty="0" smtClean="0">
+                <a:latin typeface="微软雅黑" pitchFamily="34" charset="-122"/>
+                <a:ea typeface="微软雅黑" pitchFamily="34" charset="-122"/>
+              </a:rPr>
+              <a:t>star</a:t>
+            </a:r>
+            <a:r>
+              <a:rPr lang="zh-CN" altLang="en-US" sz="1600" dirty="0" smtClean="0">
+                <a:latin typeface="微软雅黑" pitchFamily="34" charset="-122"/>
+                <a:ea typeface="微软雅黑" pitchFamily="34" charset="-122"/>
+              </a:rPr>
+              <a:t>。</a:t>
+            </a:r>
+            <a:endParaRPr lang="en-US" altLang="zh-CN" sz="1600" dirty="0" smtClean="0">
+              <a:latin typeface="微软雅黑" pitchFamily="34" charset="-122"/>
+              <a:ea typeface="微软雅黑" pitchFamily="34" charset="-122"/>
+            </a:endParaRPr>
+          </a:p>
+          <a:p>
+            <a:pPr>
+              <a:lnSpc>
+                <a:spcPct val="150000"/>
+              </a:lnSpc>
+            </a:pPr>
+            <a:endParaRPr lang="en-US" altLang="zh-CN" sz="1600" dirty="0" smtClean="0">
+              <a:latin typeface="微软雅黑" pitchFamily="34" charset="-122"/>
+              <a:ea typeface="微软雅黑" pitchFamily="34" charset="-122"/>
+            </a:endParaRPr>
+          </a:p>
+          <a:p>
+            <a:pPr>
+              <a:lnSpc>
+                <a:spcPct val="150000"/>
+              </a:lnSpc>
+            </a:pPr>
+            <a:r>
+              <a:rPr lang="zh-CN" altLang="en-US" sz="1600" b="1" dirty="0" smtClean="0">
+                <a:latin typeface="微软雅黑" pitchFamily="34" charset="-122"/>
+                <a:ea typeface="微软雅黑" pitchFamily="34" charset="-122"/>
+              </a:rPr>
+              <a:t>主要特征：</a:t>
+            </a:r>
+            <a:endParaRPr lang="en-US" altLang="zh-CN" sz="1600" b="1" dirty="0" smtClean="0">
+              <a:latin typeface="微软雅黑" pitchFamily="34" charset="-122"/>
+              <a:ea typeface="微软雅黑" pitchFamily="34" charset="-122"/>
+            </a:endParaRPr>
+          </a:p>
+          <a:p>
+            <a:pPr marL="742950" lvl="1" indent="-285750">
+              <a:lnSpc>
+                <a:spcPct val="150000"/>
+              </a:lnSpc>
+              <a:buFont typeface="Wingdings" panose="05000000000000000000" pitchFamily="2" charset="2"/>
+              <a:buChar char="Ø"/>
+            </a:pPr>
+            <a:r>
+              <a:rPr lang="zh-CN" altLang="en-US" sz="1600" dirty="0" smtClean="0">
+                <a:latin typeface="微软雅黑" pitchFamily="34" charset="-122"/>
+                <a:ea typeface="微软雅黑" pitchFamily="34" charset="-122"/>
+              </a:rPr>
+              <a:t>支持</a:t>
+            </a:r>
+            <a:r>
+              <a:rPr lang="en-US" altLang="zh-CN" sz="1600" dirty="0" smtClean="0">
+                <a:latin typeface="微软雅黑" pitchFamily="34" charset="-122"/>
+                <a:ea typeface="微软雅黑" pitchFamily="34" charset="-122"/>
+              </a:rPr>
+              <a:t>TLS</a:t>
+            </a:r>
+            <a:r>
+              <a:rPr lang="zh-CN" altLang="en-US" sz="1600" dirty="0" smtClean="0">
+                <a:latin typeface="微软雅黑" pitchFamily="34" charset="-122"/>
+                <a:ea typeface="微软雅黑" pitchFamily="34" charset="-122"/>
+              </a:rPr>
+              <a:t>安全通信。</a:t>
+            </a:r>
+            <a:endParaRPr lang="en-US" altLang="zh-CN" sz="1600" dirty="0" smtClean="0">
+              <a:latin typeface="微软雅黑" pitchFamily="34" charset="-122"/>
+              <a:ea typeface="微软雅黑" pitchFamily="34" charset="-122"/>
+            </a:endParaRPr>
+          </a:p>
+          <a:p>
+            <a:pPr marL="742950" lvl="1" indent="-285750">
+              <a:lnSpc>
+                <a:spcPct val="150000"/>
+              </a:lnSpc>
+              <a:buFont typeface="Wingdings" panose="05000000000000000000" pitchFamily="2" charset="2"/>
+              <a:buChar char="Ø"/>
+            </a:pPr>
+            <a:r>
+              <a:rPr lang="zh-CN" altLang="en-US" sz="1600" dirty="0" smtClean="0">
+                <a:latin typeface="微软雅黑" pitchFamily="34" charset="-122"/>
+                <a:ea typeface="微软雅黑" pitchFamily="34" charset="-122"/>
+              </a:rPr>
+              <a:t>实时感知</a:t>
+            </a:r>
+            <a:r>
+              <a:rPr lang="en-US" altLang="zh-CN" sz="1600" dirty="0" smtClean="0">
+                <a:latin typeface="微软雅黑" pitchFamily="34" charset="-122"/>
+                <a:ea typeface="微软雅黑" pitchFamily="34" charset="-122"/>
+              </a:rPr>
               <a:t>binlog</a:t>
             </a:r>
             <a:r>
@@ -27790,7 +29998,203 @@
                 <a:latin typeface="微软雅黑" pitchFamily="34" charset="-122"/>
                 <a:ea typeface="微软雅黑" pitchFamily="34" charset="-122"/>
               </a:rPr>
-              <a:t>，会不会产生问题？</a:t>
+              <a:t>更新。</a:t>
+            </a:r>
+            <a:endParaRPr lang="en-US" altLang="zh-CN" sz="1600" dirty="0" smtClean="0">
+              <a:latin typeface="微软雅黑" pitchFamily="34" charset="-122"/>
+              <a:ea typeface="微软雅黑" pitchFamily="34" charset="-122"/>
+            </a:endParaRPr>
+          </a:p>
+          <a:p>
+            <a:pPr marL="742950" lvl="1" indent="-285750">
+              <a:lnSpc>
+                <a:spcPct val="150000"/>
+              </a:lnSpc>
+              <a:buFont typeface="Wingdings" panose="05000000000000000000" pitchFamily="2" charset="2"/>
+              <a:buChar char="Ø"/>
+            </a:pPr>
+            <a:r>
+              <a:rPr lang="zh-CN" altLang="en-US" sz="1600" dirty="0" smtClean="0">
+                <a:latin typeface="微软雅黑" pitchFamily="34" charset="-122"/>
+                <a:ea typeface="微软雅黑" pitchFamily="34" charset="-122"/>
+              </a:rPr>
+              <a:t>与数据库失</a:t>
+            </a:r>
+            <a:r>
+              <a:rPr lang="zh-CN" altLang="en-US" sz="1600" dirty="0">
+                <a:latin typeface="微软雅黑" pitchFamily="34" charset="-122"/>
+                <a:ea typeface="微软雅黑" pitchFamily="34" charset="-122"/>
+              </a:rPr>
+              <a:t>联后可自动恢复</a:t>
+            </a:r>
+            <a:r>
+              <a:rPr lang="zh-CN" altLang="en-US" sz="1600" dirty="0" smtClean="0">
+                <a:latin typeface="微软雅黑" pitchFamily="34" charset="-122"/>
+                <a:ea typeface="微软雅黑" pitchFamily="34" charset="-122"/>
+              </a:rPr>
+              <a:t>。</a:t>
+            </a:r>
+            <a:endParaRPr lang="en-US" altLang="zh-CN" sz="1600" dirty="0" smtClean="0">
+              <a:latin typeface="微软雅黑" pitchFamily="34" charset="-122"/>
+              <a:ea typeface="微软雅黑" pitchFamily="34" charset="-122"/>
+            </a:endParaRPr>
+          </a:p>
+          <a:p>
+            <a:pPr marL="742950" lvl="1" indent="-285750">
+              <a:lnSpc>
+                <a:spcPct val="150000"/>
+              </a:lnSpc>
+              <a:buFont typeface="Wingdings" panose="05000000000000000000" pitchFamily="2" charset="2"/>
+              <a:buChar char="Ø"/>
+            </a:pPr>
+            <a:r>
+              <a:rPr lang="zh-CN" altLang="en-US" sz="1600" dirty="0">
+                <a:latin typeface="微软雅黑" pitchFamily="34" charset="-122"/>
+                <a:ea typeface="微软雅黑" pitchFamily="34" charset="-122"/>
+              </a:rPr>
+              <a:t>可从中央仓库下载，且无第三方依赖</a:t>
+            </a:r>
+            <a:r>
+              <a:rPr lang="zh-CN" altLang="en-US" sz="1600" dirty="0" smtClean="0">
+                <a:latin typeface="微软雅黑" pitchFamily="34" charset="-122"/>
+                <a:ea typeface="微软雅黑" pitchFamily="34" charset="-122"/>
+              </a:rPr>
+              <a:t>。</a:t>
+            </a:r>
+            <a:endParaRPr lang="en-US" altLang="zh-CN" sz="1600" dirty="0" smtClean="0">
+              <a:latin typeface="微软雅黑" pitchFamily="34" charset="-122"/>
+              <a:ea typeface="微软雅黑" pitchFamily="34" charset="-122"/>
+            </a:endParaRPr>
+          </a:p>
+          <a:p>
+            <a:pPr marL="742950" lvl="1" indent="-285750">
+              <a:lnSpc>
+                <a:spcPct val="150000"/>
+              </a:lnSpc>
+              <a:buFont typeface="Wingdings" panose="05000000000000000000" pitchFamily="2" charset="2"/>
+              <a:buChar char="Ø"/>
+            </a:pPr>
+            <a:r>
+              <a:rPr lang="zh-CN" altLang="en-US" sz="1600" dirty="0" smtClean="0">
+                <a:latin typeface="微软雅黑" pitchFamily="34" charset="-122"/>
+                <a:ea typeface="微软雅黑" pitchFamily="34" charset="-122"/>
+              </a:rPr>
+              <a:t>连接时可指定</a:t>
+            </a:r>
+            <a:r>
+              <a:rPr lang="en-US" altLang="zh-CN" sz="1600" dirty="0">
+                <a:latin typeface="微软雅黑" pitchFamily="34" charset="-122"/>
+                <a:ea typeface="微软雅黑" pitchFamily="34" charset="-122"/>
+              </a:rPr>
+              <a:t>binlog</a:t>
+            </a:r>
+            <a:r>
+              <a:rPr lang="zh-CN" altLang="en-US" sz="1600" dirty="0">
+                <a:latin typeface="微软雅黑" pitchFamily="34" charset="-122"/>
+                <a:ea typeface="微软雅黑" pitchFamily="34" charset="-122"/>
+              </a:rPr>
+              <a:t>文件</a:t>
+            </a:r>
+            <a:r>
+              <a:rPr lang="zh-CN" altLang="en-US" sz="1600" dirty="0" smtClean="0">
+                <a:latin typeface="微软雅黑" pitchFamily="34" charset="-122"/>
+                <a:ea typeface="微软雅黑" pitchFamily="34" charset="-122"/>
+              </a:rPr>
+              <a:t>和位置，默认从最新的</a:t>
+            </a:r>
+            <a:r>
+              <a:rPr lang="en-US" altLang="zh-CN" sz="1600" dirty="0" smtClean="0">
+                <a:latin typeface="微软雅黑" pitchFamily="34" charset="-122"/>
+                <a:ea typeface="微软雅黑" pitchFamily="34" charset="-122"/>
+              </a:rPr>
+              <a:t>binlog</a:t>
+            </a:r>
+            <a:r>
+              <a:rPr lang="zh-CN" altLang="en-US" sz="1600" dirty="0" smtClean="0">
+                <a:latin typeface="微软雅黑" pitchFamily="34" charset="-122"/>
+                <a:ea typeface="微软雅黑" pitchFamily="34" charset="-122"/>
+              </a:rPr>
+              <a:t>文件末尾读取。</a:t>
+            </a:r>
+            <a:r>
+              <a:rPr lang="en-US" altLang="zh-CN" sz="1600" dirty="0" smtClean="0">
+                <a:latin typeface="微软雅黑" pitchFamily="34" charset="-122"/>
+                <a:ea typeface="微软雅黑" pitchFamily="34" charset="-122"/>
+              </a:rPr>
+              <a:t/>
+            </a:r>
+            <a:br>
+              <a:rPr lang="en-US" altLang="zh-CN" sz="1600" dirty="0" smtClean="0">
+                <a:latin typeface="微软雅黑" pitchFamily="34" charset="-122"/>
+                <a:ea typeface="微软雅黑" pitchFamily="34" charset="-122"/>
+              </a:rPr>
+            </a:br>
+            <a:endParaRPr lang="en-US" altLang="zh-CN" sz="1600" dirty="0" smtClean="0">
+              <a:latin typeface="微软雅黑" pitchFamily="34" charset="-122"/>
+              <a:ea typeface="微软雅黑" pitchFamily="34" charset="-122"/>
+            </a:endParaRPr>
+          </a:p>
+          <a:p>
+            <a:pPr>
+              <a:lnSpc>
+                <a:spcPct val="150000"/>
+              </a:lnSpc>
+            </a:pPr>
+            <a:r>
+              <a:rPr lang="zh-CN" altLang="en-US" sz="1600" b="1" dirty="0" smtClean="0">
+                <a:latin typeface="微软雅黑" pitchFamily="34" charset="-122"/>
+                <a:ea typeface="微软雅黑" pitchFamily="34" charset="-122"/>
+              </a:rPr>
+              <a:t>版本选择</a:t>
+            </a:r>
+            <a:r>
+              <a:rPr lang="zh-CN" altLang="en-US" sz="1600" dirty="0" smtClean="0">
+                <a:latin typeface="微软雅黑" pitchFamily="34" charset="-122"/>
+                <a:ea typeface="微软雅黑" pitchFamily="34" charset="-122"/>
+              </a:rPr>
+              <a:t>：最新版本为</a:t>
+            </a:r>
+            <a:r>
+              <a:rPr lang="en-US" altLang="zh-CN" sz="1600" dirty="0" smtClean="0">
+                <a:latin typeface="微软雅黑" pitchFamily="34" charset="-122"/>
+                <a:ea typeface="微软雅黑" pitchFamily="34" charset="-122"/>
+              </a:rPr>
+              <a:t>0.21.0</a:t>
+            </a:r>
+            <a:r>
+              <a:rPr lang="zh-CN" altLang="en-US" sz="1600" dirty="0" smtClean="0">
+                <a:latin typeface="微软雅黑" pitchFamily="34" charset="-122"/>
+                <a:ea typeface="微软雅黑" pitchFamily="34" charset="-122"/>
+              </a:rPr>
+              <a:t>。</a:t>
+            </a:r>
+            <a:r>
+              <a:rPr lang="en-US" altLang="zh-CN" sz="1600" dirty="0" smtClean="0">
+                <a:latin typeface="微软雅黑" pitchFamily="34" charset="-122"/>
+                <a:ea typeface="微软雅黑" pitchFamily="34" charset="-122"/>
+              </a:rPr>
+              <a:t>maven</a:t>
+            </a:r>
+            <a:r>
+              <a:rPr lang="zh-CN" altLang="en-US" sz="1600" dirty="0" smtClean="0">
+                <a:latin typeface="微软雅黑" pitchFamily="34" charset="-122"/>
+                <a:ea typeface="微软雅黑" pitchFamily="34" charset="-122"/>
+              </a:rPr>
+              <a:t>中央仓库中标记被使用数为</a:t>
+            </a:r>
+            <a:r>
+              <a:rPr lang="en-US" altLang="zh-CN" sz="1600" dirty="0" smtClean="0">
+                <a:latin typeface="微软雅黑" pitchFamily="34" charset="-122"/>
+                <a:ea typeface="微软雅黑" pitchFamily="34" charset="-122"/>
+              </a:rPr>
+              <a:t>8</a:t>
+            </a:r>
+            <a:r>
+              <a:rPr lang="zh-CN" altLang="en-US" sz="1600" dirty="0" smtClean="0">
+                <a:latin typeface="微软雅黑" pitchFamily="34" charset="-122"/>
+                <a:ea typeface="微软雅黑" pitchFamily="34" charset="-122"/>
+              </a:rPr>
+              <a:t>，在所有版本中排名第三多。</a:t>
             </a:r>
             <a:endParaRPr lang="en-US" altLang="zh-CN" sz="1600" dirty="0" smtClean="0">
               <a:latin typeface="微软雅黑" pitchFamily="34" charset="-122"/>
@@ -27819,1159 +30223,142 @@
                 <a:latin typeface="微软雅黑" pitchFamily="34" charset="-122"/>
                 <a:ea typeface="微软雅黑" pitchFamily="34" charset="-122"/>
               </a:rPr>
-              <a:t>分析</a:t>
+              <a:t>集成模块选择</a:t>
             </a:r>
             <a:r>
               <a:rPr lang="zh-CN" altLang="en-US" sz="1600" dirty="0" smtClean="0">
                 <a:latin typeface="微软雅黑" pitchFamily="34" charset="-122"/>
                 <a:ea typeface="微软雅黑" pitchFamily="34" charset="-122"/>
               </a:rPr>
-              <a:t>：</a:t>
+              <a:t>：由于</a:t>
+            </a:r>
+            <a:r>
+              <a:rPr lang="zh-CN" altLang="en-US" sz="1600" dirty="0">
+                <a:latin typeface="微软雅黑" pitchFamily="34" charset="-122"/>
+                <a:ea typeface="微软雅黑" pitchFamily="34" charset="-122"/>
+              </a:rPr>
+              <a:t>该组件每集成进一个模块，就会产生一个</a:t>
             </a:r>
             <a:r>
               <a:rPr lang="en-US" altLang="zh-CN" sz="1600" dirty="0" smtClean="0">
                 <a:latin typeface="微软雅黑" pitchFamily="34" charset="-122"/>
                 <a:ea typeface="微软雅黑" pitchFamily="34" charset="-122"/>
               </a:rPr>
-              <a:t>websocket</a:t>
+              <a:t>slave</a:t>
+            </a:r>
+            <a:r>
+              <a:rPr lang="zh-CN" altLang="en-US" sz="1600" dirty="0">
+                <a:latin typeface="微软雅黑" pitchFamily="34" charset="-122"/>
+                <a:ea typeface="微软雅黑" pitchFamily="34" charset="-122"/>
+              </a:rPr>
+              <a:t>。</a:t>
             </a:r>
             <a:r>
               <a:rPr lang="zh-CN" altLang="en-US" sz="1600" dirty="0" smtClean="0">
                 <a:latin typeface="微软雅黑" pitchFamily="34" charset="-122"/>
                 <a:ea typeface="微软雅黑" pitchFamily="34" charset="-122"/>
               </a:rPr>
-              <a:t>每个</a:t>
+              <a:t>所以如果各模块单独集成，就会给数据库带来额外的管理负担和成倍的网络</a:t>
             </a:r>
             <a:r>
               <a:rPr lang="en-US" altLang="zh-CN" sz="1600" dirty="0" smtClean="0">
                 <a:latin typeface="微软雅黑" pitchFamily="34" charset="-122"/>
                 <a:ea typeface="微软雅黑" pitchFamily="34" charset="-122"/>
               </a:rPr>
-              <a:t>client</a:t>
+              <a:t>I/O</a:t>
             </a:r>
             <a:r>
               <a:rPr lang="zh-CN" altLang="en-US" sz="1600" dirty="0" smtClean="0">
                 <a:latin typeface="微软雅黑" pitchFamily="34" charset="-122"/>
                 <a:ea typeface="微软雅黑" pitchFamily="34" charset="-122"/>
               </a:rPr>
-              <a:t>只能连接到一个</a:t>
+              <a:t>负载。因此建议将</a:t>
+            </a:r>
+            <a:r>
+              <a:rPr lang="zh-CN" altLang="en-US" sz="1600" dirty="0">
+                <a:latin typeface="微软雅黑" pitchFamily="34" charset="-122"/>
+                <a:ea typeface="微软雅黑" pitchFamily="34" charset="-122"/>
+              </a:rPr>
+              <a:t>该组件集成</a:t>
+            </a:r>
+            <a:r>
+              <a:rPr lang="zh-CN" altLang="en-US" sz="1600" dirty="0" smtClean="0">
+                <a:latin typeface="微软雅黑" pitchFamily="34" charset="-122"/>
+                <a:ea typeface="微软雅黑" pitchFamily="34" charset="-122"/>
+              </a:rPr>
+              <a:t>到</a:t>
             </a:r>
             <a:r>
               <a:rPr lang="en-US" altLang="zh-CN" sz="1600" dirty="0" smtClean="0">
                 <a:latin typeface="微软雅黑" pitchFamily="34" charset="-122"/>
                 <a:ea typeface="微软雅黑" pitchFamily="34" charset="-122"/>
               </a:rPr>
-              <a:t>server</a:t>
+              <a:t>iresource-common</a:t>
             </a:r>
             <a:r>
               <a:rPr lang="zh-CN" altLang="en-US" sz="1600" dirty="0" smtClean="0">
                 <a:latin typeface="微软雅黑" pitchFamily="34" charset="-122"/>
                 <a:ea typeface="微软雅黑" pitchFamily="34" charset="-122"/>
               </a:rPr>
-              <a:t>，因此，每个</a:t>
+              <a:t>，由</a:t>
             </a:r>
             <a:r>
               <a:rPr lang="en-US" altLang="zh-CN" sz="1600" dirty="0" smtClean="0">
                 <a:latin typeface="微软雅黑" pitchFamily="34" charset="-122"/>
                 <a:ea typeface="微软雅黑" pitchFamily="34" charset="-122"/>
               </a:rPr>
-              <a:t>server</a:t>
+              <a:t>iresource-common</a:t>
             </a:r>
             <a:r>
               <a:rPr lang="zh-CN" altLang="en-US" sz="1600" dirty="0" smtClean="0">
                 <a:latin typeface="微软雅黑" pitchFamily="34" charset="-122"/>
                 <a:ea typeface="微软雅黑" pitchFamily="34" charset="-122"/>
               </a:rPr>
-              <a:t>会连接各自不同的</a:t>
-            </a:r>
-            <a:r>
-              <a:rPr lang="en-US" altLang="zh-CN" sz="1600" dirty="0" smtClean="0">
-                <a:latin typeface="微软雅黑" pitchFamily="34" charset="-122"/>
-                <a:ea typeface="微软雅黑" pitchFamily="34" charset="-122"/>
-              </a:rPr>
-              <a:t>client</a:t>
+              <a:t>在</a:t>
+            </a:r>
+            <a:r>
+              <a:rPr lang="zh-CN" altLang="en-US" sz="1600" dirty="0">
+                <a:latin typeface="微软雅黑" pitchFamily="34" charset="-122"/>
+                <a:ea typeface="微软雅黑" pitchFamily="34" charset="-122"/>
+              </a:rPr>
+              <a:t>感知到</a:t>
             </a:r>
             <a:r>
               <a:rPr lang="zh-CN" altLang="en-US" sz="1600" dirty="0" smtClean="0">
                 <a:latin typeface="微软雅黑" pitchFamily="34" charset="-122"/>
                 <a:ea typeface="微软雅黑" pitchFamily="34" charset="-122"/>
               </a:rPr>
-              <a:t>。所以，多副本解析同一份</a:t>
-            </a:r>
-            <a:r>
-              <a:rPr lang="en-US" altLang="zh-CN" sz="1600" dirty="0" smtClean="0">
-                <a:latin typeface="微软雅黑" pitchFamily="34" charset="-122"/>
-                <a:ea typeface="微软雅黑" pitchFamily="34" charset="-122"/>
-              </a:rPr>
-              <a:t>binlog</a:t>
+              <a:t>符合条件</a:t>
+            </a:r>
+            <a:r>
+              <a:rPr lang="zh-CN" altLang="en-US" sz="1600" dirty="0">
+                <a:latin typeface="微软雅黑" pitchFamily="34" charset="-122"/>
+                <a:ea typeface="微软雅黑" pitchFamily="34" charset="-122"/>
+              </a:rPr>
+              <a:t>的数据库变化之后</a:t>
             </a:r>
             <a:r>
               <a:rPr lang="zh-CN" altLang="en-US" sz="1600" dirty="0" smtClean="0">
                 <a:latin typeface="微软雅黑" pitchFamily="34" charset="-122"/>
                 <a:ea typeface="微软雅黑" pitchFamily="34" charset="-122"/>
               </a:rPr>
-              <a:t>，每个</a:t>
-            </a:r>
-            <a:r>
-              <a:rPr lang="en-US" altLang="zh-CN" sz="1600" dirty="0" smtClean="0">
-                <a:latin typeface="微软雅黑" pitchFamily="34" charset="-122"/>
-                <a:ea typeface="微软雅黑" pitchFamily="34" charset="-122"/>
-              </a:rPr>
-              <a:t>server</a:t>
+              <a:t>，统一进行</a:t>
+            </a:r>
+            <a:r>
+              <a:rPr lang="zh-CN" altLang="en-US" sz="1600" dirty="0">
+                <a:latin typeface="微软雅黑" pitchFamily="34" charset="-122"/>
+                <a:ea typeface="微软雅黑" pitchFamily="34" charset="-122"/>
+              </a:rPr>
+              <a:t>数据处理或业务分发</a:t>
             </a:r>
             <a:r>
               <a:rPr lang="zh-CN" altLang="en-US" sz="1600" dirty="0" smtClean="0">
                 <a:latin typeface="微软雅黑" pitchFamily="34" charset="-122"/>
                 <a:ea typeface="微软雅黑" pitchFamily="34" charset="-122"/>
               </a:rPr>
-              <a:t>推送给不同的客户端，并没有问题。</a:t>
-            </a:r>
-            <a:endParaRPr lang="en-US" altLang="zh-CN" sz="1600" dirty="0" smtClean="0">
-              <a:latin typeface="微软雅黑" pitchFamily="34" charset="-122"/>
-              <a:ea typeface="微软雅黑" pitchFamily="34" charset="-122"/>
-            </a:endParaRPr>
-          </a:p>
-          <a:p>
-            <a:pPr>
-              <a:lnSpc>
-                <a:spcPct val="150000"/>
-              </a:lnSpc>
-            </a:pPr>
-            <a:endParaRPr lang="en-US" altLang="zh-CN" sz="1600" dirty="0">
-              <a:latin typeface="微软雅黑" pitchFamily="34" charset="-122"/>
-              <a:ea typeface="微软雅黑" pitchFamily="34" charset="-122"/>
-            </a:endParaRPr>
-          </a:p>
-          <a:p>
-            <a:pPr>
-              <a:lnSpc>
-                <a:spcPct val="150000"/>
-              </a:lnSpc>
-            </a:pPr>
-            <a:r>
-              <a:rPr lang="zh-CN" altLang="en-US" sz="1600" b="1" dirty="0" smtClean="0">
-                <a:latin typeface="微软雅黑" pitchFamily="34" charset="-122"/>
-                <a:ea typeface="微软雅黑" pitchFamily="34" charset="-122"/>
-              </a:rPr>
-              <a:t>问题</a:t>
-            </a:r>
-            <a:r>
-              <a:rPr lang="en-US" altLang="zh-CN" sz="1600" b="1" dirty="0" smtClean="0">
-                <a:latin typeface="微软雅黑" pitchFamily="34" charset="-122"/>
-                <a:ea typeface="微软雅黑" pitchFamily="34" charset="-122"/>
-              </a:rPr>
-              <a:t>2</a:t>
-            </a:r>
-            <a:r>
-              <a:rPr lang="zh-CN" altLang="en-US" sz="1600" dirty="0" smtClean="0">
-                <a:latin typeface="微软雅黑" pitchFamily="34" charset="-122"/>
-                <a:ea typeface="微软雅黑" pitchFamily="34" charset="-122"/>
-              </a:rPr>
-              <a:t>：</a:t>
-            </a:r>
-            <a:r>
-              <a:rPr lang="en-US" altLang="zh-CN" sz="1600" dirty="0" smtClean="0">
-                <a:latin typeface="微软雅黑" pitchFamily="34" charset="-122"/>
-                <a:ea typeface="微软雅黑" pitchFamily="34" charset="-122"/>
-              </a:rPr>
-              <a:t>slave</a:t>
-            </a:r>
-            <a:r>
-              <a:rPr lang="zh-CN" altLang="en-US" sz="1600" dirty="0" smtClean="0">
-                <a:latin typeface="微软雅黑" pitchFamily="34" charset="-122"/>
-                <a:ea typeface="微软雅黑" pitchFamily="34" charset="-122"/>
-              </a:rPr>
-              <a:t>连接到</a:t>
-            </a:r>
-            <a:r>
-              <a:rPr lang="en-US" altLang="zh-CN" sz="1600" dirty="0" smtClean="0">
-                <a:latin typeface="微软雅黑" pitchFamily="34" charset="-122"/>
-                <a:ea typeface="微软雅黑" pitchFamily="34" charset="-122"/>
-              </a:rPr>
-              <a:t>master</a:t>
-            </a:r>
-            <a:r>
-              <a:rPr lang="zh-CN" altLang="en-US" sz="1600" dirty="0" smtClean="0">
-                <a:latin typeface="微软雅黑" pitchFamily="34" charset="-122"/>
-                <a:ea typeface="微软雅黑" pitchFamily="34" charset="-122"/>
-              </a:rPr>
-              <a:t>时，需要为每个</a:t>
-            </a:r>
-            <a:r>
-              <a:rPr lang="en-US" altLang="zh-CN" sz="1600" dirty="0" smtClean="0">
-                <a:latin typeface="微软雅黑" pitchFamily="34" charset="-122"/>
-                <a:ea typeface="微软雅黑" pitchFamily="34" charset="-122"/>
-              </a:rPr>
-              <a:t>slave</a:t>
-            </a:r>
-            <a:r>
-              <a:rPr lang="zh-CN" altLang="en-US" sz="1600" dirty="0" smtClean="0">
-                <a:latin typeface="微软雅黑" pitchFamily="34" charset="-122"/>
-                <a:ea typeface="微软雅黑" pitchFamily="34" charset="-122"/>
-              </a:rPr>
-              <a:t>声明唯一</a:t>
-            </a:r>
-            <a:r>
-              <a:rPr lang="en-US" altLang="zh-CN" sz="1600" dirty="0" smtClean="0">
-                <a:latin typeface="微软雅黑" pitchFamily="34" charset="-122"/>
-                <a:ea typeface="微软雅黑" pitchFamily="34" charset="-122"/>
-              </a:rPr>
-              <a:t>server-id</a:t>
-            </a:r>
-            <a:r>
-              <a:rPr lang="zh-CN" altLang="en-US" sz="1600" dirty="0" smtClean="0">
-                <a:latin typeface="微软雅黑" pitchFamily="34" charset="-122"/>
-                <a:ea typeface="微软雅黑" pitchFamily="34" charset="-122"/>
-              </a:rPr>
-              <a:t>，三副本部署时，每个</a:t>
-            </a:r>
-            <a:r>
-              <a:rPr lang="en-US" altLang="zh-CN" sz="1600" dirty="0" smtClean="0">
-                <a:latin typeface="微软雅黑" pitchFamily="34" charset="-122"/>
-                <a:ea typeface="微软雅黑" pitchFamily="34" charset="-122"/>
-              </a:rPr>
-              <a:t>slave</a:t>
-            </a:r>
-            <a:r>
-              <a:rPr lang="zh-CN" altLang="en-US" sz="1600" dirty="0" smtClean="0">
-                <a:latin typeface="微软雅黑" pitchFamily="34" charset="-122"/>
-                <a:ea typeface="微软雅黑" pitchFamily="34" charset="-122"/>
-              </a:rPr>
-              <a:t>要声明一个唯一的</a:t>
-            </a:r>
-            <a:r>
-              <a:rPr lang="en-US" altLang="zh-CN" sz="1600" dirty="0" smtClean="0">
-                <a:latin typeface="微软雅黑" pitchFamily="34" charset="-122"/>
-                <a:ea typeface="微软雅黑" pitchFamily="34" charset="-122"/>
-              </a:rPr>
-              <a:t>server-id</a:t>
-            </a:r>
-            <a:r>
-              <a:rPr lang="zh-CN" altLang="en-US" sz="1600" dirty="0" smtClean="0">
-                <a:latin typeface="微软雅黑" pitchFamily="34" charset="-122"/>
-                <a:ea typeface="微软雅黑" pitchFamily="34" charset="-122"/>
-              </a:rPr>
               <a:t>。</a:t>
             </a:r>
-            <a:endParaRPr lang="en-US" altLang="zh-CN" sz="1600" dirty="0" smtClean="0">
-              <a:latin typeface="微软雅黑" pitchFamily="34" charset="-122"/>
-              <a:ea typeface="微软雅黑" pitchFamily="34" charset="-122"/>
-            </a:endParaRPr>
-          </a:p>
-        </p:txBody>
-      </p:sp>
-      <p:sp>
-        <p:nvSpPr>
-          <p:cNvPr id="4" name="流程图: 磁盘 3"/>
-          <p:cNvSpPr/>
-          <p:nvPr/>
-        </p:nvSpPr>
-        <p:spPr>
-          <a:xfrm>
-            <a:off x="7638992" y="4343967"/>
-            <a:ext cx="1464845" cy="902369"/>
-          </a:xfrm>
-          <a:prstGeom prst="flowChartMagneticDisk">
-            <a:avLst/>
-          </a:prstGeom>
-          <a:solidFill>
-            <a:schemeClr val="bg2">
-              <a:lumMod val="25000"/>
-            </a:schemeClr>
-          </a:solidFill>
-        </p:spPr>
-        <p:style>
-          <a:lnRef idx="2">
-            <a:schemeClr val="accent1">
-              <a:shade val="50000"/>
-            </a:schemeClr>
-          </a:lnRef>
-          <a:fillRef idx="1">
-            <a:schemeClr val="accent1"/>
-          </a:fillRef>
-          <a:effectRef idx="0">
-            <a:schemeClr val="accent1"/>
-          </a:effectRef>
-          <a:fontRef idx="minor">
-            <a:schemeClr val="lt1"/>
-          </a:fontRef>
-        </p:style>
-        <p:txBody>
-          <a:bodyPr rtlCol="0" anchor="ctr"/>
-          <a:lstStyle/>
-          <a:p>
-            <a:pPr algn="ctr"/>
-            <a:r>
-              <a:rPr lang="en-US" altLang="zh-CN" sz="1100" dirty="0" smtClean="0"/>
-              <a:t>DB</a:t>
-            </a:r>
-          </a:p>
-          <a:p>
-            <a:pPr algn="ctr"/>
-            <a:r>
-              <a:rPr lang="en-US" altLang="zh-CN" sz="1100" dirty="0" smtClean="0"/>
-              <a:t>(master)</a:t>
-            </a:r>
-            <a:endParaRPr lang="zh-CN" altLang="en-US" sz="1100" dirty="0"/>
-          </a:p>
-        </p:txBody>
-      </p:sp>
-      <p:sp>
-        <p:nvSpPr>
-          <p:cNvPr id="5" name="流程图: 可选过程 4"/>
-          <p:cNvSpPr/>
-          <p:nvPr/>
-        </p:nvSpPr>
-        <p:spPr>
-          <a:xfrm>
-            <a:off x="5331514" y="2462212"/>
-            <a:ext cx="1534026" cy="744433"/>
-          </a:xfrm>
-          <a:prstGeom prst="flowChartAlternateProcess">
-            <a:avLst/>
-          </a:prstGeom>
-        </p:spPr>
-        <p:style>
-          <a:lnRef idx="2">
-            <a:schemeClr val="accent1">
-              <a:shade val="50000"/>
-            </a:schemeClr>
-          </a:lnRef>
-          <a:fillRef idx="1">
-            <a:schemeClr val="accent1"/>
-          </a:fillRef>
-          <a:effectRef idx="0">
-            <a:schemeClr val="accent1"/>
-          </a:effectRef>
-          <a:fontRef idx="minor">
-            <a:schemeClr val="lt1"/>
-          </a:fontRef>
-        </p:style>
-        <p:txBody>
-          <a:bodyPr rtlCol="0" anchor="ctr"/>
-          <a:lstStyle/>
-          <a:p>
-            <a:pPr algn="ctr"/>
-            <a:r>
-              <a:rPr lang="en-US" altLang="zh-CN" sz="1100" dirty="0" smtClean="0"/>
-              <a:t>Iresource-common</a:t>
-            </a:r>
-          </a:p>
-          <a:p>
-            <a:pPr algn="ctr"/>
-            <a:r>
-              <a:rPr lang="en-US" altLang="zh-CN" sz="1100" dirty="0" smtClean="0"/>
-              <a:t>(slave)</a:t>
-            </a:r>
-            <a:endParaRPr lang="zh-CN" altLang="en-US" sz="1100" dirty="0"/>
-          </a:p>
-        </p:txBody>
-      </p:sp>
-      <p:sp>
-        <p:nvSpPr>
-          <p:cNvPr id="6" name="流程图: 可选过程 5"/>
-          <p:cNvSpPr/>
-          <p:nvPr/>
-        </p:nvSpPr>
-        <p:spPr>
-          <a:xfrm>
-            <a:off x="7638992" y="2462212"/>
-            <a:ext cx="1534026" cy="744433"/>
-          </a:xfrm>
-          <a:prstGeom prst="flowChartAlternateProcess">
-            <a:avLst/>
-          </a:prstGeom>
-        </p:spPr>
-        <p:style>
-          <a:lnRef idx="2">
-            <a:schemeClr val="accent1">
-              <a:shade val="50000"/>
-            </a:schemeClr>
-          </a:lnRef>
-          <a:fillRef idx="1">
-            <a:schemeClr val="accent1"/>
-          </a:fillRef>
-          <a:effectRef idx="0">
-            <a:schemeClr val="accent1"/>
-          </a:effectRef>
-          <a:fontRef idx="minor">
-            <a:schemeClr val="lt1"/>
-          </a:fontRef>
-        </p:style>
-        <p:txBody>
-          <a:bodyPr rtlCol="0" anchor="ctr"/>
-          <a:lstStyle/>
-          <a:p>
-            <a:pPr algn="ctr"/>
-            <a:r>
-              <a:rPr lang="en-US" altLang="zh-CN" sz="1100" dirty="0" smtClean="0"/>
-              <a:t>Iresource-common</a:t>
-            </a:r>
-          </a:p>
-          <a:p>
-            <a:pPr algn="ctr"/>
-            <a:r>
-              <a:rPr lang="en-US" altLang="zh-CN" sz="1100" dirty="0" smtClean="0"/>
-              <a:t>(slave)</a:t>
-            </a:r>
-            <a:endParaRPr lang="zh-CN" altLang="en-US" sz="1100" dirty="0"/>
-          </a:p>
-        </p:txBody>
-      </p:sp>
-      <p:sp>
-        <p:nvSpPr>
-          <p:cNvPr id="7" name="流程图: 可选过程 6"/>
-          <p:cNvSpPr/>
-          <p:nvPr/>
-        </p:nvSpPr>
-        <p:spPr>
-          <a:xfrm>
-            <a:off x="9946470" y="2462212"/>
-            <a:ext cx="1534026" cy="744433"/>
-          </a:xfrm>
-          <a:prstGeom prst="flowChartAlternateProcess">
-            <a:avLst/>
-          </a:prstGeom>
-        </p:spPr>
-        <p:style>
-          <a:lnRef idx="2">
-            <a:schemeClr val="accent1">
-              <a:shade val="50000"/>
-            </a:schemeClr>
-          </a:lnRef>
-          <a:fillRef idx="1">
-            <a:schemeClr val="accent1"/>
-          </a:fillRef>
-          <a:effectRef idx="0">
-            <a:schemeClr val="accent1"/>
-          </a:effectRef>
-          <a:fontRef idx="minor">
-            <a:schemeClr val="lt1"/>
-          </a:fontRef>
-        </p:style>
-        <p:txBody>
-          <a:bodyPr rtlCol="0" anchor="ctr"/>
-          <a:lstStyle/>
-          <a:p>
-            <a:pPr algn="ctr"/>
-            <a:r>
-              <a:rPr lang="en-US" altLang="zh-CN" sz="1100" dirty="0" smtClean="0"/>
-              <a:t>Iresource-common</a:t>
-            </a:r>
-          </a:p>
-          <a:p>
-            <a:pPr algn="ctr"/>
-            <a:r>
-              <a:rPr lang="en-US" altLang="zh-CN" sz="1100" dirty="0" smtClean="0"/>
-              <a:t>(slave)</a:t>
-            </a:r>
-            <a:endParaRPr lang="zh-CN" altLang="en-US" sz="1100" dirty="0"/>
-          </a:p>
-        </p:txBody>
-      </p:sp>
-      <p:sp>
-        <p:nvSpPr>
-          <p:cNvPr id="8" name="直角双向箭头 7"/>
-          <p:cNvSpPr/>
-          <p:nvPr/>
-        </p:nvSpPr>
-        <p:spPr>
-          <a:xfrm>
-            <a:off x="9173017" y="3260702"/>
-            <a:ext cx="1657181" cy="1656000"/>
-          </a:xfrm>
-          <a:prstGeom prst="leftUpArrow">
-            <a:avLst>
-              <a:gd name="adj1" fmla="val 5165"/>
-              <a:gd name="adj2" fmla="val 8472"/>
-              <a:gd name="adj3" fmla="val 13528"/>
-            </a:avLst>
-          </a:prstGeom>
-          <a:ln w="22225"/>
-        </p:spPr>
-        <p:style>
-          <a:lnRef idx="2">
-            <a:schemeClr val="dk1"/>
-          </a:lnRef>
-          <a:fillRef idx="1">
-            <a:schemeClr val="lt1"/>
-          </a:fillRef>
-          <a:effectRef idx="0">
-            <a:schemeClr val="dk1"/>
-          </a:effectRef>
-          <a:fontRef idx="minor">
-            <a:schemeClr val="dk1"/>
-          </a:fontRef>
-        </p:style>
-        <p:txBody>
-          <a:bodyPr rtlCol="0" anchor="ctr"/>
-          <a:lstStyle/>
-          <a:p>
-            <a:pPr algn="ctr"/>
-            <a:endParaRPr lang="zh-CN" altLang="en-US"/>
-          </a:p>
-        </p:txBody>
-      </p:sp>
-      <p:sp>
-        <p:nvSpPr>
-          <p:cNvPr id="11" name="直角双向箭头 10"/>
-          <p:cNvSpPr/>
-          <p:nvPr/>
-        </p:nvSpPr>
-        <p:spPr>
-          <a:xfrm rot="5400000">
-            <a:off x="5913221" y="3309871"/>
-            <a:ext cx="1657181" cy="1656000"/>
-          </a:xfrm>
-          <a:prstGeom prst="leftUpArrow">
-            <a:avLst>
-              <a:gd name="adj1" fmla="val 5165"/>
-              <a:gd name="adj2" fmla="val 8472"/>
-              <a:gd name="adj3" fmla="val 13528"/>
-            </a:avLst>
-          </a:prstGeom>
-          <a:ln w="22225"/>
-        </p:spPr>
-        <p:style>
-          <a:lnRef idx="2">
-            <a:schemeClr val="dk1"/>
-          </a:lnRef>
-          <a:fillRef idx="1">
-            <a:schemeClr val="lt1"/>
-          </a:fillRef>
-          <a:effectRef idx="0">
-            <a:schemeClr val="dk1"/>
-          </a:effectRef>
-          <a:fontRef idx="minor">
-            <a:schemeClr val="dk1"/>
-          </a:fontRef>
-        </p:style>
-        <p:txBody>
-          <a:bodyPr rtlCol="0" anchor="ctr"/>
-          <a:lstStyle/>
-          <a:p>
-            <a:pPr algn="ctr"/>
-            <a:endParaRPr lang="zh-CN" altLang="en-US"/>
-          </a:p>
-        </p:txBody>
-      </p:sp>
-      <p:sp>
-        <p:nvSpPr>
-          <p:cNvPr id="12" name="上下箭头 11"/>
-          <p:cNvSpPr/>
-          <p:nvPr/>
-        </p:nvSpPr>
-        <p:spPr>
-          <a:xfrm>
-            <a:off x="8286071" y="3260151"/>
-            <a:ext cx="174415" cy="1030310"/>
-          </a:xfrm>
-          <a:prstGeom prst="upDownArrow">
-            <a:avLst>
-              <a:gd name="adj1" fmla="val 50000"/>
-              <a:gd name="adj2" fmla="val 103659"/>
-            </a:avLst>
-          </a:prstGeom>
-          <a:ln w="22225"/>
-        </p:spPr>
-        <p:style>
-          <a:lnRef idx="2">
-            <a:schemeClr val="dk1"/>
-          </a:lnRef>
-          <a:fillRef idx="1">
-            <a:schemeClr val="lt1"/>
-          </a:fillRef>
-          <a:effectRef idx="0">
-            <a:schemeClr val="dk1"/>
-          </a:effectRef>
-          <a:fontRef idx="minor">
-            <a:schemeClr val="dk1"/>
-          </a:fontRef>
-        </p:style>
-        <p:txBody>
-          <a:bodyPr rtlCol="0" anchor="ctr"/>
-          <a:lstStyle/>
-          <a:p>
-            <a:pPr algn="ctr"/>
-            <a:endParaRPr lang="zh-CN" altLang="en-US"/>
-          </a:p>
-        </p:txBody>
-      </p:sp>
-      <p:sp>
-        <p:nvSpPr>
-          <p:cNvPr id="13" name="椭圆 12"/>
-          <p:cNvSpPr/>
-          <p:nvPr/>
-        </p:nvSpPr>
-        <p:spPr>
-          <a:xfrm>
-            <a:off x="5160577" y="1262711"/>
-            <a:ext cx="826070" cy="476518"/>
-          </a:xfrm>
-          <a:prstGeom prst="ellipse">
-            <a:avLst/>
-          </a:prstGeom>
-          <a:solidFill>
-            <a:schemeClr val="bg2">
-              <a:lumMod val="25000"/>
-            </a:schemeClr>
-          </a:solidFill>
-        </p:spPr>
-        <p:style>
-          <a:lnRef idx="2">
-            <a:schemeClr val="accent1">
-              <a:shade val="50000"/>
-            </a:schemeClr>
-          </a:lnRef>
-          <a:fillRef idx="1">
-            <a:schemeClr val="accent1"/>
-          </a:fillRef>
-          <a:effectRef idx="0">
-            <a:schemeClr val="accent1"/>
-          </a:effectRef>
-          <a:fontRef idx="minor">
-            <a:schemeClr val="lt1"/>
-          </a:fontRef>
-        </p:style>
-        <p:txBody>
-          <a:bodyPr rtlCol="0" anchor="ctr"/>
-          <a:lstStyle/>
-          <a:p>
-            <a:pPr algn="ctr"/>
-            <a:r>
-              <a:rPr lang="en-US" altLang="zh-CN" sz="1100" dirty="0" smtClean="0"/>
-              <a:t>client</a:t>
-            </a:r>
-            <a:endParaRPr lang="zh-CN" altLang="en-US" sz="1100" dirty="0"/>
-          </a:p>
-        </p:txBody>
-      </p:sp>
-      <p:sp>
-        <p:nvSpPr>
-          <p:cNvPr id="14" name="椭圆 13"/>
-          <p:cNvSpPr/>
-          <p:nvPr/>
-        </p:nvSpPr>
-        <p:spPr>
-          <a:xfrm>
-            <a:off x="6322287" y="1241627"/>
-            <a:ext cx="826070" cy="476518"/>
-          </a:xfrm>
-          <a:prstGeom prst="ellipse">
-            <a:avLst/>
-          </a:prstGeom>
-          <a:solidFill>
-            <a:schemeClr val="bg2">
-              <a:lumMod val="25000"/>
-            </a:schemeClr>
-          </a:solidFill>
-        </p:spPr>
-        <p:style>
-          <a:lnRef idx="2">
-            <a:schemeClr val="accent1">
-              <a:shade val="50000"/>
-            </a:schemeClr>
-          </a:lnRef>
-          <a:fillRef idx="1">
-            <a:schemeClr val="accent1"/>
-          </a:fillRef>
-          <a:effectRef idx="0">
-            <a:schemeClr val="accent1"/>
-          </a:effectRef>
-          <a:fontRef idx="minor">
-            <a:schemeClr val="lt1"/>
-          </a:fontRef>
-        </p:style>
-        <p:txBody>
-          <a:bodyPr rtlCol="0" anchor="ctr"/>
-          <a:lstStyle/>
-          <a:p>
-            <a:pPr algn="ctr"/>
-            <a:r>
-              <a:rPr lang="en-US" altLang="zh-CN" sz="1100" dirty="0" smtClean="0"/>
-              <a:t>client</a:t>
-            </a:r>
-            <a:endParaRPr lang="zh-CN" altLang="en-US" sz="1100" dirty="0"/>
-          </a:p>
-        </p:txBody>
-      </p:sp>
-      <p:sp>
-        <p:nvSpPr>
-          <p:cNvPr id="15" name="椭圆 14"/>
-          <p:cNvSpPr/>
-          <p:nvPr/>
-        </p:nvSpPr>
-        <p:spPr>
-          <a:xfrm>
-            <a:off x="7992970" y="1223545"/>
-            <a:ext cx="826070" cy="476518"/>
-          </a:xfrm>
-          <a:prstGeom prst="ellipse">
-            <a:avLst/>
-          </a:prstGeom>
-          <a:solidFill>
-            <a:schemeClr val="bg2">
-              <a:lumMod val="25000"/>
-            </a:schemeClr>
-          </a:solidFill>
-        </p:spPr>
-        <p:style>
-          <a:lnRef idx="2">
-            <a:schemeClr val="accent1">
-              <a:shade val="50000"/>
-            </a:schemeClr>
-          </a:lnRef>
-          <a:fillRef idx="1">
-            <a:schemeClr val="accent1"/>
-          </a:fillRef>
-          <a:effectRef idx="0">
-            <a:schemeClr val="accent1"/>
-          </a:effectRef>
-          <a:fontRef idx="minor">
-            <a:schemeClr val="lt1"/>
-          </a:fontRef>
-        </p:style>
-        <p:txBody>
-          <a:bodyPr rtlCol="0" anchor="ctr"/>
-          <a:lstStyle/>
-          <a:p>
-            <a:pPr algn="ctr"/>
-            <a:r>
-              <a:rPr lang="en-US" altLang="zh-CN" sz="1100" dirty="0" smtClean="0"/>
-              <a:t>client</a:t>
-            </a:r>
-            <a:endParaRPr lang="zh-CN" altLang="en-US" sz="1100" dirty="0"/>
-          </a:p>
-        </p:txBody>
-      </p:sp>
-      <p:sp>
-        <p:nvSpPr>
-          <p:cNvPr id="16" name="椭圆 15"/>
-          <p:cNvSpPr/>
-          <p:nvPr/>
-        </p:nvSpPr>
-        <p:spPr>
-          <a:xfrm>
-            <a:off x="9533435" y="1202407"/>
-            <a:ext cx="826070" cy="476518"/>
-          </a:xfrm>
-          <a:prstGeom prst="ellipse">
-            <a:avLst/>
-          </a:prstGeom>
-          <a:solidFill>
-            <a:schemeClr val="bg2">
-              <a:lumMod val="25000"/>
-            </a:schemeClr>
-          </a:solidFill>
-        </p:spPr>
-        <p:style>
-          <a:lnRef idx="2">
-            <a:schemeClr val="accent1">
-              <a:shade val="50000"/>
-            </a:schemeClr>
-          </a:lnRef>
-          <a:fillRef idx="1">
-            <a:schemeClr val="accent1"/>
-          </a:fillRef>
-          <a:effectRef idx="0">
-            <a:schemeClr val="accent1"/>
-          </a:effectRef>
-          <a:fontRef idx="minor">
-            <a:schemeClr val="lt1"/>
-          </a:fontRef>
-        </p:style>
-        <p:txBody>
-          <a:bodyPr rtlCol="0" anchor="ctr"/>
-          <a:lstStyle/>
-          <a:p>
-            <a:pPr algn="ctr"/>
-            <a:r>
-              <a:rPr lang="en-US" altLang="zh-CN" sz="1100" dirty="0" smtClean="0"/>
-              <a:t>client</a:t>
-            </a:r>
-            <a:endParaRPr lang="zh-CN" altLang="en-US" sz="1100" dirty="0"/>
-          </a:p>
-        </p:txBody>
-      </p:sp>
-      <p:sp>
-        <p:nvSpPr>
-          <p:cNvPr id="17" name="椭圆 16"/>
-          <p:cNvSpPr/>
-          <p:nvPr/>
-        </p:nvSpPr>
-        <p:spPr>
-          <a:xfrm>
-            <a:off x="10858381" y="1202407"/>
-            <a:ext cx="826070" cy="476518"/>
-          </a:xfrm>
-          <a:prstGeom prst="ellipse">
-            <a:avLst/>
-          </a:prstGeom>
-          <a:solidFill>
-            <a:schemeClr val="bg2">
-              <a:lumMod val="25000"/>
-            </a:schemeClr>
-          </a:solidFill>
-        </p:spPr>
-        <p:style>
-          <a:lnRef idx="2">
-            <a:schemeClr val="accent1">
-              <a:shade val="50000"/>
-            </a:schemeClr>
-          </a:lnRef>
-          <a:fillRef idx="1">
-            <a:schemeClr val="accent1"/>
-          </a:fillRef>
-          <a:effectRef idx="0">
-            <a:schemeClr val="accent1"/>
-          </a:effectRef>
-          <a:fontRef idx="minor">
-            <a:schemeClr val="lt1"/>
-          </a:fontRef>
-        </p:style>
-        <p:txBody>
-          <a:bodyPr rtlCol="0" anchor="ctr"/>
-          <a:lstStyle/>
-          <a:p>
-            <a:pPr algn="ctr"/>
-            <a:r>
-              <a:rPr lang="en-US" altLang="zh-CN" sz="1100" dirty="0" smtClean="0"/>
-              <a:t>client</a:t>
-            </a:r>
-            <a:endParaRPr lang="zh-CN" altLang="en-US" sz="1100" dirty="0"/>
-          </a:p>
-        </p:txBody>
-      </p:sp>
-      <p:cxnSp>
-        <p:nvCxnSpPr>
-          <p:cNvPr id="19" name="直接箭头连接符 18"/>
-          <p:cNvCxnSpPr>
-            <a:stCxn id="13" idx="4"/>
-            <a:endCxn id="5" idx="0"/>
-          </p:cNvCxnSpPr>
-          <p:nvPr/>
-        </p:nvCxnSpPr>
-        <p:spPr>
-          <a:xfrm>
-            <a:off x="5573612" y="1739229"/>
-            <a:ext cx="524915" cy="722983"/>
-          </a:xfrm>
-          <a:prstGeom prst="straightConnector1">
-            <a:avLst/>
-          </a:prstGeom>
-          <a:ln w="22225">
-            <a:solidFill>
-              <a:schemeClr val="tx1">
-                <a:lumMod val="75000"/>
-                <a:lumOff val="25000"/>
-              </a:schemeClr>
-            </a:solidFill>
-            <a:headEnd type="triangle"/>
-            <a:tailEnd type="triangle"/>
-          </a:ln>
-        </p:spPr>
-        <p:style>
-          <a:lnRef idx="2">
-            <a:schemeClr val="dk1"/>
-          </a:lnRef>
-          <a:fillRef idx="0">
-            <a:schemeClr val="dk1"/>
-          </a:fillRef>
-          <a:effectRef idx="1">
-            <a:schemeClr val="dk1"/>
-          </a:effectRef>
-          <a:fontRef idx="minor">
-            <a:schemeClr val="tx1"/>
-          </a:fontRef>
-        </p:style>
-      </p:cxnSp>
-      <p:cxnSp>
-        <p:nvCxnSpPr>
-          <p:cNvPr id="21" name="直接箭头连接符 20"/>
-          <p:cNvCxnSpPr>
-            <a:stCxn id="5" idx="0"/>
-            <a:endCxn id="14" idx="4"/>
-          </p:cNvCxnSpPr>
-          <p:nvPr/>
-        </p:nvCxnSpPr>
-        <p:spPr>
-          <a:xfrm flipV="1">
-            <a:off x="6098527" y="1718145"/>
-            <a:ext cx="636795" cy="744067"/>
-          </a:xfrm>
-          <a:prstGeom prst="straightConnector1">
-            <a:avLst/>
-          </a:prstGeom>
-          <a:ln w="22225">
-            <a:solidFill>
-              <a:schemeClr val="tx1">
-                <a:lumMod val="75000"/>
-                <a:lumOff val="25000"/>
-              </a:schemeClr>
-            </a:solidFill>
-            <a:headEnd type="triangle"/>
-            <a:tailEnd type="triangle"/>
-          </a:ln>
-        </p:spPr>
-        <p:style>
-          <a:lnRef idx="2">
-            <a:schemeClr val="dk1"/>
-          </a:lnRef>
-          <a:fillRef idx="0">
-            <a:schemeClr val="dk1"/>
-          </a:fillRef>
-          <a:effectRef idx="1">
-            <a:schemeClr val="dk1"/>
-          </a:effectRef>
-          <a:fontRef idx="minor">
-            <a:schemeClr val="tx1"/>
-          </a:fontRef>
-        </p:style>
-      </p:cxnSp>
-      <p:cxnSp>
-        <p:nvCxnSpPr>
-          <p:cNvPr id="23" name="直接箭头连接符 22"/>
-          <p:cNvCxnSpPr>
-            <a:stCxn id="15" idx="4"/>
-            <a:endCxn id="6" idx="0"/>
-          </p:cNvCxnSpPr>
-          <p:nvPr/>
-        </p:nvCxnSpPr>
-        <p:spPr>
-          <a:xfrm>
-            <a:off x="8406005" y="1700063"/>
-            <a:ext cx="0" cy="762149"/>
-          </a:xfrm>
-          <a:prstGeom prst="straightConnector1">
-            <a:avLst/>
-          </a:prstGeom>
-          <a:ln w="22225">
-            <a:solidFill>
-              <a:schemeClr val="tx1">
-                <a:lumMod val="75000"/>
-                <a:lumOff val="25000"/>
-              </a:schemeClr>
-            </a:solidFill>
-            <a:headEnd type="triangle"/>
-            <a:tailEnd type="triangle"/>
-          </a:ln>
-        </p:spPr>
-        <p:style>
-          <a:lnRef idx="2">
-            <a:schemeClr val="dk1"/>
-          </a:lnRef>
-          <a:fillRef idx="0">
-            <a:schemeClr val="dk1"/>
-          </a:fillRef>
-          <a:effectRef idx="1">
-            <a:schemeClr val="dk1"/>
-          </a:effectRef>
-          <a:fontRef idx="minor">
-            <a:schemeClr val="tx1"/>
-          </a:fontRef>
-        </p:style>
-      </p:cxnSp>
-      <p:cxnSp>
-        <p:nvCxnSpPr>
-          <p:cNvPr id="25" name="直接箭头连接符 24"/>
-          <p:cNvCxnSpPr>
-            <a:stCxn id="16" idx="4"/>
-            <a:endCxn id="7" idx="0"/>
-          </p:cNvCxnSpPr>
-          <p:nvPr/>
-        </p:nvCxnSpPr>
-        <p:spPr>
-          <a:xfrm>
-            <a:off x="9946470" y="1678925"/>
-            <a:ext cx="767013" cy="783287"/>
-          </a:xfrm>
-          <a:prstGeom prst="straightConnector1">
-            <a:avLst/>
-          </a:prstGeom>
-          <a:ln w="22225">
-            <a:solidFill>
-              <a:schemeClr val="tx1">
-                <a:lumMod val="75000"/>
-                <a:lumOff val="25000"/>
-              </a:schemeClr>
-            </a:solidFill>
-            <a:headEnd type="triangle"/>
-            <a:tailEnd type="triangle"/>
-          </a:ln>
-        </p:spPr>
-        <p:style>
-          <a:lnRef idx="2">
-            <a:schemeClr val="dk1"/>
-          </a:lnRef>
-          <a:fillRef idx="0">
-            <a:schemeClr val="dk1"/>
-          </a:fillRef>
-          <a:effectRef idx="1">
-            <a:schemeClr val="dk1"/>
-          </a:effectRef>
-          <a:fontRef idx="minor">
-            <a:schemeClr val="tx1"/>
-          </a:fontRef>
-        </p:style>
-      </p:cxnSp>
-      <p:cxnSp>
-        <p:nvCxnSpPr>
-          <p:cNvPr id="27" name="直接箭头连接符 26"/>
-          <p:cNvCxnSpPr>
-            <a:stCxn id="17" idx="4"/>
-            <a:endCxn id="7" idx="0"/>
-          </p:cNvCxnSpPr>
-          <p:nvPr/>
-        </p:nvCxnSpPr>
-        <p:spPr>
-          <a:xfrm flipH="1">
-            <a:off x="10713483" y="1678925"/>
-            <a:ext cx="557933" cy="783287"/>
-          </a:xfrm>
-          <a:prstGeom prst="straightConnector1">
-            <a:avLst/>
-          </a:prstGeom>
-          <a:ln w="22225">
-            <a:solidFill>
-              <a:schemeClr val="tx1">
-                <a:lumMod val="75000"/>
-                <a:lumOff val="25000"/>
-              </a:schemeClr>
-            </a:solidFill>
-            <a:headEnd type="triangle"/>
-            <a:tailEnd type="triangle"/>
-          </a:ln>
-        </p:spPr>
-        <p:style>
-          <a:lnRef idx="2">
-            <a:schemeClr val="dk1"/>
-          </a:lnRef>
-          <a:fillRef idx="0">
-            <a:schemeClr val="dk1"/>
-          </a:fillRef>
-          <a:effectRef idx="1">
-            <a:schemeClr val="dk1"/>
-          </a:effectRef>
-          <a:fontRef idx="minor">
-            <a:schemeClr val="tx1"/>
-          </a:fontRef>
-        </p:style>
-      </p:cxnSp>
-      <p:sp>
-        <p:nvSpPr>
-          <p:cNvPr id="32" name="文本框 31"/>
-          <p:cNvSpPr txBox="1"/>
-          <p:nvPr/>
-        </p:nvSpPr>
-        <p:spPr>
-          <a:xfrm>
-            <a:off x="522922" y="5758386"/>
-            <a:ext cx="10249231" cy="787523"/>
-          </a:xfrm>
-          <a:prstGeom prst="rect">
-            <a:avLst/>
-          </a:prstGeom>
-          <a:noFill/>
-        </p:spPr>
-        <p:txBody>
-          <a:bodyPr wrap="square" rtlCol="0">
-            <a:spAutoFit/>
-          </a:bodyPr>
-          <a:lstStyle/>
-          <a:p>
-            <a:pPr>
-              <a:lnSpc>
-                <a:spcPct val="150000"/>
-              </a:lnSpc>
-            </a:pPr>
-            <a:r>
-              <a:rPr lang="zh-CN" altLang="en-US" sz="1600" b="1" dirty="0" smtClean="0">
-                <a:latin typeface="微软雅黑" pitchFamily="34" charset="-122"/>
-                <a:ea typeface="微软雅黑" pitchFamily="34" charset="-122"/>
-              </a:rPr>
-              <a:t>解决方案</a:t>
-            </a:r>
-            <a:r>
-              <a:rPr lang="zh-CN" altLang="en-US" sz="1600" dirty="0">
-                <a:latin typeface="微软雅黑" pitchFamily="34" charset="-122"/>
-                <a:ea typeface="微软雅黑" pitchFamily="34" charset="-122"/>
-              </a:rPr>
-              <a:t>：将容器的</a:t>
-            </a:r>
-            <a:r>
-              <a:rPr lang="en-US" altLang="zh-CN" sz="1600" dirty="0" smtClean="0">
-                <a:latin typeface="微软雅黑" pitchFamily="34" charset="-122"/>
-                <a:ea typeface="微软雅黑" pitchFamily="34" charset="-122"/>
-              </a:rPr>
-              <a:t>IP</a:t>
-            </a:r>
-            <a:r>
-              <a:rPr lang="zh-CN" altLang="en-US" sz="1600" dirty="0" smtClean="0">
-                <a:latin typeface="微软雅黑" pitchFamily="34" charset="-122"/>
-                <a:ea typeface="微软雅黑" pitchFamily="34" charset="-122"/>
-              </a:rPr>
-              <a:t>设置为</a:t>
-            </a:r>
-            <a:r>
-              <a:rPr lang="en-US" altLang="zh-CN" sz="1600" dirty="0" smtClean="0">
-                <a:latin typeface="微软雅黑" pitchFamily="34" charset="-122"/>
-                <a:ea typeface="微软雅黑" pitchFamily="34" charset="-122"/>
-              </a:rPr>
-              <a:t>server-id</a:t>
-            </a:r>
-          </a:p>
-          <a:p>
-            <a:pPr>
-              <a:lnSpc>
-                <a:spcPct val="150000"/>
-              </a:lnSpc>
-            </a:pPr>
-            <a:r>
-              <a:rPr lang="en-US" altLang="zh-CN" sz="1600" dirty="0" smtClean="0">
-                <a:latin typeface="微软雅黑" pitchFamily="34" charset="-122"/>
-                <a:ea typeface="微软雅黑" pitchFamily="34" charset="-122"/>
-              </a:rPr>
-              <a:t>IpUtil.ipToLong(InetAddress.getLocalHost().getHostAddress()</a:t>
-            </a:r>
-          </a:p>
-        </p:txBody>
-      </p:sp>
-      <p:sp>
-        <p:nvSpPr>
-          <p:cNvPr id="36" name="文本框 35"/>
-          <p:cNvSpPr txBox="1"/>
-          <p:nvPr/>
-        </p:nvSpPr>
-        <p:spPr>
-          <a:xfrm>
-            <a:off x="4980887" y="989755"/>
-            <a:ext cx="496787" cy="307777"/>
-          </a:xfrm>
-          <a:prstGeom prst="rect">
-            <a:avLst/>
-          </a:prstGeom>
-          <a:noFill/>
-        </p:spPr>
-        <p:txBody>
-          <a:bodyPr wrap="square" rtlCol="0">
-            <a:spAutoFit/>
-          </a:bodyPr>
-          <a:lstStyle/>
-          <a:p>
-            <a:r>
-              <a:rPr lang="en-US" altLang="zh-CN" sz="1400" dirty="0" smtClean="0">
-                <a:solidFill>
-                  <a:schemeClr val="bg1"/>
-                </a:solidFill>
-                <a:latin typeface="微软雅黑" pitchFamily="34" charset="-122"/>
-                <a:ea typeface="微软雅黑" pitchFamily="34" charset="-122"/>
-              </a:rPr>
-              <a:t>UI</a:t>
-            </a:r>
-            <a:endParaRPr lang="zh-CN" altLang="en-US" sz="1400" dirty="0">
-              <a:solidFill>
-                <a:schemeClr val="bg1"/>
-              </a:solidFill>
+            <a:endParaRPr lang="zh-CN" altLang="en-US" sz="1600" dirty="0">
               <a:latin typeface="微软雅黑" pitchFamily="34" charset="-122"/>
               <a:ea typeface="微软雅黑" pitchFamily="34" charset="-122"/>
             </a:endParaRPr>
@@ -28981,7 +30368,7 @@
     </p:spTree>
     <p:extLst>
       <p:ext uri="{BB962C8B-B14F-4D97-AF65-F5344CB8AC3E}">
-        <p14:creationId xmlns:p14="http://schemas.microsoft.com/office/powerpoint/2010/main" val="1275540507"/>
+        <p14:creationId xmlns:p14="http://schemas.microsoft.com/office/powerpoint/2010/main" val="963876378"/>
       </p:ext>
     </p:extLst>
   </p:cSld>
@@ -29033,23 +30420,1170 @@
           <a:lstStyle/>
           <a:p>
             <a:r>
+              <a:rPr lang="en-US" altLang="zh-CN" dirty="0"/>
+              <a:t>MySQL</a:t>
+            </a:r>
+            <a:r>
               <a:rPr lang="zh-CN" altLang="en-US" dirty="0" smtClean="0"/>
-              <a:t>性能优化</a:t>
+              <a:t>主从复制</a:t>
+            </a:r>
+            <a:r>
+              <a:rPr lang="zh-CN" altLang="en-US" dirty="0" smtClean="0"/>
+              <a:t>原理</a:t>
             </a:r>
             <a:endParaRPr lang="zh-CN" altLang="en-US" dirty="0"/>
           </a:p>
         </p:txBody>
       </p:sp>
+      <p:grpSp>
+        <p:nvGrpSpPr>
+          <p:cNvPr id="11" name="组合 10"/>
+          <p:cNvGrpSpPr/>
+          <p:nvPr/>
+        </p:nvGrpSpPr>
+        <p:grpSpPr>
+          <a:xfrm>
+            <a:off x="1305102" y="755561"/>
+            <a:ext cx="9420047" cy="4193828"/>
+            <a:chOff x="456190" y="937734"/>
+            <a:chExt cx="7114679" cy="4193828"/>
+          </a:xfrm>
+        </p:grpSpPr>
+        <p:grpSp>
+          <p:nvGrpSpPr>
+            <p:cNvPr id="30" name="组合 29"/>
+            <p:cNvGrpSpPr/>
+            <p:nvPr/>
+          </p:nvGrpSpPr>
+          <p:grpSpPr>
+            <a:xfrm>
+              <a:off x="456190" y="937734"/>
+              <a:ext cx="7114679" cy="4193828"/>
+              <a:chOff x="405001" y="1217727"/>
+              <a:chExt cx="7333538" cy="4712537"/>
+            </a:xfrm>
+          </p:grpSpPr>
+          <p:sp>
+            <p:nvSpPr>
+              <p:cNvPr id="5" name="圆角矩形 4"/>
+              <p:cNvSpPr/>
+              <p:nvPr/>
+            </p:nvSpPr>
+            <p:spPr>
+              <a:xfrm>
+                <a:off x="481263" y="1742173"/>
+                <a:ext cx="2194560" cy="4188091"/>
+              </a:xfrm>
+              <a:prstGeom prst="roundRect">
+                <a:avLst/>
+              </a:prstGeom>
+              <a:noFill/>
+            </p:spPr>
+            <p:style>
+              <a:lnRef idx="2">
+                <a:schemeClr val="accent1">
+                  <a:shade val="50000"/>
+                </a:schemeClr>
+              </a:lnRef>
+              <a:fillRef idx="1">
+                <a:schemeClr val="accent1"/>
+              </a:fillRef>
+              <a:effectRef idx="0">
+                <a:schemeClr val="accent1"/>
+              </a:effectRef>
+              <a:fontRef idx="minor">
+                <a:schemeClr val="lt1"/>
+              </a:fontRef>
+            </p:style>
+            <p:txBody>
+              <a:bodyPr rtlCol="0" anchor="ctr"/>
+              <a:lstStyle/>
+              <a:p>
+                <a:pPr algn="ctr"/>
+                <a:endParaRPr lang="zh-CN" altLang="en-US"/>
+              </a:p>
+            </p:txBody>
+          </p:sp>
+          <p:sp>
+            <p:nvSpPr>
+              <p:cNvPr id="6" name="圆柱形 5"/>
+              <p:cNvSpPr/>
+              <p:nvPr/>
+            </p:nvSpPr>
+            <p:spPr>
+              <a:xfrm>
+                <a:off x="1126156" y="2175510"/>
+                <a:ext cx="827772" cy="866074"/>
+              </a:xfrm>
+              <a:prstGeom prst="can">
+                <a:avLst/>
+              </a:prstGeom>
+            </p:spPr>
+            <p:style>
+              <a:lnRef idx="2">
+                <a:schemeClr val="accent1">
+                  <a:shade val="50000"/>
+                </a:schemeClr>
+              </a:lnRef>
+              <a:fillRef idx="1">
+                <a:schemeClr val="accent1"/>
+              </a:fillRef>
+              <a:effectRef idx="0">
+                <a:schemeClr val="accent1"/>
+              </a:effectRef>
+              <a:fontRef idx="minor">
+                <a:schemeClr val="lt1"/>
+              </a:fontRef>
+            </p:style>
+            <p:txBody>
+              <a:bodyPr rtlCol="0" anchor="ctr"/>
+              <a:lstStyle/>
+              <a:p>
+                <a:pPr algn="ctr"/>
+                <a:r>
+                  <a:rPr lang="en-US" altLang="zh-CN" sz="1400" dirty="0" smtClean="0"/>
+                  <a:t>mysql</a:t>
+                </a:r>
+                <a:endParaRPr lang="zh-CN" altLang="en-US" sz="1400" dirty="0"/>
+              </a:p>
+            </p:txBody>
+          </p:sp>
+          <p:sp>
+            <p:nvSpPr>
+              <p:cNvPr id="7" name="流程图: 文档 6"/>
+              <p:cNvSpPr/>
+              <p:nvPr/>
+            </p:nvSpPr>
+            <p:spPr>
+              <a:xfrm>
+                <a:off x="1158741" y="3480008"/>
+                <a:ext cx="760395" cy="750771"/>
+              </a:xfrm>
+              <a:prstGeom prst="flowChartDocument">
+                <a:avLst/>
+              </a:prstGeom>
+            </p:spPr>
+            <p:style>
+              <a:lnRef idx="2">
+                <a:schemeClr val="accent1">
+                  <a:shade val="50000"/>
+                </a:schemeClr>
+              </a:lnRef>
+              <a:fillRef idx="1">
+                <a:schemeClr val="accent1"/>
+              </a:fillRef>
+              <a:effectRef idx="0">
+                <a:schemeClr val="accent1"/>
+              </a:effectRef>
+              <a:fontRef idx="minor">
+                <a:schemeClr val="lt1"/>
+              </a:fontRef>
+            </p:style>
+            <p:txBody>
+              <a:bodyPr rtlCol="0" anchor="ctr"/>
+              <a:lstStyle/>
+              <a:p>
+                <a:pPr algn="ctr"/>
+                <a:endParaRPr lang="zh-CN" altLang="en-US"/>
+              </a:p>
+            </p:txBody>
+          </p:sp>
+          <p:sp>
+            <p:nvSpPr>
+              <p:cNvPr id="10" name="文本框 9"/>
+              <p:cNvSpPr txBox="1"/>
+              <p:nvPr/>
+            </p:nvSpPr>
+            <p:spPr>
+              <a:xfrm>
+                <a:off x="1193533" y="1217727"/>
+                <a:ext cx="813877" cy="307777"/>
+              </a:xfrm>
+              <a:prstGeom prst="rect">
+                <a:avLst/>
+              </a:prstGeom>
+              <a:noFill/>
+            </p:spPr>
+            <p:txBody>
+              <a:bodyPr wrap="none" rtlCol="0">
+                <a:spAutoFit/>
+              </a:bodyPr>
+              <a:lstStyle/>
+              <a:p>
+                <a:r>
+                  <a:rPr lang="en-US" altLang="zh-CN" sz="1400" b="1" dirty="0" smtClean="0">
+                    <a:latin typeface="微软雅黑" pitchFamily="34" charset="-122"/>
+                    <a:ea typeface="微软雅黑" pitchFamily="34" charset="-122"/>
+                  </a:rPr>
+                  <a:t>Master</a:t>
+                </a:r>
+                <a:endParaRPr lang="zh-CN" altLang="en-US" sz="1400" b="1" dirty="0">
+                  <a:latin typeface="微软雅黑" pitchFamily="34" charset="-122"/>
+                  <a:ea typeface="微软雅黑" pitchFamily="34" charset="-122"/>
+                </a:endParaRPr>
+              </a:p>
+            </p:txBody>
+          </p:sp>
+          <p:cxnSp>
+            <p:nvCxnSpPr>
+              <p:cNvPr id="12" name="直接箭头连接符 11"/>
+              <p:cNvCxnSpPr/>
+              <p:nvPr/>
+            </p:nvCxnSpPr>
+            <p:spPr>
+              <a:xfrm>
+                <a:off x="1540042" y="3107650"/>
+                <a:ext cx="0" cy="305506"/>
+              </a:xfrm>
+              <a:prstGeom prst="straightConnector1">
+                <a:avLst/>
+              </a:prstGeom>
+              <a:ln w="25400">
+                <a:solidFill>
+                  <a:schemeClr val="bg1">
+                    <a:lumMod val="50000"/>
+                  </a:schemeClr>
+                </a:solidFill>
+                <a:tailEnd type="triangle"/>
+              </a:ln>
+            </p:spPr>
+            <p:style>
+              <a:lnRef idx="1">
+                <a:schemeClr val="accent1"/>
+              </a:lnRef>
+              <a:fillRef idx="0">
+                <a:schemeClr val="accent1"/>
+              </a:fillRef>
+              <a:effectRef idx="0">
+                <a:schemeClr val="accent1"/>
+              </a:effectRef>
+              <a:fontRef idx="minor">
+                <a:schemeClr val="tx1"/>
+              </a:fontRef>
+            </p:style>
+          </p:cxnSp>
+          <p:sp>
+            <p:nvSpPr>
+              <p:cNvPr id="14" name="文本框 13"/>
+              <p:cNvSpPr txBox="1"/>
+              <p:nvPr/>
+            </p:nvSpPr>
+            <p:spPr>
+              <a:xfrm>
+                <a:off x="405001" y="3073120"/>
+                <a:ext cx="1363767" cy="311259"/>
+              </a:xfrm>
+              <a:prstGeom prst="rect">
+                <a:avLst/>
+              </a:prstGeom>
+              <a:noFill/>
+            </p:spPr>
+            <p:txBody>
+              <a:bodyPr wrap="square" rtlCol="0">
+                <a:spAutoFit/>
+              </a:bodyPr>
+              <a:lstStyle/>
+              <a:p>
+                <a:r>
+                  <a:rPr lang="en-US" altLang="zh-CN" sz="1200" dirty="0" smtClean="0">
+                    <a:latin typeface="微软雅黑" pitchFamily="34" charset="-122"/>
+                    <a:ea typeface="微软雅黑" pitchFamily="34" charset="-122"/>
+                  </a:rPr>
+                  <a:t>   </a:t>
+                </a:r>
+                <a:r>
+                  <a:rPr lang="en-US" altLang="zh-CN" sz="1200" dirty="0" smtClean="0">
+                    <a:latin typeface="微软雅黑" pitchFamily="34" charset="-122"/>
+                    <a:ea typeface="微软雅黑" pitchFamily="34" charset="-122"/>
+                  </a:rPr>
+                  <a:t>data changes</a:t>
+                </a:r>
+                <a:endParaRPr lang="zh-CN" altLang="en-US" sz="1200" dirty="0">
+                  <a:latin typeface="微软雅黑" pitchFamily="34" charset="-122"/>
+                  <a:ea typeface="微软雅黑" pitchFamily="34" charset="-122"/>
+                </a:endParaRPr>
+              </a:p>
+            </p:txBody>
+          </p:sp>
+          <p:sp>
+            <p:nvSpPr>
+              <p:cNvPr id="15" name="文本框 14"/>
+              <p:cNvSpPr txBox="1"/>
+              <p:nvPr/>
+            </p:nvSpPr>
+            <p:spPr>
+              <a:xfrm>
+                <a:off x="1189445" y="3655647"/>
+                <a:ext cx="890927" cy="293967"/>
+              </a:xfrm>
+              <a:prstGeom prst="rect">
+                <a:avLst/>
+              </a:prstGeom>
+              <a:noFill/>
+            </p:spPr>
+            <p:txBody>
+              <a:bodyPr wrap="none" rtlCol="0">
+                <a:spAutoFit/>
+              </a:bodyPr>
+              <a:lstStyle/>
+              <a:p>
+                <a:r>
+                  <a:rPr lang="en-US" altLang="zh-CN" sz="1100" dirty="0">
+                    <a:solidFill>
+                      <a:schemeClr val="bg1"/>
+                    </a:solidFill>
+                    <a:latin typeface="微软雅黑" pitchFamily="34" charset="-122"/>
+                    <a:ea typeface="微软雅黑" pitchFamily="34" charset="-122"/>
+                  </a:rPr>
+                  <a:t>b</a:t>
+                </a:r>
+                <a:r>
+                  <a:rPr lang="en-US" altLang="zh-CN" sz="1100" dirty="0" smtClean="0">
+                    <a:solidFill>
+                      <a:schemeClr val="bg1"/>
+                    </a:solidFill>
+                    <a:latin typeface="微软雅黑" pitchFamily="34" charset="-122"/>
+                    <a:ea typeface="微软雅黑" pitchFamily="34" charset="-122"/>
+                  </a:rPr>
+                  <a:t>inary log</a:t>
+                </a:r>
+                <a:endParaRPr lang="zh-CN" altLang="en-US" sz="1100" dirty="0">
+                  <a:solidFill>
+                    <a:schemeClr val="bg1"/>
+                  </a:solidFill>
+                  <a:latin typeface="微软雅黑" pitchFamily="34" charset="-122"/>
+                  <a:ea typeface="微软雅黑" pitchFamily="34" charset="-122"/>
+                </a:endParaRPr>
+              </a:p>
+            </p:txBody>
+          </p:sp>
+          <p:sp>
+            <p:nvSpPr>
+              <p:cNvPr id="16" name="圆角矩形 15"/>
+              <p:cNvSpPr/>
+              <p:nvPr/>
+            </p:nvSpPr>
+            <p:spPr>
+              <a:xfrm>
+                <a:off x="3702691" y="1742173"/>
+                <a:ext cx="4032985" cy="4188091"/>
+              </a:xfrm>
+              <a:prstGeom prst="roundRect">
+                <a:avLst/>
+              </a:prstGeom>
+              <a:noFill/>
+            </p:spPr>
+            <p:style>
+              <a:lnRef idx="2">
+                <a:schemeClr val="accent1">
+                  <a:shade val="50000"/>
+                </a:schemeClr>
+              </a:lnRef>
+              <a:fillRef idx="1">
+                <a:schemeClr val="accent1"/>
+              </a:fillRef>
+              <a:effectRef idx="0">
+                <a:schemeClr val="accent1"/>
+              </a:effectRef>
+              <a:fontRef idx="minor">
+                <a:schemeClr val="lt1"/>
+              </a:fontRef>
+            </p:style>
+            <p:txBody>
+              <a:bodyPr rtlCol="0" anchor="ctr"/>
+              <a:lstStyle/>
+              <a:p>
+                <a:pPr algn="ctr"/>
+                <a:endParaRPr lang="zh-CN" altLang="en-US"/>
+              </a:p>
+            </p:txBody>
+          </p:sp>
+          <p:pic>
+            <p:nvPicPr>
+              <p:cNvPr id="17" name="图片 16"/>
+              <p:cNvPicPr>
+                <a:picLocks noChangeAspect="1"/>
+              </p:cNvPicPr>
+              <p:nvPr/>
+            </p:nvPicPr>
+            <p:blipFill>
+              <a:blip r:embed="rId2"/>
+              <a:stretch>
+                <a:fillRect/>
+              </a:stretch>
+            </p:blipFill>
+            <p:spPr>
+              <a:xfrm>
+                <a:off x="4285523" y="2270409"/>
+                <a:ext cx="666750" cy="676275"/>
+              </a:xfrm>
+              <a:prstGeom prst="rect">
+                <a:avLst/>
+              </a:prstGeom>
+            </p:spPr>
+          </p:pic>
+          <p:sp>
+            <p:nvSpPr>
+              <p:cNvPr id="20" name="流程图: 文档 19"/>
+              <p:cNvSpPr/>
+              <p:nvPr/>
+            </p:nvSpPr>
+            <p:spPr>
+              <a:xfrm>
+                <a:off x="4873777" y="4514309"/>
+                <a:ext cx="760395" cy="750771"/>
+              </a:xfrm>
+              <a:prstGeom prst="flowChartDocument">
+                <a:avLst/>
+              </a:prstGeom>
+            </p:spPr>
+            <p:style>
+              <a:lnRef idx="2">
+                <a:schemeClr val="accent1">
+                  <a:shade val="50000"/>
+                </a:schemeClr>
+              </a:lnRef>
+              <a:fillRef idx="1">
+                <a:schemeClr val="accent1"/>
+              </a:fillRef>
+              <a:effectRef idx="0">
+                <a:schemeClr val="accent1"/>
+              </a:effectRef>
+              <a:fontRef idx="minor">
+                <a:schemeClr val="lt1"/>
+              </a:fontRef>
+            </p:style>
+            <p:txBody>
+              <a:bodyPr rtlCol="0" anchor="ctr"/>
+              <a:lstStyle/>
+              <a:p>
+                <a:pPr algn="ctr"/>
+                <a:endParaRPr lang="zh-CN" altLang="en-US"/>
+              </a:p>
+            </p:txBody>
+          </p:sp>
+          <p:pic>
+            <p:nvPicPr>
+              <p:cNvPr id="22" name="图片 21"/>
+              <p:cNvPicPr>
+                <a:picLocks noChangeAspect="1"/>
+              </p:cNvPicPr>
+              <p:nvPr/>
+            </p:nvPicPr>
+            <p:blipFill>
+              <a:blip r:embed="rId2"/>
+              <a:stretch>
+                <a:fillRect/>
+              </a:stretch>
+            </p:blipFill>
+            <p:spPr>
+              <a:xfrm>
+                <a:off x="6802511" y="3041168"/>
+                <a:ext cx="666750" cy="676275"/>
+              </a:xfrm>
+              <a:prstGeom prst="rect">
+                <a:avLst/>
+              </a:prstGeom>
+            </p:spPr>
+          </p:pic>
+          <p:sp>
+            <p:nvSpPr>
+              <p:cNvPr id="21" name="圆柱形 20"/>
+              <p:cNvSpPr/>
+              <p:nvPr/>
+            </p:nvSpPr>
+            <p:spPr>
+              <a:xfrm>
+                <a:off x="6132619" y="2175509"/>
+                <a:ext cx="827772" cy="866074"/>
+              </a:xfrm>
+              <a:prstGeom prst="can">
+                <a:avLst/>
+              </a:prstGeom>
+            </p:spPr>
+            <p:style>
+              <a:lnRef idx="2">
+                <a:schemeClr val="accent1">
+                  <a:shade val="50000"/>
+                </a:schemeClr>
+              </a:lnRef>
+              <a:fillRef idx="1">
+                <a:schemeClr val="accent1"/>
+              </a:fillRef>
+              <a:effectRef idx="0">
+                <a:schemeClr val="accent1"/>
+              </a:effectRef>
+              <a:fontRef idx="minor">
+                <a:schemeClr val="lt1"/>
+              </a:fontRef>
+            </p:style>
+            <p:txBody>
+              <a:bodyPr rtlCol="0" anchor="ctr"/>
+              <a:lstStyle/>
+              <a:p>
+                <a:pPr algn="ctr"/>
+                <a:r>
+                  <a:rPr lang="en-US" altLang="zh-CN" sz="1400" dirty="0" smtClean="0"/>
+                  <a:t>mysql</a:t>
+                </a:r>
+                <a:endParaRPr lang="zh-CN" altLang="en-US" sz="1400" dirty="0"/>
+              </a:p>
+            </p:txBody>
+          </p:sp>
+          <p:sp>
+            <p:nvSpPr>
+              <p:cNvPr id="23" name="文本框 22"/>
+              <p:cNvSpPr txBox="1"/>
+              <p:nvPr/>
+            </p:nvSpPr>
+            <p:spPr>
+              <a:xfrm>
+                <a:off x="5391368" y="1266720"/>
+                <a:ext cx="655629" cy="307777"/>
+              </a:xfrm>
+              <a:prstGeom prst="rect">
+                <a:avLst/>
+              </a:prstGeom>
+              <a:noFill/>
+            </p:spPr>
+            <p:txBody>
+              <a:bodyPr wrap="none" rtlCol="0">
+                <a:spAutoFit/>
+              </a:bodyPr>
+              <a:lstStyle/>
+              <a:p>
+                <a:r>
+                  <a:rPr lang="en-US" altLang="zh-CN" sz="1400" b="1" dirty="0" smtClean="0">
+                    <a:latin typeface="微软雅黑" pitchFamily="34" charset="-122"/>
+                    <a:ea typeface="微软雅黑" pitchFamily="34" charset="-122"/>
+                  </a:rPr>
+                  <a:t>Slave</a:t>
+                </a:r>
+                <a:endParaRPr lang="zh-CN" altLang="en-US" sz="1400" b="1" dirty="0">
+                  <a:latin typeface="微软雅黑" pitchFamily="34" charset="-122"/>
+                  <a:ea typeface="微软雅黑" pitchFamily="34" charset="-122"/>
+                </a:endParaRPr>
+              </a:p>
+            </p:txBody>
+          </p:sp>
+          <p:sp>
+            <p:nvSpPr>
+              <p:cNvPr id="27" name="任意多边形 26"/>
+              <p:cNvSpPr/>
+              <p:nvPr/>
+            </p:nvSpPr>
+            <p:spPr>
+              <a:xfrm>
+                <a:off x="5696295" y="3291840"/>
+                <a:ext cx="1099141" cy="1408767"/>
+              </a:xfrm>
+              <a:custGeom>
+                <a:avLst/>
+                <a:gdLst>
+                  <a:gd name="connsiteX0" fmla="*/ 954762 w 1099141"/>
+                  <a:gd name="connsiteY0" fmla="*/ 0 h 1408767"/>
+                  <a:gd name="connsiteX1" fmla="*/ 319494 w 1099141"/>
+                  <a:gd name="connsiteY1" fmla="*/ 625642 h 1408767"/>
+                  <a:gd name="connsiteX2" fmla="*/ 40362 w 1099141"/>
+                  <a:gd name="connsiteY2" fmla="*/ 1106905 h 1408767"/>
+                  <a:gd name="connsiteX3" fmla="*/ 117364 w 1099141"/>
+                  <a:gd name="connsiteY3" fmla="*/ 1376413 h 1408767"/>
+                  <a:gd name="connsiteX4" fmla="*/ 1099141 w 1099141"/>
+                  <a:gd name="connsiteY4" fmla="*/ 356135 h 1408767"/>
+                </a:gdLst>
+                <a:ahLst/>
+                <a:cxnLst>
+                  <a:cxn ang="0">
+                    <a:pos x="connsiteX0" y="connsiteY0"/>
+                  </a:cxn>
+                  <a:cxn ang="0">
+                    <a:pos x="connsiteX1" y="connsiteY1"/>
+                  </a:cxn>
+                  <a:cxn ang="0">
+                    <a:pos x="connsiteX2" y="connsiteY2"/>
+                  </a:cxn>
+                  <a:cxn ang="0">
+                    <a:pos x="connsiteX3" y="connsiteY3"/>
+                  </a:cxn>
+                  <a:cxn ang="0">
+                    <a:pos x="connsiteX4" y="connsiteY4"/>
+                  </a:cxn>
+                </a:cxnLst>
+                <a:rect l="l" t="t" r="r" b="b"/>
+                <a:pathLst>
+                  <a:path w="1099141" h="1408767">
+                    <a:moveTo>
+                      <a:pt x="954762" y="0"/>
+                    </a:moveTo>
+                    <a:cubicBezTo>
+                      <a:pt x="713328" y="220579"/>
+                      <a:pt x="471894" y="441158"/>
+                      <a:pt x="319494" y="625642"/>
+                    </a:cubicBezTo>
+                    <a:cubicBezTo>
+                      <a:pt x="167094" y="810126"/>
+                      <a:pt x="74050" y="981777"/>
+                      <a:pt x="40362" y="1106905"/>
+                    </a:cubicBezTo>
+                    <a:cubicBezTo>
+                      <a:pt x="6674" y="1232033"/>
+                      <a:pt x="-59099" y="1501541"/>
+                      <a:pt x="117364" y="1376413"/>
+                    </a:cubicBezTo>
+                    <a:cubicBezTo>
+                      <a:pt x="293827" y="1251285"/>
+                      <a:pt x="696484" y="803710"/>
+                      <a:pt x="1099141" y="356135"/>
+                    </a:cubicBezTo>
+                  </a:path>
+                </a:pathLst>
+              </a:custGeom>
+              <a:noFill/>
+              <a:ln w="3175">
+                <a:solidFill>
+                  <a:schemeClr val="tx1"/>
+                </a:solidFill>
+                <a:headEnd type="none" w="med" len="med"/>
+                <a:tailEnd type="arrow" w="med" len="med"/>
+              </a:ln>
+            </p:spPr>
+            <p:style>
+              <a:lnRef idx="2">
+                <a:schemeClr val="accent1">
+                  <a:shade val="50000"/>
+                </a:schemeClr>
+              </a:lnRef>
+              <a:fillRef idx="1">
+                <a:schemeClr val="accent1"/>
+              </a:fillRef>
+              <a:effectRef idx="0">
+                <a:schemeClr val="accent1"/>
+              </a:effectRef>
+              <a:fontRef idx="minor">
+                <a:schemeClr val="lt1"/>
+              </a:fontRef>
+            </p:style>
+            <p:txBody>
+              <a:bodyPr rtlCol="0" anchor="ctr"/>
+              <a:lstStyle/>
+              <a:p>
+                <a:pPr algn="ctr"/>
+                <a:endParaRPr lang="zh-CN" altLang="en-US"/>
+              </a:p>
+            </p:txBody>
+          </p:sp>
+          <p:sp>
+            <p:nvSpPr>
+              <p:cNvPr id="28" name="文本框 27"/>
+              <p:cNvSpPr txBox="1"/>
+              <p:nvPr/>
+            </p:nvSpPr>
+            <p:spPr>
+              <a:xfrm>
+                <a:off x="4285523" y="1975910"/>
+                <a:ext cx="750481" cy="311259"/>
+              </a:xfrm>
+              <a:prstGeom prst="rect">
+                <a:avLst/>
+              </a:prstGeom>
+              <a:noFill/>
+            </p:spPr>
+            <p:txBody>
+              <a:bodyPr wrap="none" rtlCol="0">
+                <a:spAutoFit/>
+              </a:bodyPr>
+              <a:lstStyle/>
+              <a:p>
+                <a:r>
+                  <a:rPr lang="en-US" altLang="zh-CN" sz="1200" dirty="0" smtClean="0">
+                    <a:latin typeface="微软雅黑" pitchFamily="34" charset="-122"/>
+                    <a:ea typeface="微软雅黑" pitchFamily="34" charset="-122"/>
+                  </a:rPr>
+                  <a:t>I/O</a:t>
+                </a:r>
+                <a:r>
+                  <a:rPr lang="zh-CN" altLang="en-US" sz="1200" dirty="0" smtClean="0">
+                    <a:latin typeface="微软雅黑" pitchFamily="34" charset="-122"/>
+                    <a:ea typeface="微软雅黑" pitchFamily="34" charset="-122"/>
+                  </a:rPr>
+                  <a:t>线程</a:t>
+                </a:r>
+                <a:endParaRPr lang="zh-CN" altLang="en-US" sz="1200" dirty="0">
+                  <a:latin typeface="微软雅黑" pitchFamily="34" charset="-122"/>
+                  <a:ea typeface="微软雅黑" pitchFamily="34" charset="-122"/>
+                </a:endParaRPr>
+              </a:p>
+            </p:txBody>
+          </p:sp>
+          <p:sp>
+            <p:nvSpPr>
+              <p:cNvPr id="31" name="文本框 30"/>
+              <p:cNvSpPr txBox="1"/>
+              <p:nvPr/>
+            </p:nvSpPr>
+            <p:spPr>
+              <a:xfrm>
+                <a:off x="6533233" y="3766261"/>
+                <a:ext cx="1205306" cy="311259"/>
+              </a:xfrm>
+              <a:prstGeom prst="rect">
+                <a:avLst/>
+              </a:prstGeom>
+              <a:noFill/>
+            </p:spPr>
+            <p:txBody>
+              <a:bodyPr wrap="square" rtlCol="0">
+                <a:spAutoFit/>
+              </a:bodyPr>
+              <a:lstStyle/>
+              <a:p>
+                <a:r>
+                  <a:rPr lang="en-US" altLang="zh-CN" sz="1200" dirty="0" smtClean="0">
+                    <a:latin typeface="微软雅黑" pitchFamily="34" charset="-122"/>
+                    <a:ea typeface="微软雅黑" pitchFamily="34" charset="-122"/>
+                  </a:rPr>
+                  <a:t>SQL</a:t>
+                </a:r>
+                <a:r>
+                  <a:rPr lang="zh-CN" altLang="en-US" sz="1200" dirty="0" smtClean="0">
+                    <a:latin typeface="微软雅黑" pitchFamily="34" charset="-122"/>
+                    <a:ea typeface="微软雅黑" pitchFamily="34" charset="-122"/>
+                  </a:rPr>
+                  <a:t>线程</a:t>
+                </a:r>
+                <a:endParaRPr lang="zh-CN" altLang="en-US" sz="1200" dirty="0">
+                  <a:latin typeface="微软雅黑" pitchFamily="34" charset="-122"/>
+                  <a:ea typeface="微软雅黑" pitchFamily="34" charset="-122"/>
+                </a:endParaRPr>
+              </a:p>
+            </p:txBody>
+          </p:sp>
+          <p:sp>
+            <p:nvSpPr>
+              <p:cNvPr id="32" name="文本框 31"/>
+              <p:cNvSpPr txBox="1"/>
+              <p:nvPr/>
+            </p:nvSpPr>
+            <p:spPr>
+              <a:xfrm>
+                <a:off x="2735304" y="3293782"/>
+                <a:ext cx="427994" cy="311259"/>
+              </a:xfrm>
+              <a:prstGeom prst="rect">
+                <a:avLst/>
+              </a:prstGeom>
+              <a:noFill/>
+            </p:spPr>
+            <p:txBody>
+              <a:bodyPr wrap="none" rtlCol="0">
+                <a:spAutoFit/>
+              </a:bodyPr>
+              <a:lstStyle/>
+              <a:p>
+                <a:r>
+                  <a:rPr lang="en-US" altLang="zh-CN" sz="1200" dirty="0" smtClean="0">
+                    <a:latin typeface="微软雅黑" pitchFamily="34" charset="-122"/>
+                    <a:ea typeface="微软雅黑" pitchFamily="34" charset="-122"/>
+                  </a:rPr>
+                  <a:t>Read</a:t>
+                </a:r>
+                <a:endParaRPr lang="zh-CN" altLang="en-US" sz="1400" dirty="0">
+                  <a:latin typeface="微软雅黑" pitchFamily="34" charset="-122"/>
+                  <a:ea typeface="微软雅黑" pitchFamily="34" charset="-122"/>
+                </a:endParaRPr>
+              </a:p>
+            </p:txBody>
+          </p:sp>
+          <p:sp>
+            <p:nvSpPr>
+              <p:cNvPr id="29" name="任意多边形 28"/>
+              <p:cNvSpPr/>
+              <p:nvPr/>
+            </p:nvSpPr>
+            <p:spPr>
+              <a:xfrm>
+                <a:off x="4760929" y="3080084"/>
+                <a:ext cx="301959" cy="1222409"/>
+              </a:xfrm>
+              <a:custGeom>
+                <a:avLst/>
+                <a:gdLst>
+                  <a:gd name="connsiteX0" fmla="*/ 3576 w 301959"/>
+                  <a:gd name="connsiteY0" fmla="*/ 0 h 1222409"/>
+                  <a:gd name="connsiteX1" fmla="*/ 42077 w 301959"/>
+                  <a:gd name="connsiteY1" fmla="*/ 539015 h 1222409"/>
+                  <a:gd name="connsiteX2" fmla="*/ 301959 w 301959"/>
+                  <a:gd name="connsiteY2" fmla="*/ 1222409 h 1222409"/>
+                </a:gdLst>
+                <a:ahLst/>
+                <a:cxnLst>
+                  <a:cxn ang="0">
+                    <a:pos x="connsiteX0" y="connsiteY0"/>
+                  </a:cxn>
+                  <a:cxn ang="0">
+                    <a:pos x="connsiteX1" y="connsiteY1"/>
+                  </a:cxn>
+                  <a:cxn ang="0">
+                    <a:pos x="connsiteX2" y="connsiteY2"/>
+                  </a:cxn>
+                </a:cxnLst>
+                <a:rect l="l" t="t" r="r" b="b"/>
+                <a:pathLst>
+                  <a:path w="301959" h="1222409">
+                    <a:moveTo>
+                      <a:pt x="3576" y="0"/>
+                    </a:moveTo>
+                    <a:cubicBezTo>
+                      <a:pt x="-2039" y="167640"/>
+                      <a:pt x="-7653" y="335280"/>
+                      <a:pt x="42077" y="539015"/>
+                    </a:cubicBezTo>
+                    <a:cubicBezTo>
+                      <a:pt x="91807" y="742750"/>
+                      <a:pt x="196883" y="982579"/>
+                      <a:pt x="301959" y="1222409"/>
+                    </a:cubicBezTo>
+                  </a:path>
+                </a:pathLst>
+              </a:custGeom>
+              <a:noFill/>
+              <a:ln w="3175">
+                <a:solidFill>
+                  <a:schemeClr val="tx1"/>
+                </a:solidFill>
+                <a:headEnd type="none" w="med" len="med"/>
+                <a:tailEnd type="arrow" w="med" len="med"/>
+              </a:ln>
+            </p:spPr>
+            <p:style>
+              <a:lnRef idx="2">
+                <a:schemeClr val="accent1">
+                  <a:shade val="50000"/>
+                </a:schemeClr>
+              </a:lnRef>
+              <a:fillRef idx="1">
+                <a:schemeClr val="accent1"/>
+              </a:fillRef>
+              <a:effectRef idx="0">
+                <a:schemeClr val="accent1"/>
+              </a:effectRef>
+              <a:fontRef idx="minor">
+                <a:schemeClr val="lt1"/>
+              </a:fontRef>
+            </p:style>
+            <p:txBody>
+              <a:bodyPr rtlCol="0" anchor="ctr"/>
+              <a:lstStyle/>
+              <a:p>
+                <a:pPr algn="ctr"/>
+                <a:endParaRPr lang="zh-CN" altLang="en-US"/>
+              </a:p>
+            </p:txBody>
+          </p:sp>
+          <p:sp>
+            <p:nvSpPr>
+              <p:cNvPr id="34" name="文本框 33"/>
+              <p:cNvSpPr txBox="1"/>
+              <p:nvPr/>
+            </p:nvSpPr>
+            <p:spPr>
+              <a:xfrm>
+                <a:off x="4249336" y="3707697"/>
+                <a:ext cx="455573" cy="311259"/>
+              </a:xfrm>
+              <a:prstGeom prst="rect">
+                <a:avLst/>
+              </a:prstGeom>
+              <a:noFill/>
+            </p:spPr>
+            <p:txBody>
+              <a:bodyPr wrap="none" rtlCol="0">
+                <a:spAutoFit/>
+              </a:bodyPr>
+              <a:lstStyle/>
+              <a:p>
+                <a:r>
+                  <a:rPr lang="en-US" altLang="zh-CN" sz="1200" dirty="0" smtClean="0">
+                    <a:latin typeface="微软雅黑" pitchFamily="34" charset="-122"/>
+                    <a:ea typeface="微软雅黑" pitchFamily="34" charset="-122"/>
+                  </a:rPr>
+                  <a:t>Write</a:t>
+                </a:r>
+                <a:endParaRPr lang="zh-CN" altLang="en-US" sz="1400" dirty="0">
+                  <a:latin typeface="微软雅黑" pitchFamily="34" charset="-122"/>
+                  <a:ea typeface="微软雅黑" pitchFamily="34" charset="-122"/>
+                </a:endParaRPr>
+              </a:p>
+            </p:txBody>
+          </p:sp>
+          <p:sp>
+            <p:nvSpPr>
+              <p:cNvPr id="35" name="文本框 34"/>
+              <p:cNvSpPr txBox="1"/>
+              <p:nvPr/>
+            </p:nvSpPr>
+            <p:spPr>
+              <a:xfrm>
+                <a:off x="5615003" y="3566275"/>
+                <a:ext cx="427994" cy="311259"/>
+              </a:xfrm>
+              <a:prstGeom prst="rect">
+                <a:avLst/>
+              </a:prstGeom>
+              <a:noFill/>
+            </p:spPr>
+            <p:txBody>
+              <a:bodyPr wrap="none" rtlCol="0">
+                <a:spAutoFit/>
+              </a:bodyPr>
+              <a:lstStyle/>
+              <a:p>
+                <a:r>
+                  <a:rPr lang="en-US" altLang="zh-CN" sz="1200" dirty="0" smtClean="0">
+                    <a:latin typeface="微软雅黑" pitchFamily="34" charset="-122"/>
+                    <a:ea typeface="微软雅黑" pitchFamily="34" charset="-122"/>
+                  </a:rPr>
+                  <a:t>Read</a:t>
+                </a:r>
+                <a:endParaRPr lang="zh-CN" altLang="en-US" sz="1400" dirty="0">
+                  <a:latin typeface="微软雅黑" pitchFamily="34" charset="-122"/>
+                  <a:ea typeface="微软雅黑" pitchFamily="34" charset="-122"/>
+                </a:endParaRPr>
+              </a:p>
+            </p:txBody>
+          </p:sp>
+          <p:sp>
+            <p:nvSpPr>
+              <p:cNvPr id="36" name="文本框 35"/>
+              <p:cNvSpPr txBox="1"/>
+              <p:nvPr/>
+            </p:nvSpPr>
+            <p:spPr>
+              <a:xfrm>
+                <a:off x="6272021" y="4230780"/>
+                <a:ext cx="457916" cy="311259"/>
+              </a:xfrm>
+              <a:prstGeom prst="rect">
+                <a:avLst/>
+              </a:prstGeom>
+              <a:noFill/>
+            </p:spPr>
+            <p:txBody>
+              <a:bodyPr wrap="none" rtlCol="0">
+                <a:spAutoFit/>
+              </a:bodyPr>
+              <a:lstStyle/>
+              <a:p>
+                <a:r>
+                  <a:rPr lang="en-US" altLang="zh-CN" sz="1200" dirty="0" smtClean="0">
+                    <a:latin typeface="微软雅黑" pitchFamily="34" charset="-122"/>
+                    <a:ea typeface="微软雅黑" pitchFamily="34" charset="-122"/>
+                  </a:rPr>
+                  <a:t>Reply</a:t>
+                </a:r>
+                <a:endParaRPr lang="zh-CN" altLang="en-US" sz="1400" dirty="0">
+                  <a:latin typeface="微软雅黑" pitchFamily="34" charset="-122"/>
+                  <a:ea typeface="微软雅黑" pitchFamily="34" charset="-122"/>
+                </a:endParaRPr>
+              </a:p>
+            </p:txBody>
+          </p:sp>
+          <p:sp>
+            <p:nvSpPr>
+              <p:cNvPr id="37" name="文本框 36"/>
+              <p:cNvSpPr txBox="1"/>
+              <p:nvPr/>
+            </p:nvSpPr>
+            <p:spPr>
+              <a:xfrm>
+                <a:off x="4911909" y="4665107"/>
+                <a:ext cx="636904" cy="311259"/>
+              </a:xfrm>
+              <a:prstGeom prst="rect">
+                <a:avLst/>
+              </a:prstGeom>
+              <a:noFill/>
+            </p:spPr>
+            <p:txBody>
+              <a:bodyPr wrap="none" rtlCol="0">
+                <a:spAutoFit/>
+              </a:bodyPr>
+              <a:lstStyle/>
+              <a:p>
+                <a:r>
+                  <a:rPr lang="en-US" altLang="zh-CN" sz="1200" dirty="0" smtClean="0">
+                    <a:solidFill>
+                      <a:schemeClr val="bg1"/>
+                    </a:solidFill>
+                    <a:latin typeface="微软雅黑" pitchFamily="34" charset="-122"/>
+                    <a:ea typeface="微软雅黑" pitchFamily="34" charset="-122"/>
+                  </a:rPr>
+                  <a:t>relay log</a:t>
+                </a:r>
+                <a:endParaRPr lang="zh-CN" altLang="en-US" sz="1200" dirty="0">
+                  <a:solidFill>
+                    <a:schemeClr val="bg1"/>
+                  </a:solidFill>
+                  <a:latin typeface="微软雅黑" pitchFamily="34" charset="-122"/>
+                  <a:ea typeface="微软雅黑" pitchFamily="34" charset="-122"/>
+                </a:endParaRPr>
+              </a:p>
+            </p:txBody>
+          </p:sp>
+        </p:grpSp>
+        <p:pic>
+          <p:nvPicPr>
+            <p:cNvPr id="39" name="图片 38"/>
+            <p:cNvPicPr>
+              <a:picLocks noChangeAspect="1"/>
+            </p:cNvPicPr>
+            <p:nvPr/>
+          </p:nvPicPr>
+          <p:blipFill>
+            <a:blip r:embed="rId2"/>
+            <a:stretch>
+              <a:fillRect/>
+            </a:stretch>
+          </p:blipFill>
+          <p:spPr>
+            <a:xfrm>
+              <a:off x="1217223" y="3972680"/>
+              <a:ext cx="646852" cy="601837"/>
+            </a:xfrm>
+            <a:prstGeom prst="rect">
+              <a:avLst/>
+            </a:prstGeom>
+          </p:spPr>
+        </p:pic>
+        <p:sp>
+          <p:nvSpPr>
+            <p:cNvPr id="40" name="文本框 39"/>
+            <p:cNvSpPr txBox="1"/>
+            <p:nvPr/>
+          </p:nvSpPr>
+          <p:spPr>
+            <a:xfrm>
+              <a:off x="1014978" y="4583599"/>
+              <a:ext cx="1123772" cy="276999"/>
+            </a:xfrm>
+            <a:prstGeom prst="rect">
+              <a:avLst/>
+            </a:prstGeom>
+            <a:noFill/>
+          </p:spPr>
+          <p:txBody>
+            <a:bodyPr wrap="none" rtlCol="0">
+              <a:spAutoFit/>
+            </a:bodyPr>
+            <a:lstStyle/>
+            <a:p>
+              <a:r>
+                <a:rPr lang="en-US" altLang="zh-CN" sz="1200" dirty="0" smtClean="0">
+                  <a:latin typeface="微软雅黑" pitchFamily="34" charset="-122"/>
+                  <a:ea typeface="微软雅黑" pitchFamily="34" charset="-122"/>
+                </a:rPr>
+                <a:t>binlog dump </a:t>
+              </a:r>
+              <a:r>
+                <a:rPr lang="zh-CN" altLang="en-US" sz="1200" dirty="0" smtClean="0">
+                  <a:latin typeface="微软雅黑" pitchFamily="34" charset="-122"/>
+                  <a:ea typeface="微软雅黑" pitchFamily="34" charset="-122"/>
+                </a:rPr>
+                <a:t>线程</a:t>
+              </a:r>
+              <a:endParaRPr lang="zh-CN" altLang="en-US" sz="1200" dirty="0">
+                <a:latin typeface="微软雅黑" pitchFamily="34" charset="-122"/>
+                <a:ea typeface="微软雅黑" pitchFamily="34" charset="-122"/>
+              </a:endParaRPr>
+            </a:p>
+          </p:txBody>
+        </p:sp>
+        <p:cxnSp>
+          <p:nvCxnSpPr>
+            <p:cNvPr id="69" name="直接箭头连接符 68"/>
+            <p:cNvCxnSpPr/>
+            <p:nvPr/>
+          </p:nvCxnSpPr>
+          <p:spPr>
+            <a:xfrm>
+              <a:off x="1551201" y="3657261"/>
+              <a:ext cx="0" cy="271879"/>
+            </a:xfrm>
+            <a:prstGeom prst="straightConnector1">
+              <a:avLst/>
+            </a:prstGeom>
+            <a:ln w="25400">
+              <a:solidFill>
+                <a:schemeClr val="bg1">
+                  <a:lumMod val="50000"/>
+                </a:schemeClr>
+              </a:solidFill>
+              <a:tailEnd type="triangle"/>
+            </a:ln>
+          </p:spPr>
+          <p:style>
+            <a:lnRef idx="1">
+              <a:schemeClr val="accent1"/>
+            </a:lnRef>
+            <a:fillRef idx="0">
+              <a:schemeClr val="accent1"/>
+            </a:fillRef>
+            <a:effectRef idx="0">
+              <a:schemeClr val="accent1"/>
+            </a:effectRef>
+            <a:fontRef idx="minor">
+              <a:schemeClr val="tx1"/>
+            </a:fontRef>
+          </p:style>
+        </p:cxnSp>
+        <p:cxnSp>
+          <p:nvCxnSpPr>
+            <p:cNvPr id="9" name="直接箭头连接符 8"/>
+            <p:cNvCxnSpPr/>
+            <p:nvPr/>
+          </p:nvCxnSpPr>
+          <p:spPr>
+            <a:xfrm flipV="1">
+              <a:off x="1925137" y="2271288"/>
+              <a:ext cx="2209735" cy="1989241"/>
+            </a:xfrm>
+            <a:prstGeom prst="straightConnector1">
+              <a:avLst/>
+            </a:prstGeom>
+            <a:ln w="6350">
+              <a:solidFill>
+                <a:schemeClr val="tx1"/>
+              </a:solidFill>
+              <a:headEnd type="triangle"/>
+              <a:tailEnd type="triangle"/>
+            </a:ln>
+          </p:spPr>
+          <p:style>
+            <a:lnRef idx="1">
+              <a:schemeClr val="accent1"/>
+            </a:lnRef>
+            <a:fillRef idx="0">
+              <a:schemeClr val="accent1"/>
+            </a:fillRef>
+            <a:effectRef idx="0">
+              <a:schemeClr val="accent1"/>
+            </a:effectRef>
+            <a:fontRef idx="minor">
+              <a:schemeClr val="tx1"/>
+            </a:fontRef>
+          </p:style>
+        </p:cxnSp>
+      </p:grpSp>
       <p:sp>
         <p:nvSpPr>
-          <p:cNvPr id="3" name="文本框 2"/>
+          <p:cNvPr id="70" name="文本框 69"/>
           <p:cNvSpPr txBox="1"/>
           <p:nvPr/>
         </p:nvSpPr>
         <p:spPr>
           <a:xfrm>
-            <a:off x="1129256" y="925353"/>
-            <a:ext cx="10316418" cy="3416320"/>
+            <a:off x="1305102" y="5117856"/>
+            <a:ext cx="9191447" cy="1569660"/>
           </a:xfrm>
           <a:prstGeom prst="rect">
             <a:avLst/>
@@ -29062,77 +31596,68 @@
           </a:bodyPr>
           <a:lstStyle/>
           <a:p>
-            <a:pPr>
+            <a:pPr marL="285750" indent="-285750">
               <a:lnSpc>
                 <a:spcPct val="150000"/>
               </a:lnSpc>
+              <a:buFont typeface="Wingdings" panose="05000000000000000000" pitchFamily="2" charset="2"/>
+              <a:buChar char="Ø"/>
             </a:pPr>
             <a:r>
-              <a:rPr lang="zh-CN" altLang="en-US" sz="1600" dirty="0">
-                <a:latin typeface="微软雅黑" pitchFamily="34" charset="-122"/>
-                <a:ea typeface="微软雅黑" pitchFamily="34" charset="-122"/>
-              </a:rPr>
-              <a:t>虽然</a:t>
-            </a:r>
-            <a:r>
               <a:rPr lang="en-US" altLang="zh-CN" sz="1600" dirty="0" smtClean="0">
                 <a:latin typeface="微软雅黑" pitchFamily="34" charset="-122"/>
                 <a:ea typeface="微软雅黑" pitchFamily="34" charset="-122"/>
               </a:rPr>
-              <a:t>mysql-binlog-connector-java</a:t>
+              <a:t>Slave</a:t>
             </a:r>
             <a:r>
               <a:rPr lang="zh-CN" altLang="en-US" sz="1600" dirty="0" smtClean="0">
                 <a:latin typeface="微软雅黑" pitchFamily="34" charset="-122"/>
                 <a:ea typeface="微软雅黑" pitchFamily="34" charset="-122"/>
               </a:rPr>
-              <a:t>不支持订阅部分表，但是仍然有性能优化的空间。</a:t>
-            </a:r>
-            <a:endParaRPr lang="en-US" altLang="zh-CN" sz="1600" dirty="0">
-              <a:latin typeface="微软雅黑" pitchFamily="34" charset="-122"/>
-              <a:ea typeface="微软雅黑" pitchFamily="34" charset="-122"/>
-            </a:endParaRPr>
-          </a:p>
-          <a:p>
-            <a:pPr>
-              <a:lnSpc>
-                <a:spcPct val="150000"/>
-              </a:lnSpc>
-            </a:pPr>
+              <a:t>开启</a:t>
+            </a:r>
+            <a:r>
+              <a:rPr lang="en-US" altLang="zh-CN" sz="1600" dirty="0" smtClean="0">
+                <a:latin typeface="微软雅黑" pitchFamily="34" charset="-122"/>
+                <a:ea typeface="微软雅黑" pitchFamily="34" charset="-122"/>
+              </a:rPr>
+              <a:t>I/O</a:t>
+            </a:r>
             <a:r>
               <a:rPr lang="zh-CN" altLang="en-US" sz="1600" dirty="0" smtClean="0">
                 <a:latin typeface="微软雅黑" pitchFamily="34" charset="-122"/>
                 <a:ea typeface="微软雅黑" pitchFamily="34" charset="-122"/>
               </a:rPr>
-              <a:t>基于社区</a:t>
+              <a:t>线程，向</a:t>
             </a:r>
             <a:r>
               <a:rPr lang="en-US" altLang="zh-CN" sz="1600" dirty="0" smtClean="0">
                 <a:latin typeface="微软雅黑" pitchFamily="34" charset="-122"/>
                 <a:ea typeface="微软雅黑" pitchFamily="34" charset="-122"/>
               </a:rPr>
-              <a:t>issues</a:t>
+              <a:t>Master</a:t>
             </a:r>
             <a:r>
               <a:rPr lang="zh-CN" altLang="en-US" sz="1600" dirty="0" smtClean="0">
                 <a:latin typeface="微软雅黑" pitchFamily="34" charset="-122"/>
                 <a:ea typeface="微软雅黑" pitchFamily="34" charset="-122"/>
               </a:rPr>
-              <a:t>，可以采用如下两个配置，降低</a:t>
+              <a:t>发起</a:t>
             </a:r>
             <a:r>
               <a:rPr lang="en-US" altLang="zh-CN" sz="1600" dirty="0" smtClean="0">
                 <a:latin typeface="微软雅黑" pitchFamily="34" charset="-122"/>
                 <a:ea typeface="微软雅黑" pitchFamily="34" charset="-122"/>
               </a:rPr>
-              <a:t>binlog</a:t>
+              <a:t>dump</a:t>
             </a:r>
             <a:r>
               <a:rPr lang="zh-CN" altLang="en-US" sz="1600" dirty="0" smtClean="0">
                 <a:latin typeface="微软雅黑" pitchFamily="34" charset="-122"/>
                 <a:ea typeface="微软雅黑" pitchFamily="34" charset="-122"/>
               </a:rPr>
-              <a:t>事件解析的性能损耗：</a:t>
+              <a:t>请求。</a:t>
             </a:r>
             <a:endParaRPr lang="en-US" altLang="zh-CN" sz="1600" dirty="0" smtClean="0">
               <a:latin typeface="微软雅黑" pitchFamily="34" charset="-122"/>
@@ -29140,52 +31665,103 @@
             </a:endParaRPr>
           </a:p>
           <a:p>
-            <a:pPr>
+            <a:pPr marL="285750" indent="-285750">
               <a:lnSpc>
                 <a:spcPct val="150000"/>
               </a:lnSpc>
+              <a:buFont typeface="Wingdings" panose="05000000000000000000" pitchFamily="2" charset="2"/>
+              <a:buChar char="Ø"/>
             </a:pPr>
             <a:r>
               <a:rPr lang="en-US" altLang="zh-CN" sz="1600" dirty="0" smtClean="0">
                 <a:latin typeface="微软雅黑" pitchFamily="34" charset="-122"/>
                 <a:ea typeface="微软雅黑" pitchFamily="34" charset="-122"/>
               </a:rPr>
-              <a:t>1. </a:t>
+              <a:t>Master</a:t>
             </a:r>
             <a:r>
               <a:rPr lang="zh-CN" altLang="en-US" sz="1600" dirty="0" smtClean="0">
                 <a:latin typeface="微软雅黑" pitchFamily="34" charset="-122"/>
                 <a:ea typeface="微软雅黑" pitchFamily="34" charset="-122"/>
               </a:rPr>
-              <a:t>面对当前业务场景，可以仅反序列化更新相关的</a:t>
+              <a:t>开启</a:t>
             </a:r>
             <a:r>
               <a:rPr lang="en-US" altLang="zh-CN" sz="1600" dirty="0" smtClean="0">
                 <a:latin typeface="微软雅黑" pitchFamily="34" charset="-122"/>
                 <a:ea typeface="微软雅黑" pitchFamily="34" charset="-122"/>
               </a:rPr>
-              <a:t>4</a:t>
+              <a:t>binlog dump</a:t>
             </a:r>
             <a:r>
               <a:rPr lang="zh-CN" altLang="en-US" sz="1600" dirty="0" smtClean="0">
                 <a:latin typeface="微软雅黑" pitchFamily="34" charset="-122"/>
                 <a:ea typeface="微软雅黑" pitchFamily="34" charset="-122"/>
               </a:rPr>
-              <a:t>个事件，不反序列化其他</a:t>
+              <a:t>线程，将</a:t>
+            </a:r>
+            <a:r>
+              <a:rPr lang="en-US" altLang="zh-CN" sz="1600" dirty="0">
+                <a:latin typeface="微软雅黑" pitchFamily="34" charset="-122"/>
+                <a:ea typeface="微软雅黑" pitchFamily="34" charset="-122"/>
+              </a:rPr>
+              <a:t>B</a:t>
             </a:r>
             <a:r>
               <a:rPr lang="en-US" altLang="zh-CN" sz="1600" dirty="0" smtClean="0">
                 <a:latin typeface="微软雅黑" pitchFamily="34" charset="-122"/>
                 <a:ea typeface="微软雅黑" pitchFamily="34" charset="-122"/>
               </a:rPr>
-              <a:t>36</a:t>
+              <a:t>inlog</a:t>
             </a:r>
             <a:r>
               <a:rPr lang="zh-CN" altLang="en-US" sz="1600" dirty="0" smtClean="0">
                 <a:latin typeface="微软雅黑" pitchFamily="34" charset="-122"/>
                 <a:ea typeface="微软雅黑" pitchFamily="34" charset="-122"/>
               </a:rPr>
-              <a:t>个事件。</a:t>
+              <a:t>日志推送给</a:t>
+            </a:r>
+            <a:r>
+              <a:rPr lang="en-US" altLang="zh-CN" sz="1600" dirty="0">
+                <a:latin typeface="微软雅黑" pitchFamily="34" charset="-122"/>
+                <a:ea typeface="微软雅黑" pitchFamily="34" charset="-122"/>
+              </a:rPr>
+              <a:t>S</a:t>
+            </a:r>
+            <a:r>
+              <a:rPr lang="en-US" altLang="zh-CN" sz="1600" dirty="0" smtClean="0">
+                <a:latin typeface="微软雅黑" pitchFamily="34" charset="-122"/>
+                <a:ea typeface="微软雅黑" pitchFamily="34" charset="-122"/>
+              </a:rPr>
+              <a:t>lave</a:t>
+            </a:r>
+            <a:r>
+              <a:rPr lang="zh-CN" altLang="en-US" sz="1600" dirty="0" smtClean="0">
+                <a:latin typeface="微软雅黑" pitchFamily="34" charset="-122"/>
+                <a:ea typeface="微软雅黑" pitchFamily="34" charset="-122"/>
+              </a:rPr>
+              <a:t>的</a:t>
+            </a:r>
+            <a:r>
+              <a:rPr lang="en-US" altLang="zh-CN" sz="1600" dirty="0" smtClean="0">
+                <a:latin typeface="微软雅黑" pitchFamily="34" charset="-122"/>
+                <a:ea typeface="微软雅黑" pitchFamily="34" charset="-122"/>
+              </a:rPr>
+              <a:t>I</a:t>
+            </a:r>
+            <a:r>
+              <a:rPr lang="en-US" altLang="zh-CN" sz="1600" dirty="0" smtClean="0">
+                <a:latin typeface="微软雅黑" pitchFamily="34" charset="-122"/>
+                <a:ea typeface="微软雅黑" pitchFamily="34" charset="-122"/>
+              </a:rPr>
+              <a:t>/O</a:t>
+            </a:r>
+            <a:r>
+              <a:rPr lang="zh-CN" altLang="en-US" sz="1600" dirty="0" smtClean="0">
+                <a:latin typeface="微软雅黑" pitchFamily="34" charset="-122"/>
+                <a:ea typeface="微软雅黑" pitchFamily="34" charset="-122"/>
+              </a:rPr>
+              <a:t>线程。</a:t>
             </a:r>
             <a:endParaRPr lang="en-US" altLang="zh-CN" sz="1600" dirty="0" smtClean="0">
               <a:latin typeface="微软雅黑" pitchFamily="34" charset="-122"/>
@@ -29193,153 +31769,149 @@
             </a:endParaRPr>
           </a:p>
           <a:p>
-            <a:pPr>
+            <a:pPr marL="285750" indent="-285750">
               <a:lnSpc>
                 <a:spcPct val="150000"/>
               </a:lnSpc>
+              <a:buFont typeface="Wingdings" panose="05000000000000000000" pitchFamily="2" charset="2"/>
+              <a:buChar char="Ø"/>
             </a:pPr>
+            <a:r>
+              <a:rPr lang="en-US" altLang="zh-CN" sz="1600" dirty="0" smtClean="0">
+                <a:latin typeface="微软雅黑" pitchFamily="34" charset="-122"/>
+                <a:ea typeface="微软雅黑" pitchFamily="34" charset="-122"/>
+              </a:rPr>
+              <a:t>Slave</a:t>
+            </a:r>
+            <a:r>
+              <a:rPr lang="zh-CN" altLang="en-US" sz="1600" dirty="0" smtClean="0">
+                <a:latin typeface="微软雅黑" pitchFamily="34" charset="-122"/>
+                <a:ea typeface="微软雅黑" pitchFamily="34" charset="-122"/>
+              </a:rPr>
+              <a:t>的</a:t>
+            </a:r>
+            <a:r>
+              <a:rPr lang="en-US" altLang="zh-CN" sz="1600" dirty="0" smtClean="0">
+                <a:latin typeface="微软雅黑" pitchFamily="34" charset="-122"/>
+                <a:ea typeface="微软雅黑" pitchFamily="34" charset="-122"/>
+              </a:rPr>
+              <a:t>I/O</a:t>
+            </a:r>
+            <a:r>
+              <a:rPr lang="zh-CN" altLang="en-US" sz="1600" dirty="0" smtClean="0">
+                <a:latin typeface="微软雅黑" pitchFamily="34" charset="-122"/>
+                <a:ea typeface="微软雅黑" pitchFamily="34" charset="-122"/>
+              </a:rPr>
+              <a:t>线程，将读取到的</a:t>
+            </a:r>
+            <a:r>
+              <a:rPr lang="en-US" altLang="zh-CN" sz="1600" dirty="0" smtClean="0">
+                <a:latin typeface="微软雅黑" pitchFamily="34" charset="-122"/>
+                <a:ea typeface="微软雅黑" pitchFamily="34" charset="-122"/>
+              </a:rPr>
+              <a:t>Binlog</a:t>
+            </a:r>
+            <a:r>
+              <a:rPr lang="zh-CN" altLang="en-US" sz="1600" dirty="0" smtClean="0">
+                <a:latin typeface="微软雅黑" pitchFamily="34" charset="-122"/>
+                <a:ea typeface="微软雅黑" pitchFamily="34" charset="-122"/>
+              </a:rPr>
+              <a:t>日志写入</a:t>
+            </a:r>
+            <a:r>
+              <a:rPr lang="en-US" altLang="zh-CN" sz="1600" dirty="0" smtClean="0">
+                <a:latin typeface="微软雅黑" pitchFamily="34" charset="-122"/>
+                <a:ea typeface="微软雅黑" pitchFamily="34" charset="-122"/>
+              </a:rPr>
+              <a:t>relay log</a:t>
+            </a:r>
+            <a:r>
+              <a:rPr lang="zh-CN" altLang="en-US" sz="1600" dirty="0" smtClean="0">
+                <a:latin typeface="微软雅黑" pitchFamily="34" charset="-122"/>
+                <a:ea typeface="微软雅黑" pitchFamily="34" charset="-122"/>
+              </a:rPr>
+              <a:t>。</a:t>
+            </a:r>
             <a:endParaRPr lang="en-US" altLang="zh-CN" sz="1600" dirty="0" smtClean="0">
               <a:latin typeface="微软雅黑" pitchFamily="34" charset="-122"/>
               <a:ea typeface="微软雅黑" pitchFamily="34" charset="-122"/>
             </a:endParaRPr>
           </a:p>
           <a:p>
-            <a:pPr>
+            <a:pPr marL="285750" indent="-285750">
               <a:lnSpc>
                 <a:spcPct val="150000"/>
               </a:lnSpc>
+              <a:buFont typeface="Wingdings" panose="05000000000000000000" pitchFamily="2" charset="2"/>
+              <a:buChar char="Ø"/>
             </a:pPr>
-            <a:endParaRPr lang="en-US" altLang="zh-CN" sz="1600" dirty="0" smtClean="0">
-              <a:latin typeface="微软雅黑" pitchFamily="34" charset="-122"/>
-              <a:ea typeface="微软雅黑" pitchFamily="34" charset="-122"/>
-            </a:endParaRPr>
-          </a:p>
-          <a:p>
-            <a:pPr>
-              <a:lnSpc>
-                <a:spcPct val="150000"/>
-              </a:lnSpc>
-            </a:pPr>
+            <a:r>
+              <a:rPr lang="en-US" altLang="zh-CN" sz="1600" dirty="0" smtClean="0">
+                <a:latin typeface="微软雅黑" pitchFamily="34" charset="-122"/>
+                <a:ea typeface="微软雅黑" pitchFamily="34" charset="-122"/>
+              </a:rPr>
+              <a:t>Slave</a:t>
+            </a:r>
+            <a:r>
+              <a:rPr lang="zh-CN" altLang="en-US" sz="1600" dirty="0">
+                <a:latin typeface="微软雅黑" pitchFamily="34" charset="-122"/>
+                <a:ea typeface="微软雅黑" pitchFamily="34" charset="-122"/>
+              </a:rPr>
+              <a:t>开启</a:t>
+            </a:r>
+            <a:r>
+              <a:rPr lang="en-US" altLang="zh-CN" sz="1600" dirty="0" smtClean="0">
+                <a:latin typeface="微软雅黑" pitchFamily="34" charset="-122"/>
+                <a:ea typeface="微软雅黑" pitchFamily="34" charset="-122"/>
+              </a:rPr>
+              <a:t>SQL</a:t>
+            </a:r>
+            <a:r>
+              <a:rPr lang="zh-CN" altLang="en-US" sz="1600" dirty="0" smtClean="0">
+                <a:latin typeface="微软雅黑" pitchFamily="34" charset="-122"/>
+                <a:ea typeface="微软雅黑" pitchFamily="34" charset="-122"/>
+              </a:rPr>
+              <a:t>线程，将从</a:t>
+            </a:r>
+            <a:r>
+              <a:rPr lang="en-US" altLang="zh-CN" sz="1600" dirty="0" smtClean="0">
+                <a:latin typeface="微软雅黑" pitchFamily="34" charset="-122"/>
+                <a:ea typeface="微软雅黑" pitchFamily="34" charset="-122"/>
+              </a:rPr>
+              <a:t>relay log</a:t>
+            </a:r>
+            <a:r>
+              <a:rPr lang="zh-CN" altLang="en-US" sz="1600" dirty="0" smtClean="0">
+                <a:latin typeface="微软雅黑" pitchFamily="34" charset="-122"/>
+                <a:ea typeface="微软雅黑" pitchFamily="34" charset="-122"/>
+              </a:rPr>
+              <a:t>中读取到的日志，在</a:t>
+            </a:r>
+            <a:r>
+              <a:rPr lang="en-US" altLang="zh-CN" sz="1600" dirty="0" smtClean="0">
+                <a:latin typeface="微软雅黑" pitchFamily="34" charset="-122"/>
+                <a:ea typeface="微软雅黑" pitchFamily="34" charset="-122"/>
+              </a:rPr>
+              <a:t>Slave</a:t>
+            </a:r>
+            <a:r>
+              <a:rPr lang="zh-CN" altLang="en-US" sz="1600" dirty="0" smtClean="0">
+                <a:latin typeface="微软雅黑" pitchFamily="34" charset="-122"/>
+                <a:ea typeface="微软雅黑" pitchFamily="34" charset="-122"/>
+              </a:rPr>
+              <a:t>数据库中回放，完成主从数据复制。</a:t>
+            </a:r>
             <a:endParaRPr lang="en-US" altLang="zh-CN" sz="1600" dirty="0">
-              <a:latin typeface="微软雅黑" pitchFamily="34" charset="-122"/>
-              <a:ea typeface="微软雅黑" pitchFamily="34" charset="-122"/>
-            </a:endParaRPr>
-          </a:p>
-          <a:p>
-            <a:pPr>
-              <a:lnSpc>
-                <a:spcPct val="150000"/>
-              </a:lnSpc>
-            </a:pPr>
-            <a:endParaRPr lang="en-US" altLang="zh-CN" sz="1600" dirty="0" smtClean="0">
-              <a:latin typeface="微软雅黑" pitchFamily="34" charset="-122"/>
-              <a:ea typeface="微软雅黑" pitchFamily="34" charset="-122"/>
-            </a:endParaRPr>
-          </a:p>
-          <a:p>
-            <a:pPr>
-              <a:lnSpc>
-                <a:spcPct val="150000"/>
-              </a:lnSpc>
-            </a:pPr>
-            <a:endParaRPr lang="en-US" altLang="zh-CN" sz="1600" dirty="0">
-              <a:latin typeface="微软雅黑" pitchFamily="34" charset="-122"/>
-              <a:ea typeface="微软雅黑" pitchFamily="34" charset="-122"/>
-            </a:endParaRPr>
-          </a:p>
-          <a:p>
-            <a:pPr>
-              <a:lnSpc>
-                <a:spcPct val="150000"/>
-              </a:lnSpc>
-            </a:pPr>
-            <a:r>
-              <a:rPr lang="en-US" altLang="zh-CN" sz="1600" dirty="0" smtClean="0">
-                <a:latin typeface="微软雅黑" pitchFamily="34" charset="-122"/>
-                <a:ea typeface="微软雅黑" pitchFamily="34" charset="-122"/>
-              </a:rPr>
-              <a:t>2. </a:t>
-            </a:r>
-            <a:r>
-              <a:rPr lang="zh-CN" altLang="en-US" sz="1600" dirty="0" smtClean="0">
-                <a:latin typeface="微软雅黑" pitchFamily="34" charset="-122"/>
-                <a:ea typeface="微软雅黑" pitchFamily="34" charset="-122"/>
-              </a:rPr>
-              <a:t>不去反序列化日期时间和字符串，按作者所述，当数据中包含大量时间及字符串时，会有</a:t>
-            </a:r>
-            <a:r>
-              <a:rPr lang="en-US" altLang="zh-CN" sz="1600" dirty="0" smtClean="0">
-                <a:latin typeface="微软雅黑" pitchFamily="34" charset="-122"/>
-                <a:ea typeface="微软雅黑" pitchFamily="34" charset="-122"/>
-              </a:rPr>
-              <a:t>10</a:t>
-            </a:r>
-            <a:r>
-              <a:rPr lang="zh-CN" altLang="en-US" sz="1600" dirty="0" smtClean="0">
-                <a:latin typeface="微软雅黑" pitchFamily="34" charset="-122"/>
-                <a:ea typeface="微软雅黑" pitchFamily="34" charset="-122"/>
-              </a:rPr>
-              <a:t>倍性能差。</a:t>
-            </a:r>
-            <a:endParaRPr lang="en-US" altLang="zh-CN" sz="1600" dirty="0" smtClean="0">
               <a:latin typeface="微软雅黑" pitchFamily="34" charset="-122"/>
               <a:ea typeface="微软雅黑" pitchFamily="34" charset="-122"/>
             </a:endParaRPr>
           </a:p>
         </p:txBody>
       </p:sp>
-      <p:pic>
-        <p:nvPicPr>
-          <p:cNvPr id="4" name="图片 3"/>
-          <p:cNvPicPr>
-            <a:picLocks noChangeAspect="1"/>
-          </p:cNvPicPr>
-          <p:nvPr/>
-        </p:nvPicPr>
-        <p:blipFill>
-          <a:blip r:embed="rId3"/>
-          <a:stretch>
-            <a:fillRect/>
-          </a:stretch>
-        </p:blipFill>
-        <p:spPr>
-          <a:xfrm>
-            <a:off x="1442765" y="2239781"/>
-            <a:ext cx="6467475" cy="1476375"/>
-          </a:xfrm>
-          <a:prstGeom prst="rect">
-            <a:avLst/>
-          </a:prstGeom>
-        </p:spPr>
-      </p:pic>
-      <p:pic>
-        <p:nvPicPr>
-          <p:cNvPr id="5" name="图片 4"/>
-          <p:cNvPicPr>
-            <a:picLocks noChangeAspect="1"/>
-          </p:cNvPicPr>
-          <p:nvPr/>
-        </p:nvPicPr>
-        <p:blipFill>
-          <a:blip r:embed="rId4"/>
-          <a:stretch>
-            <a:fillRect/>
-          </a:stretch>
-        </p:blipFill>
-        <p:spPr>
-          <a:xfrm>
-            <a:off x="1433240" y="4497346"/>
-            <a:ext cx="6477000" cy="1371600"/>
-          </a:xfrm>
-          <a:prstGeom prst="rect">
-            <a:avLst/>
-          </a:prstGeom>
-        </p:spPr>
-      </p:pic>
     </p:spTree>
     <p:extLst>
       <p:ext uri="{BB962C8B-B14F-4D97-AF65-F5344CB8AC3E}">
-        <p14:creationId xmlns:p14="http://schemas.microsoft.com/office/powerpoint/2010/main" val="976805978"/>
+        <p14:creationId xmlns:p14="http://schemas.microsoft.com/office/powerpoint/2010/main" val="3842615919"/>
       </p:ext>
     </p:extLst>
   </p:cSld>
